--- a/ÁcsBenjámin.pptx
+++ b/ÁcsBenjámin.pptx
@@ -2,18 +2,20 @@
 <file path=ppt/presentation.xml><?xml version="1.0" encoding="utf-8"?>
 <p:presentation xmlns:a="http://schemas.openxmlformats.org/drawingml/2006/main" xmlns:r="http://schemas.openxmlformats.org/officeDocument/2006/relationships" xmlns:p="http://schemas.openxmlformats.org/presentationml/2006/main" saveSubsetFonts="1">
   <p:sldMasterIdLst>
-    <p:sldMasterId id="2147483648" r:id="rId1"/>
+    <p:sldMasterId id="2147483711" r:id="rId1"/>
   </p:sldMasterIdLst>
   <p:sldIdLst>
     <p:sldId id="256" r:id="rId2"/>
+    <p:sldId id="257" r:id="rId3"/>
+    <p:sldId id="258" r:id="rId4"/>
   </p:sldIdLst>
   <p:sldSz cx="12192000" cy="6858000"/>
   <p:notesSz cx="6858000" cy="9144000"/>
   <p:defaultTextStyle>
     <a:defPPr>
-      <a:defRPr lang="hu-HU"/>
+      <a:defRPr lang="en-US"/>
     </a:defPPr>
-    <a:lvl1pPr marL="0" algn="l" defTabSz="914400" rtl="0" eaLnBrk="1" latinLnBrk="0" hangingPunct="1">
+    <a:lvl1pPr marL="0" algn="l" defTabSz="457200" rtl="0" eaLnBrk="1" latinLnBrk="0" hangingPunct="1">
       <a:defRPr sz="1800" kern="1200">
         <a:solidFill>
           <a:schemeClr val="tx1"/>
@@ -23,7 +25,7 @@
         <a:cs typeface="+mn-cs"/>
       </a:defRPr>
     </a:lvl1pPr>
-    <a:lvl2pPr marL="457200" algn="l" defTabSz="914400" rtl="0" eaLnBrk="1" latinLnBrk="0" hangingPunct="1">
+    <a:lvl2pPr marL="457200" algn="l" defTabSz="457200" rtl="0" eaLnBrk="1" latinLnBrk="0" hangingPunct="1">
       <a:defRPr sz="1800" kern="1200">
         <a:solidFill>
           <a:schemeClr val="tx1"/>
@@ -33,7 +35,7 @@
         <a:cs typeface="+mn-cs"/>
       </a:defRPr>
     </a:lvl2pPr>
-    <a:lvl3pPr marL="914400" algn="l" defTabSz="914400" rtl="0" eaLnBrk="1" latinLnBrk="0" hangingPunct="1">
+    <a:lvl3pPr marL="914400" algn="l" defTabSz="457200" rtl="0" eaLnBrk="1" latinLnBrk="0" hangingPunct="1">
       <a:defRPr sz="1800" kern="1200">
         <a:solidFill>
           <a:schemeClr val="tx1"/>
@@ -43,7 +45,7 @@
         <a:cs typeface="+mn-cs"/>
       </a:defRPr>
     </a:lvl3pPr>
-    <a:lvl4pPr marL="1371600" algn="l" defTabSz="914400" rtl="0" eaLnBrk="1" latinLnBrk="0" hangingPunct="1">
+    <a:lvl4pPr marL="1371600" algn="l" defTabSz="457200" rtl="0" eaLnBrk="1" latinLnBrk="0" hangingPunct="1">
       <a:defRPr sz="1800" kern="1200">
         <a:solidFill>
           <a:schemeClr val="tx1"/>
@@ -53,7 +55,7 @@
         <a:cs typeface="+mn-cs"/>
       </a:defRPr>
     </a:lvl4pPr>
-    <a:lvl5pPr marL="1828800" algn="l" defTabSz="914400" rtl="0" eaLnBrk="1" latinLnBrk="0" hangingPunct="1">
+    <a:lvl5pPr marL="1828800" algn="l" defTabSz="457200" rtl="0" eaLnBrk="1" latinLnBrk="0" hangingPunct="1">
       <a:defRPr sz="1800" kern="1200">
         <a:solidFill>
           <a:schemeClr val="tx1"/>
@@ -63,7 +65,7 @@
         <a:cs typeface="+mn-cs"/>
       </a:defRPr>
     </a:lvl5pPr>
-    <a:lvl6pPr marL="2286000" algn="l" defTabSz="914400" rtl="0" eaLnBrk="1" latinLnBrk="0" hangingPunct="1">
+    <a:lvl6pPr marL="2286000" algn="l" defTabSz="457200" rtl="0" eaLnBrk="1" latinLnBrk="0" hangingPunct="1">
       <a:defRPr sz="1800" kern="1200">
         <a:solidFill>
           <a:schemeClr val="tx1"/>
@@ -73,7 +75,7 @@
         <a:cs typeface="+mn-cs"/>
       </a:defRPr>
     </a:lvl6pPr>
-    <a:lvl7pPr marL="2743200" algn="l" defTabSz="914400" rtl="0" eaLnBrk="1" latinLnBrk="0" hangingPunct="1">
+    <a:lvl7pPr marL="2743200" algn="l" defTabSz="457200" rtl="0" eaLnBrk="1" latinLnBrk="0" hangingPunct="1">
       <a:defRPr sz="1800" kern="1200">
         <a:solidFill>
           <a:schemeClr val="tx1"/>
@@ -83,7 +85,7 @@
         <a:cs typeface="+mn-cs"/>
       </a:defRPr>
     </a:lvl7pPr>
-    <a:lvl8pPr marL="3200400" algn="l" defTabSz="914400" rtl="0" eaLnBrk="1" latinLnBrk="0" hangingPunct="1">
+    <a:lvl8pPr marL="3200400" algn="l" defTabSz="457200" rtl="0" eaLnBrk="1" latinLnBrk="0" hangingPunct="1">
       <a:defRPr sz="1800" kern="1200">
         <a:solidFill>
           <a:schemeClr val="tx1"/>
@@ -93,7 +95,7 @@
         <a:cs typeface="+mn-cs"/>
       </a:defRPr>
     </a:lvl8pPr>
-    <a:lvl9pPr marL="3657600" algn="l" defTabSz="914400" rtl="0" eaLnBrk="1" latinLnBrk="0" hangingPunct="1">
+    <a:lvl9pPr marL="3657600" algn="l" defTabSz="457200" rtl="0" eaLnBrk="1" latinLnBrk="0" hangingPunct="1">
       <a:defRPr sz="1800" kern="1200">
         <a:solidFill>
           <a:schemeClr val="tx1"/>
@@ -126,7 +128,7 @@
       </p:grpSpPr>
       <p:sp>
         <p:nvSpPr>
-          <p:cNvPr id="2" name="Cím 1"/>
+          <p:cNvPr id="2" name="Title 1"/>
           <p:cNvSpPr>
             <a:spLocks noGrp="1"/>
           </p:cNvSpPr>
@@ -136,15 +138,17 @@
         </p:nvSpPr>
         <p:spPr>
           <a:xfrm>
-            <a:off x="1524000" y="1122363"/>
-            <a:ext cx="9144000" cy="2387600"/>
+            <a:off x="2589213" y="2514600"/>
+            <a:ext cx="8915399" cy="2262781"/>
           </a:xfrm>
         </p:spPr>
         <p:txBody>
-          <a:bodyPr anchor="b"/>
+          <a:bodyPr anchor="b">
+            <a:normAutofit/>
+          </a:bodyPr>
           <a:lstStyle>
-            <a:lvl1pPr algn="ctr">
-              <a:defRPr sz="6000"/>
+            <a:lvl1pPr>
+              <a:defRPr sz="5400"/>
             </a:lvl1pPr>
           </a:lstStyle>
           <a:p>
@@ -152,13 +156,13 @@
               <a:rPr lang="hu-HU" smtClean="0"/>
               <a:t>Mintacím szerkesztése</a:t>
             </a:r>
-            <a:endParaRPr lang="hu-HU"/>
-          </a:p>
-        </p:txBody>
-      </p:sp>
-      <p:sp>
-        <p:nvSpPr>
-          <p:cNvPr id="3" name="Alcím 2"/>
+            <a:endParaRPr lang="en-US" dirty="0"/>
+          </a:p>
+        </p:txBody>
+      </p:sp>
+      <p:sp>
+        <p:nvSpPr>
+          <p:cNvPr id="3" name="Subtitle 2"/>
           <p:cNvSpPr>
             <a:spLocks noGrp="1"/>
           </p:cNvSpPr>
@@ -168,48 +172,103 @@
         </p:nvSpPr>
         <p:spPr>
           <a:xfrm>
-            <a:off x="1524000" y="3602038"/>
-            <a:ext cx="9144000" cy="1655762"/>
+            <a:off x="2589213" y="4777379"/>
+            <a:ext cx="8915399" cy="1126283"/>
           </a:xfrm>
         </p:spPr>
         <p:txBody>
-          <a:bodyPr/>
+          <a:bodyPr anchor="t"/>
           <a:lstStyle>
-            <a:lvl1pPr marL="0" indent="0" algn="ctr">
-              <a:buNone/>
-              <a:defRPr sz="2400"/>
+            <a:lvl1pPr marL="0" indent="0" algn="l">
+              <a:buNone/>
+              <a:defRPr>
+                <a:solidFill>
+                  <a:schemeClr val="tx1">
+                    <a:lumMod val="65000"/>
+                    <a:lumOff val="35000"/>
+                  </a:schemeClr>
+                </a:solidFill>
+              </a:defRPr>
             </a:lvl1pPr>
             <a:lvl2pPr marL="457200" indent="0" algn="ctr">
               <a:buNone/>
-              <a:defRPr sz="2000"/>
+              <a:defRPr>
+                <a:solidFill>
+                  <a:schemeClr val="tx1">
+                    <a:tint val="75000"/>
+                  </a:schemeClr>
+                </a:solidFill>
+              </a:defRPr>
             </a:lvl2pPr>
             <a:lvl3pPr marL="914400" indent="0" algn="ctr">
               <a:buNone/>
-              <a:defRPr sz="1800"/>
+              <a:defRPr>
+                <a:solidFill>
+                  <a:schemeClr val="tx1">
+                    <a:tint val="75000"/>
+                  </a:schemeClr>
+                </a:solidFill>
+              </a:defRPr>
             </a:lvl3pPr>
             <a:lvl4pPr marL="1371600" indent="0" algn="ctr">
               <a:buNone/>
-              <a:defRPr sz="1600"/>
+              <a:defRPr>
+                <a:solidFill>
+                  <a:schemeClr val="tx1">
+                    <a:tint val="75000"/>
+                  </a:schemeClr>
+                </a:solidFill>
+              </a:defRPr>
             </a:lvl4pPr>
             <a:lvl5pPr marL="1828800" indent="0" algn="ctr">
               <a:buNone/>
-              <a:defRPr sz="1600"/>
+              <a:defRPr>
+                <a:solidFill>
+                  <a:schemeClr val="tx1">
+                    <a:tint val="75000"/>
+                  </a:schemeClr>
+                </a:solidFill>
+              </a:defRPr>
             </a:lvl5pPr>
             <a:lvl6pPr marL="2286000" indent="0" algn="ctr">
               <a:buNone/>
-              <a:defRPr sz="1600"/>
+              <a:defRPr>
+                <a:solidFill>
+                  <a:schemeClr val="tx1">
+                    <a:tint val="75000"/>
+                  </a:schemeClr>
+                </a:solidFill>
+              </a:defRPr>
             </a:lvl6pPr>
             <a:lvl7pPr marL="2743200" indent="0" algn="ctr">
               <a:buNone/>
-              <a:defRPr sz="1600"/>
+              <a:defRPr>
+                <a:solidFill>
+                  <a:schemeClr val="tx1">
+                    <a:tint val="75000"/>
+                  </a:schemeClr>
+                </a:solidFill>
+              </a:defRPr>
             </a:lvl7pPr>
             <a:lvl8pPr marL="3200400" indent="0" algn="ctr">
               <a:buNone/>
-              <a:defRPr sz="1600"/>
+              <a:defRPr>
+                <a:solidFill>
+                  <a:schemeClr val="tx1">
+                    <a:tint val="75000"/>
+                  </a:schemeClr>
+                </a:solidFill>
+              </a:defRPr>
             </a:lvl8pPr>
             <a:lvl9pPr marL="3657600" indent="0" algn="ctr">
               <a:buNone/>
-              <a:defRPr sz="1600"/>
+              <a:defRPr>
+                <a:solidFill>
+                  <a:schemeClr val="tx1">
+                    <a:tint val="75000"/>
+                  </a:schemeClr>
+                </a:solidFill>
+              </a:defRPr>
             </a:lvl9pPr>
           </a:lstStyle>
           <a:p>
@@ -217,13 +276,13 @@
               <a:rPr lang="hu-HU" smtClean="0"/>
               <a:t>Kattintson ide az alcím mintájának szerkesztéséhez</a:t>
             </a:r>
-            <a:endParaRPr lang="hu-HU"/>
-          </a:p>
-        </p:txBody>
-      </p:sp>
-      <p:sp>
-        <p:nvSpPr>
-          <p:cNvPr id="4" name="Dátum helye 3"/>
+            <a:endParaRPr lang="en-US" dirty="0"/>
+          </a:p>
+        </p:txBody>
+      </p:sp>
+      <p:sp>
+        <p:nvSpPr>
+          <p:cNvPr id="4" name="Date Placeholder 3"/>
           <p:cNvSpPr>
             <a:spLocks noGrp="1"/>
           </p:cNvSpPr>
@@ -246,7 +305,7 @@
       </p:sp>
       <p:sp>
         <p:nvSpPr>
-          <p:cNvPr id="5" name="Élőláb helye 4"/>
+          <p:cNvPr id="5" name="Footer Placeholder 4"/>
           <p:cNvSpPr>
             <a:spLocks noGrp="1"/>
           </p:cNvSpPr>
@@ -265,7 +324,89 @@
       </p:sp>
       <p:sp>
         <p:nvSpPr>
-          <p:cNvPr id="6" name="Dia számának helye 5"/>
+          <p:cNvPr id="7" name="Freeform 6"/>
+          <p:cNvSpPr/>
+          <p:nvPr/>
+        </p:nvSpPr>
+        <p:spPr bwMode="auto">
+          <a:xfrm>
+            <a:off x="0" y="4323810"/>
+            <a:ext cx="1744652" cy="778589"/>
+          </a:xfrm>
+          <a:custGeom>
+            <a:avLst/>
+            <a:gdLst/>
+            <a:ahLst/>
+            <a:cxnLst/>
+            <a:rect l="0" t="0" r="r" b="b"/>
+            <a:pathLst>
+              <a:path w="372" h="166">
+                <a:moveTo>
+                  <a:pt x="287" y="166"/>
+                </a:moveTo>
+                <a:cubicBezTo>
+                  <a:pt x="290" y="166"/>
+                  <a:pt x="292" y="165"/>
+                  <a:pt x="293" y="164"/>
+                </a:cubicBezTo>
+                <a:cubicBezTo>
+                  <a:pt x="293" y="163"/>
+                  <a:pt x="294" y="163"/>
+                  <a:pt x="294" y="163"/>
+                </a:cubicBezTo>
+                <a:cubicBezTo>
+                  <a:pt x="370" y="87"/>
+                  <a:pt x="370" y="87"/>
+                  <a:pt x="370" y="87"/>
+                </a:cubicBezTo>
+                <a:cubicBezTo>
+                  <a:pt x="372" y="85"/>
+                  <a:pt x="372" y="81"/>
+                  <a:pt x="370" y="78"/>
+                </a:cubicBezTo>
+                <a:cubicBezTo>
+                  <a:pt x="294" y="3"/>
+                  <a:pt x="294" y="3"/>
+                  <a:pt x="294" y="3"/>
+                </a:cubicBezTo>
+                <a:cubicBezTo>
+                  <a:pt x="294" y="2"/>
+                  <a:pt x="293" y="2"/>
+                  <a:pt x="293" y="2"/>
+                </a:cubicBezTo>
+                <a:cubicBezTo>
+                  <a:pt x="292" y="1"/>
+                  <a:pt x="290" y="0"/>
+                  <a:pt x="287" y="0"/>
+                </a:cubicBezTo>
+                <a:cubicBezTo>
+                  <a:pt x="0" y="0"/>
+                  <a:pt x="0" y="0"/>
+                  <a:pt x="0" y="0"/>
+                </a:cubicBezTo>
+                <a:cubicBezTo>
+                  <a:pt x="0" y="166"/>
+                  <a:pt x="0" y="166"/>
+                  <a:pt x="0" y="166"/>
+                </a:cubicBezTo>
+                <a:lnTo>
+                  <a:pt x="287" y="166"/>
+                </a:lnTo>
+                <a:close/>
+              </a:path>
+            </a:pathLst>
+          </a:custGeom>
+          <a:solidFill>
+            <a:schemeClr val="accent1"/>
+          </a:solidFill>
+          <a:ln>
+            <a:noFill/>
+          </a:ln>
+        </p:spPr>
+      </p:sp>
+      <p:sp>
+        <p:nvSpPr>
+          <p:cNvPr id="6" name="Slide Number Placeholder 5"/>
           <p:cNvSpPr>
             <a:spLocks noGrp="1"/>
           </p:cNvSpPr>
@@ -273,7 +414,12 @@
             <p:ph type="sldNum" sz="quarter" idx="12"/>
           </p:nvPr>
         </p:nvSpPr>
-        <p:spPr/>
+        <p:spPr>
+          <a:xfrm>
+            <a:off x="531812" y="4529540"/>
+            <a:ext cx="779767" cy="365125"/>
+          </a:xfrm>
+        </p:spPr>
         <p:txBody>
           <a:bodyPr/>
           <a:lstStyle/>
@@ -289,7 +435,7 @@
     </p:spTree>
     <p:extLst>
       <p:ext uri="{BB962C8B-B14F-4D97-AF65-F5344CB8AC3E}">
-        <p14:creationId xmlns:p14="http://schemas.microsoft.com/office/powerpoint/2010/main" val="3167021673"/>
+        <p14:creationId xmlns:p14="http://schemas.microsoft.com/office/powerpoint/2010/main" val="1678287682"/>
       </p:ext>
     </p:extLst>
   </p:cSld>
@@ -300,6 +446,1797 @@
 </file>
 
 <file path=ppt/slideLayouts/slideLayout10.xml><?xml version="1.0" encoding="utf-8"?>
+<p:sldLayout xmlns:a="http://schemas.openxmlformats.org/drawingml/2006/main" xmlns:r="http://schemas.openxmlformats.org/officeDocument/2006/relationships" xmlns:p="http://schemas.openxmlformats.org/presentationml/2006/main" preserve="1">
+  <p:cSld name="Cím és képaláírás">
+    <p:spTree>
+      <p:nvGrpSpPr>
+        <p:cNvPr id="1" name=""/>
+        <p:cNvGrpSpPr/>
+        <p:nvPr/>
+      </p:nvGrpSpPr>
+      <p:grpSpPr>
+        <a:xfrm>
+          <a:off x="0" y="0"/>
+          <a:ext cx="0" cy="0"/>
+          <a:chOff x="0" y="0"/>
+          <a:chExt cx="0" cy="0"/>
+        </a:xfrm>
+      </p:grpSpPr>
+      <p:sp>
+        <p:nvSpPr>
+          <p:cNvPr id="2" name="Title 1"/>
+          <p:cNvSpPr>
+            <a:spLocks noGrp="1"/>
+          </p:cNvSpPr>
+          <p:nvPr>
+            <p:ph type="title"/>
+          </p:nvPr>
+        </p:nvSpPr>
+        <p:spPr>
+          <a:xfrm>
+            <a:off x="2589212" y="609600"/>
+            <a:ext cx="8915399" cy="3117040"/>
+          </a:xfrm>
+        </p:spPr>
+        <p:txBody>
+          <a:bodyPr anchor="ctr">
+            <a:normAutofit/>
+          </a:bodyPr>
+          <a:lstStyle>
+            <a:lvl1pPr algn="l">
+              <a:defRPr sz="4800" b="0" cap="none"/>
+            </a:lvl1pPr>
+          </a:lstStyle>
+          <a:p>
+            <a:r>
+              <a:rPr lang="hu-HU" smtClean="0"/>
+              <a:t>Mintacím szerkesztése</a:t>
+            </a:r>
+            <a:endParaRPr lang="en-US" dirty="0"/>
+          </a:p>
+        </p:txBody>
+      </p:sp>
+      <p:sp>
+        <p:nvSpPr>
+          <p:cNvPr id="3" name="Text Placeholder 2"/>
+          <p:cNvSpPr>
+            <a:spLocks noGrp="1"/>
+          </p:cNvSpPr>
+          <p:nvPr>
+            <p:ph type="body" idx="1"/>
+          </p:nvPr>
+        </p:nvSpPr>
+        <p:spPr>
+          <a:xfrm>
+            <a:off x="2589212" y="4354046"/>
+            <a:ext cx="8915399" cy="1555864"/>
+          </a:xfrm>
+        </p:spPr>
+        <p:txBody>
+          <a:bodyPr anchor="ctr">
+            <a:normAutofit/>
+          </a:bodyPr>
+          <a:lstStyle>
+            <a:lvl1pPr marL="0" indent="0" algn="l">
+              <a:buNone/>
+              <a:defRPr sz="1800">
+                <a:solidFill>
+                  <a:schemeClr val="tx1">
+                    <a:lumMod val="65000"/>
+                    <a:lumOff val="35000"/>
+                  </a:schemeClr>
+                </a:solidFill>
+              </a:defRPr>
+            </a:lvl1pPr>
+            <a:lvl2pPr marL="457200" indent="0">
+              <a:buNone/>
+              <a:defRPr sz="1800">
+                <a:solidFill>
+                  <a:schemeClr val="tx1">
+                    <a:tint val="75000"/>
+                  </a:schemeClr>
+                </a:solidFill>
+              </a:defRPr>
+            </a:lvl2pPr>
+            <a:lvl3pPr marL="914400" indent="0">
+              <a:buNone/>
+              <a:defRPr sz="1600">
+                <a:solidFill>
+                  <a:schemeClr val="tx1">
+                    <a:tint val="75000"/>
+                  </a:schemeClr>
+                </a:solidFill>
+              </a:defRPr>
+            </a:lvl3pPr>
+            <a:lvl4pPr marL="1371600" indent="0">
+              <a:buNone/>
+              <a:defRPr sz="1400">
+                <a:solidFill>
+                  <a:schemeClr val="tx1">
+                    <a:tint val="75000"/>
+                  </a:schemeClr>
+                </a:solidFill>
+              </a:defRPr>
+            </a:lvl4pPr>
+            <a:lvl5pPr marL="1828800" indent="0">
+              <a:buNone/>
+              <a:defRPr sz="1400">
+                <a:solidFill>
+                  <a:schemeClr val="tx1">
+                    <a:tint val="75000"/>
+                  </a:schemeClr>
+                </a:solidFill>
+              </a:defRPr>
+            </a:lvl5pPr>
+            <a:lvl6pPr marL="2286000" indent="0">
+              <a:buNone/>
+              <a:defRPr sz="1400">
+                <a:solidFill>
+                  <a:schemeClr val="tx1">
+                    <a:tint val="75000"/>
+                  </a:schemeClr>
+                </a:solidFill>
+              </a:defRPr>
+            </a:lvl6pPr>
+            <a:lvl7pPr marL="2743200" indent="0">
+              <a:buNone/>
+              <a:defRPr sz="1400">
+                <a:solidFill>
+                  <a:schemeClr val="tx1">
+                    <a:tint val="75000"/>
+                  </a:schemeClr>
+                </a:solidFill>
+              </a:defRPr>
+            </a:lvl7pPr>
+            <a:lvl8pPr marL="3200400" indent="0">
+              <a:buNone/>
+              <a:defRPr sz="1400">
+                <a:solidFill>
+                  <a:schemeClr val="tx1">
+                    <a:tint val="75000"/>
+                  </a:schemeClr>
+                </a:solidFill>
+              </a:defRPr>
+            </a:lvl8pPr>
+            <a:lvl9pPr marL="3657600" indent="0">
+              <a:buNone/>
+              <a:defRPr sz="1400">
+                <a:solidFill>
+                  <a:schemeClr val="tx1">
+                    <a:tint val="75000"/>
+                  </a:schemeClr>
+                </a:solidFill>
+              </a:defRPr>
+            </a:lvl9pPr>
+          </a:lstStyle>
+          <a:p>
+            <a:pPr lvl="0"/>
+            <a:r>
+              <a:rPr lang="hu-HU" smtClean="0"/>
+              <a:t>Mintaszöveg szerkesztése</a:t>
+            </a:r>
+          </a:p>
+        </p:txBody>
+      </p:sp>
+      <p:sp>
+        <p:nvSpPr>
+          <p:cNvPr id="4" name="Date Placeholder 3"/>
+          <p:cNvSpPr>
+            <a:spLocks noGrp="1"/>
+          </p:cNvSpPr>
+          <p:nvPr>
+            <p:ph type="dt" sz="half" idx="10"/>
+          </p:nvPr>
+        </p:nvSpPr>
+        <p:spPr/>
+        <p:txBody>
+          <a:bodyPr/>
+          <a:lstStyle/>
+          <a:p>
+            <a:fld id="{1FBE6F4E-83DD-4E98-AD18-B1A817740B5F}" type="datetimeFigureOut">
+              <a:rPr lang="hu-HU" smtClean="0"/>
+              <a:t>2022.09.14.</a:t>
+            </a:fld>
+            <a:endParaRPr lang="hu-HU"/>
+          </a:p>
+        </p:txBody>
+      </p:sp>
+      <p:sp>
+        <p:nvSpPr>
+          <p:cNvPr id="5" name="Footer Placeholder 4"/>
+          <p:cNvSpPr>
+            <a:spLocks noGrp="1"/>
+          </p:cNvSpPr>
+          <p:nvPr>
+            <p:ph type="ftr" sz="quarter" idx="11"/>
+          </p:nvPr>
+        </p:nvSpPr>
+        <p:spPr/>
+        <p:txBody>
+          <a:bodyPr/>
+          <a:lstStyle/>
+          <a:p>
+            <a:endParaRPr lang="hu-HU"/>
+          </a:p>
+        </p:txBody>
+      </p:sp>
+      <p:sp>
+        <p:nvSpPr>
+          <p:cNvPr id="9" name="Freeform 11"/>
+          <p:cNvSpPr/>
+          <p:nvPr/>
+        </p:nvSpPr>
+        <p:spPr bwMode="auto">
+          <a:xfrm flipV="1">
+            <a:off x="-4189" y="3178175"/>
+            <a:ext cx="1588527" cy="507297"/>
+          </a:xfrm>
+          <a:custGeom>
+            <a:avLst/>
+            <a:gdLst/>
+            <a:ahLst/>
+            <a:cxnLst/>
+            <a:rect l="l" t="t" r="r" b="b"/>
+            <a:pathLst>
+              <a:path w="9248" h="10000">
+                <a:moveTo>
+                  <a:pt x="9248" y="4701"/>
+                </a:moveTo>
+                <a:lnTo>
+                  <a:pt x="7915" y="188"/>
+                </a:lnTo>
+                <a:cubicBezTo>
+                  <a:pt x="7906" y="156"/>
+                  <a:pt x="7895" y="126"/>
+                  <a:pt x="7886" y="94"/>
+                </a:cubicBezTo>
+                <a:cubicBezTo>
+                  <a:pt x="7859" y="0"/>
+                  <a:pt x="7831" y="0"/>
+                  <a:pt x="7803" y="0"/>
+                </a:cubicBezTo>
+                <a:lnTo>
+                  <a:pt x="7275" y="0"/>
+                </a:lnTo>
+                <a:lnTo>
+                  <a:pt x="0" y="70"/>
+                </a:lnTo>
+                <a:cubicBezTo>
+                  <a:pt x="8" y="3380"/>
+                  <a:pt x="17" y="6690"/>
+                  <a:pt x="25" y="10000"/>
+                </a:cubicBezTo>
+                <a:lnTo>
+                  <a:pt x="7275" y="9966"/>
+                </a:lnTo>
+                <a:lnTo>
+                  <a:pt x="7803" y="9966"/>
+                </a:lnTo>
+                <a:cubicBezTo>
+                  <a:pt x="7831" y="9966"/>
+                  <a:pt x="7859" y="9872"/>
+                  <a:pt x="7886" y="9872"/>
+                </a:cubicBezTo>
+                <a:cubicBezTo>
+                  <a:pt x="7886" y="9778"/>
+                  <a:pt x="7915" y="9778"/>
+                  <a:pt x="7915" y="9778"/>
+                </a:cubicBezTo>
+                <a:lnTo>
+                  <a:pt x="9248" y="5265"/>
+                </a:lnTo>
+                <a:cubicBezTo>
+                  <a:pt x="9303" y="5077"/>
+                  <a:pt x="9303" y="4889"/>
+                  <a:pt x="9248" y="4701"/>
+                </a:cubicBezTo>
+                <a:close/>
+              </a:path>
+            </a:pathLst>
+          </a:custGeom>
+          <a:solidFill>
+            <a:schemeClr val="accent1"/>
+          </a:solidFill>
+          <a:ln>
+            <a:noFill/>
+          </a:ln>
+        </p:spPr>
+      </p:sp>
+      <p:sp>
+        <p:nvSpPr>
+          <p:cNvPr id="6" name="Slide Number Placeholder 5"/>
+          <p:cNvSpPr>
+            <a:spLocks noGrp="1"/>
+          </p:cNvSpPr>
+          <p:nvPr>
+            <p:ph type="sldNum" sz="quarter" idx="12"/>
+          </p:nvPr>
+        </p:nvSpPr>
+        <p:spPr>
+          <a:xfrm>
+            <a:off x="531812" y="3244139"/>
+            <a:ext cx="779767" cy="365125"/>
+          </a:xfrm>
+        </p:spPr>
+        <p:txBody>
+          <a:bodyPr/>
+          <a:lstStyle/>
+          <a:p>
+            <a:fld id="{9CEE03E0-AD40-450F-B7FA-AF89F236426D}" type="slidenum">
+              <a:rPr lang="hu-HU" smtClean="0"/>
+              <a:t>‹#›</a:t>
+            </a:fld>
+            <a:endParaRPr lang="hu-HU"/>
+          </a:p>
+        </p:txBody>
+      </p:sp>
+    </p:spTree>
+    <p:extLst>
+      <p:ext uri="{BB962C8B-B14F-4D97-AF65-F5344CB8AC3E}">
+        <p14:creationId xmlns:p14="http://schemas.microsoft.com/office/powerpoint/2010/main" val="3177231173"/>
+      </p:ext>
+    </p:extLst>
+  </p:cSld>
+  <p:clrMapOvr>
+    <a:masterClrMapping/>
+  </p:clrMapOvr>
+</p:sldLayout>
+</file>
+
+<file path=ppt/slideLayouts/slideLayout11.xml><?xml version="1.0" encoding="utf-8"?>
+<p:sldLayout xmlns:a="http://schemas.openxmlformats.org/drawingml/2006/main" xmlns:r="http://schemas.openxmlformats.org/officeDocument/2006/relationships" xmlns:p="http://schemas.openxmlformats.org/presentationml/2006/main" preserve="1">
+  <p:cSld name="Idézet képaláírással">
+    <p:spTree>
+      <p:nvGrpSpPr>
+        <p:cNvPr id="1" name=""/>
+        <p:cNvGrpSpPr/>
+        <p:nvPr/>
+      </p:nvGrpSpPr>
+      <p:grpSpPr>
+        <a:xfrm>
+          <a:off x="0" y="0"/>
+          <a:ext cx="0" cy="0"/>
+          <a:chOff x="0" y="0"/>
+          <a:chExt cx="0" cy="0"/>
+        </a:xfrm>
+      </p:grpSpPr>
+      <p:sp>
+        <p:nvSpPr>
+          <p:cNvPr id="2" name="Title 1"/>
+          <p:cNvSpPr>
+            <a:spLocks noGrp="1"/>
+          </p:cNvSpPr>
+          <p:nvPr>
+            <p:ph type="title"/>
+          </p:nvPr>
+        </p:nvSpPr>
+        <p:spPr>
+          <a:xfrm>
+            <a:off x="2849949" y="609600"/>
+            <a:ext cx="8393926" cy="2895600"/>
+          </a:xfrm>
+        </p:spPr>
+        <p:txBody>
+          <a:bodyPr anchor="ctr">
+            <a:normAutofit/>
+          </a:bodyPr>
+          <a:lstStyle>
+            <a:lvl1pPr algn="l">
+              <a:defRPr sz="4800" b="0" cap="none"/>
+            </a:lvl1pPr>
+          </a:lstStyle>
+          <a:p>
+            <a:r>
+              <a:rPr lang="hu-HU" smtClean="0"/>
+              <a:t>Mintacím szerkesztése</a:t>
+            </a:r>
+            <a:endParaRPr lang="en-US" dirty="0"/>
+          </a:p>
+        </p:txBody>
+      </p:sp>
+      <p:sp>
+        <p:nvSpPr>
+          <p:cNvPr id="13" name="Text Placeholder 9"/>
+          <p:cNvSpPr>
+            <a:spLocks noGrp="1"/>
+          </p:cNvSpPr>
+          <p:nvPr>
+            <p:ph type="body" sz="quarter" idx="13"/>
+          </p:nvPr>
+        </p:nvSpPr>
+        <p:spPr>
+          <a:xfrm>
+            <a:off x="3275012" y="3505200"/>
+            <a:ext cx="7536554" cy="381000"/>
+          </a:xfrm>
+        </p:spPr>
+        <p:txBody>
+          <a:bodyPr anchor="ctr">
+            <a:noAutofit/>
+          </a:bodyPr>
+          <a:lstStyle>
+            <a:lvl1pPr marL="0" indent="0">
+              <a:buFontTx/>
+              <a:buNone/>
+              <a:defRPr sz="1600">
+                <a:solidFill>
+                  <a:schemeClr val="tx1">
+                    <a:lumMod val="50000"/>
+                    <a:lumOff val="50000"/>
+                  </a:schemeClr>
+                </a:solidFill>
+              </a:defRPr>
+            </a:lvl1pPr>
+            <a:lvl2pPr marL="457200" indent="0">
+              <a:buFontTx/>
+              <a:buNone/>
+              <a:defRPr/>
+            </a:lvl2pPr>
+            <a:lvl3pPr marL="914400" indent="0">
+              <a:buFontTx/>
+              <a:buNone/>
+              <a:defRPr/>
+            </a:lvl3pPr>
+            <a:lvl4pPr marL="1371600" indent="0">
+              <a:buFontTx/>
+              <a:buNone/>
+              <a:defRPr/>
+            </a:lvl4pPr>
+            <a:lvl5pPr marL="1828800" indent="0">
+              <a:buFontTx/>
+              <a:buNone/>
+              <a:defRPr/>
+            </a:lvl5pPr>
+          </a:lstStyle>
+          <a:p>
+            <a:pPr lvl="0"/>
+            <a:r>
+              <a:rPr lang="hu-HU" smtClean="0"/>
+              <a:t>Mintaszöveg szerkesztése</a:t>
+            </a:r>
+          </a:p>
+        </p:txBody>
+      </p:sp>
+      <p:sp>
+        <p:nvSpPr>
+          <p:cNvPr id="3" name="Text Placeholder 2"/>
+          <p:cNvSpPr>
+            <a:spLocks noGrp="1"/>
+          </p:cNvSpPr>
+          <p:nvPr>
+            <p:ph type="body" idx="1"/>
+          </p:nvPr>
+        </p:nvSpPr>
+        <p:spPr>
+          <a:xfrm>
+            <a:off x="2589212" y="4354046"/>
+            <a:ext cx="8915399" cy="1555864"/>
+          </a:xfrm>
+        </p:spPr>
+        <p:txBody>
+          <a:bodyPr anchor="ctr">
+            <a:normAutofit/>
+          </a:bodyPr>
+          <a:lstStyle>
+            <a:lvl1pPr marL="0" indent="0" algn="l">
+              <a:buNone/>
+              <a:defRPr sz="1800">
+                <a:solidFill>
+                  <a:schemeClr val="tx1">
+                    <a:lumMod val="65000"/>
+                    <a:lumOff val="35000"/>
+                  </a:schemeClr>
+                </a:solidFill>
+              </a:defRPr>
+            </a:lvl1pPr>
+            <a:lvl2pPr marL="457200" indent="0">
+              <a:buNone/>
+              <a:defRPr sz="1800">
+                <a:solidFill>
+                  <a:schemeClr val="tx1">
+                    <a:tint val="75000"/>
+                  </a:schemeClr>
+                </a:solidFill>
+              </a:defRPr>
+            </a:lvl2pPr>
+            <a:lvl3pPr marL="914400" indent="0">
+              <a:buNone/>
+              <a:defRPr sz="1600">
+                <a:solidFill>
+                  <a:schemeClr val="tx1">
+                    <a:tint val="75000"/>
+                  </a:schemeClr>
+                </a:solidFill>
+              </a:defRPr>
+            </a:lvl3pPr>
+            <a:lvl4pPr marL="1371600" indent="0">
+              <a:buNone/>
+              <a:defRPr sz="1400">
+                <a:solidFill>
+                  <a:schemeClr val="tx1">
+                    <a:tint val="75000"/>
+                  </a:schemeClr>
+                </a:solidFill>
+              </a:defRPr>
+            </a:lvl4pPr>
+            <a:lvl5pPr marL="1828800" indent="0">
+              <a:buNone/>
+              <a:defRPr sz="1400">
+                <a:solidFill>
+                  <a:schemeClr val="tx1">
+                    <a:tint val="75000"/>
+                  </a:schemeClr>
+                </a:solidFill>
+              </a:defRPr>
+            </a:lvl5pPr>
+            <a:lvl6pPr marL="2286000" indent="0">
+              <a:buNone/>
+              <a:defRPr sz="1400">
+                <a:solidFill>
+                  <a:schemeClr val="tx1">
+                    <a:tint val="75000"/>
+                  </a:schemeClr>
+                </a:solidFill>
+              </a:defRPr>
+            </a:lvl6pPr>
+            <a:lvl7pPr marL="2743200" indent="0">
+              <a:buNone/>
+              <a:defRPr sz="1400">
+                <a:solidFill>
+                  <a:schemeClr val="tx1">
+                    <a:tint val="75000"/>
+                  </a:schemeClr>
+                </a:solidFill>
+              </a:defRPr>
+            </a:lvl7pPr>
+            <a:lvl8pPr marL="3200400" indent="0">
+              <a:buNone/>
+              <a:defRPr sz="1400">
+                <a:solidFill>
+                  <a:schemeClr val="tx1">
+                    <a:tint val="75000"/>
+                  </a:schemeClr>
+                </a:solidFill>
+              </a:defRPr>
+            </a:lvl8pPr>
+            <a:lvl9pPr marL="3657600" indent="0">
+              <a:buNone/>
+              <a:defRPr sz="1400">
+                <a:solidFill>
+                  <a:schemeClr val="tx1">
+                    <a:tint val="75000"/>
+                  </a:schemeClr>
+                </a:solidFill>
+              </a:defRPr>
+            </a:lvl9pPr>
+          </a:lstStyle>
+          <a:p>
+            <a:pPr lvl="0"/>
+            <a:r>
+              <a:rPr lang="hu-HU" smtClean="0"/>
+              <a:t>Mintaszöveg szerkesztése</a:t>
+            </a:r>
+          </a:p>
+        </p:txBody>
+      </p:sp>
+      <p:sp>
+        <p:nvSpPr>
+          <p:cNvPr id="4" name="Date Placeholder 3"/>
+          <p:cNvSpPr>
+            <a:spLocks noGrp="1"/>
+          </p:cNvSpPr>
+          <p:nvPr>
+            <p:ph type="dt" sz="half" idx="10"/>
+          </p:nvPr>
+        </p:nvSpPr>
+        <p:spPr/>
+        <p:txBody>
+          <a:bodyPr/>
+          <a:lstStyle/>
+          <a:p>
+            <a:fld id="{1FBE6F4E-83DD-4E98-AD18-B1A817740B5F}" type="datetimeFigureOut">
+              <a:rPr lang="hu-HU" smtClean="0"/>
+              <a:t>2022.09.14.</a:t>
+            </a:fld>
+            <a:endParaRPr lang="hu-HU"/>
+          </a:p>
+        </p:txBody>
+      </p:sp>
+      <p:sp>
+        <p:nvSpPr>
+          <p:cNvPr id="5" name="Footer Placeholder 4"/>
+          <p:cNvSpPr>
+            <a:spLocks noGrp="1"/>
+          </p:cNvSpPr>
+          <p:nvPr>
+            <p:ph type="ftr" sz="quarter" idx="11"/>
+          </p:nvPr>
+        </p:nvSpPr>
+        <p:spPr/>
+        <p:txBody>
+          <a:bodyPr/>
+          <a:lstStyle/>
+          <a:p>
+            <a:endParaRPr lang="hu-HU"/>
+          </a:p>
+        </p:txBody>
+      </p:sp>
+      <p:sp>
+        <p:nvSpPr>
+          <p:cNvPr id="11" name="Freeform 11"/>
+          <p:cNvSpPr/>
+          <p:nvPr/>
+        </p:nvSpPr>
+        <p:spPr bwMode="auto">
+          <a:xfrm flipV="1">
+            <a:off x="-4189" y="3178175"/>
+            <a:ext cx="1588527" cy="507297"/>
+          </a:xfrm>
+          <a:custGeom>
+            <a:avLst/>
+            <a:gdLst/>
+            <a:ahLst/>
+            <a:cxnLst/>
+            <a:rect l="l" t="t" r="r" b="b"/>
+            <a:pathLst>
+              <a:path w="9248" h="10000">
+                <a:moveTo>
+                  <a:pt x="9248" y="4701"/>
+                </a:moveTo>
+                <a:lnTo>
+                  <a:pt x="7915" y="188"/>
+                </a:lnTo>
+                <a:cubicBezTo>
+                  <a:pt x="7906" y="156"/>
+                  <a:pt x="7895" y="126"/>
+                  <a:pt x="7886" y="94"/>
+                </a:cubicBezTo>
+                <a:cubicBezTo>
+                  <a:pt x="7859" y="0"/>
+                  <a:pt x="7831" y="0"/>
+                  <a:pt x="7803" y="0"/>
+                </a:cubicBezTo>
+                <a:lnTo>
+                  <a:pt x="7275" y="0"/>
+                </a:lnTo>
+                <a:lnTo>
+                  <a:pt x="0" y="70"/>
+                </a:lnTo>
+                <a:cubicBezTo>
+                  <a:pt x="8" y="3380"/>
+                  <a:pt x="17" y="6690"/>
+                  <a:pt x="25" y="10000"/>
+                </a:cubicBezTo>
+                <a:lnTo>
+                  <a:pt x="7275" y="9966"/>
+                </a:lnTo>
+                <a:lnTo>
+                  <a:pt x="7803" y="9966"/>
+                </a:lnTo>
+                <a:cubicBezTo>
+                  <a:pt x="7831" y="9966"/>
+                  <a:pt x="7859" y="9872"/>
+                  <a:pt x="7886" y="9872"/>
+                </a:cubicBezTo>
+                <a:cubicBezTo>
+                  <a:pt x="7886" y="9778"/>
+                  <a:pt x="7915" y="9778"/>
+                  <a:pt x="7915" y="9778"/>
+                </a:cubicBezTo>
+                <a:lnTo>
+                  <a:pt x="9248" y="5265"/>
+                </a:lnTo>
+                <a:cubicBezTo>
+                  <a:pt x="9303" y="5077"/>
+                  <a:pt x="9303" y="4889"/>
+                  <a:pt x="9248" y="4701"/>
+                </a:cubicBezTo>
+                <a:close/>
+              </a:path>
+            </a:pathLst>
+          </a:custGeom>
+          <a:solidFill>
+            <a:schemeClr val="accent1"/>
+          </a:solidFill>
+          <a:ln>
+            <a:noFill/>
+          </a:ln>
+        </p:spPr>
+      </p:sp>
+      <p:sp>
+        <p:nvSpPr>
+          <p:cNvPr id="6" name="Slide Number Placeholder 5"/>
+          <p:cNvSpPr>
+            <a:spLocks noGrp="1"/>
+          </p:cNvSpPr>
+          <p:nvPr>
+            <p:ph type="sldNum" sz="quarter" idx="12"/>
+          </p:nvPr>
+        </p:nvSpPr>
+        <p:spPr>
+          <a:xfrm>
+            <a:off x="531812" y="3244139"/>
+            <a:ext cx="779767" cy="365125"/>
+          </a:xfrm>
+        </p:spPr>
+        <p:txBody>
+          <a:bodyPr/>
+          <a:lstStyle/>
+          <a:p>
+            <a:fld id="{9CEE03E0-AD40-450F-B7FA-AF89F236426D}" type="slidenum">
+              <a:rPr lang="hu-HU" smtClean="0"/>
+              <a:t>‹#›</a:t>
+            </a:fld>
+            <a:endParaRPr lang="hu-HU"/>
+          </a:p>
+        </p:txBody>
+      </p:sp>
+      <p:sp>
+        <p:nvSpPr>
+          <p:cNvPr id="14" name="TextBox 13"/>
+          <p:cNvSpPr txBox="1"/>
+          <p:nvPr/>
+        </p:nvSpPr>
+        <p:spPr>
+          <a:xfrm>
+            <a:off x="2467652" y="648005"/>
+            <a:ext cx="609600" cy="584776"/>
+          </a:xfrm>
+          <a:prstGeom prst="rect">
+            <a:avLst/>
+          </a:prstGeom>
+        </p:spPr>
+        <p:txBody>
+          <a:bodyPr vert="horz" lIns="91440" tIns="45720" rIns="91440" bIns="45720" rtlCol="0" anchor="ctr">
+            <a:noAutofit/>
+          </a:bodyPr>
+          <a:lstStyle/>
+          <a:p>
+            <a:pPr lvl="0"/>
+            <a:r>
+              <a:rPr lang="en-US" sz="8000" baseline="0" dirty="0">
+                <a:ln w="3175" cmpd="sng">
+                  <a:noFill/>
+                </a:ln>
+                <a:solidFill>
+                  <a:schemeClr val="accent1"/>
+                </a:solidFill>
+                <a:effectLst/>
+                <a:latin typeface="Arial"/>
+              </a:rPr>
+              <a:t>“</a:t>
+            </a:r>
+          </a:p>
+        </p:txBody>
+      </p:sp>
+      <p:sp>
+        <p:nvSpPr>
+          <p:cNvPr id="15" name="TextBox 14"/>
+          <p:cNvSpPr txBox="1"/>
+          <p:nvPr/>
+        </p:nvSpPr>
+        <p:spPr>
+          <a:xfrm>
+            <a:off x="11114852" y="2905306"/>
+            <a:ext cx="609600" cy="584776"/>
+          </a:xfrm>
+          <a:prstGeom prst="rect">
+            <a:avLst/>
+          </a:prstGeom>
+        </p:spPr>
+        <p:txBody>
+          <a:bodyPr vert="horz" lIns="91440" tIns="45720" rIns="91440" bIns="45720" rtlCol="0" anchor="ctr">
+            <a:noAutofit/>
+          </a:bodyPr>
+          <a:lstStyle/>
+          <a:p>
+            <a:pPr lvl="0"/>
+            <a:r>
+              <a:rPr lang="en-US" sz="8000" baseline="0" dirty="0">
+                <a:ln w="3175" cmpd="sng">
+                  <a:noFill/>
+                </a:ln>
+                <a:solidFill>
+                  <a:schemeClr val="accent1"/>
+                </a:solidFill>
+                <a:effectLst/>
+                <a:latin typeface="Arial"/>
+              </a:rPr>
+              <a:t>”</a:t>
+            </a:r>
+          </a:p>
+        </p:txBody>
+      </p:sp>
+    </p:spTree>
+    <p:extLst>
+      <p:ext uri="{BB962C8B-B14F-4D97-AF65-F5344CB8AC3E}">
+        <p14:creationId xmlns:p14="http://schemas.microsoft.com/office/powerpoint/2010/main" val="452949887"/>
+      </p:ext>
+    </p:extLst>
+  </p:cSld>
+  <p:clrMapOvr>
+    <a:masterClrMapping/>
+  </p:clrMapOvr>
+</p:sldLayout>
+</file>
+
+<file path=ppt/slideLayouts/slideLayout12.xml><?xml version="1.0" encoding="utf-8"?>
+<p:sldLayout xmlns:a="http://schemas.openxmlformats.org/drawingml/2006/main" xmlns:r="http://schemas.openxmlformats.org/officeDocument/2006/relationships" xmlns:p="http://schemas.openxmlformats.org/presentationml/2006/main" preserve="1">
+  <p:cSld name="Névkártya">
+    <p:spTree>
+      <p:nvGrpSpPr>
+        <p:cNvPr id="1" name=""/>
+        <p:cNvGrpSpPr/>
+        <p:nvPr/>
+      </p:nvGrpSpPr>
+      <p:grpSpPr>
+        <a:xfrm>
+          <a:off x="0" y="0"/>
+          <a:ext cx="0" cy="0"/>
+          <a:chOff x="0" y="0"/>
+          <a:chExt cx="0" cy="0"/>
+        </a:xfrm>
+      </p:grpSpPr>
+      <p:sp>
+        <p:nvSpPr>
+          <p:cNvPr id="2" name="Title 1"/>
+          <p:cNvSpPr>
+            <a:spLocks noGrp="1"/>
+          </p:cNvSpPr>
+          <p:nvPr>
+            <p:ph type="title"/>
+          </p:nvPr>
+        </p:nvSpPr>
+        <p:spPr>
+          <a:xfrm>
+            <a:off x="2589213" y="2438400"/>
+            <a:ext cx="8915400" cy="2724845"/>
+          </a:xfrm>
+        </p:spPr>
+        <p:txBody>
+          <a:bodyPr anchor="b">
+            <a:normAutofit/>
+          </a:bodyPr>
+          <a:lstStyle>
+            <a:lvl1pPr algn="l">
+              <a:defRPr sz="4800" b="0"/>
+            </a:lvl1pPr>
+          </a:lstStyle>
+          <a:p>
+            <a:r>
+              <a:rPr lang="hu-HU" smtClean="0"/>
+              <a:t>Mintacím szerkesztése</a:t>
+            </a:r>
+            <a:endParaRPr lang="en-US" dirty="0"/>
+          </a:p>
+        </p:txBody>
+      </p:sp>
+      <p:sp>
+        <p:nvSpPr>
+          <p:cNvPr id="4" name="Text Placeholder 3"/>
+          <p:cNvSpPr>
+            <a:spLocks noGrp="1"/>
+          </p:cNvSpPr>
+          <p:nvPr>
+            <p:ph type="body" sz="half" idx="2"/>
+          </p:nvPr>
+        </p:nvSpPr>
+        <p:spPr>
+          <a:xfrm>
+            <a:off x="2589213" y="5181600"/>
+            <a:ext cx="8915400" cy="729622"/>
+          </a:xfrm>
+        </p:spPr>
+        <p:txBody>
+          <a:bodyPr vert="horz" lIns="91440" tIns="45720" rIns="91440" bIns="45720" rtlCol="0" anchor="t">
+            <a:normAutofit/>
+          </a:bodyPr>
+          <a:lstStyle>
+            <a:lvl1pPr>
+              <a:buNone/>
+              <a:defRPr lang="en-US">
+                <a:solidFill>
+                  <a:schemeClr val="tx1">
+                    <a:lumMod val="65000"/>
+                    <a:lumOff val="35000"/>
+                  </a:schemeClr>
+                </a:solidFill>
+              </a:defRPr>
+            </a:lvl1pPr>
+          </a:lstStyle>
+          <a:p>
+            <a:pPr marL="0" lvl="0" indent="0">
+              <a:buNone/>
+            </a:pPr>
+            <a:r>
+              <a:rPr lang="hu-HU" smtClean="0"/>
+              <a:t>Mintaszöveg szerkesztése</a:t>
+            </a:r>
+          </a:p>
+        </p:txBody>
+      </p:sp>
+      <p:sp>
+        <p:nvSpPr>
+          <p:cNvPr id="5" name="Date Placeholder 4"/>
+          <p:cNvSpPr>
+            <a:spLocks noGrp="1"/>
+          </p:cNvSpPr>
+          <p:nvPr>
+            <p:ph type="dt" sz="half" idx="10"/>
+          </p:nvPr>
+        </p:nvSpPr>
+        <p:spPr/>
+        <p:txBody>
+          <a:bodyPr/>
+          <a:lstStyle/>
+          <a:p>
+            <a:fld id="{1FBE6F4E-83DD-4E98-AD18-B1A817740B5F}" type="datetimeFigureOut">
+              <a:rPr lang="hu-HU" smtClean="0"/>
+              <a:t>2022.09.14.</a:t>
+            </a:fld>
+            <a:endParaRPr lang="hu-HU"/>
+          </a:p>
+        </p:txBody>
+      </p:sp>
+      <p:sp>
+        <p:nvSpPr>
+          <p:cNvPr id="6" name="Footer Placeholder 5"/>
+          <p:cNvSpPr>
+            <a:spLocks noGrp="1"/>
+          </p:cNvSpPr>
+          <p:nvPr>
+            <p:ph type="ftr" sz="quarter" idx="11"/>
+          </p:nvPr>
+        </p:nvSpPr>
+        <p:spPr/>
+        <p:txBody>
+          <a:bodyPr/>
+          <a:lstStyle/>
+          <a:p>
+            <a:endParaRPr lang="hu-HU"/>
+          </a:p>
+        </p:txBody>
+      </p:sp>
+      <p:sp>
+        <p:nvSpPr>
+          <p:cNvPr id="9" name="Freeform 11"/>
+          <p:cNvSpPr/>
+          <p:nvPr/>
+        </p:nvSpPr>
+        <p:spPr bwMode="auto">
+          <a:xfrm flipV="1">
+            <a:off x="-4189" y="4911725"/>
+            <a:ext cx="1588527" cy="507297"/>
+          </a:xfrm>
+          <a:custGeom>
+            <a:avLst/>
+            <a:gdLst/>
+            <a:ahLst/>
+            <a:cxnLst/>
+            <a:rect l="l" t="t" r="r" b="b"/>
+            <a:pathLst>
+              <a:path w="9248" h="10000">
+                <a:moveTo>
+                  <a:pt x="9248" y="4701"/>
+                </a:moveTo>
+                <a:lnTo>
+                  <a:pt x="7915" y="188"/>
+                </a:lnTo>
+                <a:cubicBezTo>
+                  <a:pt x="7906" y="156"/>
+                  <a:pt x="7895" y="126"/>
+                  <a:pt x="7886" y="94"/>
+                </a:cubicBezTo>
+                <a:cubicBezTo>
+                  <a:pt x="7859" y="0"/>
+                  <a:pt x="7831" y="0"/>
+                  <a:pt x="7803" y="0"/>
+                </a:cubicBezTo>
+                <a:lnTo>
+                  <a:pt x="7275" y="0"/>
+                </a:lnTo>
+                <a:lnTo>
+                  <a:pt x="0" y="70"/>
+                </a:lnTo>
+                <a:cubicBezTo>
+                  <a:pt x="8" y="3380"/>
+                  <a:pt x="17" y="6690"/>
+                  <a:pt x="25" y="10000"/>
+                </a:cubicBezTo>
+                <a:lnTo>
+                  <a:pt x="7275" y="9966"/>
+                </a:lnTo>
+                <a:lnTo>
+                  <a:pt x="7803" y="9966"/>
+                </a:lnTo>
+                <a:cubicBezTo>
+                  <a:pt x="7831" y="9966"/>
+                  <a:pt x="7859" y="9872"/>
+                  <a:pt x="7886" y="9872"/>
+                </a:cubicBezTo>
+                <a:cubicBezTo>
+                  <a:pt x="7886" y="9778"/>
+                  <a:pt x="7915" y="9778"/>
+                  <a:pt x="7915" y="9778"/>
+                </a:cubicBezTo>
+                <a:lnTo>
+                  <a:pt x="9248" y="5265"/>
+                </a:lnTo>
+                <a:cubicBezTo>
+                  <a:pt x="9303" y="5077"/>
+                  <a:pt x="9303" y="4889"/>
+                  <a:pt x="9248" y="4701"/>
+                </a:cubicBezTo>
+                <a:close/>
+              </a:path>
+            </a:pathLst>
+          </a:custGeom>
+          <a:solidFill>
+            <a:schemeClr val="accent1"/>
+          </a:solidFill>
+          <a:ln>
+            <a:noFill/>
+          </a:ln>
+        </p:spPr>
+      </p:sp>
+      <p:sp>
+        <p:nvSpPr>
+          <p:cNvPr id="7" name="Slide Number Placeholder 6"/>
+          <p:cNvSpPr>
+            <a:spLocks noGrp="1"/>
+          </p:cNvSpPr>
+          <p:nvPr>
+            <p:ph type="sldNum" sz="quarter" idx="12"/>
+          </p:nvPr>
+        </p:nvSpPr>
+        <p:spPr>
+          <a:xfrm>
+            <a:off x="531812" y="4983087"/>
+            <a:ext cx="779767" cy="365125"/>
+          </a:xfrm>
+        </p:spPr>
+        <p:txBody>
+          <a:bodyPr/>
+          <a:lstStyle/>
+          <a:p>
+            <a:fld id="{9CEE03E0-AD40-450F-B7FA-AF89F236426D}" type="slidenum">
+              <a:rPr lang="hu-HU" smtClean="0"/>
+              <a:t>‹#›</a:t>
+            </a:fld>
+            <a:endParaRPr lang="hu-HU"/>
+          </a:p>
+        </p:txBody>
+      </p:sp>
+    </p:spTree>
+    <p:extLst>
+      <p:ext uri="{BB962C8B-B14F-4D97-AF65-F5344CB8AC3E}">
+        <p14:creationId xmlns:p14="http://schemas.microsoft.com/office/powerpoint/2010/main" val="3986655241"/>
+      </p:ext>
+    </p:extLst>
+  </p:cSld>
+  <p:clrMapOvr>
+    <a:masterClrMapping/>
+  </p:clrMapOvr>
+</p:sldLayout>
+</file>
+
+<file path=ppt/slideLayouts/slideLayout13.xml><?xml version="1.0" encoding="utf-8"?>
+<p:sldLayout xmlns:a="http://schemas.openxmlformats.org/drawingml/2006/main" xmlns:r="http://schemas.openxmlformats.org/officeDocument/2006/relationships" xmlns:p="http://schemas.openxmlformats.org/presentationml/2006/main" preserve="1">
+  <p:cSld name="Névkártya idézettel">
+    <p:spTree>
+      <p:nvGrpSpPr>
+        <p:cNvPr id="1" name=""/>
+        <p:cNvGrpSpPr/>
+        <p:nvPr/>
+      </p:nvGrpSpPr>
+      <p:grpSpPr>
+        <a:xfrm>
+          <a:off x="0" y="0"/>
+          <a:ext cx="0" cy="0"/>
+          <a:chOff x="0" y="0"/>
+          <a:chExt cx="0" cy="0"/>
+        </a:xfrm>
+      </p:grpSpPr>
+      <p:sp>
+        <p:nvSpPr>
+          <p:cNvPr id="12" name="Title 1"/>
+          <p:cNvSpPr>
+            <a:spLocks noGrp="1"/>
+          </p:cNvSpPr>
+          <p:nvPr>
+            <p:ph type="title"/>
+          </p:nvPr>
+        </p:nvSpPr>
+        <p:spPr>
+          <a:xfrm>
+            <a:off x="2849949" y="609600"/>
+            <a:ext cx="8393926" cy="2895600"/>
+          </a:xfrm>
+        </p:spPr>
+        <p:txBody>
+          <a:bodyPr anchor="ctr">
+            <a:normAutofit/>
+          </a:bodyPr>
+          <a:lstStyle>
+            <a:lvl1pPr algn="l">
+              <a:defRPr sz="4800" b="0" cap="none"/>
+            </a:lvl1pPr>
+          </a:lstStyle>
+          <a:p>
+            <a:r>
+              <a:rPr lang="hu-HU" smtClean="0"/>
+              <a:t>Mintacím szerkesztése</a:t>
+            </a:r>
+            <a:endParaRPr lang="en-US" dirty="0"/>
+          </a:p>
+        </p:txBody>
+      </p:sp>
+      <p:sp>
+        <p:nvSpPr>
+          <p:cNvPr id="21" name="Text Placeholder 9"/>
+          <p:cNvSpPr>
+            <a:spLocks noGrp="1"/>
+          </p:cNvSpPr>
+          <p:nvPr>
+            <p:ph type="body" sz="quarter" idx="13"/>
+          </p:nvPr>
+        </p:nvSpPr>
+        <p:spPr>
+          <a:xfrm>
+            <a:off x="2589212" y="4343400"/>
+            <a:ext cx="8915400" cy="838200"/>
+          </a:xfrm>
+        </p:spPr>
+        <p:txBody>
+          <a:bodyPr anchor="b">
+            <a:noAutofit/>
+          </a:bodyPr>
+          <a:lstStyle>
+            <a:lvl1pPr marL="0" indent="0">
+              <a:buFontTx/>
+              <a:buNone/>
+              <a:defRPr sz="2400">
+                <a:solidFill>
+                  <a:schemeClr val="accent1"/>
+                </a:solidFill>
+              </a:defRPr>
+            </a:lvl1pPr>
+            <a:lvl2pPr marL="457200" indent="0">
+              <a:buFontTx/>
+              <a:buNone/>
+              <a:defRPr/>
+            </a:lvl2pPr>
+            <a:lvl3pPr marL="914400" indent="0">
+              <a:buFontTx/>
+              <a:buNone/>
+              <a:defRPr/>
+            </a:lvl3pPr>
+            <a:lvl4pPr marL="1371600" indent="0">
+              <a:buFontTx/>
+              <a:buNone/>
+              <a:defRPr/>
+            </a:lvl4pPr>
+            <a:lvl5pPr marL="1828800" indent="0">
+              <a:buFontTx/>
+              <a:buNone/>
+              <a:defRPr/>
+            </a:lvl5pPr>
+          </a:lstStyle>
+          <a:p>
+            <a:pPr lvl="0"/>
+            <a:r>
+              <a:rPr lang="hu-HU" smtClean="0"/>
+              <a:t>Mintaszöveg szerkesztése</a:t>
+            </a:r>
+          </a:p>
+        </p:txBody>
+      </p:sp>
+      <p:sp>
+        <p:nvSpPr>
+          <p:cNvPr id="4" name="Text Placeholder 3"/>
+          <p:cNvSpPr>
+            <a:spLocks noGrp="1"/>
+          </p:cNvSpPr>
+          <p:nvPr>
+            <p:ph type="body" sz="half" idx="2"/>
+          </p:nvPr>
+        </p:nvSpPr>
+        <p:spPr>
+          <a:xfrm>
+            <a:off x="2589213" y="5181600"/>
+            <a:ext cx="8915400" cy="729622"/>
+          </a:xfrm>
+        </p:spPr>
+        <p:txBody>
+          <a:bodyPr vert="horz" lIns="91440" tIns="45720" rIns="91440" bIns="45720" rtlCol="0" anchor="t">
+            <a:normAutofit/>
+          </a:bodyPr>
+          <a:lstStyle>
+            <a:lvl1pPr>
+              <a:buNone/>
+              <a:defRPr lang="en-US">
+                <a:solidFill>
+                  <a:schemeClr val="tx1">
+                    <a:lumMod val="65000"/>
+                    <a:lumOff val="35000"/>
+                  </a:schemeClr>
+                </a:solidFill>
+              </a:defRPr>
+            </a:lvl1pPr>
+          </a:lstStyle>
+          <a:p>
+            <a:pPr marL="0" lvl="0" indent="0">
+              <a:buNone/>
+            </a:pPr>
+            <a:r>
+              <a:rPr lang="hu-HU" smtClean="0"/>
+              <a:t>Mintaszöveg szerkesztése</a:t>
+            </a:r>
+          </a:p>
+        </p:txBody>
+      </p:sp>
+      <p:sp>
+        <p:nvSpPr>
+          <p:cNvPr id="5" name="Date Placeholder 4"/>
+          <p:cNvSpPr>
+            <a:spLocks noGrp="1"/>
+          </p:cNvSpPr>
+          <p:nvPr>
+            <p:ph type="dt" sz="half" idx="10"/>
+          </p:nvPr>
+        </p:nvSpPr>
+        <p:spPr/>
+        <p:txBody>
+          <a:bodyPr/>
+          <a:lstStyle/>
+          <a:p>
+            <a:fld id="{1FBE6F4E-83DD-4E98-AD18-B1A817740B5F}" type="datetimeFigureOut">
+              <a:rPr lang="hu-HU" smtClean="0"/>
+              <a:t>2022.09.14.</a:t>
+            </a:fld>
+            <a:endParaRPr lang="hu-HU"/>
+          </a:p>
+        </p:txBody>
+      </p:sp>
+      <p:sp>
+        <p:nvSpPr>
+          <p:cNvPr id="6" name="Footer Placeholder 5"/>
+          <p:cNvSpPr>
+            <a:spLocks noGrp="1"/>
+          </p:cNvSpPr>
+          <p:nvPr>
+            <p:ph type="ftr" sz="quarter" idx="11"/>
+          </p:nvPr>
+        </p:nvSpPr>
+        <p:spPr/>
+        <p:txBody>
+          <a:bodyPr/>
+          <a:lstStyle/>
+          <a:p>
+            <a:endParaRPr lang="hu-HU"/>
+          </a:p>
+        </p:txBody>
+      </p:sp>
+      <p:sp>
+        <p:nvSpPr>
+          <p:cNvPr id="11" name="Freeform 11"/>
+          <p:cNvSpPr/>
+          <p:nvPr/>
+        </p:nvSpPr>
+        <p:spPr bwMode="auto">
+          <a:xfrm flipV="1">
+            <a:off x="-4189" y="4911725"/>
+            <a:ext cx="1588527" cy="507297"/>
+          </a:xfrm>
+          <a:custGeom>
+            <a:avLst/>
+            <a:gdLst/>
+            <a:ahLst/>
+            <a:cxnLst/>
+            <a:rect l="l" t="t" r="r" b="b"/>
+            <a:pathLst>
+              <a:path w="9248" h="10000">
+                <a:moveTo>
+                  <a:pt x="9248" y="4701"/>
+                </a:moveTo>
+                <a:lnTo>
+                  <a:pt x="7915" y="188"/>
+                </a:lnTo>
+                <a:cubicBezTo>
+                  <a:pt x="7906" y="156"/>
+                  <a:pt x="7895" y="126"/>
+                  <a:pt x="7886" y="94"/>
+                </a:cubicBezTo>
+                <a:cubicBezTo>
+                  <a:pt x="7859" y="0"/>
+                  <a:pt x="7831" y="0"/>
+                  <a:pt x="7803" y="0"/>
+                </a:cubicBezTo>
+                <a:lnTo>
+                  <a:pt x="7275" y="0"/>
+                </a:lnTo>
+                <a:lnTo>
+                  <a:pt x="0" y="70"/>
+                </a:lnTo>
+                <a:cubicBezTo>
+                  <a:pt x="8" y="3380"/>
+                  <a:pt x="17" y="6690"/>
+                  <a:pt x="25" y="10000"/>
+                </a:cubicBezTo>
+                <a:lnTo>
+                  <a:pt x="7275" y="9966"/>
+                </a:lnTo>
+                <a:lnTo>
+                  <a:pt x="7803" y="9966"/>
+                </a:lnTo>
+                <a:cubicBezTo>
+                  <a:pt x="7831" y="9966"/>
+                  <a:pt x="7859" y="9872"/>
+                  <a:pt x="7886" y="9872"/>
+                </a:cubicBezTo>
+                <a:cubicBezTo>
+                  <a:pt x="7886" y="9778"/>
+                  <a:pt x="7915" y="9778"/>
+                  <a:pt x="7915" y="9778"/>
+                </a:cubicBezTo>
+                <a:lnTo>
+                  <a:pt x="9248" y="5265"/>
+                </a:lnTo>
+                <a:cubicBezTo>
+                  <a:pt x="9303" y="5077"/>
+                  <a:pt x="9303" y="4889"/>
+                  <a:pt x="9248" y="4701"/>
+                </a:cubicBezTo>
+                <a:close/>
+              </a:path>
+            </a:pathLst>
+          </a:custGeom>
+          <a:solidFill>
+            <a:schemeClr val="accent1"/>
+          </a:solidFill>
+          <a:ln>
+            <a:noFill/>
+          </a:ln>
+        </p:spPr>
+      </p:sp>
+      <p:sp>
+        <p:nvSpPr>
+          <p:cNvPr id="7" name="Slide Number Placeholder 6"/>
+          <p:cNvSpPr>
+            <a:spLocks noGrp="1"/>
+          </p:cNvSpPr>
+          <p:nvPr>
+            <p:ph type="sldNum" sz="quarter" idx="12"/>
+          </p:nvPr>
+        </p:nvSpPr>
+        <p:spPr>
+          <a:xfrm>
+            <a:off x="531812" y="4983087"/>
+            <a:ext cx="779767" cy="365125"/>
+          </a:xfrm>
+        </p:spPr>
+        <p:txBody>
+          <a:bodyPr/>
+          <a:lstStyle/>
+          <a:p>
+            <a:fld id="{9CEE03E0-AD40-450F-B7FA-AF89F236426D}" type="slidenum">
+              <a:rPr lang="hu-HU" smtClean="0"/>
+              <a:t>‹#›</a:t>
+            </a:fld>
+            <a:endParaRPr lang="hu-HU"/>
+          </a:p>
+        </p:txBody>
+      </p:sp>
+      <p:sp>
+        <p:nvSpPr>
+          <p:cNvPr id="17" name="TextBox 16"/>
+          <p:cNvSpPr txBox="1"/>
+          <p:nvPr/>
+        </p:nvSpPr>
+        <p:spPr>
+          <a:xfrm>
+            <a:off x="2467652" y="648005"/>
+            <a:ext cx="609600" cy="584776"/>
+          </a:xfrm>
+          <a:prstGeom prst="rect">
+            <a:avLst/>
+          </a:prstGeom>
+        </p:spPr>
+        <p:txBody>
+          <a:bodyPr vert="horz" lIns="91440" tIns="45720" rIns="91440" bIns="45720" rtlCol="0" anchor="ctr">
+            <a:noAutofit/>
+          </a:bodyPr>
+          <a:lstStyle/>
+          <a:p>
+            <a:pPr lvl="0"/>
+            <a:r>
+              <a:rPr lang="en-US" sz="8000" baseline="0" dirty="0">
+                <a:ln w="3175" cmpd="sng">
+                  <a:noFill/>
+                </a:ln>
+                <a:solidFill>
+                  <a:schemeClr val="accent1"/>
+                </a:solidFill>
+                <a:effectLst/>
+                <a:latin typeface="Arial"/>
+              </a:rPr>
+              <a:t>“</a:t>
+            </a:r>
+          </a:p>
+        </p:txBody>
+      </p:sp>
+      <p:sp>
+        <p:nvSpPr>
+          <p:cNvPr id="18" name="TextBox 17"/>
+          <p:cNvSpPr txBox="1"/>
+          <p:nvPr/>
+        </p:nvSpPr>
+        <p:spPr>
+          <a:xfrm>
+            <a:off x="11114852" y="2905306"/>
+            <a:ext cx="609600" cy="584776"/>
+          </a:xfrm>
+          <a:prstGeom prst="rect">
+            <a:avLst/>
+          </a:prstGeom>
+        </p:spPr>
+        <p:txBody>
+          <a:bodyPr vert="horz" lIns="91440" tIns="45720" rIns="91440" bIns="45720" rtlCol="0" anchor="ctr">
+            <a:noAutofit/>
+          </a:bodyPr>
+          <a:lstStyle/>
+          <a:p>
+            <a:pPr lvl="0"/>
+            <a:r>
+              <a:rPr lang="en-US" sz="8000" baseline="0" dirty="0">
+                <a:ln w="3175" cmpd="sng">
+                  <a:noFill/>
+                </a:ln>
+                <a:solidFill>
+                  <a:schemeClr val="accent1"/>
+                </a:solidFill>
+                <a:effectLst/>
+                <a:latin typeface="Arial"/>
+              </a:rPr>
+              <a:t>”</a:t>
+            </a:r>
+          </a:p>
+        </p:txBody>
+      </p:sp>
+    </p:spTree>
+    <p:extLst>
+      <p:ext uri="{BB962C8B-B14F-4D97-AF65-F5344CB8AC3E}">
+        <p14:creationId xmlns:p14="http://schemas.microsoft.com/office/powerpoint/2010/main" val="2044703204"/>
+      </p:ext>
+    </p:extLst>
+  </p:cSld>
+  <p:clrMapOvr>
+    <a:masterClrMapping/>
+  </p:clrMapOvr>
+</p:sldLayout>
+</file>
+
+<file path=ppt/slideLayouts/slideLayout14.xml><?xml version="1.0" encoding="utf-8"?>
+<p:sldLayout xmlns:a="http://schemas.openxmlformats.org/drawingml/2006/main" xmlns:r="http://schemas.openxmlformats.org/officeDocument/2006/relationships" xmlns:p="http://schemas.openxmlformats.org/presentationml/2006/main" preserve="1">
+  <p:cSld name="Igaz vagy hamis">
+    <p:spTree>
+      <p:nvGrpSpPr>
+        <p:cNvPr id="1" name=""/>
+        <p:cNvGrpSpPr/>
+        <p:nvPr/>
+      </p:nvGrpSpPr>
+      <p:grpSpPr>
+        <a:xfrm>
+          <a:off x="0" y="0"/>
+          <a:ext cx="0" cy="0"/>
+          <a:chOff x="0" y="0"/>
+          <a:chExt cx="0" cy="0"/>
+        </a:xfrm>
+      </p:grpSpPr>
+      <p:sp>
+        <p:nvSpPr>
+          <p:cNvPr id="2" name="Title 1"/>
+          <p:cNvSpPr>
+            <a:spLocks noGrp="1"/>
+          </p:cNvSpPr>
+          <p:nvPr>
+            <p:ph type="title"/>
+          </p:nvPr>
+        </p:nvSpPr>
+        <p:spPr>
+          <a:xfrm>
+            <a:off x="2589212" y="627407"/>
+            <a:ext cx="8915399" cy="2880020"/>
+          </a:xfrm>
+        </p:spPr>
+        <p:txBody>
+          <a:bodyPr anchor="ctr">
+            <a:normAutofit/>
+          </a:bodyPr>
+          <a:lstStyle>
+            <a:lvl1pPr algn="l">
+              <a:defRPr sz="4800" b="0"/>
+            </a:lvl1pPr>
+          </a:lstStyle>
+          <a:p>
+            <a:r>
+              <a:rPr lang="hu-HU" smtClean="0"/>
+              <a:t>Mintacím szerkesztése</a:t>
+            </a:r>
+            <a:endParaRPr lang="en-US" dirty="0"/>
+          </a:p>
+        </p:txBody>
+      </p:sp>
+      <p:sp>
+        <p:nvSpPr>
+          <p:cNvPr id="21" name="Text Placeholder 9"/>
+          <p:cNvSpPr>
+            <a:spLocks noGrp="1"/>
+          </p:cNvSpPr>
+          <p:nvPr>
+            <p:ph type="body" sz="quarter" idx="13"/>
+          </p:nvPr>
+        </p:nvSpPr>
+        <p:spPr>
+          <a:xfrm>
+            <a:off x="2589212" y="4343400"/>
+            <a:ext cx="8915400" cy="838200"/>
+          </a:xfrm>
+        </p:spPr>
+        <p:txBody>
+          <a:bodyPr anchor="b">
+            <a:noAutofit/>
+          </a:bodyPr>
+          <a:lstStyle>
+            <a:lvl1pPr marL="0" indent="0">
+              <a:buFontTx/>
+              <a:buNone/>
+              <a:defRPr sz="2400">
+                <a:solidFill>
+                  <a:schemeClr val="accent1"/>
+                </a:solidFill>
+              </a:defRPr>
+            </a:lvl1pPr>
+            <a:lvl2pPr marL="457200" indent="0">
+              <a:buFontTx/>
+              <a:buNone/>
+              <a:defRPr/>
+            </a:lvl2pPr>
+            <a:lvl3pPr marL="914400" indent="0">
+              <a:buFontTx/>
+              <a:buNone/>
+              <a:defRPr/>
+            </a:lvl3pPr>
+            <a:lvl4pPr marL="1371600" indent="0">
+              <a:buFontTx/>
+              <a:buNone/>
+              <a:defRPr/>
+            </a:lvl4pPr>
+            <a:lvl5pPr marL="1828800" indent="0">
+              <a:buFontTx/>
+              <a:buNone/>
+              <a:defRPr/>
+            </a:lvl5pPr>
+          </a:lstStyle>
+          <a:p>
+            <a:pPr lvl="0"/>
+            <a:r>
+              <a:rPr lang="hu-HU" smtClean="0"/>
+              <a:t>Mintaszöveg szerkesztése</a:t>
+            </a:r>
+          </a:p>
+        </p:txBody>
+      </p:sp>
+      <p:sp>
+        <p:nvSpPr>
+          <p:cNvPr id="4" name="Text Placeholder 3"/>
+          <p:cNvSpPr>
+            <a:spLocks noGrp="1"/>
+          </p:cNvSpPr>
+          <p:nvPr>
+            <p:ph type="body" sz="half" idx="2"/>
+          </p:nvPr>
+        </p:nvSpPr>
+        <p:spPr>
+          <a:xfrm>
+            <a:off x="2589213" y="5181600"/>
+            <a:ext cx="8915400" cy="729622"/>
+          </a:xfrm>
+        </p:spPr>
+        <p:txBody>
+          <a:bodyPr vert="horz" lIns="91440" tIns="45720" rIns="91440" bIns="45720" rtlCol="0" anchor="t">
+            <a:normAutofit/>
+          </a:bodyPr>
+          <a:lstStyle>
+            <a:lvl1pPr>
+              <a:buNone/>
+              <a:defRPr lang="en-US">
+                <a:solidFill>
+                  <a:schemeClr val="tx1">
+                    <a:lumMod val="65000"/>
+                    <a:lumOff val="35000"/>
+                  </a:schemeClr>
+                </a:solidFill>
+              </a:defRPr>
+            </a:lvl1pPr>
+          </a:lstStyle>
+          <a:p>
+            <a:pPr marL="0" lvl="0" indent="0">
+              <a:buNone/>
+            </a:pPr>
+            <a:r>
+              <a:rPr lang="hu-HU" smtClean="0"/>
+              <a:t>Mintaszöveg szerkesztése</a:t>
+            </a:r>
+          </a:p>
+        </p:txBody>
+      </p:sp>
+      <p:sp>
+        <p:nvSpPr>
+          <p:cNvPr id="5" name="Date Placeholder 4"/>
+          <p:cNvSpPr>
+            <a:spLocks noGrp="1"/>
+          </p:cNvSpPr>
+          <p:nvPr>
+            <p:ph type="dt" sz="half" idx="10"/>
+          </p:nvPr>
+        </p:nvSpPr>
+        <p:spPr/>
+        <p:txBody>
+          <a:bodyPr/>
+          <a:lstStyle/>
+          <a:p>
+            <a:fld id="{1FBE6F4E-83DD-4E98-AD18-B1A817740B5F}" type="datetimeFigureOut">
+              <a:rPr lang="hu-HU" smtClean="0"/>
+              <a:t>2022.09.14.</a:t>
+            </a:fld>
+            <a:endParaRPr lang="hu-HU"/>
+          </a:p>
+        </p:txBody>
+      </p:sp>
+      <p:sp>
+        <p:nvSpPr>
+          <p:cNvPr id="6" name="Footer Placeholder 5"/>
+          <p:cNvSpPr>
+            <a:spLocks noGrp="1"/>
+          </p:cNvSpPr>
+          <p:nvPr>
+            <p:ph type="ftr" sz="quarter" idx="11"/>
+          </p:nvPr>
+        </p:nvSpPr>
+        <p:spPr/>
+        <p:txBody>
+          <a:bodyPr/>
+          <a:lstStyle/>
+          <a:p>
+            <a:endParaRPr lang="hu-HU"/>
+          </a:p>
+        </p:txBody>
+      </p:sp>
+      <p:sp>
+        <p:nvSpPr>
+          <p:cNvPr id="9" name="Freeform 11"/>
+          <p:cNvSpPr/>
+          <p:nvPr/>
+        </p:nvSpPr>
+        <p:spPr bwMode="auto">
+          <a:xfrm flipV="1">
+            <a:off x="-4189" y="4911725"/>
+            <a:ext cx="1588527" cy="507297"/>
+          </a:xfrm>
+          <a:custGeom>
+            <a:avLst/>
+            <a:gdLst/>
+            <a:ahLst/>
+            <a:cxnLst/>
+            <a:rect l="l" t="t" r="r" b="b"/>
+            <a:pathLst>
+              <a:path w="9248" h="10000">
+                <a:moveTo>
+                  <a:pt x="9248" y="4701"/>
+                </a:moveTo>
+                <a:lnTo>
+                  <a:pt x="7915" y="188"/>
+                </a:lnTo>
+                <a:cubicBezTo>
+                  <a:pt x="7906" y="156"/>
+                  <a:pt x="7895" y="126"/>
+                  <a:pt x="7886" y="94"/>
+                </a:cubicBezTo>
+                <a:cubicBezTo>
+                  <a:pt x="7859" y="0"/>
+                  <a:pt x="7831" y="0"/>
+                  <a:pt x="7803" y="0"/>
+                </a:cubicBezTo>
+                <a:lnTo>
+                  <a:pt x="7275" y="0"/>
+                </a:lnTo>
+                <a:lnTo>
+                  <a:pt x="0" y="70"/>
+                </a:lnTo>
+                <a:cubicBezTo>
+                  <a:pt x="8" y="3380"/>
+                  <a:pt x="17" y="6690"/>
+                  <a:pt x="25" y="10000"/>
+                </a:cubicBezTo>
+                <a:lnTo>
+                  <a:pt x="7275" y="9966"/>
+                </a:lnTo>
+                <a:lnTo>
+                  <a:pt x="7803" y="9966"/>
+                </a:lnTo>
+                <a:cubicBezTo>
+                  <a:pt x="7831" y="9966"/>
+                  <a:pt x="7859" y="9872"/>
+                  <a:pt x="7886" y="9872"/>
+                </a:cubicBezTo>
+                <a:cubicBezTo>
+                  <a:pt x="7886" y="9778"/>
+                  <a:pt x="7915" y="9778"/>
+                  <a:pt x="7915" y="9778"/>
+                </a:cubicBezTo>
+                <a:lnTo>
+                  <a:pt x="9248" y="5265"/>
+                </a:lnTo>
+                <a:cubicBezTo>
+                  <a:pt x="9303" y="5077"/>
+                  <a:pt x="9303" y="4889"/>
+                  <a:pt x="9248" y="4701"/>
+                </a:cubicBezTo>
+                <a:close/>
+              </a:path>
+            </a:pathLst>
+          </a:custGeom>
+          <a:solidFill>
+            <a:schemeClr val="accent1"/>
+          </a:solidFill>
+          <a:ln>
+            <a:noFill/>
+          </a:ln>
+        </p:spPr>
+      </p:sp>
+      <p:sp>
+        <p:nvSpPr>
+          <p:cNvPr id="7" name="Slide Number Placeholder 6"/>
+          <p:cNvSpPr>
+            <a:spLocks noGrp="1"/>
+          </p:cNvSpPr>
+          <p:nvPr>
+            <p:ph type="sldNum" sz="quarter" idx="12"/>
+          </p:nvPr>
+        </p:nvSpPr>
+        <p:spPr>
+          <a:xfrm>
+            <a:off x="531812" y="4983087"/>
+            <a:ext cx="779767" cy="365125"/>
+          </a:xfrm>
+        </p:spPr>
+        <p:txBody>
+          <a:bodyPr/>
+          <a:lstStyle/>
+          <a:p>
+            <a:fld id="{9CEE03E0-AD40-450F-B7FA-AF89F236426D}" type="slidenum">
+              <a:rPr lang="hu-HU" smtClean="0"/>
+              <a:t>‹#›</a:t>
+            </a:fld>
+            <a:endParaRPr lang="hu-HU"/>
+          </a:p>
+        </p:txBody>
+      </p:sp>
+    </p:spTree>
+    <p:extLst>
+      <p:ext uri="{BB962C8B-B14F-4D97-AF65-F5344CB8AC3E}">
+        <p14:creationId xmlns:p14="http://schemas.microsoft.com/office/powerpoint/2010/main" val="2297440091"/>
+      </p:ext>
+    </p:extLst>
+  </p:cSld>
+  <p:clrMapOvr>
+    <a:masterClrMapping/>
+  </p:clrMapOvr>
+</p:sldLayout>
+</file>
+
+<file path=ppt/slideLayouts/slideLayout15.xml><?xml version="1.0" encoding="utf-8"?>
 <p:sldLayout xmlns:a="http://schemas.openxmlformats.org/drawingml/2006/main" xmlns:r="http://schemas.openxmlformats.org/officeDocument/2006/relationships" xmlns:p="http://schemas.openxmlformats.org/presentationml/2006/main" type="vertTx" preserve="1">
   <p:cSld name="Cím és függőleges szöveg">
     <p:spTree>
@@ -318,7 +2255,7 @@
       </p:grpSpPr>
       <p:sp>
         <p:nvSpPr>
-          <p:cNvPr id="2" name="Cím 1"/>
+          <p:cNvPr id="2" name="Title 1"/>
           <p:cNvSpPr>
             <a:spLocks noGrp="1"/>
           </p:cNvSpPr>
@@ -335,13 +2272,13 @@
               <a:rPr lang="hu-HU" smtClean="0"/>
               <a:t>Mintacím szerkesztése</a:t>
             </a:r>
-            <a:endParaRPr lang="hu-HU"/>
-          </a:p>
-        </p:txBody>
-      </p:sp>
-      <p:sp>
-        <p:nvSpPr>
-          <p:cNvPr id="3" name="Függőleges szöveg helye 2"/>
+            <a:endParaRPr lang="en-US" dirty="0"/>
+          </a:p>
+        </p:txBody>
+      </p:sp>
+      <p:sp>
+        <p:nvSpPr>
+          <p:cNvPr id="3" name="Vertical Text Placeholder 2"/>
           <p:cNvSpPr>
             <a:spLocks noGrp="1"/>
           </p:cNvSpPr>
@@ -351,7 +2288,7 @@
         </p:nvSpPr>
         <p:spPr/>
         <p:txBody>
-          <a:bodyPr vert="eaVert"/>
+          <a:bodyPr vert="eaVert" anchor="t"/>
           <a:lstStyle/>
           <a:p>
             <a:pPr lvl="0"/>
@@ -387,13 +2324,13 @@
               <a:rPr lang="hu-HU" smtClean="0"/>
               <a:t>Ötödik szint</a:t>
             </a:r>
-            <a:endParaRPr lang="hu-HU"/>
-          </a:p>
-        </p:txBody>
-      </p:sp>
-      <p:sp>
-        <p:nvSpPr>
-          <p:cNvPr id="4" name="Dátum helye 3"/>
+            <a:endParaRPr lang="en-US" dirty="0"/>
+          </a:p>
+        </p:txBody>
+      </p:sp>
+      <p:sp>
+        <p:nvSpPr>
+          <p:cNvPr id="4" name="Date Placeholder 3"/>
           <p:cNvSpPr>
             <a:spLocks noGrp="1"/>
           </p:cNvSpPr>
@@ -416,7 +2353,7 @@
       </p:sp>
       <p:sp>
         <p:nvSpPr>
-          <p:cNvPr id="5" name="Élőláb helye 4"/>
+          <p:cNvPr id="5" name="Footer Placeholder 4"/>
           <p:cNvSpPr>
             <a:spLocks noGrp="1"/>
           </p:cNvSpPr>
@@ -435,7 +2372,89 @@
       </p:sp>
       <p:sp>
         <p:nvSpPr>
-          <p:cNvPr id="6" name="Dia számának helye 5"/>
+          <p:cNvPr id="8" name="Freeform 11"/>
+          <p:cNvSpPr/>
+          <p:nvPr/>
+        </p:nvSpPr>
+        <p:spPr bwMode="auto">
+          <a:xfrm flipV="1">
+            <a:off x="-4189" y="714375"/>
+            <a:ext cx="1588527" cy="507297"/>
+          </a:xfrm>
+          <a:custGeom>
+            <a:avLst/>
+            <a:gdLst/>
+            <a:ahLst/>
+            <a:cxnLst/>
+            <a:rect l="l" t="t" r="r" b="b"/>
+            <a:pathLst>
+              <a:path w="9248" h="10000">
+                <a:moveTo>
+                  <a:pt x="9248" y="4701"/>
+                </a:moveTo>
+                <a:lnTo>
+                  <a:pt x="7915" y="188"/>
+                </a:lnTo>
+                <a:cubicBezTo>
+                  <a:pt x="7906" y="156"/>
+                  <a:pt x="7895" y="126"/>
+                  <a:pt x="7886" y="94"/>
+                </a:cubicBezTo>
+                <a:cubicBezTo>
+                  <a:pt x="7859" y="0"/>
+                  <a:pt x="7831" y="0"/>
+                  <a:pt x="7803" y="0"/>
+                </a:cubicBezTo>
+                <a:lnTo>
+                  <a:pt x="7275" y="0"/>
+                </a:lnTo>
+                <a:lnTo>
+                  <a:pt x="0" y="70"/>
+                </a:lnTo>
+                <a:cubicBezTo>
+                  <a:pt x="8" y="3380"/>
+                  <a:pt x="17" y="6690"/>
+                  <a:pt x="25" y="10000"/>
+                </a:cubicBezTo>
+                <a:lnTo>
+                  <a:pt x="7275" y="9966"/>
+                </a:lnTo>
+                <a:lnTo>
+                  <a:pt x="7803" y="9966"/>
+                </a:lnTo>
+                <a:cubicBezTo>
+                  <a:pt x="7831" y="9966"/>
+                  <a:pt x="7859" y="9872"/>
+                  <a:pt x="7886" y="9872"/>
+                </a:cubicBezTo>
+                <a:cubicBezTo>
+                  <a:pt x="7886" y="9778"/>
+                  <a:pt x="7915" y="9778"/>
+                  <a:pt x="7915" y="9778"/>
+                </a:cubicBezTo>
+                <a:lnTo>
+                  <a:pt x="9248" y="5265"/>
+                </a:lnTo>
+                <a:cubicBezTo>
+                  <a:pt x="9303" y="5077"/>
+                  <a:pt x="9303" y="4889"/>
+                  <a:pt x="9248" y="4701"/>
+                </a:cubicBezTo>
+                <a:close/>
+              </a:path>
+            </a:pathLst>
+          </a:custGeom>
+          <a:solidFill>
+            <a:schemeClr val="accent1"/>
+          </a:solidFill>
+          <a:ln>
+            <a:noFill/>
+          </a:ln>
+        </p:spPr>
+      </p:sp>
+      <p:sp>
+        <p:nvSpPr>
+          <p:cNvPr id="6" name="Slide Number Placeholder 5"/>
           <p:cNvSpPr>
             <a:spLocks noGrp="1"/>
           </p:cNvSpPr>
@@ -459,7 +2478,7 @@
     </p:spTree>
     <p:extLst>
       <p:ext uri="{BB962C8B-B14F-4D97-AF65-F5344CB8AC3E}">
-        <p14:creationId xmlns:p14="http://schemas.microsoft.com/office/powerpoint/2010/main" val="2939547349"/>
+        <p14:creationId xmlns:p14="http://schemas.microsoft.com/office/powerpoint/2010/main" val="2511466792"/>
       </p:ext>
     </p:extLst>
   </p:cSld>
@@ -469,7 +2488,7 @@
 </p:sldLayout>
 </file>
 
-<file path=ppt/slideLayouts/slideLayout11.xml><?xml version="1.0" encoding="utf-8"?>
+<file path=ppt/slideLayouts/slideLayout16.xml><?xml version="1.0" encoding="utf-8"?>
 <p:sldLayout xmlns:a="http://schemas.openxmlformats.org/drawingml/2006/main" xmlns:r="http://schemas.openxmlformats.org/officeDocument/2006/relationships" xmlns:p="http://schemas.openxmlformats.org/presentationml/2006/main" type="vertTitleAndTx" preserve="1">
   <p:cSld name="Függőleges cím és szöveg">
     <p:spTree>
@@ -488,7 +2507,7 @@
       </p:grpSpPr>
       <p:sp>
         <p:nvSpPr>
-          <p:cNvPr id="2" name="Függőleges cím 1"/>
+          <p:cNvPr id="2" name="Vertical Title 1"/>
           <p:cNvSpPr>
             <a:spLocks noGrp="1"/>
           </p:cNvSpPr>
@@ -498,42 +2517,42 @@
         </p:nvSpPr>
         <p:spPr>
           <a:xfrm>
-            <a:off x="8724900" y="365125"/>
-            <a:ext cx="2628900" cy="5811838"/>
+            <a:off x="9294812" y="627405"/>
+            <a:ext cx="2207601" cy="5283817"/>
           </a:xfrm>
         </p:spPr>
         <p:txBody>
+          <a:bodyPr vert="eaVert" anchor="ctr"/>
+          <a:lstStyle/>
+          <a:p>
+            <a:r>
+              <a:rPr lang="hu-HU" smtClean="0"/>
+              <a:t>Mintacím szerkesztése</a:t>
+            </a:r>
+            <a:endParaRPr lang="en-US" dirty="0"/>
+          </a:p>
+        </p:txBody>
+      </p:sp>
+      <p:sp>
+        <p:nvSpPr>
+          <p:cNvPr id="3" name="Vertical Text Placeholder 2"/>
+          <p:cNvSpPr>
+            <a:spLocks noGrp="1"/>
+          </p:cNvSpPr>
+          <p:nvPr>
+            <p:ph type="body" orient="vert" idx="1"/>
+          </p:nvPr>
+        </p:nvSpPr>
+        <p:spPr>
+          <a:xfrm>
+            <a:off x="2589212" y="627405"/>
+            <a:ext cx="6477000" cy="5283817"/>
+          </a:xfrm>
+        </p:spPr>
+        <p:txBody>
           <a:bodyPr vert="eaVert"/>
           <a:lstStyle/>
           <a:p>
-            <a:r>
-              <a:rPr lang="hu-HU" smtClean="0"/>
-              <a:t>Mintacím szerkesztése</a:t>
-            </a:r>
-            <a:endParaRPr lang="hu-HU"/>
-          </a:p>
-        </p:txBody>
-      </p:sp>
-      <p:sp>
-        <p:nvSpPr>
-          <p:cNvPr id="3" name="Függőleges szöveg helye 2"/>
-          <p:cNvSpPr>
-            <a:spLocks noGrp="1"/>
-          </p:cNvSpPr>
-          <p:nvPr>
-            <p:ph type="body" orient="vert" idx="1"/>
-          </p:nvPr>
-        </p:nvSpPr>
-        <p:spPr>
-          <a:xfrm>
-            <a:off x="838200" y="365125"/>
-            <a:ext cx="7734300" cy="5811838"/>
-          </a:xfrm>
-        </p:spPr>
-        <p:txBody>
-          <a:bodyPr vert="eaVert"/>
-          <a:lstStyle/>
-          <a:p>
             <a:pPr lvl="0"/>
             <a:r>
               <a:rPr lang="hu-HU" smtClean="0"/>
@@ -567,13 +2586,13 @@
               <a:rPr lang="hu-HU" smtClean="0"/>
               <a:t>Ötödik szint</a:t>
             </a:r>
-            <a:endParaRPr lang="hu-HU"/>
-          </a:p>
-        </p:txBody>
-      </p:sp>
-      <p:sp>
-        <p:nvSpPr>
-          <p:cNvPr id="4" name="Dátum helye 3"/>
+            <a:endParaRPr lang="en-US" dirty="0"/>
+          </a:p>
+        </p:txBody>
+      </p:sp>
+      <p:sp>
+        <p:nvSpPr>
+          <p:cNvPr id="4" name="Date Placeholder 3"/>
           <p:cNvSpPr>
             <a:spLocks noGrp="1"/>
           </p:cNvSpPr>
@@ -596,7 +2615,7 @@
       </p:sp>
       <p:sp>
         <p:nvSpPr>
-          <p:cNvPr id="5" name="Élőláb helye 4"/>
+          <p:cNvPr id="5" name="Footer Placeholder 4"/>
           <p:cNvSpPr>
             <a:spLocks noGrp="1"/>
           </p:cNvSpPr>
@@ -615,7 +2634,89 @@
       </p:sp>
       <p:sp>
         <p:nvSpPr>
-          <p:cNvPr id="6" name="Dia számának helye 5"/>
+          <p:cNvPr id="8" name="Freeform 11"/>
+          <p:cNvSpPr/>
+          <p:nvPr/>
+        </p:nvSpPr>
+        <p:spPr bwMode="auto">
+          <a:xfrm flipV="1">
+            <a:off x="-4189" y="714375"/>
+            <a:ext cx="1588527" cy="507297"/>
+          </a:xfrm>
+          <a:custGeom>
+            <a:avLst/>
+            <a:gdLst/>
+            <a:ahLst/>
+            <a:cxnLst/>
+            <a:rect l="l" t="t" r="r" b="b"/>
+            <a:pathLst>
+              <a:path w="9248" h="10000">
+                <a:moveTo>
+                  <a:pt x="9248" y="4701"/>
+                </a:moveTo>
+                <a:lnTo>
+                  <a:pt x="7915" y="188"/>
+                </a:lnTo>
+                <a:cubicBezTo>
+                  <a:pt x="7906" y="156"/>
+                  <a:pt x="7895" y="126"/>
+                  <a:pt x="7886" y="94"/>
+                </a:cubicBezTo>
+                <a:cubicBezTo>
+                  <a:pt x="7859" y="0"/>
+                  <a:pt x="7831" y="0"/>
+                  <a:pt x="7803" y="0"/>
+                </a:cubicBezTo>
+                <a:lnTo>
+                  <a:pt x="7275" y="0"/>
+                </a:lnTo>
+                <a:lnTo>
+                  <a:pt x="0" y="70"/>
+                </a:lnTo>
+                <a:cubicBezTo>
+                  <a:pt x="8" y="3380"/>
+                  <a:pt x="17" y="6690"/>
+                  <a:pt x="25" y="10000"/>
+                </a:cubicBezTo>
+                <a:lnTo>
+                  <a:pt x="7275" y="9966"/>
+                </a:lnTo>
+                <a:lnTo>
+                  <a:pt x="7803" y="9966"/>
+                </a:lnTo>
+                <a:cubicBezTo>
+                  <a:pt x="7831" y="9966"/>
+                  <a:pt x="7859" y="9872"/>
+                  <a:pt x="7886" y="9872"/>
+                </a:cubicBezTo>
+                <a:cubicBezTo>
+                  <a:pt x="7886" y="9778"/>
+                  <a:pt x="7915" y="9778"/>
+                  <a:pt x="7915" y="9778"/>
+                </a:cubicBezTo>
+                <a:lnTo>
+                  <a:pt x="9248" y="5265"/>
+                </a:lnTo>
+                <a:cubicBezTo>
+                  <a:pt x="9303" y="5077"/>
+                  <a:pt x="9303" y="4889"/>
+                  <a:pt x="9248" y="4701"/>
+                </a:cubicBezTo>
+                <a:close/>
+              </a:path>
+            </a:pathLst>
+          </a:custGeom>
+          <a:solidFill>
+            <a:schemeClr val="accent1"/>
+          </a:solidFill>
+          <a:ln>
+            <a:noFill/>
+          </a:ln>
+        </p:spPr>
+      </p:sp>
+      <p:sp>
+        <p:nvSpPr>
+          <p:cNvPr id="6" name="Slide Number Placeholder 5"/>
           <p:cNvSpPr>
             <a:spLocks noGrp="1"/>
           </p:cNvSpPr>
@@ -639,7 +2740,7 @@
     </p:spTree>
     <p:extLst>
       <p:ext uri="{BB962C8B-B14F-4D97-AF65-F5344CB8AC3E}">
-        <p14:creationId xmlns:p14="http://schemas.microsoft.com/office/powerpoint/2010/main" val="3099052097"/>
+        <p14:creationId xmlns:p14="http://schemas.microsoft.com/office/powerpoint/2010/main" val="1361457395"/>
       </p:ext>
     </p:extLst>
   </p:cSld>
@@ -668,7 +2769,7 @@
       </p:grpSpPr>
       <p:sp>
         <p:nvSpPr>
-          <p:cNvPr id="2" name="Cím 1"/>
+          <p:cNvPr id="2" name="Title 1"/>
           <p:cNvSpPr>
             <a:spLocks noGrp="1"/>
           </p:cNvSpPr>
@@ -676,7 +2777,12 @@
             <p:ph type="title"/>
           </p:nvPr>
         </p:nvSpPr>
-        <p:spPr/>
+        <p:spPr>
+          <a:xfrm>
+            <a:off x="2592925" y="624110"/>
+            <a:ext cx="8911687" cy="1280890"/>
+          </a:xfrm>
+        </p:spPr>
         <p:txBody>
           <a:bodyPr/>
           <a:lstStyle/>
@@ -685,13 +2791,13 @@
               <a:rPr lang="hu-HU" smtClean="0"/>
               <a:t>Mintacím szerkesztése</a:t>
             </a:r>
-            <a:endParaRPr lang="hu-HU"/>
-          </a:p>
-        </p:txBody>
-      </p:sp>
-      <p:sp>
-        <p:nvSpPr>
-          <p:cNvPr id="3" name="Tartalom helye 2"/>
+            <a:endParaRPr lang="en-US" dirty="0"/>
+          </a:p>
+        </p:txBody>
+      </p:sp>
+      <p:sp>
+        <p:nvSpPr>
+          <p:cNvPr id="3" name="Content Placeholder 2"/>
           <p:cNvSpPr>
             <a:spLocks noGrp="1"/>
           </p:cNvSpPr>
@@ -699,7 +2805,12 @@
             <p:ph idx="1"/>
           </p:nvPr>
         </p:nvSpPr>
-        <p:spPr/>
+        <p:spPr>
+          <a:xfrm>
+            <a:off x="2589212" y="2133600"/>
+            <a:ext cx="8915400" cy="3777622"/>
+          </a:xfrm>
+        </p:spPr>
         <p:txBody>
           <a:bodyPr/>
           <a:lstStyle/>
@@ -737,13 +2848,13 @@
               <a:rPr lang="hu-HU" smtClean="0"/>
               <a:t>Ötödik szint</a:t>
             </a:r>
-            <a:endParaRPr lang="hu-HU"/>
-          </a:p>
-        </p:txBody>
-      </p:sp>
-      <p:sp>
-        <p:nvSpPr>
-          <p:cNvPr id="4" name="Dátum helye 3"/>
+            <a:endParaRPr lang="en-US" dirty="0"/>
+          </a:p>
+        </p:txBody>
+      </p:sp>
+      <p:sp>
+        <p:nvSpPr>
+          <p:cNvPr id="4" name="Date Placeholder 3"/>
           <p:cNvSpPr>
             <a:spLocks noGrp="1"/>
           </p:cNvSpPr>
@@ -766,7 +2877,7 @@
       </p:sp>
       <p:sp>
         <p:nvSpPr>
-          <p:cNvPr id="5" name="Élőláb helye 4"/>
+          <p:cNvPr id="5" name="Footer Placeholder 4"/>
           <p:cNvSpPr>
             <a:spLocks noGrp="1"/>
           </p:cNvSpPr>
@@ -785,7 +2896,89 @@
       </p:sp>
       <p:sp>
         <p:nvSpPr>
-          <p:cNvPr id="6" name="Dia számának helye 5"/>
+          <p:cNvPr id="8" name="Freeform 11"/>
+          <p:cNvSpPr/>
+          <p:nvPr/>
+        </p:nvSpPr>
+        <p:spPr bwMode="auto">
+          <a:xfrm flipV="1">
+            <a:off x="-4189" y="714375"/>
+            <a:ext cx="1588527" cy="507297"/>
+          </a:xfrm>
+          <a:custGeom>
+            <a:avLst/>
+            <a:gdLst/>
+            <a:ahLst/>
+            <a:cxnLst/>
+            <a:rect l="l" t="t" r="r" b="b"/>
+            <a:pathLst>
+              <a:path w="9248" h="10000">
+                <a:moveTo>
+                  <a:pt x="9248" y="4701"/>
+                </a:moveTo>
+                <a:lnTo>
+                  <a:pt x="7915" y="188"/>
+                </a:lnTo>
+                <a:cubicBezTo>
+                  <a:pt x="7906" y="156"/>
+                  <a:pt x="7895" y="126"/>
+                  <a:pt x="7886" y="94"/>
+                </a:cubicBezTo>
+                <a:cubicBezTo>
+                  <a:pt x="7859" y="0"/>
+                  <a:pt x="7831" y="0"/>
+                  <a:pt x="7803" y="0"/>
+                </a:cubicBezTo>
+                <a:lnTo>
+                  <a:pt x="7275" y="0"/>
+                </a:lnTo>
+                <a:lnTo>
+                  <a:pt x="0" y="70"/>
+                </a:lnTo>
+                <a:cubicBezTo>
+                  <a:pt x="8" y="3380"/>
+                  <a:pt x="17" y="6690"/>
+                  <a:pt x="25" y="10000"/>
+                </a:cubicBezTo>
+                <a:lnTo>
+                  <a:pt x="7275" y="9966"/>
+                </a:lnTo>
+                <a:lnTo>
+                  <a:pt x="7803" y="9966"/>
+                </a:lnTo>
+                <a:cubicBezTo>
+                  <a:pt x="7831" y="9966"/>
+                  <a:pt x="7859" y="9872"/>
+                  <a:pt x="7886" y="9872"/>
+                </a:cubicBezTo>
+                <a:cubicBezTo>
+                  <a:pt x="7886" y="9778"/>
+                  <a:pt x="7915" y="9778"/>
+                  <a:pt x="7915" y="9778"/>
+                </a:cubicBezTo>
+                <a:lnTo>
+                  <a:pt x="9248" y="5265"/>
+                </a:lnTo>
+                <a:cubicBezTo>
+                  <a:pt x="9303" y="5077"/>
+                  <a:pt x="9303" y="4889"/>
+                  <a:pt x="9248" y="4701"/>
+                </a:cubicBezTo>
+                <a:close/>
+              </a:path>
+            </a:pathLst>
+          </a:custGeom>
+          <a:solidFill>
+            <a:schemeClr val="accent1"/>
+          </a:solidFill>
+          <a:ln>
+            <a:noFill/>
+          </a:ln>
+        </p:spPr>
+      </p:sp>
+      <p:sp>
+        <p:nvSpPr>
+          <p:cNvPr id="6" name="Slide Number Placeholder 5"/>
           <p:cNvSpPr>
             <a:spLocks noGrp="1"/>
           </p:cNvSpPr>
@@ -809,7 +3002,7 @@
     </p:spTree>
     <p:extLst>
       <p:ext uri="{BB962C8B-B14F-4D97-AF65-F5344CB8AC3E}">
-        <p14:creationId xmlns:p14="http://schemas.microsoft.com/office/powerpoint/2010/main" val="1369313571"/>
+        <p14:creationId xmlns:p14="http://schemas.microsoft.com/office/powerpoint/2010/main" val="4176436138"/>
       </p:ext>
     </p:extLst>
   </p:cSld>
@@ -838,7 +3031,7 @@
       </p:grpSpPr>
       <p:sp>
         <p:nvSpPr>
-          <p:cNvPr id="2" name="Cím 1"/>
+          <p:cNvPr id="2" name="Title 1"/>
           <p:cNvSpPr>
             <a:spLocks noGrp="1"/>
           </p:cNvSpPr>
@@ -848,15 +3041,15 @@
         </p:nvSpPr>
         <p:spPr>
           <a:xfrm>
-            <a:off x="831850" y="1709738"/>
-            <a:ext cx="10515600" cy="2852737"/>
+            <a:off x="2589212" y="2058750"/>
+            <a:ext cx="8915399" cy="1468800"/>
           </a:xfrm>
         </p:spPr>
         <p:txBody>
           <a:bodyPr anchor="b"/>
           <a:lstStyle>
-            <a:lvl1pPr>
-              <a:defRPr sz="6000"/>
+            <a:lvl1pPr algn="l">
+              <a:defRPr sz="4000" b="0" cap="none"/>
             </a:lvl1pPr>
           </a:lstStyle>
           <a:p>
@@ -864,13 +3057,13 @@
               <a:rPr lang="hu-HU" smtClean="0"/>
               <a:t>Mintacím szerkesztése</a:t>
             </a:r>
-            <a:endParaRPr lang="hu-HU"/>
-          </a:p>
-        </p:txBody>
-      </p:sp>
-      <p:sp>
-        <p:nvSpPr>
-          <p:cNvPr id="3" name="Szöveg helye 2"/>
+            <a:endParaRPr lang="en-US" dirty="0"/>
+          </a:p>
+        </p:txBody>
+      </p:sp>
+      <p:sp>
+        <p:nvSpPr>
+          <p:cNvPr id="3" name="Text Placeholder 2"/>
           <p:cNvSpPr>
             <a:spLocks noGrp="1"/>
           </p:cNvSpPr>
@@ -880,26 +3073,27 @@
         </p:nvSpPr>
         <p:spPr>
           <a:xfrm>
-            <a:off x="831850" y="4589463"/>
-            <a:ext cx="10515600" cy="1500187"/>
+            <a:off x="2589212" y="3530129"/>
+            <a:ext cx="8915399" cy="860400"/>
           </a:xfrm>
         </p:spPr>
         <p:txBody>
-          <a:bodyPr/>
+          <a:bodyPr anchor="t"/>
           <a:lstStyle>
-            <a:lvl1pPr marL="0" indent="0">
-              <a:buNone/>
-              <a:defRPr sz="2400">
+            <a:lvl1pPr marL="0" indent="0" algn="l">
+              <a:buNone/>
+              <a:defRPr sz="2000">
                 <a:solidFill>
                   <a:schemeClr val="tx1">
-                    <a:tint val="75000"/>
+                    <a:lumMod val="65000"/>
+                    <a:lumOff val="35000"/>
                   </a:schemeClr>
                 </a:solidFill>
               </a:defRPr>
             </a:lvl1pPr>
             <a:lvl2pPr marL="457200" indent="0">
               <a:buNone/>
-              <a:defRPr sz="2000">
+              <a:defRPr sz="1800">
                 <a:solidFill>
                   <a:schemeClr val="tx1">
                     <a:tint val="75000"/>
@@ -909,7 +3103,7 @@
             </a:lvl2pPr>
             <a:lvl3pPr marL="914400" indent="0">
               <a:buNone/>
-              <a:defRPr sz="1800">
+              <a:defRPr sz="1600">
                 <a:solidFill>
                   <a:schemeClr val="tx1">
                     <a:tint val="75000"/>
@@ -919,7 +3113,7 @@
             </a:lvl3pPr>
             <a:lvl4pPr marL="1371600" indent="0">
               <a:buNone/>
-              <a:defRPr sz="1600">
+              <a:defRPr sz="1400">
                 <a:solidFill>
                   <a:schemeClr val="tx1">
                     <a:tint val="75000"/>
@@ -929,7 +3123,7 @@
             </a:lvl4pPr>
             <a:lvl5pPr marL="1828800" indent="0">
               <a:buNone/>
-              <a:defRPr sz="1600">
+              <a:defRPr sz="1400">
                 <a:solidFill>
                   <a:schemeClr val="tx1">
                     <a:tint val="75000"/>
@@ -939,7 +3133,7 @@
             </a:lvl5pPr>
             <a:lvl6pPr marL="2286000" indent="0">
               <a:buNone/>
-              <a:defRPr sz="1600">
+              <a:defRPr sz="1400">
                 <a:solidFill>
                   <a:schemeClr val="tx1">
                     <a:tint val="75000"/>
@@ -949,7 +3143,7 @@
             </a:lvl6pPr>
             <a:lvl7pPr marL="2743200" indent="0">
               <a:buNone/>
-              <a:defRPr sz="1600">
+              <a:defRPr sz="1400">
                 <a:solidFill>
                   <a:schemeClr val="tx1">
                     <a:tint val="75000"/>
@@ -959,7 +3153,7 @@
             </a:lvl7pPr>
             <a:lvl8pPr marL="3200400" indent="0">
               <a:buNone/>
-              <a:defRPr sz="1600">
+              <a:defRPr sz="1400">
                 <a:solidFill>
                   <a:schemeClr val="tx1">
                     <a:tint val="75000"/>
@@ -969,7 +3163,7 @@
             </a:lvl8pPr>
             <a:lvl9pPr marL="3657600" indent="0">
               <a:buNone/>
-              <a:defRPr sz="1600">
+              <a:defRPr sz="1400">
                 <a:solidFill>
                   <a:schemeClr val="tx1">
                     <a:tint val="75000"/>
@@ -989,7 +3183,7 @@
       </p:sp>
       <p:sp>
         <p:nvSpPr>
-          <p:cNvPr id="4" name="Dátum helye 3"/>
+          <p:cNvPr id="4" name="Date Placeholder 3"/>
           <p:cNvSpPr>
             <a:spLocks noGrp="1"/>
           </p:cNvSpPr>
@@ -1012,7 +3206,7 @@
       </p:sp>
       <p:sp>
         <p:nvSpPr>
-          <p:cNvPr id="5" name="Élőláb helye 4"/>
+          <p:cNvPr id="5" name="Footer Placeholder 4"/>
           <p:cNvSpPr>
             <a:spLocks noGrp="1"/>
           </p:cNvSpPr>
@@ -1031,7 +3225,89 @@
       </p:sp>
       <p:sp>
         <p:nvSpPr>
-          <p:cNvPr id="6" name="Dia számának helye 5"/>
+          <p:cNvPr id="9" name="Freeform 11"/>
+          <p:cNvSpPr/>
+          <p:nvPr/>
+        </p:nvSpPr>
+        <p:spPr bwMode="auto">
+          <a:xfrm flipV="1">
+            <a:off x="-4189" y="3178175"/>
+            <a:ext cx="1588527" cy="507297"/>
+          </a:xfrm>
+          <a:custGeom>
+            <a:avLst/>
+            <a:gdLst/>
+            <a:ahLst/>
+            <a:cxnLst/>
+            <a:rect l="l" t="t" r="r" b="b"/>
+            <a:pathLst>
+              <a:path w="9248" h="10000">
+                <a:moveTo>
+                  <a:pt x="9248" y="4701"/>
+                </a:moveTo>
+                <a:lnTo>
+                  <a:pt x="7915" y="188"/>
+                </a:lnTo>
+                <a:cubicBezTo>
+                  <a:pt x="7906" y="156"/>
+                  <a:pt x="7895" y="126"/>
+                  <a:pt x="7886" y="94"/>
+                </a:cubicBezTo>
+                <a:cubicBezTo>
+                  <a:pt x="7859" y="0"/>
+                  <a:pt x="7831" y="0"/>
+                  <a:pt x="7803" y="0"/>
+                </a:cubicBezTo>
+                <a:lnTo>
+                  <a:pt x="7275" y="0"/>
+                </a:lnTo>
+                <a:lnTo>
+                  <a:pt x="0" y="70"/>
+                </a:lnTo>
+                <a:cubicBezTo>
+                  <a:pt x="8" y="3380"/>
+                  <a:pt x="17" y="6690"/>
+                  <a:pt x="25" y="10000"/>
+                </a:cubicBezTo>
+                <a:lnTo>
+                  <a:pt x="7275" y="9966"/>
+                </a:lnTo>
+                <a:lnTo>
+                  <a:pt x="7803" y="9966"/>
+                </a:lnTo>
+                <a:cubicBezTo>
+                  <a:pt x="7831" y="9966"/>
+                  <a:pt x="7859" y="9872"/>
+                  <a:pt x="7886" y="9872"/>
+                </a:cubicBezTo>
+                <a:cubicBezTo>
+                  <a:pt x="7886" y="9778"/>
+                  <a:pt x="7915" y="9778"/>
+                  <a:pt x="7915" y="9778"/>
+                </a:cubicBezTo>
+                <a:lnTo>
+                  <a:pt x="9248" y="5265"/>
+                </a:lnTo>
+                <a:cubicBezTo>
+                  <a:pt x="9303" y="5077"/>
+                  <a:pt x="9303" y="4889"/>
+                  <a:pt x="9248" y="4701"/>
+                </a:cubicBezTo>
+                <a:close/>
+              </a:path>
+            </a:pathLst>
+          </a:custGeom>
+          <a:solidFill>
+            <a:schemeClr val="accent1"/>
+          </a:solidFill>
+          <a:ln>
+            <a:noFill/>
+          </a:ln>
+        </p:spPr>
+      </p:sp>
+      <p:sp>
+        <p:nvSpPr>
+          <p:cNvPr id="6" name="Slide Number Placeholder 5"/>
           <p:cNvSpPr>
             <a:spLocks noGrp="1"/>
           </p:cNvSpPr>
@@ -1039,7 +3315,12 @@
             <p:ph type="sldNum" sz="quarter" idx="12"/>
           </p:nvPr>
         </p:nvSpPr>
-        <p:spPr/>
+        <p:spPr>
+          <a:xfrm>
+            <a:off x="531812" y="3244139"/>
+            <a:ext cx="779767" cy="365125"/>
+          </a:xfrm>
+        </p:spPr>
         <p:txBody>
           <a:bodyPr/>
           <a:lstStyle/>
@@ -1055,7 +3336,7 @@
     </p:spTree>
     <p:extLst>
       <p:ext uri="{BB962C8B-B14F-4D97-AF65-F5344CB8AC3E}">
-        <p14:creationId xmlns:p14="http://schemas.microsoft.com/office/powerpoint/2010/main" val="3348371862"/>
+        <p14:creationId xmlns:p14="http://schemas.microsoft.com/office/powerpoint/2010/main" val="2725288695"/>
       </p:ext>
     </p:extLst>
   </p:cSld>
@@ -1084,7 +3365,7 @@
       </p:grpSpPr>
       <p:sp>
         <p:nvSpPr>
-          <p:cNvPr id="2" name="Cím 1"/>
+          <p:cNvPr id="8" name="Title 7"/>
           <p:cNvSpPr>
             <a:spLocks noGrp="1"/>
           </p:cNvSpPr>
@@ -1101,13 +3382,13 @@
               <a:rPr lang="hu-HU" smtClean="0"/>
               <a:t>Mintacím szerkesztése</a:t>
             </a:r>
-            <a:endParaRPr lang="hu-HU"/>
-          </a:p>
-        </p:txBody>
-      </p:sp>
-      <p:sp>
-        <p:nvSpPr>
-          <p:cNvPr id="3" name="Tartalom helye 2"/>
+            <a:endParaRPr lang="en-US" dirty="0"/>
+          </a:p>
+        </p:txBody>
+      </p:sp>
+      <p:sp>
+        <p:nvSpPr>
+          <p:cNvPr id="3" name="Content Placeholder 2"/>
           <p:cNvSpPr>
             <a:spLocks noGrp="1"/>
           </p:cNvSpPr>
@@ -1117,12 +3398,14 @@
         </p:nvSpPr>
         <p:spPr>
           <a:xfrm>
-            <a:off x="838200" y="1825625"/>
-            <a:ext cx="5181600" cy="4351338"/>
+            <a:off x="2589212" y="2133600"/>
+            <a:ext cx="4313864" cy="3777622"/>
           </a:xfrm>
         </p:spPr>
         <p:txBody>
-          <a:bodyPr/>
+          <a:bodyPr>
+            <a:normAutofit/>
+          </a:bodyPr>
           <a:lstStyle/>
           <a:p>
             <a:pPr lvl="0"/>
@@ -1158,13 +3441,13 @@
               <a:rPr lang="hu-HU" smtClean="0"/>
               <a:t>Ötödik szint</a:t>
             </a:r>
-            <a:endParaRPr lang="hu-HU"/>
-          </a:p>
-        </p:txBody>
-      </p:sp>
-      <p:sp>
-        <p:nvSpPr>
-          <p:cNvPr id="4" name="Tartalom helye 3"/>
+            <a:endParaRPr lang="en-US" dirty="0"/>
+          </a:p>
+        </p:txBody>
+      </p:sp>
+      <p:sp>
+        <p:nvSpPr>
+          <p:cNvPr id="4" name="Content Placeholder 3"/>
           <p:cNvSpPr>
             <a:spLocks noGrp="1"/>
           </p:cNvSpPr>
@@ -1174,12 +3457,14 @@
         </p:nvSpPr>
         <p:spPr>
           <a:xfrm>
-            <a:off x="6172200" y="1825625"/>
-            <a:ext cx="5181600" cy="4351338"/>
+            <a:off x="7190747" y="2126222"/>
+            <a:ext cx="4313864" cy="3777622"/>
           </a:xfrm>
         </p:spPr>
         <p:txBody>
-          <a:bodyPr/>
+          <a:bodyPr>
+            <a:normAutofit/>
+          </a:bodyPr>
           <a:lstStyle/>
           <a:p>
             <a:pPr lvl="0"/>
@@ -1215,13 +3500,13 @@
               <a:rPr lang="hu-HU" smtClean="0"/>
               <a:t>Ötödik szint</a:t>
             </a:r>
-            <a:endParaRPr lang="hu-HU"/>
-          </a:p>
-        </p:txBody>
-      </p:sp>
-      <p:sp>
-        <p:nvSpPr>
-          <p:cNvPr id="5" name="Dátum helye 4"/>
+            <a:endParaRPr lang="en-US" dirty="0"/>
+          </a:p>
+        </p:txBody>
+      </p:sp>
+      <p:sp>
+        <p:nvSpPr>
+          <p:cNvPr id="5" name="Date Placeholder 4"/>
           <p:cNvSpPr>
             <a:spLocks noGrp="1"/>
           </p:cNvSpPr>
@@ -1244,7 +3529,7 @@
       </p:sp>
       <p:sp>
         <p:nvSpPr>
-          <p:cNvPr id="6" name="Élőláb helye 5"/>
+          <p:cNvPr id="6" name="Footer Placeholder 5"/>
           <p:cNvSpPr>
             <a:spLocks noGrp="1"/>
           </p:cNvSpPr>
@@ -1263,7 +3548,89 @@
       </p:sp>
       <p:sp>
         <p:nvSpPr>
-          <p:cNvPr id="7" name="Dia számának helye 6"/>
+          <p:cNvPr id="10" name="Freeform 11"/>
+          <p:cNvSpPr/>
+          <p:nvPr/>
+        </p:nvSpPr>
+        <p:spPr bwMode="auto">
+          <a:xfrm flipV="1">
+            <a:off x="-4189" y="714375"/>
+            <a:ext cx="1588527" cy="507297"/>
+          </a:xfrm>
+          <a:custGeom>
+            <a:avLst/>
+            <a:gdLst/>
+            <a:ahLst/>
+            <a:cxnLst/>
+            <a:rect l="l" t="t" r="r" b="b"/>
+            <a:pathLst>
+              <a:path w="9248" h="10000">
+                <a:moveTo>
+                  <a:pt x="9248" y="4701"/>
+                </a:moveTo>
+                <a:lnTo>
+                  <a:pt x="7915" y="188"/>
+                </a:lnTo>
+                <a:cubicBezTo>
+                  <a:pt x="7906" y="156"/>
+                  <a:pt x="7895" y="126"/>
+                  <a:pt x="7886" y="94"/>
+                </a:cubicBezTo>
+                <a:cubicBezTo>
+                  <a:pt x="7859" y="0"/>
+                  <a:pt x="7831" y="0"/>
+                  <a:pt x="7803" y="0"/>
+                </a:cubicBezTo>
+                <a:lnTo>
+                  <a:pt x="7275" y="0"/>
+                </a:lnTo>
+                <a:lnTo>
+                  <a:pt x="0" y="70"/>
+                </a:lnTo>
+                <a:cubicBezTo>
+                  <a:pt x="8" y="3380"/>
+                  <a:pt x="17" y="6690"/>
+                  <a:pt x="25" y="10000"/>
+                </a:cubicBezTo>
+                <a:lnTo>
+                  <a:pt x="7275" y="9966"/>
+                </a:lnTo>
+                <a:lnTo>
+                  <a:pt x="7803" y="9966"/>
+                </a:lnTo>
+                <a:cubicBezTo>
+                  <a:pt x="7831" y="9966"/>
+                  <a:pt x="7859" y="9872"/>
+                  <a:pt x="7886" y="9872"/>
+                </a:cubicBezTo>
+                <a:cubicBezTo>
+                  <a:pt x="7886" y="9778"/>
+                  <a:pt x="7915" y="9778"/>
+                  <a:pt x="7915" y="9778"/>
+                </a:cubicBezTo>
+                <a:lnTo>
+                  <a:pt x="9248" y="5265"/>
+                </a:lnTo>
+                <a:cubicBezTo>
+                  <a:pt x="9303" y="5077"/>
+                  <a:pt x="9303" y="4889"/>
+                  <a:pt x="9248" y="4701"/>
+                </a:cubicBezTo>
+                <a:close/>
+              </a:path>
+            </a:pathLst>
+          </a:custGeom>
+          <a:solidFill>
+            <a:schemeClr val="accent1"/>
+          </a:solidFill>
+          <a:ln>
+            <a:noFill/>
+          </a:ln>
+        </p:spPr>
+      </p:sp>
+      <p:sp>
+        <p:nvSpPr>
+          <p:cNvPr id="11" name="Slide Number Placeholder 5"/>
           <p:cNvSpPr>
             <a:spLocks noGrp="1"/>
           </p:cNvSpPr>
@@ -1271,7 +3638,12 @@
             <p:ph type="sldNum" sz="quarter" idx="12"/>
           </p:nvPr>
         </p:nvSpPr>
-        <p:spPr/>
+        <p:spPr>
+          <a:xfrm>
+            <a:off x="531812" y="787782"/>
+            <a:ext cx="779767" cy="365125"/>
+          </a:xfrm>
+        </p:spPr>
         <p:txBody>
           <a:bodyPr/>
           <a:lstStyle/>
@@ -1287,7 +3659,7 @@
     </p:spTree>
     <p:extLst>
       <p:ext uri="{BB962C8B-B14F-4D97-AF65-F5344CB8AC3E}">
-        <p14:creationId xmlns:p14="http://schemas.microsoft.com/office/powerpoint/2010/main" val="3277301828"/>
+        <p14:creationId xmlns:p14="http://schemas.microsoft.com/office/powerpoint/2010/main" val="786612859"/>
       </p:ext>
     </p:extLst>
   </p:cSld>
@@ -1316,54 +3688,51 @@
       </p:grpSpPr>
       <p:sp>
         <p:nvSpPr>
-          <p:cNvPr id="2" name="Cím 1"/>
+          <p:cNvPr id="10" name="Title 9"/>
           <p:cNvSpPr>
             <a:spLocks noGrp="1"/>
           </p:cNvSpPr>
           <p:nvPr>
             <p:ph type="title"/>
+          </p:nvPr>
+        </p:nvSpPr>
+        <p:spPr/>
+        <p:txBody>
+          <a:bodyPr/>
+          <a:lstStyle/>
+          <a:p>
+            <a:r>
+              <a:rPr lang="hu-HU" smtClean="0"/>
+              <a:t>Mintacím szerkesztése</a:t>
+            </a:r>
+            <a:endParaRPr lang="en-US" dirty="0"/>
+          </a:p>
+        </p:txBody>
+      </p:sp>
+      <p:sp>
+        <p:nvSpPr>
+          <p:cNvPr id="3" name="Text Placeholder 2"/>
+          <p:cNvSpPr>
+            <a:spLocks noGrp="1"/>
+          </p:cNvSpPr>
+          <p:nvPr>
+            <p:ph type="body" idx="1"/>
           </p:nvPr>
         </p:nvSpPr>
         <p:spPr>
           <a:xfrm>
-            <a:off x="839788" y="365125"/>
-            <a:ext cx="10515600" cy="1325563"/>
+            <a:off x="2939373" y="1972703"/>
+            <a:ext cx="3992732" cy="576262"/>
           </a:xfrm>
         </p:spPr>
         <p:txBody>
-          <a:bodyPr/>
-          <a:lstStyle/>
-          <a:p>
-            <a:r>
-              <a:rPr lang="hu-HU" smtClean="0"/>
-              <a:t>Mintacím szerkesztése</a:t>
-            </a:r>
-            <a:endParaRPr lang="hu-HU"/>
-          </a:p>
-        </p:txBody>
-      </p:sp>
-      <p:sp>
-        <p:nvSpPr>
-          <p:cNvPr id="3" name="Szöveg helye 2"/>
-          <p:cNvSpPr>
-            <a:spLocks noGrp="1"/>
-          </p:cNvSpPr>
-          <p:nvPr>
-            <p:ph type="body" idx="1"/>
-          </p:nvPr>
-        </p:nvSpPr>
-        <p:spPr>
-          <a:xfrm>
-            <a:off x="839788" y="1681163"/>
-            <a:ext cx="5157787" cy="823912"/>
-          </a:xfrm>
-        </p:spPr>
-        <p:txBody>
-          <a:bodyPr anchor="b"/>
+          <a:bodyPr anchor="b">
+            <a:noAutofit/>
+          </a:bodyPr>
           <a:lstStyle>
             <a:lvl1pPr marL="0" indent="0">
               <a:buNone/>
-              <a:defRPr sz="2400" b="1"/>
+              <a:defRPr sz="2400" b="0"/>
             </a:lvl1pPr>
             <a:lvl2pPr marL="457200" indent="0">
               <a:buNone/>
@@ -1409,7 +3778,7 @@
       </p:sp>
       <p:sp>
         <p:nvSpPr>
-          <p:cNvPr id="4" name="Tartalom helye 3"/>
+          <p:cNvPr id="4" name="Content Placeholder 3"/>
           <p:cNvSpPr>
             <a:spLocks noGrp="1"/>
           </p:cNvSpPr>
@@ -1419,12 +3788,14 @@
         </p:nvSpPr>
         <p:spPr>
           <a:xfrm>
-            <a:off x="839788" y="2505075"/>
-            <a:ext cx="5157787" cy="3684588"/>
+            <a:off x="2589212" y="2548966"/>
+            <a:ext cx="4342893" cy="3354060"/>
           </a:xfrm>
         </p:spPr>
         <p:txBody>
-          <a:bodyPr/>
+          <a:bodyPr>
+            <a:normAutofit/>
+          </a:bodyPr>
           <a:lstStyle/>
           <a:p>
             <a:pPr lvl="0"/>
@@ -1460,13 +3831,13 @@
               <a:rPr lang="hu-HU" smtClean="0"/>
               <a:t>Ötödik szint</a:t>
             </a:r>
-            <a:endParaRPr lang="hu-HU"/>
-          </a:p>
-        </p:txBody>
-      </p:sp>
-      <p:sp>
-        <p:nvSpPr>
-          <p:cNvPr id="5" name="Szöveg helye 4"/>
+            <a:endParaRPr lang="en-US" dirty="0"/>
+          </a:p>
+        </p:txBody>
+      </p:sp>
+      <p:sp>
+        <p:nvSpPr>
+          <p:cNvPr id="5" name="Text Placeholder 4"/>
           <p:cNvSpPr>
             <a:spLocks noGrp="1"/>
           </p:cNvSpPr>
@@ -1476,16 +3847,18 @@
         </p:nvSpPr>
         <p:spPr>
           <a:xfrm>
-            <a:off x="6172200" y="1681163"/>
-            <a:ext cx="5183188" cy="823912"/>
+            <a:off x="7506629" y="1969475"/>
+            <a:ext cx="3999001" cy="576262"/>
           </a:xfrm>
         </p:spPr>
         <p:txBody>
-          <a:bodyPr anchor="b"/>
+          <a:bodyPr anchor="b">
+            <a:noAutofit/>
+          </a:bodyPr>
           <a:lstStyle>
             <a:lvl1pPr marL="0" indent="0">
               <a:buNone/>
-              <a:defRPr sz="2400" b="1"/>
+              <a:defRPr sz="2400" b="0"/>
             </a:lvl1pPr>
             <a:lvl2pPr marL="457200" indent="0">
               <a:buNone/>
@@ -1531,7 +3904,7 @@
       </p:sp>
       <p:sp>
         <p:nvSpPr>
-          <p:cNvPr id="6" name="Tartalom helye 5"/>
+          <p:cNvPr id="6" name="Content Placeholder 5"/>
           <p:cNvSpPr>
             <a:spLocks noGrp="1"/>
           </p:cNvSpPr>
@@ -1541,12 +3914,14 @@
         </p:nvSpPr>
         <p:spPr>
           <a:xfrm>
-            <a:off x="6172200" y="2505075"/>
-            <a:ext cx="5183188" cy="3684588"/>
+            <a:off x="7166957" y="2545738"/>
+            <a:ext cx="4338674" cy="3354060"/>
           </a:xfrm>
         </p:spPr>
         <p:txBody>
-          <a:bodyPr/>
+          <a:bodyPr>
+            <a:normAutofit/>
+          </a:bodyPr>
           <a:lstStyle/>
           <a:p>
             <a:pPr lvl="0"/>
@@ -1582,13 +3957,13 @@
               <a:rPr lang="hu-HU" smtClean="0"/>
               <a:t>Ötödik szint</a:t>
             </a:r>
-            <a:endParaRPr lang="hu-HU"/>
-          </a:p>
-        </p:txBody>
-      </p:sp>
-      <p:sp>
-        <p:nvSpPr>
-          <p:cNvPr id="7" name="Dátum helye 6"/>
+            <a:endParaRPr lang="en-US" dirty="0"/>
+          </a:p>
+        </p:txBody>
+      </p:sp>
+      <p:sp>
+        <p:nvSpPr>
+          <p:cNvPr id="7" name="Date Placeholder 6"/>
           <p:cNvSpPr>
             <a:spLocks noGrp="1"/>
           </p:cNvSpPr>
@@ -1611,7 +3986,7 @@
       </p:sp>
       <p:sp>
         <p:nvSpPr>
-          <p:cNvPr id="8" name="Élőláb helye 7"/>
+          <p:cNvPr id="8" name="Footer Placeholder 7"/>
           <p:cNvSpPr>
             <a:spLocks noGrp="1"/>
           </p:cNvSpPr>
@@ -1630,7 +4005,89 @@
       </p:sp>
       <p:sp>
         <p:nvSpPr>
-          <p:cNvPr id="9" name="Dia számának helye 8"/>
+          <p:cNvPr id="12" name="Freeform 11"/>
+          <p:cNvSpPr/>
+          <p:nvPr/>
+        </p:nvSpPr>
+        <p:spPr bwMode="auto">
+          <a:xfrm flipV="1">
+            <a:off x="-4189" y="714375"/>
+            <a:ext cx="1588527" cy="507297"/>
+          </a:xfrm>
+          <a:custGeom>
+            <a:avLst/>
+            <a:gdLst/>
+            <a:ahLst/>
+            <a:cxnLst/>
+            <a:rect l="l" t="t" r="r" b="b"/>
+            <a:pathLst>
+              <a:path w="9248" h="10000">
+                <a:moveTo>
+                  <a:pt x="9248" y="4701"/>
+                </a:moveTo>
+                <a:lnTo>
+                  <a:pt x="7915" y="188"/>
+                </a:lnTo>
+                <a:cubicBezTo>
+                  <a:pt x="7906" y="156"/>
+                  <a:pt x="7895" y="126"/>
+                  <a:pt x="7886" y="94"/>
+                </a:cubicBezTo>
+                <a:cubicBezTo>
+                  <a:pt x="7859" y="0"/>
+                  <a:pt x="7831" y="0"/>
+                  <a:pt x="7803" y="0"/>
+                </a:cubicBezTo>
+                <a:lnTo>
+                  <a:pt x="7275" y="0"/>
+                </a:lnTo>
+                <a:lnTo>
+                  <a:pt x="0" y="70"/>
+                </a:lnTo>
+                <a:cubicBezTo>
+                  <a:pt x="8" y="3380"/>
+                  <a:pt x="17" y="6690"/>
+                  <a:pt x="25" y="10000"/>
+                </a:cubicBezTo>
+                <a:lnTo>
+                  <a:pt x="7275" y="9966"/>
+                </a:lnTo>
+                <a:lnTo>
+                  <a:pt x="7803" y="9966"/>
+                </a:lnTo>
+                <a:cubicBezTo>
+                  <a:pt x="7831" y="9966"/>
+                  <a:pt x="7859" y="9872"/>
+                  <a:pt x="7886" y="9872"/>
+                </a:cubicBezTo>
+                <a:cubicBezTo>
+                  <a:pt x="7886" y="9778"/>
+                  <a:pt x="7915" y="9778"/>
+                  <a:pt x="7915" y="9778"/>
+                </a:cubicBezTo>
+                <a:lnTo>
+                  <a:pt x="9248" y="5265"/>
+                </a:lnTo>
+                <a:cubicBezTo>
+                  <a:pt x="9303" y="5077"/>
+                  <a:pt x="9303" y="4889"/>
+                  <a:pt x="9248" y="4701"/>
+                </a:cubicBezTo>
+                <a:close/>
+              </a:path>
+            </a:pathLst>
+          </a:custGeom>
+          <a:solidFill>
+            <a:schemeClr val="accent1"/>
+          </a:solidFill>
+          <a:ln>
+            <a:noFill/>
+          </a:ln>
+        </p:spPr>
+      </p:sp>
+      <p:sp>
+        <p:nvSpPr>
+          <p:cNvPr id="13" name="Slide Number Placeholder 5"/>
           <p:cNvSpPr>
             <a:spLocks noGrp="1"/>
           </p:cNvSpPr>
@@ -1638,7 +4095,12 @@
             <p:ph type="sldNum" sz="quarter" idx="12"/>
           </p:nvPr>
         </p:nvSpPr>
-        <p:spPr/>
+        <p:spPr>
+          <a:xfrm>
+            <a:off x="531812" y="787782"/>
+            <a:ext cx="779767" cy="365125"/>
+          </a:xfrm>
+        </p:spPr>
         <p:txBody>
           <a:bodyPr/>
           <a:lstStyle/>
@@ -1654,7 +4116,7 @@
     </p:spTree>
     <p:extLst>
       <p:ext uri="{BB962C8B-B14F-4D97-AF65-F5344CB8AC3E}">
-        <p14:creationId xmlns:p14="http://schemas.microsoft.com/office/powerpoint/2010/main" val="2020359485"/>
+        <p14:creationId xmlns:p14="http://schemas.microsoft.com/office/powerpoint/2010/main" val="3760650160"/>
       </p:ext>
     </p:extLst>
   </p:cSld>
@@ -1683,7 +4145,7 @@
       </p:grpSpPr>
       <p:sp>
         <p:nvSpPr>
-          <p:cNvPr id="2" name="Cím 1"/>
+          <p:cNvPr id="2" name="Title 1"/>
           <p:cNvSpPr>
             <a:spLocks noGrp="1"/>
           </p:cNvSpPr>
@@ -1700,13 +4162,13 @@
               <a:rPr lang="hu-HU" smtClean="0"/>
               <a:t>Mintacím szerkesztése</a:t>
             </a:r>
-            <a:endParaRPr lang="hu-HU"/>
-          </a:p>
-        </p:txBody>
-      </p:sp>
-      <p:sp>
-        <p:nvSpPr>
-          <p:cNvPr id="3" name="Dátum helye 2"/>
+            <a:endParaRPr lang="en-US" dirty="0"/>
+          </a:p>
+        </p:txBody>
+      </p:sp>
+      <p:sp>
+        <p:nvSpPr>
+          <p:cNvPr id="3" name="Date Placeholder 2"/>
           <p:cNvSpPr>
             <a:spLocks noGrp="1"/>
           </p:cNvSpPr>
@@ -1729,7 +4191,7 @@
       </p:sp>
       <p:sp>
         <p:nvSpPr>
-          <p:cNvPr id="4" name="Élőláb helye 3"/>
+          <p:cNvPr id="4" name="Footer Placeholder 3"/>
           <p:cNvSpPr>
             <a:spLocks noGrp="1"/>
           </p:cNvSpPr>
@@ -1748,7 +4210,89 @@
       </p:sp>
       <p:sp>
         <p:nvSpPr>
-          <p:cNvPr id="5" name="Dia számának helye 4"/>
+          <p:cNvPr id="7" name="Freeform 11"/>
+          <p:cNvSpPr/>
+          <p:nvPr/>
+        </p:nvSpPr>
+        <p:spPr bwMode="auto">
+          <a:xfrm flipV="1">
+            <a:off x="-4189" y="714375"/>
+            <a:ext cx="1588527" cy="507297"/>
+          </a:xfrm>
+          <a:custGeom>
+            <a:avLst/>
+            <a:gdLst/>
+            <a:ahLst/>
+            <a:cxnLst/>
+            <a:rect l="l" t="t" r="r" b="b"/>
+            <a:pathLst>
+              <a:path w="9248" h="10000">
+                <a:moveTo>
+                  <a:pt x="9248" y="4701"/>
+                </a:moveTo>
+                <a:lnTo>
+                  <a:pt x="7915" y="188"/>
+                </a:lnTo>
+                <a:cubicBezTo>
+                  <a:pt x="7906" y="156"/>
+                  <a:pt x="7895" y="126"/>
+                  <a:pt x="7886" y="94"/>
+                </a:cubicBezTo>
+                <a:cubicBezTo>
+                  <a:pt x="7859" y="0"/>
+                  <a:pt x="7831" y="0"/>
+                  <a:pt x="7803" y="0"/>
+                </a:cubicBezTo>
+                <a:lnTo>
+                  <a:pt x="7275" y="0"/>
+                </a:lnTo>
+                <a:lnTo>
+                  <a:pt x="0" y="70"/>
+                </a:lnTo>
+                <a:cubicBezTo>
+                  <a:pt x="8" y="3380"/>
+                  <a:pt x="17" y="6690"/>
+                  <a:pt x="25" y="10000"/>
+                </a:cubicBezTo>
+                <a:lnTo>
+                  <a:pt x="7275" y="9966"/>
+                </a:lnTo>
+                <a:lnTo>
+                  <a:pt x="7803" y="9966"/>
+                </a:lnTo>
+                <a:cubicBezTo>
+                  <a:pt x="7831" y="9966"/>
+                  <a:pt x="7859" y="9872"/>
+                  <a:pt x="7886" y="9872"/>
+                </a:cubicBezTo>
+                <a:cubicBezTo>
+                  <a:pt x="7886" y="9778"/>
+                  <a:pt x="7915" y="9778"/>
+                  <a:pt x="7915" y="9778"/>
+                </a:cubicBezTo>
+                <a:lnTo>
+                  <a:pt x="9248" y="5265"/>
+                </a:lnTo>
+                <a:cubicBezTo>
+                  <a:pt x="9303" y="5077"/>
+                  <a:pt x="9303" y="4889"/>
+                  <a:pt x="9248" y="4701"/>
+                </a:cubicBezTo>
+                <a:close/>
+              </a:path>
+            </a:pathLst>
+          </a:custGeom>
+          <a:solidFill>
+            <a:schemeClr val="accent1"/>
+          </a:solidFill>
+          <a:ln>
+            <a:noFill/>
+          </a:ln>
+        </p:spPr>
+      </p:sp>
+      <p:sp>
+        <p:nvSpPr>
+          <p:cNvPr id="5" name="Slide Number Placeholder 4"/>
           <p:cNvSpPr>
             <a:spLocks noGrp="1"/>
           </p:cNvSpPr>
@@ -1772,7 +4316,7 @@
     </p:spTree>
     <p:extLst>
       <p:ext uri="{BB962C8B-B14F-4D97-AF65-F5344CB8AC3E}">
-        <p14:creationId xmlns:p14="http://schemas.microsoft.com/office/powerpoint/2010/main" val="145882921"/>
+        <p14:creationId xmlns:p14="http://schemas.microsoft.com/office/powerpoint/2010/main" val="4165903255"/>
       </p:ext>
     </p:extLst>
   </p:cSld>
@@ -1801,7 +4345,7 @@
       </p:grpSpPr>
       <p:sp>
         <p:nvSpPr>
-          <p:cNvPr id="2" name="Dátum helye 1"/>
+          <p:cNvPr id="2" name="Date Placeholder 1"/>
           <p:cNvSpPr>
             <a:spLocks noGrp="1"/>
           </p:cNvSpPr>
@@ -1824,7 +4368,7 @@
       </p:sp>
       <p:sp>
         <p:nvSpPr>
-          <p:cNvPr id="3" name="Élőláb helye 2"/>
+          <p:cNvPr id="3" name="Footer Placeholder 2"/>
           <p:cNvSpPr>
             <a:spLocks noGrp="1"/>
           </p:cNvSpPr>
@@ -1843,7 +4387,89 @@
       </p:sp>
       <p:sp>
         <p:nvSpPr>
-          <p:cNvPr id="4" name="Dia számának helye 3"/>
+          <p:cNvPr id="6" name="Freeform 11"/>
+          <p:cNvSpPr/>
+          <p:nvPr/>
+        </p:nvSpPr>
+        <p:spPr bwMode="auto">
+          <a:xfrm flipV="1">
+            <a:off x="-4189" y="714375"/>
+            <a:ext cx="1588527" cy="507297"/>
+          </a:xfrm>
+          <a:custGeom>
+            <a:avLst/>
+            <a:gdLst/>
+            <a:ahLst/>
+            <a:cxnLst/>
+            <a:rect l="l" t="t" r="r" b="b"/>
+            <a:pathLst>
+              <a:path w="9248" h="10000">
+                <a:moveTo>
+                  <a:pt x="9248" y="4701"/>
+                </a:moveTo>
+                <a:lnTo>
+                  <a:pt x="7915" y="188"/>
+                </a:lnTo>
+                <a:cubicBezTo>
+                  <a:pt x="7906" y="156"/>
+                  <a:pt x="7895" y="126"/>
+                  <a:pt x="7886" y="94"/>
+                </a:cubicBezTo>
+                <a:cubicBezTo>
+                  <a:pt x="7859" y="0"/>
+                  <a:pt x="7831" y="0"/>
+                  <a:pt x="7803" y="0"/>
+                </a:cubicBezTo>
+                <a:lnTo>
+                  <a:pt x="7275" y="0"/>
+                </a:lnTo>
+                <a:lnTo>
+                  <a:pt x="0" y="70"/>
+                </a:lnTo>
+                <a:cubicBezTo>
+                  <a:pt x="8" y="3380"/>
+                  <a:pt x="17" y="6690"/>
+                  <a:pt x="25" y="10000"/>
+                </a:cubicBezTo>
+                <a:lnTo>
+                  <a:pt x="7275" y="9966"/>
+                </a:lnTo>
+                <a:lnTo>
+                  <a:pt x="7803" y="9966"/>
+                </a:lnTo>
+                <a:cubicBezTo>
+                  <a:pt x="7831" y="9966"/>
+                  <a:pt x="7859" y="9872"/>
+                  <a:pt x="7886" y="9872"/>
+                </a:cubicBezTo>
+                <a:cubicBezTo>
+                  <a:pt x="7886" y="9778"/>
+                  <a:pt x="7915" y="9778"/>
+                  <a:pt x="7915" y="9778"/>
+                </a:cubicBezTo>
+                <a:lnTo>
+                  <a:pt x="9248" y="5265"/>
+                </a:lnTo>
+                <a:cubicBezTo>
+                  <a:pt x="9303" y="5077"/>
+                  <a:pt x="9303" y="4889"/>
+                  <a:pt x="9248" y="4701"/>
+                </a:cubicBezTo>
+                <a:close/>
+              </a:path>
+            </a:pathLst>
+          </a:custGeom>
+          <a:solidFill>
+            <a:schemeClr val="accent1"/>
+          </a:solidFill>
+          <a:ln>
+            <a:noFill/>
+          </a:ln>
+        </p:spPr>
+      </p:sp>
+      <p:sp>
+        <p:nvSpPr>
+          <p:cNvPr id="4" name="Slide Number Placeholder 3"/>
           <p:cNvSpPr>
             <a:spLocks noGrp="1"/>
           </p:cNvSpPr>
@@ -1867,7 +4493,7 @@
     </p:spTree>
     <p:extLst>
       <p:ext uri="{BB962C8B-B14F-4D97-AF65-F5344CB8AC3E}">
-        <p14:creationId xmlns:p14="http://schemas.microsoft.com/office/powerpoint/2010/main" val="434420352"/>
+        <p14:creationId xmlns:p14="http://schemas.microsoft.com/office/powerpoint/2010/main" val="2775080171"/>
       </p:ext>
     </p:extLst>
   </p:cSld>
@@ -1896,7 +4522,7 @@
       </p:grpSpPr>
       <p:sp>
         <p:nvSpPr>
-          <p:cNvPr id="2" name="Cím 1"/>
+          <p:cNvPr id="2" name="Title 1"/>
           <p:cNvSpPr>
             <a:spLocks noGrp="1"/>
           </p:cNvSpPr>
@@ -1906,15 +4532,15 @@
         </p:nvSpPr>
         <p:spPr>
           <a:xfrm>
-            <a:off x="839788" y="457200"/>
-            <a:ext cx="3932237" cy="1600200"/>
+            <a:off x="2589212" y="446088"/>
+            <a:ext cx="3505199" cy="976312"/>
           </a:xfrm>
         </p:spPr>
         <p:txBody>
           <a:bodyPr anchor="b"/>
           <a:lstStyle>
-            <a:lvl1pPr>
-              <a:defRPr sz="3200"/>
+            <a:lvl1pPr algn="l">
+              <a:defRPr sz="2000" b="0"/>
             </a:lvl1pPr>
           </a:lstStyle>
           <a:p>
@@ -1922,13 +4548,13 @@
               <a:rPr lang="hu-HU" smtClean="0"/>
               <a:t>Mintacím szerkesztése</a:t>
             </a:r>
-            <a:endParaRPr lang="hu-HU"/>
-          </a:p>
-        </p:txBody>
-      </p:sp>
-      <p:sp>
-        <p:nvSpPr>
-          <p:cNvPr id="3" name="Tartalom helye 2"/>
+            <a:endParaRPr lang="en-US" dirty="0"/>
+          </a:p>
+        </p:txBody>
+      </p:sp>
+      <p:sp>
+        <p:nvSpPr>
+          <p:cNvPr id="3" name="Content Placeholder 2"/>
           <p:cNvSpPr>
             <a:spLocks noGrp="1"/>
           </p:cNvSpPr>
@@ -1938,41 +4564,15 @@
         </p:nvSpPr>
         <p:spPr>
           <a:xfrm>
-            <a:off x="5183188" y="987425"/>
-            <a:ext cx="6172200" cy="4873625"/>
+            <a:off x="6323012" y="446088"/>
+            <a:ext cx="5181600" cy="5414963"/>
           </a:xfrm>
         </p:spPr>
         <p:txBody>
-          <a:bodyPr/>
-          <a:lstStyle>
-            <a:lvl1pPr>
-              <a:defRPr sz="3200"/>
-            </a:lvl1pPr>
-            <a:lvl2pPr>
-              <a:defRPr sz="2800"/>
-            </a:lvl2pPr>
-            <a:lvl3pPr>
-              <a:defRPr sz="2400"/>
-            </a:lvl3pPr>
-            <a:lvl4pPr>
-              <a:defRPr sz="2000"/>
-            </a:lvl4pPr>
-            <a:lvl5pPr>
-              <a:defRPr sz="2000"/>
-            </a:lvl5pPr>
-            <a:lvl6pPr>
-              <a:defRPr sz="2000"/>
-            </a:lvl6pPr>
-            <a:lvl7pPr>
-              <a:defRPr sz="2000"/>
-            </a:lvl7pPr>
-            <a:lvl8pPr>
-              <a:defRPr sz="2000"/>
-            </a:lvl8pPr>
-            <a:lvl9pPr>
-              <a:defRPr sz="2000"/>
-            </a:lvl9pPr>
-          </a:lstStyle>
+          <a:bodyPr anchor="ctr">
+            <a:normAutofit/>
+          </a:bodyPr>
+          <a:lstStyle/>
           <a:p>
             <a:pPr lvl="0"/>
             <a:r>
@@ -2007,13 +4607,13 @@
               <a:rPr lang="hu-HU" smtClean="0"/>
               <a:t>Ötödik szint</a:t>
             </a:r>
-            <a:endParaRPr lang="hu-HU"/>
-          </a:p>
-        </p:txBody>
-      </p:sp>
-      <p:sp>
-        <p:nvSpPr>
-          <p:cNvPr id="4" name="Szöveg helye 3"/>
+            <a:endParaRPr lang="en-US" dirty="0"/>
+          </a:p>
+        </p:txBody>
+      </p:sp>
+      <p:sp>
+        <p:nvSpPr>
+          <p:cNvPr id="4" name="Text Placeholder 3"/>
           <p:cNvSpPr>
             <a:spLocks noGrp="1"/>
           </p:cNvSpPr>
@@ -2023,8 +4623,8 @@
         </p:nvSpPr>
         <p:spPr>
           <a:xfrm>
-            <a:off x="839788" y="2057400"/>
-            <a:ext cx="3932237" cy="3811588"/>
+            <a:off x="2589212" y="1598613"/>
+            <a:ext cx="3505199" cy="4262436"/>
           </a:xfrm>
         </p:spPr>
         <p:txBody>
@@ -2032,39 +4632,39 @@
           <a:lstStyle>
             <a:lvl1pPr marL="0" indent="0">
               <a:buNone/>
-              <a:defRPr sz="1600"/>
+              <a:defRPr sz="1400"/>
             </a:lvl1pPr>
             <a:lvl2pPr marL="457200" indent="0">
               <a:buNone/>
-              <a:defRPr sz="1400"/>
+              <a:defRPr sz="1200"/>
             </a:lvl2pPr>
             <a:lvl3pPr marL="914400" indent="0">
               <a:buNone/>
-              <a:defRPr sz="1200"/>
+              <a:defRPr sz="1000"/>
             </a:lvl3pPr>
             <a:lvl4pPr marL="1371600" indent="0">
               <a:buNone/>
-              <a:defRPr sz="1000"/>
+              <a:defRPr sz="900"/>
             </a:lvl4pPr>
             <a:lvl5pPr marL="1828800" indent="0">
               <a:buNone/>
-              <a:defRPr sz="1000"/>
+              <a:defRPr sz="900"/>
             </a:lvl5pPr>
             <a:lvl6pPr marL="2286000" indent="0">
               <a:buNone/>
-              <a:defRPr sz="1000"/>
+              <a:defRPr sz="900"/>
             </a:lvl6pPr>
             <a:lvl7pPr marL="2743200" indent="0">
               <a:buNone/>
-              <a:defRPr sz="1000"/>
+              <a:defRPr sz="900"/>
             </a:lvl7pPr>
             <a:lvl8pPr marL="3200400" indent="0">
               <a:buNone/>
-              <a:defRPr sz="1000"/>
+              <a:defRPr sz="900"/>
             </a:lvl8pPr>
             <a:lvl9pPr marL="3657600" indent="0">
               <a:buNone/>
-              <a:defRPr sz="1000"/>
+              <a:defRPr sz="900"/>
             </a:lvl9pPr>
           </a:lstStyle>
           <a:p>
@@ -2078,7 +4678,7 @@
       </p:sp>
       <p:sp>
         <p:nvSpPr>
-          <p:cNvPr id="5" name="Dátum helye 4"/>
+          <p:cNvPr id="5" name="Date Placeholder 4"/>
           <p:cNvSpPr>
             <a:spLocks noGrp="1"/>
           </p:cNvSpPr>
@@ -2101,7 +4701,7 @@
       </p:sp>
       <p:sp>
         <p:nvSpPr>
-          <p:cNvPr id="6" name="Élőláb helye 5"/>
+          <p:cNvPr id="6" name="Footer Placeholder 5"/>
           <p:cNvSpPr>
             <a:spLocks noGrp="1"/>
           </p:cNvSpPr>
@@ -2120,7 +4720,89 @@
       </p:sp>
       <p:sp>
         <p:nvSpPr>
-          <p:cNvPr id="7" name="Dia számának helye 6"/>
+          <p:cNvPr id="9" name="Freeform 11"/>
+          <p:cNvSpPr/>
+          <p:nvPr/>
+        </p:nvSpPr>
+        <p:spPr bwMode="auto">
+          <a:xfrm flipV="1">
+            <a:off x="-4189" y="714375"/>
+            <a:ext cx="1588527" cy="507297"/>
+          </a:xfrm>
+          <a:custGeom>
+            <a:avLst/>
+            <a:gdLst/>
+            <a:ahLst/>
+            <a:cxnLst/>
+            <a:rect l="l" t="t" r="r" b="b"/>
+            <a:pathLst>
+              <a:path w="9248" h="10000">
+                <a:moveTo>
+                  <a:pt x="9248" y="4701"/>
+                </a:moveTo>
+                <a:lnTo>
+                  <a:pt x="7915" y="188"/>
+                </a:lnTo>
+                <a:cubicBezTo>
+                  <a:pt x="7906" y="156"/>
+                  <a:pt x="7895" y="126"/>
+                  <a:pt x="7886" y="94"/>
+                </a:cubicBezTo>
+                <a:cubicBezTo>
+                  <a:pt x="7859" y="0"/>
+                  <a:pt x="7831" y="0"/>
+                  <a:pt x="7803" y="0"/>
+                </a:cubicBezTo>
+                <a:lnTo>
+                  <a:pt x="7275" y="0"/>
+                </a:lnTo>
+                <a:lnTo>
+                  <a:pt x="0" y="70"/>
+                </a:lnTo>
+                <a:cubicBezTo>
+                  <a:pt x="8" y="3380"/>
+                  <a:pt x="17" y="6690"/>
+                  <a:pt x="25" y="10000"/>
+                </a:cubicBezTo>
+                <a:lnTo>
+                  <a:pt x="7275" y="9966"/>
+                </a:lnTo>
+                <a:lnTo>
+                  <a:pt x="7803" y="9966"/>
+                </a:lnTo>
+                <a:cubicBezTo>
+                  <a:pt x="7831" y="9966"/>
+                  <a:pt x="7859" y="9872"/>
+                  <a:pt x="7886" y="9872"/>
+                </a:cubicBezTo>
+                <a:cubicBezTo>
+                  <a:pt x="7886" y="9778"/>
+                  <a:pt x="7915" y="9778"/>
+                  <a:pt x="7915" y="9778"/>
+                </a:cubicBezTo>
+                <a:lnTo>
+                  <a:pt x="9248" y="5265"/>
+                </a:lnTo>
+                <a:cubicBezTo>
+                  <a:pt x="9303" y="5077"/>
+                  <a:pt x="9303" y="4889"/>
+                  <a:pt x="9248" y="4701"/>
+                </a:cubicBezTo>
+                <a:close/>
+              </a:path>
+            </a:pathLst>
+          </a:custGeom>
+          <a:solidFill>
+            <a:schemeClr val="accent1"/>
+          </a:solidFill>
+          <a:ln>
+            <a:noFill/>
+          </a:ln>
+        </p:spPr>
+      </p:sp>
+      <p:sp>
+        <p:nvSpPr>
+          <p:cNvPr id="7" name="Slide Number Placeholder 6"/>
           <p:cNvSpPr>
             <a:spLocks noGrp="1"/>
           </p:cNvSpPr>
@@ -2144,7 +4826,7 @@
     </p:spTree>
     <p:extLst>
       <p:ext uri="{BB962C8B-B14F-4D97-AF65-F5344CB8AC3E}">
-        <p14:creationId xmlns:p14="http://schemas.microsoft.com/office/powerpoint/2010/main" val="1617389610"/>
+        <p14:creationId xmlns:p14="http://schemas.microsoft.com/office/powerpoint/2010/main" val="2428112966"/>
       </p:ext>
     </p:extLst>
   </p:cSld>
@@ -2173,7 +4855,7 @@
       </p:grpSpPr>
       <p:sp>
         <p:nvSpPr>
-          <p:cNvPr id="2" name="Cím 1"/>
+          <p:cNvPr id="2" name="Title 1"/>
           <p:cNvSpPr>
             <a:spLocks noGrp="1"/>
           </p:cNvSpPr>
@@ -2183,15 +4865,17 @@
         </p:nvSpPr>
         <p:spPr>
           <a:xfrm>
-            <a:off x="839788" y="457200"/>
-            <a:ext cx="3932237" cy="1600200"/>
+            <a:off x="2589213" y="4800600"/>
+            <a:ext cx="8915400" cy="566738"/>
           </a:xfrm>
         </p:spPr>
         <p:txBody>
-          <a:bodyPr anchor="b"/>
+          <a:bodyPr anchor="b">
+            <a:normAutofit/>
+          </a:bodyPr>
           <a:lstStyle>
-            <a:lvl1pPr>
-              <a:defRPr sz="3200"/>
+            <a:lvl1pPr algn="l">
+              <a:defRPr sz="2400" b="0"/>
             </a:lvl1pPr>
           </a:lstStyle>
           <a:p>
@@ -2199,15 +4883,15 @@
               <a:rPr lang="hu-HU" smtClean="0"/>
               <a:t>Mintacím szerkesztése</a:t>
             </a:r>
-            <a:endParaRPr lang="hu-HU"/>
-          </a:p>
-        </p:txBody>
-      </p:sp>
-      <p:sp>
-        <p:nvSpPr>
-          <p:cNvPr id="3" name="Kép helye 2"/>
-          <p:cNvSpPr>
-            <a:spLocks noGrp="1"/>
+            <a:endParaRPr lang="en-US" dirty="0"/>
+          </a:p>
+        </p:txBody>
+      </p:sp>
+      <p:sp>
+        <p:nvSpPr>
+          <p:cNvPr id="3" name="Picture Placeholder 2"/>
+          <p:cNvSpPr>
+            <a:spLocks noGrp="1" noChangeAspect="1"/>
           </p:cNvSpPr>
           <p:nvPr>
             <p:ph type="pic" idx="1"/>
@@ -2215,112 +4899,120 @@
         </p:nvSpPr>
         <p:spPr>
           <a:xfrm>
-            <a:off x="5183188" y="987425"/>
-            <a:ext cx="6172200" cy="4873625"/>
+            <a:off x="2589212" y="634965"/>
+            <a:ext cx="8915400" cy="3854970"/>
           </a:xfrm>
         </p:spPr>
         <p:txBody>
-          <a:bodyPr/>
+          <a:bodyPr anchor="t">
+            <a:normAutofit/>
+          </a:bodyPr>
           <a:lstStyle>
-            <a:lvl1pPr marL="0" indent="0">
-              <a:buNone/>
-              <a:defRPr sz="3200"/>
-            </a:lvl1pPr>
-            <a:lvl2pPr marL="457200" indent="0">
-              <a:buNone/>
-              <a:defRPr sz="2800"/>
-            </a:lvl2pPr>
-            <a:lvl3pPr marL="914400" indent="0">
-              <a:buNone/>
-              <a:defRPr sz="2400"/>
-            </a:lvl3pPr>
-            <a:lvl4pPr marL="1371600" indent="0">
-              <a:buNone/>
-              <a:defRPr sz="2000"/>
-            </a:lvl4pPr>
-            <a:lvl5pPr marL="1828800" indent="0">
-              <a:buNone/>
-              <a:defRPr sz="2000"/>
-            </a:lvl5pPr>
-            <a:lvl6pPr marL="2286000" indent="0">
-              <a:buNone/>
-              <a:defRPr sz="2000"/>
-            </a:lvl6pPr>
-            <a:lvl7pPr marL="2743200" indent="0">
-              <a:buNone/>
-              <a:defRPr sz="2000"/>
-            </a:lvl7pPr>
-            <a:lvl8pPr marL="3200400" indent="0">
-              <a:buNone/>
-              <a:defRPr sz="2000"/>
-            </a:lvl8pPr>
-            <a:lvl9pPr marL="3657600" indent="0">
-              <a:buNone/>
-              <a:defRPr sz="2000"/>
-            </a:lvl9pPr>
-          </a:lstStyle>
-          <a:p>
-            <a:endParaRPr lang="hu-HU"/>
-          </a:p>
-        </p:txBody>
-      </p:sp>
-      <p:sp>
-        <p:nvSpPr>
-          <p:cNvPr id="4" name="Szöveg helye 3"/>
-          <p:cNvSpPr>
-            <a:spLocks noGrp="1"/>
-          </p:cNvSpPr>
-          <p:nvPr>
-            <p:ph type="body" sz="half" idx="2"/>
-          </p:nvPr>
-        </p:nvSpPr>
-        <p:spPr>
-          <a:xfrm>
-            <a:off x="839788" y="2057400"/>
-            <a:ext cx="3932237" cy="3811588"/>
-          </a:xfrm>
-        </p:spPr>
-        <p:txBody>
-          <a:bodyPr/>
-          <a:lstStyle>
-            <a:lvl1pPr marL="0" indent="0">
+            <a:lvl1pPr marL="0" indent="0" algn="ctr">
               <a:buNone/>
               <a:defRPr sz="1600"/>
             </a:lvl1pPr>
             <a:lvl2pPr marL="457200" indent="0">
               <a:buNone/>
-              <a:defRPr sz="1400"/>
+              <a:defRPr sz="1600"/>
             </a:lvl2pPr>
             <a:lvl3pPr marL="914400" indent="0">
               <a:buNone/>
-              <a:defRPr sz="1200"/>
+              <a:defRPr sz="1600"/>
             </a:lvl3pPr>
             <a:lvl4pPr marL="1371600" indent="0">
               <a:buNone/>
-              <a:defRPr sz="1000"/>
+              <a:defRPr sz="1600"/>
             </a:lvl4pPr>
             <a:lvl5pPr marL="1828800" indent="0">
               <a:buNone/>
-              <a:defRPr sz="1000"/>
+              <a:defRPr sz="1600"/>
             </a:lvl5pPr>
             <a:lvl6pPr marL="2286000" indent="0">
               <a:buNone/>
-              <a:defRPr sz="1000"/>
+              <a:defRPr sz="1600"/>
             </a:lvl6pPr>
             <a:lvl7pPr marL="2743200" indent="0">
               <a:buNone/>
-              <a:defRPr sz="1000"/>
+              <a:defRPr sz="1600"/>
             </a:lvl7pPr>
             <a:lvl8pPr marL="3200400" indent="0">
               <a:buNone/>
-              <a:defRPr sz="1000"/>
+              <a:defRPr sz="1600"/>
             </a:lvl8pPr>
             <a:lvl9pPr marL="3657600" indent="0">
               <a:buNone/>
-              <a:defRPr sz="1000"/>
+              <a:defRPr sz="1600"/>
             </a:lvl9pPr>
           </a:lstStyle>
           <a:p>
+            <a:r>
+              <a:rPr lang="hu-HU" smtClean="0"/>
+              <a:t>Kép beszúrásához kattintson az ikonra</a:t>
+            </a:r>
+            <a:endParaRPr lang="en-US" dirty="0"/>
+          </a:p>
+        </p:txBody>
+      </p:sp>
+      <p:sp>
+        <p:nvSpPr>
+          <p:cNvPr id="4" name="Text Placeholder 3"/>
+          <p:cNvSpPr>
+            <a:spLocks noGrp="1"/>
+          </p:cNvSpPr>
+          <p:nvPr>
+            <p:ph type="body" sz="half" idx="2"/>
+          </p:nvPr>
+        </p:nvSpPr>
+        <p:spPr>
+          <a:xfrm>
+            <a:off x="2589213" y="5367338"/>
+            <a:ext cx="8915400" cy="493712"/>
+          </a:xfrm>
+        </p:spPr>
+        <p:txBody>
+          <a:bodyPr>
+            <a:normAutofit/>
+          </a:bodyPr>
+          <a:lstStyle>
+            <a:lvl1pPr marL="0" indent="0">
+              <a:buNone/>
+              <a:defRPr sz="1200"/>
+            </a:lvl1pPr>
+            <a:lvl2pPr marL="457200" indent="0">
+              <a:buNone/>
+              <a:defRPr sz="1200"/>
+            </a:lvl2pPr>
+            <a:lvl3pPr marL="914400" indent="0">
+              <a:buNone/>
+              <a:defRPr sz="1000"/>
+            </a:lvl3pPr>
+            <a:lvl4pPr marL="1371600" indent="0">
+              <a:buNone/>
+              <a:defRPr sz="900"/>
+            </a:lvl4pPr>
+            <a:lvl5pPr marL="1828800" indent="0">
+              <a:buNone/>
+              <a:defRPr sz="900"/>
+            </a:lvl5pPr>
+            <a:lvl6pPr marL="2286000" indent="0">
+              <a:buNone/>
+              <a:defRPr sz="900"/>
+            </a:lvl6pPr>
+            <a:lvl7pPr marL="2743200" indent="0">
+              <a:buNone/>
+              <a:defRPr sz="900"/>
+            </a:lvl7pPr>
+            <a:lvl8pPr marL="3200400" indent="0">
+              <a:buNone/>
+              <a:defRPr sz="900"/>
+            </a:lvl8pPr>
+            <a:lvl9pPr marL="3657600" indent="0">
+              <a:buNone/>
+              <a:defRPr sz="900"/>
+            </a:lvl9pPr>
+          </a:lstStyle>
+          <a:p>
             <a:pPr lvl="0"/>
             <a:r>
               <a:rPr lang="hu-HU" smtClean="0"/>
@@ -2331,7 +5023,7 @@
       </p:sp>
       <p:sp>
         <p:nvSpPr>
-          <p:cNvPr id="5" name="Dátum helye 4"/>
+          <p:cNvPr id="5" name="Date Placeholder 4"/>
           <p:cNvSpPr>
             <a:spLocks noGrp="1"/>
           </p:cNvSpPr>
@@ -2354,7 +5046,7 @@
       </p:sp>
       <p:sp>
         <p:nvSpPr>
-          <p:cNvPr id="6" name="Élőláb helye 5"/>
+          <p:cNvPr id="6" name="Footer Placeholder 5"/>
           <p:cNvSpPr>
             <a:spLocks noGrp="1"/>
           </p:cNvSpPr>
@@ -2373,7 +5065,89 @@
       </p:sp>
       <p:sp>
         <p:nvSpPr>
-          <p:cNvPr id="7" name="Dia számának helye 6"/>
+          <p:cNvPr id="9" name="Freeform 11"/>
+          <p:cNvSpPr/>
+          <p:nvPr/>
+        </p:nvSpPr>
+        <p:spPr bwMode="auto">
+          <a:xfrm flipV="1">
+            <a:off x="-4189" y="4911725"/>
+            <a:ext cx="1588527" cy="507297"/>
+          </a:xfrm>
+          <a:custGeom>
+            <a:avLst/>
+            <a:gdLst/>
+            <a:ahLst/>
+            <a:cxnLst/>
+            <a:rect l="l" t="t" r="r" b="b"/>
+            <a:pathLst>
+              <a:path w="9248" h="10000">
+                <a:moveTo>
+                  <a:pt x="9248" y="4701"/>
+                </a:moveTo>
+                <a:lnTo>
+                  <a:pt x="7915" y="188"/>
+                </a:lnTo>
+                <a:cubicBezTo>
+                  <a:pt x="7906" y="156"/>
+                  <a:pt x="7895" y="126"/>
+                  <a:pt x="7886" y="94"/>
+                </a:cubicBezTo>
+                <a:cubicBezTo>
+                  <a:pt x="7859" y="0"/>
+                  <a:pt x="7831" y="0"/>
+                  <a:pt x="7803" y="0"/>
+                </a:cubicBezTo>
+                <a:lnTo>
+                  <a:pt x="7275" y="0"/>
+                </a:lnTo>
+                <a:lnTo>
+                  <a:pt x="0" y="70"/>
+                </a:lnTo>
+                <a:cubicBezTo>
+                  <a:pt x="8" y="3380"/>
+                  <a:pt x="17" y="6690"/>
+                  <a:pt x="25" y="10000"/>
+                </a:cubicBezTo>
+                <a:lnTo>
+                  <a:pt x="7275" y="9966"/>
+                </a:lnTo>
+                <a:lnTo>
+                  <a:pt x="7803" y="9966"/>
+                </a:lnTo>
+                <a:cubicBezTo>
+                  <a:pt x="7831" y="9966"/>
+                  <a:pt x="7859" y="9872"/>
+                  <a:pt x="7886" y="9872"/>
+                </a:cubicBezTo>
+                <a:cubicBezTo>
+                  <a:pt x="7886" y="9778"/>
+                  <a:pt x="7915" y="9778"/>
+                  <a:pt x="7915" y="9778"/>
+                </a:cubicBezTo>
+                <a:lnTo>
+                  <a:pt x="9248" y="5265"/>
+                </a:lnTo>
+                <a:cubicBezTo>
+                  <a:pt x="9303" y="5077"/>
+                  <a:pt x="9303" y="4889"/>
+                  <a:pt x="9248" y="4701"/>
+                </a:cubicBezTo>
+                <a:close/>
+              </a:path>
+            </a:pathLst>
+          </a:custGeom>
+          <a:solidFill>
+            <a:schemeClr val="accent1"/>
+          </a:solidFill>
+          <a:ln>
+            <a:noFill/>
+          </a:ln>
+        </p:spPr>
+      </p:sp>
+      <p:sp>
+        <p:nvSpPr>
+          <p:cNvPr id="7" name="Slide Number Placeholder 6"/>
           <p:cNvSpPr>
             <a:spLocks noGrp="1"/>
           </p:cNvSpPr>
@@ -2381,7 +5155,12 @@
             <p:ph type="sldNum" sz="quarter" idx="12"/>
           </p:nvPr>
         </p:nvSpPr>
-        <p:spPr/>
+        <p:spPr>
+          <a:xfrm>
+            <a:off x="531812" y="4983087"/>
+            <a:ext cx="779767" cy="365125"/>
+          </a:xfrm>
+        </p:spPr>
         <p:txBody>
           <a:bodyPr/>
           <a:lstStyle/>
@@ -2397,7 +5176,7 @@
     </p:spTree>
     <p:extLst>
       <p:ext uri="{BB962C8B-B14F-4D97-AF65-F5344CB8AC3E}">
-        <p14:creationId xmlns:p14="http://schemas.microsoft.com/office/powerpoint/2010/main" val="2097416794"/>
+        <p14:creationId xmlns:p14="http://schemas.microsoft.com/office/powerpoint/2010/main" val="284622906"/>
       </p:ext>
     </p:extLst>
   </p:cSld>
@@ -2412,7 +5191,7 @@
   <p:cSld>
     <p:bg>
       <p:bgRef idx="1001">
-        <a:schemeClr val="bg1"/>
+        <a:schemeClr val="bg2"/>
       </p:bgRef>
     </p:bg>
     <p:spTree>
@@ -2429,27 +5208,1781 @@
           <a:chExt cx="0" cy="0"/>
         </a:xfrm>
       </p:grpSpPr>
-      <p:sp>
-        <p:nvSpPr>
-          <p:cNvPr id="2" name="Cím helye 1"/>
-          <p:cNvSpPr>
-            <a:spLocks noGrp="1"/>
-          </p:cNvSpPr>
-          <p:nvPr>
-            <p:ph type="title"/>
-          </p:nvPr>
+      <p:grpSp>
+        <p:nvGrpSpPr>
+          <p:cNvPr id="23" name="Group 22"/>
+          <p:cNvGrpSpPr/>
+          <p:nvPr/>
+        </p:nvGrpSpPr>
+        <p:grpSpPr>
+          <a:xfrm>
+            <a:off x="1" y="228600"/>
+            <a:ext cx="2851516" cy="6638628"/>
+            <a:chOff x="2487613" y="285750"/>
+            <a:chExt cx="2428875" cy="5654676"/>
+          </a:xfrm>
+          <a:solidFill>
+            <a:schemeClr val="accent1">
+              <a:lumMod val="75000"/>
+              <a:alpha val="40000"/>
+            </a:schemeClr>
+          </a:solidFill>
+        </p:grpSpPr>
+        <p:sp>
+          <p:nvSpPr>
+            <p:cNvPr id="24" name="Freeform 11"/>
+            <p:cNvSpPr/>
+            <p:nvPr/>
+          </p:nvSpPr>
+          <p:spPr bwMode="auto">
+            <a:xfrm>
+              <a:off x="2487613" y="2284413"/>
+              <a:ext cx="85725" cy="533400"/>
+            </a:xfrm>
+            <a:custGeom>
+              <a:avLst/>
+              <a:gdLst/>
+              <a:ahLst/>
+              <a:cxnLst/>
+              <a:rect l="0" t="0" r="r" b="b"/>
+              <a:pathLst>
+                <a:path w="22" h="136">
+                  <a:moveTo>
+                    <a:pt x="22" y="136"/>
+                  </a:moveTo>
+                  <a:cubicBezTo>
+                    <a:pt x="20" y="117"/>
+                    <a:pt x="19" y="99"/>
+                    <a:pt x="17" y="80"/>
+                  </a:cubicBezTo>
+                  <a:cubicBezTo>
+                    <a:pt x="11" y="54"/>
+                    <a:pt x="6" y="27"/>
+                    <a:pt x="0" y="0"/>
+                  </a:cubicBezTo>
+                  <a:cubicBezTo>
+                    <a:pt x="0" y="35"/>
+                    <a:pt x="0" y="35"/>
+                    <a:pt x="0" y="35"/>
+                  </a:cubicBezTo>
+                  <a:cubicBezTo>
+                    <a:pt x="6" y="64"/>
+                    <a:pt x="13" y="94"/>
+                    <a:pt x="20" y="124"/>
+                  </a:cubicBezTo>
+                  <a:cubicBezTo>
+                    <a:pt x="20" y="128"/>
+                    <a:pt x="21" y="132"/>
+                    <a:pt x="22" y="136"/>
+                  </a:cubicBezTo>
+                  <a:close/>
+                </a:path>
+              </a:pathLst>
+            </a:custGeom>
+            <a:grpFill/>
+            <a:ln>
+              <a:noFill/>
+            </a:ln>
+          </p:spPr>
+        </p:sp>
+        <p:sp>
+          <p:nvSpPr>
+            <p:cNvPr id="25" name="Freeform 12"/>
+            <p:cNvSpPr/>
+            <p:nvPr/>
+          </p:nvSpPr>
+          <p:spPr bwMode="auto">
+            <a:xfrm>
+              <a:off x="2597151" y="2779713"/>
+              <a:ext cx="550863" cy="1978025"/>
+            </a:xfrm>
+            <a:custGeom>
+              <a:avLst/>
+              <a:gdLst/>
+              <a:ahLst/>
+              <a:cxnLst/>
+              <a:rect l="0" t="0" r="r" b="b"/>
+              <a:pathLst>
+                <a:path w="140" h="504">
+                  <a:moveTo>
+                    <a:pt x="86" y="350"/>
+                  </a:moveTo>
+                  <a:cubicBezTo>
+                    <a:pt x="103" y="402"/>
+                    <a:pt x="120" y="453"/>
+                    <a:pt x="139" y="504"/>
+                  </a:cubicBezTo>
+                  <a:cubicBezTo>
+                    <a:pt x="139" y="495"/>
+                    <a:pt x="139" y="487"/>
+                    <a:pt x="140" y="478"/>
+                  </a:cubicBezTo>
+                  <a:cubicBezTo>
+                    <a:pt x="124" y="435"/>
+                    <a:pt x="109" y="391"/>
+                    <a:pt x="95" y="347"/>
+                  </a:cubicBezTo>
+                  <a:cubicBezTo>
+                    <a:pt x="58" y="233"/>
+                    <a:pt x="27" y="117"/>
+                    <a:pt x="0" y="0"/>
+                  </a:cubicBezTo>
+                  <a:cubicBezTo>
+                    <a:pt x="2" y="20"/>
+                    <a:pt x="4" y="41"/>
+                    <a:pt x="6" y="61"/>
+                  </a:cubicBezTo>
+                  <a:cubicBezTo>
+                    <a:pt x="30" y="158"/>
+                    <a:pt x="56" y="255"/>
+                    <a:pt x="86" y="350"/>
+                  </a:cubicBezTo>
+                  <a:close/>
+                </a:path>
+              </a:pathLst>
+            </a:custGeom>
+            <a:grpFill/>
+            <a:ln>
+              <a:noFill/>
+            </a:ln>
+          </p:spPr>
+        </p:sp>
+        <p:sp>
+          <p:nvSpPr>
+            <p:cNvPr id="26" name="Freeform 13"/>
+            <p:cNvSpPr/>
+            <p:nvPr/>
+          </p:nvSpPr>
+          <p:spPr bwMode="auto">
+            <a:xfrm>
+              <a:off x="3175001" y="4730750"/>
+              <a:ext cx="519113" cy="1209675"/>
+            </a:xfrm>
+            <a:custGeom>
+              <a:avLst/>
+              <a:gdLst/>
+              <a:ahLst/>
+              <a:cxnLst/>
+              <a:rect l="0" t="0" r="r" b="b"/>
+              <a:pathLst>
+                <a:path w="132" h="308">
+                  <a:moveTo>
+                    <a:pt x="8" y="22"/>
+                  </a:moveTo>
+                  <a:cubicBezTo>
+                    <a:pt x="5" y="15"/>
+                    <a:pt x="2" y="8"/>
+                    <a:pt x="0" y="0"/>
+                  </a:cubicBezTo>
+                  <a:cubicBezTo>
+                    <a:pt x="0" y="10"/>
+                    <a:pt x="0" y="19"/>
+                    <a:pt x="0" y="29"/>
+                  </a:cubicBezTo>
+                  <a:cubicBezTo>
+                    <a:pt x="21" y="85"/>
+                    <a:pt x="44" y="140"/>
+                    <a:pt x="68" y="194"/>
+                  </a:cubicBezTo>
+                  <a:cubicBezTo>
+                    <a:pt x="85" y="232"/>
+                    <a:pt x="104" y="270"/>
+                    <a:pt x="123" y="308"/>
+                  </a:cubicBezTo>
+                  <a:cubicBezTo>
+                    <a:pt x="132" y="308"/>
+                    <a:pt x="132" y="308"/>
+                    <a:pt x="132" y="308"/>
+                  </a:cubicBezTo>
+                  <a:cubicBezTo>
+                    <a:pt x="113" y="269"/>
+                    <a:pt x="94" y="230"/>
+                    <a:pt x="77" y="190"/>
+                  </a:cubicBezTo>
+                  <a:cubicBezTo>
+                    <a:pt x="52" y="135"/>
+                    <a:pt x="29" y="79"/>
+                    <a:pt x="8" y="22"/>
+                  </a:cubicBezTo>
+                  <a:close/>
+                </a:path>
+              </a:pathLst>
+            </a:custGeom>
+            <a:grpFill/>
+            <a:ln>
+              <a:noFill/>
+            </a:ln>
+          </p:spPr>
+        </p:sp>
+        <p:sp>
+          <p:nvSpPr>
+            <p:cNvPr id="27" name="Freeform 14"/>
+            <p:cNvSpPr/>
+            <p:nvPr/>
+          </p:nvSpPr>
+          <p:spPr bwMode="auto">
+            <a:xfrm>
+              <a:off x="3305176" y="5630863"/>
+              <a:ext cx="146050" cy="309563"/>
+            </a:xfrm>
+            <a:custGeom>
+              <a:avLst/>
+              <a:gdLst/>
+              <a:ahLst/>
+              <a:cxnLst/>
+              <a:rect l="0" t="0" r="r" b="b"/>
+              <a:pathLst>
+                <a:path w="37" h="79">
+                  <a:moveTo>
+                    <a:pt x="28" y="79"/>
+                  </a:moveTo>
+                  <a:cubicBezTo>
+                    <a:pt x="37" y="79"/>
+                    <a:pt x="37" y="79"/>
+                    <a:pt x="37" y="79"/>
+                  </a:cubicBezTo>
+                  <a:cubicBezTo>
+                    <a:pt x="24" y="53"/>
+                    <a:pt x="12" y="27"/>
+                    <a:pt x="0" y="0"/>
+                  </a:cubicBezTo>
+                  <a:cubicBezTo>
+                    <a:pt x="8" y="27"/>
+                    <a:pt x="17" y="53"/>
+                    <a:pt x="28" y="79"/>
+                  </a:cubicBezTo>
+                  <a:close/>
+                </a:path>
+              </a:pathLst>
+            </a:custGeom>
+            <a:grpFill/>
+            <a:ln>
+              <a:noFill/>
+            </a:ln>
+          </p:spPr>
+        </p:sp>
+        <p:sp>
+          <p:nvSpPr>
+            <p:cNvPr id="28" name="Freeform 15"/>
+            <p:cNvSpPr/>
+            <p:nvPr/>
+          </p:nvSpPr>
+          <p:spPr bwMode="auto">
+            <a:xfrm>
+              <a:off x="2573338" y="2817813"/>
+              <a:ext cx="700088" cy="2835275"/>
+            </a:xfrm>
+            <a:custGeom>
+              <a:avLst/>
+              <a:gdLst/>
+              <a:ahLst/>
+              <a:cxnLst/>
+              <a:rect l="0" t="0" r="r" b="b"/>
+              <a:pathLst>
+                <a:path w="178" h="722">
+                  <a:moveTo>
+                    <a:pt x="162" y="660"/>
+                  </a:moveTo>
+                  <a:cubicBezTo>
+                    <a:pt x="145" y="618"/>
+                    <a:pt x="130" y="576"/>
+                    <a:pt x="116" y="534"/>
+                  </a:cubicBezTo>
+                  <a:cubicBezTo>
+                    <a:pt x="84" y="437"/>
+                    <a:pt x="59" y="337"/>
+                    <a:pt x="40" y="236"/>
+                  </a:cubicBezTo>
+                  <a:cubicBezTo>
+                    <a:pt x="29" y="175"/>
+                    <a:pt x="20" y="113"/>
+                    <a:pt x="12" y="51"/>
+                  </a:cubicBezTo>
+                  <a:cubicBezTo>
+                    <a:pt x="8" y="34"/>
+                    <a:pt x="4" y="17"/>
+                    <a:pt x="0" y="0"/>
+                  </a:cubicBezTo>
+                  <a:cubicBezTo>
+                    <a:pt x="8" y="79"/>
+                    <a:pt x="19" y="159"/>
+                    <a:pt x="33" y="237"/>
+                  </a:cubicBezTo>
+                  <a:cubicBezTo>
+                    <a:pt x="51" y="339"/>
+                    <a:pt x="76" y="439"/>
+                    <a:pt x="107" y="537"/>
+                  </a:cubicBezTo>
+                  <a:cubicBezTo>
+                    <a:pt x="123" y="586"/>
+                    <a:pt x="141" y="634"/>
+                    <a:pt x="160" y="681"/>
+                  </a:cubicBezTo>
+                  <a:cubicBezTo>
+                    <a:pt x="166" y="695"/>
+                    <a:pt x="172" y="708"/>
+                    <a:pt x="178" y="722"/>
+                  </a:cubicBezTo>
+                  <a:cubicBezTo>
+                    <a:pt x="176" y="717"/>
+                    <a:pt x="175" y="713"/>
+                    <a:pt x="174" y="708"/>
+                  </a:cubicBezTo>
+                  <a:cubicBezTo>
+                    <a:pt x="169" y="692"/>
+                    <a:pt x="165" y="676"/>
+                    <a:pt x="162" y="660"/>
+                  </a:cubicBezTo>
+                  <a:close/>
+                </a:path>
+              </a:pathLst>
+            </a:custGeom>
+            <a:grpFill/>
+            <a:ln>
+              <a:noFill/>
+            </a:ln>
+          </p:spPr>
+        </p:sp>
+        <p:sp>
+          <p:nvSpPr>
+            <p:cNvPr id="29" name="Freeform 16"/>
+            <p:cNvSpPr/>
+            <p:nvPr/>
+          </p:nvSpPr>
+          <p:spPr bwMode="auto">
+            <a:xfrm>
+              <a:off x="2506663" y="285750"/>
+              <a:ext cx="90488" cy="2493963"/>
+            </a:xfrm>
+            <a:custGeom>
+              <a:avLst/>
+              <a:gdLst/>
+              <a:ahLst/>
+              <a:cxnLst/>
+              <a:rect l="0" t="0" r="r" b="b"/>
+              <a:pathLst>
+                <a:path w="23" h="635">
+                  <a:moveTo>
+                    <a:pt x="11" y="577"/>
+                  </a:moveTo>
+                  <a:cubicBezTo>
+                    <a:pt x="12" y="581"/>
+                    <a:pt x="12" y="585"/>
+                    <a:pt x="12" y="589"/>
+                  </a:cubicBezTo>
+                  <a:cubicBezTo>
+                    <a:pt x="15" y="603"/>
+                    <a:pt x="19" y="617"/>
+                    <a:pt x="22" y="632"/>
+                  </a:cubicBezTo>
+                  <a:cubicBezTo>
+                    <a:pt x="22" y="633"/>
+                    <a:pt x="22" y="634"/>
+                    <a:pt x="23" y="635"/>
+                  </a:cubicBezTo>
+                  <a:cubicBezTo>
+                    <a:pt x="21" y="615"/>
+                    <a:pt x="19" y="596"/>
+                    <a:pt x="17" y="576"/>
+                  </a:cubicBezTo>
+                  <a:cubicBezTo>
+                    <a:pt x="9" y="474"/>
+                    <a:pt x="5" y="372"/>
+                    <a:pt x="5" y="269"/>
+                  </a:cubicBezTo>
+                  <a:cubicBezTo>
+                    <a:pt x="6" y="179"/>
+                    <a:pt x="9" y="90"/>
+                    <a:pt x="15" y="0"/>
+                  </a:cubicBezTo>
+                  <a:cubicBezTo>
+                    <a:pt x="12" y="0"/>
+                    <a:pt x="12" y="0"/>
+                    <a:pt x="12" y="0"/>
+                  </a:cubicBezTo>
+                  <a:cubicBezTo>
+                    <a:pt x="5" y="89"/>
+                    <a:pt x="2" y="179"/>
+                    <a:pt x="1" y="269"/>
+                  </a:cubicBezTo>
+                  <a:cubicBezTo>
+                    <a:pt x="0" y="372"/>
+                    <a:pt x="3" y="474"/>
+                    <a:pt x="11" y="577"/>
+                  </a:cubicBezTo>
+                  <a:close/>
+                </a:path>
+              </a:pathLst>
+            </a:custGeom>
+            <a:grpFill/>
+            <a:ln>
+              <a:noFill/>
+            </a:ln>
+          </p:spPr>
+        </p:sp>
+        <p:sp>
+          <p:nvSpPr>
+            <p:cNvPr id="30" name="Freeform 17"/>
+            <p:cNvSpPr/>
+            <p:nvPr/>
+          </p:nvSpPr>
+          <p:spPr bwMode="auto">
+            <a:xfrm>
+              <a:off x="2554288" y="2598738"/>
+              <a:ext cx="66675" cy="420688"/>
+            </a:xfrm>
+            <a:custGeom>
+              <a:avLst/>
+              <a:gdLst/>
+              <a:ahLst/>
+              <a:cxnLst/>
+              <a:rect l="0" t="0" r="r" b="b"/>
+              <a:pathLst>
+                <a:path w="17" h="107">
+                  <a:moveTo>
+                    <a:pt x="0" y="0"/>
+                  </a:moveTo>
+                  <a:cubicBezTo>
+                    <a:pt x="2" y="19"/>
+                    <a:pt x="3" y="37"/>
+                    <a:pt x="5" y="56"/>
+                  </a:cubicBezTo>
+                  <a:cubicBezTo>
+                    <a:pt x="9" y="73"/>
+                    <a:pt x="13" y="90"/>
+                    <a:pt x="17" y="107"/>
+                  </a:cubicBezTo>
+                  <a:cubicBezTo>
+                    <a:pt x="15" y="87"/>
+                    <a:pt x="13" y="66"/>
+                    <a:pt x="11" y="46"/>
+                  </a:cubicBezTo>
+                  <a:cubicBezTo>
+                    <a:pt x="10" y="45"/>
+                    <a:pt x="10" y="44"/>
+                    <a:pt x="10" y="43"/>
+                  </a:cubicBezTo>
+                  <a:cubicBezTo>
+                    <a:pt x="7" y="28"/>
+                    <a:pt x="3" y="14"/>
+                    <a:pt x="0" y="0"/>
+                  </a:cubicBezTo>
+                  <a:close/>
+                </a:path>
+              </a:pathLst>
+            </a:custGeom>
+            <a:grpFill/>
+            <a:ln>
+              <a:noFill/>
+            </a:ln>
+          </p:spPr>
+        </p:sp>
+        <p:sp>
+          <p:nvSpPr>
+            <p:cNvPr id="31" name="Freeform 18"/>
+            <p:cNvSpPr/>
+            <p:nvPr/>
+          </p:nvSpPr>
+          <p:spPr bwMode="auto">
+            <a:xfrm>
+              <a:off x="3143251" y="4757738"/>
+              <a:ext cx="161925" cy="873125"/>
+            </a:xfrm>
+            <a:custGeom>
+              <a:avLst/>
+              <a:gdLst/>
+              <a:ahLst/>
+              <a:cxnLst/>
+              <a:rect l="0" t="0" r="r" b="b"/>
+              <a:pathLst>
+                <a:path w="41" h="222">
+                  <a:moveTo>
+                    <a:pt x="0" y="0"/>
+                  </a:moveTo>
+                  <a:cubicBezTo>
+                    <a:pt x="0" y="31"/>
+                    <a:pt x="2" y="62"/>
+                    <a:pt x="5" y="93"/>
+                  </a:cubicBezTo>
+                  <a:cubicBezTo>
+                    <a:pt x="8" y="117"/>
+                    <a:pt x="12" y="142"/>
+                    <a:pt x="17" y="166"/>
+                  </a:cubicBezTo>
+                  <a:cubicBezTo>
+                    <a:pt x="19" y="172"/>
+                    <a:pt x="22" y="178"/>
+                    <a:pt x="24" y="184"/>
+                  </a:cubicBezTo>
+                  <a:cubicBezTo>
+                    <a:pt x="30" y="197"/>
+                    <a:pt x="35" y="209"/>
+                    <a:pt x="41" y="222"/>
+                  </a:cubicBezTo>
+                  <a:cubicBezTo>
+                    <a:pt x="40" y="219"/>
+                    <a:pt x="39" y="215"/>
+                    <a:pt x="38" y="212"/>
+                  </a:cubicBezTo>
+                  <a:cubicBezTo>
+                    <a:pt x="26" y="172"/>
+                    <a:pt x="18" y="132"/>
+                    <a:pt x="13" y="92"/>
+                  </a:cubicBezTo>
+                  <a:cubicBezTo>
+                    <a:pt x="11" y="68"/>
+                    <a:pt x="9" y="45"/>
+                    <a:pt x="8" y="22"/>
+                  </a:cubicBezTo>
+                  <a:cubicBezTo>
+                    <a:pt x="8" y="21"/>
+                    <a:pt x="7" y="20"/>
+                    <a:pt x="7" y="18"/>
+                  </a:cubicBezTo>
+                  <a:cubicBezTo>
+                    <a:pt x="5" y="12"/>
+                    <a:pt x="2" y="6"/>
+                    <a:pt x="0" y="0"/>
+                  </a:cubicBezTo>
+                  <a:close/>
+                </a:path>
+              </a:pathLst>
+            </a:custGeom>
+            <a:grpFill/>
+            <a:ln>
+              <a:noFill/>
+            </a:ln>
+          </p:spPr>
+        </p:sp>
+        <p:sp>
+          <p:nvSpPr>
+            <p:cNvPr id="32" name="Freeform 19"/>
+            <p:cNvSpPr/>
+            <p:nvPr/>
+          </p:nvSpPr>
+          <p:spPr bwMode="auto">
+            <a:xfrm>
+              <a:off x="3148013" y="1282700"/>
+              <a:ext cx="1768475" cy="3448050"/>
+            </a:xfrm>
+            <a:custGeom>
+              <a:avLst/>
+              <a:gdLst/>
+              <a:ahLst/>
+              <a:cxnLst/>
+              <a:rect l="0" t="0" r="r" b="b"/>
+              <a:pathLst>
+                <a:path w="450" h="878">
+                  <a:moveTo>
+                    <a:pt x="7" y="854"/>
+                  </a:moveTo>
+                  <a:cubicBezTo>
+                    <a:pt x="10" y="772"/>
+                    <a:pt x="26" y="691"/>
+                    <a:pt x="50" y="613"/>
+                  </a:cubicBezTo>
+                  <a:cubicBezTo>
+                    <a:pt x="75" y="535"/>
+                    <a:pt x="109" y="460"/>
+                    <a:pt x="149" y="388"/>
+                  </a:cubicBezTo>
+                  <a:cubicBezTo>
+                    <a:pt x="189" y="316"/>
+                    <a:pt x="235" y="248"/>
+                    <a:pt x="285" y="183"/>
+                  </a:cubicBezTo>
+                  <a:cubicBezTo>
+                    <a:pt x="310" y="151"/>
+                    <a:pt x="337" y="119"/>
+                    <a:pt x="364" y="89"/>
+                  </a:cubicBezTo>
+                  <a:cubicBezTo>
+                    <a:pt x="378" y="74"/>
+                    <a:pt x="392" y="58"/>
+                    <a:pt x="406" y="44"/>
+                  </a:cubicBezTo>
+                  <a:cubicBezTo>
+                    <a:pt x="421" y="29"/>
+                    <a:pt x="435" y="15"/>
+                    <a:pt x="450" y="1"/>
+                  </a:cubicBezTo>
+                  <a:cubicBezTo>
+                    <a:pt x="450" y="0"/>
+                    <a:pt x="450" y="0"/>
+                    <a:pt x="450" y="0"/>
+                  </a:cubicBezTo>
+                  <a:cubicBezTo>
+                    <a:pt x="434" y="14"/>
+                    <a:pt x="420" y="28"/>
+                    <a:pt x="405" y="43"/>
+                  </a:cubicBezTo>
+                  <a:cubicBezTo>
+                    <a:pt x="391" y="57"/>
+                    <a:pt x="377" y="72"/>
+                    <a:pt x="363" y="88"/>
+                  </a:cubicBezTo>
+                  <a:cubicBezTo>
+                    <a:pt x="335" y="118"/>
+                    <a:pt x="308" y="149"/>
+                    <a:pt x="283" y="181"/>
+                  </a:cubicBezTo>
+                  <a:cubicBezTo>
+                    <a:pt x="232" y="246"/>
+                    <a:pt x="185" y="314"/>
+                    <a:pt x="145" y="386"/>
+                  </a:cubicBezTo>
+                  <a:cubicBezTo>
+                    <a:pt x="104" y="457"/>
+                    <a:pt x="70" y="533"/>
+                    <a:pt x="45" y="611"/>
+                  </a:cubicBezTo>
+                  <a:cubicBezTo>
+                    <a:pt x="19" y="690"/>
+                    <a:pt x="3" y="771"/>
+                    <a:pt x="0" y="854"/>
+                  </a:cubicBezTo>
+                  <a:cubicBezTo>
+                    <a:pt x="0" y="856"/>
+                    <a:pt x="0" y="857"/>
+                    <a:pt x="0" y="859"/>
+                  </a:cubicBezTo>
+                  <a:cubicBezTo>
+                    <a:pt x="2" y="865"/>
+                    <a:pt x="4" y="872"/>
+                    <a:pt x="7" y="878"/>
+                  </a:cubicBezTo>
+                  <a:cubicBezTo>
+                    <a:pt x="7" y="870"/>
+                    <a:pt x="7" y="862"/>
+                    <a:pt x="7" y="854"/>
+                  </a:cubicBezTo>
+                  <a:close/>
+                </a:path>
+              </a:pathLst>
+            </a:custGeom>
+            <a:grpFill/>
+            <a:ln>
+              <a:noFill/>
+            </a:ln>
+          </p:spPr>
+        </p:sp>
+        <p:sp>
+          <p:nvSpPr>
+            <p:cNvPr id="33" name="Freeform 20"/>
+            <p:cNvSpPr/>
+            <p:nvPr/>
+          </p:nvSpPr>
+          <p:spPr bwMode="auto">
+            <a:xfrm>
+              <a:off x="3273426" y="5653088"/>
+              <a:ext cx="138113" cy="287338"/>
+            </a:xfrm>
+            <a:custGeom>
+              <a:avLst/>
+              <a:gdLst/>
+              <a:ahLst/>
+              <a:cxnLst/>
+              <a:rect l="0" t="0" r="r" b="b"/>
+              <a:pathLst>
+                <a:path w="35" h="73">
+                  <a:moveTo>
+                    <a:pt x="0" y="0"/>
+                  </a:moveTo>
+                  <a:cubicBezTo>
+                    <a:pt x="7" y="24"/>
+                    <a:pt x="16" y="49"/>
+                    <a:pt x="26" y="73"/>
+                  </a:cubicBezTo>
+                  <a:cubicBezTo>
+                    <a:pt x="35" y="73"/>
+                    <a:pt x="35" y="73"/>
+                    <a:pt x="35" y="73"/>
+                  </a:cubicBezTo>
+                  <a:cubicBezTo>
+                    <a:pt x="23" y="49"/>
+                    <a:pt x="11" y="24"/>
+                    <a:pt x="0" y="0"/>
+                  </a:cubicBezTo>
+                  <a:close/>
+                </a:path>
+              </a:pathLst>
+            </a:custGeom>
+            <a:grpFill/>
+            <a:ln>
+              <a:noFill/>
+            </a:ln>
+          </p:spPr>
+        </p:sp>
+        <p:sp>
+          <p:nvSpPr>
+            <p:cNvPr id="34" name="Freeform 21"/>
+            <p:cNvSpPr/>
+            <p:nvPr/>
+          </p:nvSpPr>
+          <p:spPr bwMode="auto">
+            <a:xfrm>
+              <a:off x="3143251" y="4656138"/>
+              <a:ext cx="31750" cy="188913"/>
+            </a:xfrm>
+            <a:custGeom>
+              <a:avLst/>
+              <a:gdLst/>
+              <a:ahLst/>
+              <a:cxnLst/>
+              <a:rect l="0" t="0" r="r" b="b"/>
+              <a:pathLst>
+                <a:path w="8" h="48">
+                  <a:moveTo>
+                    <a:pt x="7" y="44"/>
+                  </a:moveTo>
+                  <a:cubicBezTo>
+                    <a:pt x="7" y="46"/>
+                    <a:pt x="8" y="47"/>
+                    <a:pt x="8" y="48"/>
+                  </a:cubicBezTo>
+                  <a:cubicBezTo>
+                    <a:pt x="8" y="38"/>
+                    <a:pt x="8" y="29"/>
+                    <a:pt x="8" y="19"/>
+                  </a:cubicBezTo>
+                  <a:cubicBezTo>
+                    <a:pt x="5" y="13"/>
+                    <a:pt x="3" y="6"/>
+                    <a:pt x="1" y="0"/>
+                  </a:cubicBezTo>
+                  <a:cubicBezTo>
+                    <a:pt x="0" y="9"/>
+                    <a:pt x="0" y="17"/>
+                    <a:pt x="0" y="26"/>
+                  </a:cubicBezTo>
+                  <a:cubicBezTo>
+                    <a:pt x="2" y="32"/>
+                    <a:pt x="5" y="38"/>
+                    <a:pt x="7" y="44"/>
+                  </a:cubicBezTo>
+                  <a:close/>
+                </a:path>
+              </a:pathLst>
+            </a:custGeom>
+            <a:grpFill/>
+            <a:ln>
+              <a:noFill/>
+            </a:ln>
+          </p:spPr>
+        </p:sp>
+        <p:sp>
+          <p:nvSpPr>
+            <p:cNvPr id="35" name="Freeform 22"/>
+            <p:cNvSpPr/>
+            <p:nvPr/>
+          </p:nvSpPr>
+          <p:spPr bwMode="auto">
+            <a:xfrm>
+              <a:off x="3211513" y="5410200"/>
+              <a:ext cx="203200" cy="530225"/>
+            </a:xfrm>
+            <a:custGeom>
+              <a:avLst/>
+              <a:gdLst/>
+              <a:ahLst/>
+              <a:cxnLst/>
+              <a:rect l="0" t="0" r="r" b="b"/>
+              <a:pathLst>
+                <a:path w="52" h="135">
+                  <a:moveTo>
+                    <a:pt x="7" y="18"/>
+                  </a:moveTo>
+                  <a:cubicBezTo>
+                    <a:pt x="5" y="12"/>
+                    <a:pt x="2" y="6"/>
+                    <a:pt x="0" y="0"/>
+                  </a:cubicBezTo>
+                  <a:cubicBezTo>
+                    <a:pt x="3" y="16"/>
+                    <a:pt x="7" y="32"/>
+                    <a:pt x="12" y="48"/>
+                  </a:cubicBezTo>
+                  <a:cubicBezTo>
+                    <a:pt x="13" y="53"/>
+                    <a:pt x="14" y="57"/>
+                    <a:pt x="16" y="62"/>
+                  </a:cubicBezTo>
+                  <a:cubicBezTo>
+                    <a:pt x="27" y="86"/>
+                    <a:pt x="39" y="111"/>
+                    <a:pt x="51" y="135"/>
+                  </a:cubicBezTo>
+                  <a:cubicBezTo>
+                    <a:pt x="52" y="135"/>
+                    <a:pt x="52" y="135"/>
+                    <a:pt x="52" y="135"/>
+                  </a:cubicBezTo>
+                  <a:cubicBezTo>
+                    <a:pt x="41" y="109"/>
+                    <a:pt x="32" y="83"/>
+                    <a:pt x="24" y="56"/>
+                  </a:cubicBezTo>
+                  <a:cubicBezTo>
+                    <a:pt x="18" y="43"/>
+                    <a:pt x="13" y="31"/>
+                    <a:pt x="7" y="18"/>
+                  </a:cubicBezTo>
+                  <a:close/>
+                </a:path>
+              </a:pathLst>
+            </a:custGeom>
+            <a:grpFill/>
+            <a:ln>
+              <a:noFill/>
+            </a:ln>
+          </p:spPr>
+        </p:sp>
+      </p:grpSp>
+      <p:grpSp>
+        <p:nvGrpSpPr>
+          <p:cNvPr id="10" name="Group 9"/>
+          <p:cNvGrpSpPr/>
+          <p:nvPr/>
+        </p:nvGrpSpPr>
+        <p:grpSpPr>
+          <a:xfrm>
+            <a:off x="27221" y="-30"/>
+            <a:ext cx="2356674" cy="6853283"/>
+            <a:chOff x="6627813" y="195452"/>
+            <a:chExt cx="1952625" cy="5678299"/>
+          </a:xfrm>
+          <a:solidFill>
+            <a:schemeClr val="accent1"/>
+          </a:solidFill>
+        </p:grpSpPr>
+        <p:sp>
+          <p:nvSpPr>
+            <p:cNvPr id="11" name="Freeform 27"/>
+            <p:cNvSpPr/>
+            <p:nvPr/>
+          </p:nvSpPr>
+          <p:spPr bwMode="auto">
+            <a:xfrm>
+              <a:off x="6627813" y="195452"/>
+              <a:ext cx="409575" cy="3646488"/>
+            </a:xfrm>
+            <a:custGeom>
+              <a:avLst/>
+              <a:gdLst/>
+              <a:ahLst/>
+              <a:cxnLst/>
+              <a:rect l="0" t="0" r="r" b="b"/>
+              <a:pathLst>
+                <a:path w="103" h="920">
+                  <a:moveTo>
+                    <a:pt x="7" y="210"/>
+                  </a:moveTo>
+                  <a:cubicBezTo>
+                    <a:pt x="11" y="288"/>
+                    <a:pt x="17" y="367"/>
+                    <a:pt x="26" y="445"/>
+                  </a:cubicBezTo>
+                  <a:cubicBezTo>
+                    <a:pt x="34" y="523"/>
+                    <a:pt x="44" y="601"/>
+                    <a:pt x="57" y="679"/>
+                  </a:cubicBezTo>
+                  <a:cubicBezTo>
+                    <a:pt x="69" y="757"/>
+                    <a:pt x="84" y="834"/>
+                    <a:pt x="101" y="911"/>
+                  </a:cubicBezTo>
+                  <a:cubicBezTo>
+                    <a:pt x="102" y="914"/>
+                    <a:pt x="103" y="917"/>
+                    <a:pt x="103" y="920"/>
+                  </a:cubicBezTo>
+                  <a:cubicBezTo>
+                    <a:pt x="102" y="905"/>
+                    <a:pt x="100" y="889"/>
+                    <a:pt x="99" y="874"/>
+                  </a:cubicBezTo>
+                  <a:cubicBezTo>
+                    <a:pt x="99" y="871"/>
+                    <a:pt x="99" y="868"/>
+                    <a:pt x="99" y="866"/>
+                  </a:cubicBezTo>
+                  <a:cubicBezTo>
+                    <a:pt x="85" y="803"/>
+                    <a:pt x="73" y="741"/>
+                    <a:pt x="63" y="678"/>
+                  </a:cubicBezTo>
+                  <a:cubicBezTo>
+                    <a:pt x="50" y="600"/>
+                    <a:pt x="39" y="523"/>
+                    <a:pt x="30" y="444"/>
+                  </a:cubicBezTo>
+                  <a:cubicBezTo>
+                    <a:pt x="21" y="366"/>
+                    <a:pt x="14" y="288"/>
+                    <a:pt x="9" y="209"/>
+                  </a:cubicBezTo>
+                  <a:cubicBezTo>
+                    <a:pt x="7" y="170"/>
+                    <a:pt x="5" y="131"/>
+                    <a:pt x="3" y="92"/>
+                  </a:cubicBezTo>
+                  <a:cubicBezTo>
+                    <a:pt x="2" y="61"/>
+                    <a:pt x="1" y="31"/>
+                    <a:pt x="1" y="0"/>
+                  </a:cubicBezTo>
+                  <a:cubicBezTo>
+                    <a:pt x="0" y="0"/>
+                    <a:pt x="0" y="0"/>
+                    <a:pt x="0" y="0"/>
+                  </a:cubicBezTo>
+                  <a:cubicBezTo>
+                    <a:pt x="0" y="31"/>
+                    <a:pt x="1" y="61"/>
+                    <a:pt x="1" y="92"/>
+                  </a:cubicBezTo>
+                  <a:cubicBezTo>
+                    <a:pt x="3" y="131"/>
+                    <a:pt x="4" y="170"/>
+                    <a:pt x="7" y="210"/>
+                  </a:cubicBezTo>
+                  <a:close/>
+                </a:path>
+              </a:pathLst>
+            </a:custGeom>
+            <a:grpFill/>
+            <a:ln>
+              <a:noFill/>
+            </a:ln>
+          </p:spPr>
+        </p:sp>
+        <p:sp>
+          <p:nvSpPr>
+            <p:cNvPr id="12" name="Freeform 28"/>
+            <p:cNvSpPr/>
+            <p:nvPr/>
+          </p:nvSpPr>
+          <p:spPr bwMode="auto">
+            <a:xfrm>
+              <a:off x="7061201" y="3771900"/>
+              <a:ext cx="350838" cy="1309688"/>
+            </a:xfrm>
+            <a:custGeom>
+              <a:avLst/>
+              <a:gdLst/>
+              <a:ahLst/>
+              <a:cxnLst/>
+              <a:rect l="0" t="0" r="r" b="b"/>
+              <a:pathLst>
+                <a:path w="88" h="330">
+                  <a:moveTo>
+                    <a:pt x="53" y="229"/>
+                  </a:moveTo>
+                  <a:cubicBezTo>
+                    <a:pt x="64" y="263"/>
+                    <a:pt x="75" y="297"/>
+                    <a:pt x="88" y="330"/>
+                  </a:cubicBezTo>
+                  <a:cubicBezTo>
+                    <a:pt x="88" y="323"/>
+                    <a:pt x="88" y="315"/>
+                    <a:pt x="88" y="308"/>
+                  </a:cubicBezTo>
+                  <a:cubicBezTo>
+                    <a:pt x="88" y="307"/>
+                    <a:pt x="88" y="305"/>
+                    <a:pt x="88" y="304"/>
+                  </a:cubicBezTo>
+                  <a:cubicBezTo>
+                    <a:pt x="79" y="278"/>
+                    <a:pt x="70" y="252"/>
+                    <a:pt x="62" y="226"/>
+                  </a:cubicBezTo>
+                  <a:cubicBezTo>
+                    <a:pt x="38" y="152"/>
+                    <a:pt x="17" y="76"/>
+                    <a:pt x="0" y="0"/>
+                  </a:cubicBezTo>
+                  <a:cubicBezTo>
+                    <a:pt x="2" y="21"/>
+                    <a:pt x="4" y="42"/>
+                    <a:pt x="7" y="63"/>
+                  </a:cubicBezTo>
+                  <a:cubicBezTo>
+                    <a:pt x="21" y="119"/>
+                    <a:pt x="36" y="174"/>
+                    <a:pt x="53" y="229"/>
+                  </a:cubicBezTo>
+                  <a:close/>
+                </a:path>
+              </a:pathLst>
+            </a:custGeom>
+            <a:grpFill/>
+            <a:ln>
+              <a:noFill/>
+            </a:ln>
+          </p:spPr>
+        </p:sp>
+        <p:sp>
+          <p:nvSpPr>
+            <p:cNvPr id="13" name="Freeform 29"/>
+            <p:cNvSpPr/>
+            <p:nvPr/>
+          </p:nvSpPr>
+          <p:spPr bwMode="auto">
+            <a:xfrm>
+              <a:off x="7439026" y="5053013"/>
+              <a:ext cx="357188" cy="820738"/>
+            </a:xfrm>
+            <a:custGeom>
+              <a:avLst/>
+              <a:gdLst/>
+              <a:ahLst/>
+              <a:cxnLst/>
+              <a:rect l="0" t="0" r="r" b="b"/>
+              <a:pathLst>
+                <a:path w="90" h="207">
+                  <a:moveTo>
+                    <a:pt x="6" y="15"/>
+                  </a:moveTo>
+                  <a:cubicBezTo>
+                    <a:pt x="4" y="10"/>
+                    <a:pt x="2" y="5"/>
+                    <a:pt x="0" y="0"/>
+                  </a:cubicBezTo>
+                  <a:cubicBezTo>
+                    <a:pt x="0" y="9"/>
+                    <a:pt x="0" y="19"/>
+                    <a:pt x="1" y="29"/>
+                  </a:cubicBezTo>
+                  <a:cubicBezTo>
+                    <a:pt x="14" y="62"/>
+                    <a:pt x="27" y="95"/>
+                    <a:pt x="42" y="127"/>
+                  </a:cubicBezTo>
+                  <a:cubicBezTo>
+                    <a:pt x="54" y="154"/>
+                    <a:pt x="67" y="181"/>
+                    <a:pt x="80" y="207"/>
+                  </a:cubicBezTo>
+                  <a:cubicBezTo>
+                    <a:pt x="90" y="207"/>
+                    <a:pt x="90" y="207"/>
+                    <a:pt x="90" y="207"/>
+                  </a:cubicBezTo>
+                  <a:cubicBezTo>
+                    <a:pt x="76" y="180"/>
+                    <a:pt x="63" y="152"/>
+                    <a:pt x="50" y="123"/>
+                  </a:cubicBezTo>
+                  <a:cubicBezTo>
+                    <a:pt x="34" y="88"/>
+                    <a:pt x="20" y="51"/>
+                    <a:pt x="6" y="15"/>
+                  </a:cubicBezTo>
+                  <a:close/>
+                </a:path>
+              </a:pathLst>
+            </a:custGeom>
+            <a:grpFill/>
+            <a:ln>
+              <a:noFill/>
+            </a:ln>
+          </p:spPr>
+        </p:sp>
+        <p:sp>
+          <p:nvSpPr>
+            <p:cNvPr id="14" name="Freeform 30"/>
+            <p:cNvSpPr/>
+            <p:nvPr/>
+          </p:nvSpPr>
+          <p:spPr bwMode="auto">
+            <a:xfrm>
+              <a:off x="7037388" y="3811588"/>
+              <a:ext cx="457200" cy="1852613"/>
+            </a:xfrm>
+            <a:custGeom>
+              <a:avLst/>
+              <a:gdLst/>
+              <a:ahLst/>
+              <a:cxnLst/>
+              <a:rect l="0" t="0" r="r" b="b"/>
+              <a:pathLst>
+                <a:path w="115" h="467">
+                  <a:moveTo>
+                    <a:pt x="101" y="409"/>
+                  </a:moveTo>
+                  <a:cubicBezTo>
+                    <a:pt x="93" y="388"/>
+                    <a:pt x="85" y="366"/>
+                    <a:pt x="78" y="344"/>
+                  </a:cubicBezTo>
+                  <a:cubicBezTo>
+                    <a:pt x="57" y="281"/>
+                    <a:pt x="41" y="216"/>
+                    <a:pt x="29" y="151"/>
+                  </a:cubicBezTo>
+                  <a:cubicBezTo>
+                    <a:pt x="22" y="119"/>
+                    <a:pt x="17" y="86"/>
+                    <a:pt x="13" y="53"/>
+                  </a:cubicBezTo>
+                  <a:cubicBezTo>
+                    <a:pt x="9" y="35"/>
+                    <a:pt x="4" y="18"/>
+                    <a:pt x="0" y="0"/>
+                  </a:cubicBezTo>
+                  <a:cubicBezTo>
+                    <a:pt x="5" y="51"/>
+                    <a:pt x="12" y="102"/>
+                    <a:pt x="21" y="152"/>
+                  </a:cubicBezTo>
+                  <a:cubicBezTo>
+                    <a:pt x="33" y="218"/>
+                    <a:pt x="49" y="283"/>
+                    <a:pt x="69" y="347"/>
+                  </a:cubicBezTo>
+                  <a:cubicBezTo>
+                    <a:pt x="79" y="378"/>
+                    <a:pt x="90" y="410"/>
+                    <a:pt x="103" y="441"/>
+                  </a:cubicBezTo>
+                  <a:cubicBezTo>
+                    <a:pt x="107" y="449"/>
+                    <a:pt x="111" y="458"/>
+                    <a:pt x="115" y="467"/>
+                  </a:cubicBezTo>
+                  <a:cubicBezTo>
+                    <a:pt x="114" y="464"/>
+                    <a:pt x="113" y="461"/>
+                    <a:pt x="112" y="458"/>
+                  </a:cubicBezTo>
+                  <a:cubicBezTo>
+                    <a:pt x="108" y="442"/>
+                    <a:pt x="104" y="425"/>
+                    <a:pt x="101" y="409"/>
+                  </a:cubicBezTo>
+                  <a:close/>
+                </a:path>
+              </a:pathLst>
+            </a:custGeom>
+            <a:grpFill/>
+            <a:ln>
+              <a:noFill/>
+            </a:ln>
+          </p:spPr>
+        </p:sp>
+        <p:sp>
+          <p:nvSpPr>
+            <p:cNvPr id="15" name="Freeform 31"/>
+            <p:cNvSpPr/>
+            <p:nvPr/>
+          </p:nvSpPr>
+          <p:spPr bwMode="auto">
+            <a:xfrm>
+              <a:off x="6992938" y="1263650"/>
+              <a:ext cx="144463" cy="2508250"/>
+            </a:xfrm>
+            <a:custGeom>
+              <a:avLst/>
+              <a:gdLst/>
+              <a:ahLst/>
+              <a:cxnLst/>
+              <a:rect l="0" t="0" r="r" b="b"/>
+              <a:pathLst>
+                <a:path w="36" h="633">
+                  <a:moveTo>
+                    <a:pt x="17" y="633"/>
+                  </a:moveTo>
+                  <a:cubicBezTo>
+                    <a:pt x="15" y="621"/>
+                    <a:pt x="14" y="609"/>
+                    <a:pt x="13" y="597"/>
+                  </a:cubicBezTo>
+                  <a:cubicBezTo>
+                    <a:pt x="8" y="530"/>
+                    <a:pt x="5" y="464"/>
+                    <a:pt x="5" y="398"/>
+                  </a:cubicBezTo>
+                  <a:cubicBezTo>
+                    <a:pt x="5" y="331"/>
+                    <a:pt x="8" y="265"/>
+                    <a:pt x="13" y="198"/>
+                  </a:cubicBezTo>
+                  <a:cubicBezTo>
+                    <a:pt x="15" y="165"/>
+                    <a:pt x="18" y="132"/>
+                    <a:pt x="22" y="99"/>
+                  </a:cubicBezTo>
+                  <a:cubicBezTo>
+                    <a:pt x="26" y="66"/>
+                    <a:pt x="30" y="33"/>
+                    <a:pt x="36" y="0"/>
+                  </a:cubicBezTo>
+                  <a:cubicBezTo>
+                    <a:pt x="35" y="0"/>
+                    <a:pt x="35" y="0"/>
+                    <a:pt x="35" y="0"/>
+                  </a:cubicBezTo>
+                  <a:cubicBezTo>
+                    <a:pt x="29" y="33"/>
+                    <a:pt x="24" y="66"/>
+                    <a:pt x="20" y="99"/>
+                  </a:cubicBezTo>
+                  <a:cubicBezTo>
+                    <a:pt x="16" y="132"/>
+                    <a:pt x="13" y="165"/>
+                    <a:pt x="10" y="198"/>
+                  </a:cubicBezTo>
+                  <a:cubicBezTo>
+                    <a:pt x="4" y="264"/>
+                    <a:pt x="1" y="331"/>
+                    <a:pt x="1" y="398"/>
+                  </a:cubicBezTo>
+                  <a:cubicBezTo>
+                    <a:pt x="0" y="461"/>
+                    <a:pt x="2" y="525"/>
+                    <a:pt x="7" y="589"/>
+                  </a:cubicBezTo>
+                  <a:cubicBezTo>
+                    <a:pt x="10" y="603"/>
+                    <a:pt x="13" y="618"/>
+                    <a:pt x="16" y="632"/>
+                  </a:cubicBezTo>
+                  <a:cubicBezTo>
+                    <a:pt x="16" y="632"/>
+                    <a:pt x="17" y="633"/>
+                    <a:pt x="17" y="633"/>
+                  </a:cubicBezTo>
+                  <a:close/>
+                </a:path>
+              </a:pathLst>
+            </a:custGeom>
+            <a:grpFill/>
+            <a:ln>
+              <a:noFill/>
+            </a:ln>
+          </p:spPr>
+        </p:sp>
+        <p:sp>
+          <p:nvSpPr>
+            <p:cNvPr id="16" name="Freeform 32"/>
+            <p:cNvSpPr/>
+            <p:nvPr/>
+          </p:nvSpPr>
+          <p:spPr bwMode="auto">
+            <a:xfrm>
+              <a:off x="7526338" y="5640388"/>
+              <a:ext cx="111125" cy="233363"/>
+            </a:xfrm>
+            <a:custGeom>
+              <a:avLst/>
+              <a:gdLst/>
+              <a:ahLst/>
+              <a:cxnLst/>
+              <a:rect l="0" t="0" r="r" b="b"/>
+              <a:pathLst>
+                <a:path w="28" h="59">
+                  <a:moveTo>
+                    <a:pt x="22" y="59"/>
+                  </a:moveTo>
+                  <a:cubicBezTo>
+                    <a:pt x="28" y="59"/>
+                    <a:pt x="28" y="59"/>
+                    <a:pt x="28" y="59"/>
+                  </a:cubicBezTo>
+                  <a:cubicBezTo>
+                    <a:pt x="18" y="40"/>
+                    <a:pt x="9" y="20"/>
+                    <a:pt x="0" y="0"/>
+                  </a:cubicBezTo>
+                  <a:cubicBezTo>
+                    <a:pt x="6" y="20"/>
+                    <a:pt x="13" y="40"/>
+                    <a:pt x="22" y="59"/>
+                  </a:cubicBezTo>
+                  <a:close/>
+                </a:path>
+              </a:pathLst>
+            </a:custGeom>
+            <a:grpFill/>
+            <a:ln>
+              <a:noFill/>
+            </a:ln>
+          </p:spPr>
+        </p:sp>
+        <p:sp>
+          <p:nvSpPr>
+            <p:cNvPr id="17" name="Freeform 33"/>
+            <p:cNvSpPr/>
+            <p:nvPr/>
+          </p:nvSpPr>
+          <p:spPr bwMode="auto">
+            <a:xfrm>
+              <a:off x="7021513" y="3598863"/>
+              <a:ext cx="68263" cy="423863"/>
+            </a:xfrm>
+            <a:custGeom>
+              <a:avLst/>
+              <a:gdLst/>
+              <a:ahLst/>
+              <a:cxnLst/>
+              <a:rect l="0" t="0" r="r" b="b"/>
+              <a:pathLst>
+                <a:path w="17" h="107">
+                  <a:moveTo>
+                    <a:pt x="4" y="54"/>
+                  </a:moveTo>
+                  <a:cubicBezTo>
+                    <a:pt x="8" y="72"/>
+                    <a:pt x="13" y="89"/>
+                    <a:pt x="17" y="107"/>
+                  </a:cubicBezTo>
+                  <a:cubicBezTo>
+                    <a:pt x="14" y="86"/>
+                    <a:pt x="12" y="65"/>
+                    <a:pt x="10" y="44"/>
+                  </a:cubicBezTo>
+                  <a:cubicBezTo>
+                    <a:pt x="10" y="44"/>
+                    <a:pt x="9" y="43"/>
+                    <a:pt x="9" y="43"/>
+                  </a:cubicBezTo>
+                  <a:cubicBezTo>
+                    <a:pt x="6" y="29"/>
+                    <a:pt x="3" y="14"/>
+                    <a:pt x="0" y="0"/>
+                  </a:cubicBezTo>
+                  <a:cubicBezTo>
+                    <a:pt x="0" y="2"/>
+                    <a:pt x="0" y="5"/>
+                    <a:pt x="0" y="8"/>
+                  </a:cubicBezTo>
+                  <a:cubicBezTo>
+                    <a:pt x="1" y="23"/>
+                    <a:pt x="3" y="39"/>
+                    <a:pt x="4" y="54"/>
+                  </a:cubicBezTo>
+                  <a:close/>
+                </a:path>
+              </a:pathLst>
+            </a:custGeom>
+            <a:grpFill/>
+            <a:ln>
+              <a:noFill/>
+            </a:ln>
+          </p:spPr>
+        </p:sp>
+        <p:sp>
+          <p:nvSpPr>
+            <p:cNvPr id="18" name="Freeform 34"/>
+            <p:cNvSpPr/>
+            <p:nvPr/>
+          </p:nvSpPr>
+          <p:spPr bwMode="auto">
+            <a:xfrm>
+              <a:off x="7412038" y="2801938"/>
+              <a:ext cx="1168400" cy="2251075"/>
+            </a:xfrm>
+            <a:custGeom>
+              <a:avLst/>
+              <a:gdLst/>
+              <a:ahLst/>
+              <a:cxnLst/>
+              <a:rect l="0" t="0" r="r" b="b"/>
+              <a:pathLst>
+                <a:path w="294" h="568">
+                  <a:moveTo>
+                    <a:pt x="8" y="553"/>
+                  </a:moveTo>
+                  <a:cubicBezTo>
+                    <a:pt x="9" y="501"/>
+                    <a:pt x="19" y="448"/>
+                    <a:pt x="35" y="397"/>
+                  </a:cubicBezTo>
+                  <a:cubicBezTo>
+                    <a:pt x="51" y="347"/>
+                    <a:pt x="73" y="298"/>
+                    <a:pt x="99" y="252"/>
+                  </a:cubicBezTo>
+                  <a:cubicBezTo>
+                    <a:pt x="124" y="205"/>
+                    <a:pt x="154" y="161"/>
+                    <a:pt x="187" y="119"/>
+                  </a:cubicBezTo>
+                  <a:cubicBezTo>
+                    <a:pt x="203" y="98"/>
+                    <a:pt x="220" y="77"/>
+                    <a:pt x="238" y="58"/>
+                  </a:cubicBezTo>
+                  <a:cubicBezTo>
+                    <a:pt x="247" y="48"/>
+                    <a:pt x="256" y="38"/>
+                    <a:pt x="265" y="28"/>
+                  </a:cubicBezTo>
+                  <a:cubicBezTo>
+                    <a:pt x="274" y="19"/>
+                    <a:pt x="284" y="9"/>
+                    <a:pt x="294" y="0"/>
+                  </a:cubicBezTo>
+                  <a:cubicBezTo>
+                    <a:pt x="293" y="0"/>
+                    <a:pt x="293" y="0"/>
+                    <a:pt x="293" y="0"/>
+                  </a:cubicBezTo>
+                  <a:cubicBezTo>
+                    <a:pt x="283" y="9"/>
+                    <a:pt x="273" y="18"/>
+                    <a:pt x="264" y="27"/>
+                  </a:cubicBezTo>
+                  <a:cubicBezTo>
+                    <a:pt x="255" y="37"/>
+                    <a:pt x="246" y="47"/>
+                    <a:pt x="237" y="56"/>
+                  </a:cubicBezTo>
+                  <a:cubicBezTo>
+                    <a:pt x="218" y="76"/>
+                    <a:pt x="201" y="96"/>
+                    <a:pt x="185" y="117"/>
+                  </a:cubicBezTo>
+                  <a:cubicBezTo>
+                    <a:pt x="151" y="159"/>
+                    <a:pt x="121" y="203"/>
+                    <a:pt x="95" y="249"/>
+                  </a:cubicBezTo>
+                  <a:cubicBezTo>
+                    <a:pt x="68" y="296"/>
+                    <a:pt x="46" y="345"/>
+                    <a:pt x="30" y="396"/>
+                  </a:cubicBezTo>
+                  <a:cubicBezTo>
+                    <a:pt x="13" y="445"/>
+                    <a:pt x="3" y="497"/>
+                    <a:pt x="0" y="549"/>
+                  </a:cubicBezTo>
+                  <a:cubicBezTo>
+                    <a:pt x="3" y="555"/>
+                    <a:pt x="5" y="561"/>
+                    <a:pt x="7" y="568"/>
+                  </a:cubicBezTo>
+                  <a:cubicBezTo>
+                    <a:pt x="7" y="563"/>
+                    <a:pt x="7" y="558"/>
+                    <a:pt x="8" y="553"/>
+                  </a:cubicBezTo>
+                  <a:close/>
+                </a:path>
+              </a:pathLst>
+            </a:custGeom>
+            <a:grpFill/>
+            <a:ln>
+              <a:noFill/>
+            </a:ln>
+          </p:spPr>
+        </p:sp>
+        <p:sp>
+          <p:nvSpPr>
+            <p:cNvPr id="19" name="Freeform 35"/>
+            <p:cNvSpPr/>
+            <p:nvPr/>
+          </p:nvSpPr>
+          <p:spPr bwMode="auto">
+            <a:xfrm>
+              <a:off x="7494588" y="5664200"/>
+              <a:ext cx="100013" cy="209550"/>
+            </a:xfrm>
+            <a:custGeom>
+              <a:avLst/>
+              <a:gdLst/>
+              <a:ahLst/>
+              <a:cxnLst/>
+              <a:rect l="0" t="0" r="r" b="b"/>
+              <a:pathLst>
+                <a:path w="25" h="53">
+                  <a:moveTo>
+                    <a:pt x="0" y="0"/>
+                  </a:moveTo>
+                  <a:cubicBezTo>
+                    <a:pt x="5" y="18"/>
+                    <a:pt x="12" y="36"/>
+                    <a:pt x="19" y="53"/>
+                  </a:cubicBezTo>
+                  <a:cubicBezTo>
+                    <a:pt x="25" y="53"/>
+                    <a:pt x="25" y="53"/>
+                    <a:pt x="25" y="53"/>
+                  </a:cubicBezTo>
+                  <a:cubicBezTo>
+                    <a:pt x="16" y="36"/>
+                    <a:pt x="8" y="18"/>
+                    <a:pt x="0" y="0"/>
+                  </a:cubicBezTo>
+                  <a:close/>
+                </a:path>
+              </a:pathLst>
+            </a:custGeom>
+            <a:grpFill/>
+            <a:ln>
+              <a:noFill/>
+            </a:ln>
+          </p:spPr>
+        </p:sp>
+        <p:sp>
+          <p:nvSpPr>
+            <p:cNvPr id="20" name="Freeform 36"/>
+            <p:cNvSpPr/>
+            <p:nvPr/>
+          </p:nvSpPr>
+          <p:spPr bwMode="auto">
+            <a:xfrm>
+              <a:off x="7412038" y="5081588"/>
+              <a:ext cx="114300" cy="558800"/>
+            </a:xfrm>
+            <a:custGeom>
+              <a:avLst/>
+              <a:gdLst/>
+              <a:ahLst/>
+              <a:cxnLst/>
+              <a:rect l="0" t="0" r="r" b="b"/>
+              <a:pathLst>
+                <a:path w="29" h="141">
+                  <a:moveTo>
+                    <a:pt x="0" y="0"/>
+                  </a:moveTo>
+                  <a:cubicBezTo>
+                    <a:pt x="0" y="30"/>
+                    <a:pt x="2" y="60"/>
+                    <a:pt x="7" y="89"/>
+                  </a:cubicBezTo>
+                  <a:cubicBezTo>
+                    <a:pt x="11" y="98"/>
+                    <a:pt x="14" y="108"/>
+                    <a:pt x="18" y="117"/>
+                  </a:cubicBezTo>
+                  <a:cubicBezTo>
+                    <a:pt x="22" y="125"/>
+                    <a:pt x="25" y="133"/>
+                    <a:pt x="29" y="141"/>
+                  </a:cubicBezTo>
+                  <a:cubicBezTo>
+                    <a:pt x="28" y="139"/>
+                    <a:pt x="28" y="137"/>
+                    <a:pt x="27" y="135"/>
+                  </a:cubicBezTo>
+                  <a:cubicBezTo>
+                    <a:pt x="16" y="98"/>
+                    <a:pt x="10" y="60"/>
+                    <a:pt x="8" y="22"/>
+                  </a:cubicBezTo>
+                  <a:cubicBezTo>
+                    <a:pt x="7" y="18"/>
+                    <a:pt x="5" y="15"/>
+                    <a:pt x="4" y="11"/>
+                  </a:cubicBezTo>
+                  <a:cubicBezTo>
+                    <a:pt x="2" y="7"/>
+                    <a:pt x="1" y="3"/>
+                    <a:pt x="0" y="0"/>
+                  </a:cubicBezTo>
+                  <a:close/>
+                </a:path>
+              </a:pathLst>
+            </a:custGeom>
+            <a:grpFill/>
+            <a:ln>
+              <a:noFill/>
+            </a:ln>
+          </p:spPr>
+        </p:sp>
+        <p:sp>
+          <p:nvSpPr>
+            <p:cNvPr id="21" name="Freeform 37"/>
+            <p:cNvSpPr/>
+            <p:nvPr/>
+          </p:nvSpPr>
+          <p:spPr bwMode="auto">
+            <a:xfrm>
+              <a:off x="7412038" y="4978400"/>
+              <a:ext cx="31750" cy="188913"/>
+            </a:xfrm>
+            <a:custGeom>
+              <a:avLst/>
+              <a:gdLst/>
+              <a:ahLst/>
+              <a:cxnLst/>
+              <a:rect l="0" t="0" r="r" b="b"/>
+              <a:pathLst>
+                <a:path w="8" h="48">
+                  <a:moveTo>
+                    <a:pt x="0" y="26"/>
+                  </a:moveTo>
+                  <a:cubicBezTo>
+                    <a:pt x="1" y="29"/>
+                    <a:pt x="2" y="33"/>
+                    <a:pt x="4" y="37"/>
+                  </a:cubicBezTo>
+                  <a:cubicBezTo>
+                    <a:pt x="5" y="41"/>
+                    <a:pt x="7" y="44"/>
+                    <a:pt x="8" y="48"/>
+                  </a:cubicBezTo>
+                  <a:cubicBezTo>
+                    <a:pt x="7" y="38"/>
+                    <a:pt x="7" y="28"/>
+                    <a:pt x="7" y="19"/>
+                  </a:cubicBezTo>
+                  <a:cubicBezTo>
+                    <a:pt x="5" y="12"/>
+                    <a:pt x="3" y="6"/>
+                    <a:pt x="0" y="0"/>
+                  </a:cubicBezTo>
+                  <a:cubicBezTo>
+                    <a:pt x="0" y="1"/>
+                    <a:pt x="0" y="3"/>
+                    <a:pt x="0" y="4"/>
+                  </a:cubicBezTo>
+                  <a:cubicBezTo>
+                    <a:pt x="0" y="11"/>
+                    <a:pt x="0" y="19"/>
+                    <a:pt x="0" y="26"/>
+                  </a:cubicBezTo>
+                  <a:close/>
+                </a:path>
+              </a:pathLst>
+            </a:custGeom>
+            <a:grpFill/>
+            <a:ln>
+              <a:noFill/>
+            </a:ln>
+          </p:spPr>
+        </p:sp>
+        <p:sp>
+          <p:nvSpPr>
+            <p:cNvPr id="22" name="Freeform 38"/>
+            <p:cNvSpPr/>
+            <p:nvPr/>
+          </p:nvSpPr>
+          <p:spPr bwMode="auto">
+            <a:xfrm>
+              <a:off x="7439026" y="5434013"/>
+              <a:ext cx="174625" cy="439738"/>
+            </a:xfrm>
+            <a:custGeom>
+              <a:avLst/>
+              <a:gdLst/>
+              <a:ahLst/>
+              <a:cxnLst/>
+              <a:rect l="0" t="0" r="r" b="b"/>
+              <a:pathLst>
+                <a:path w="44" h="111">
+                  <a:moveTo>
+                    <a:pt x="11" y="28"/>
+                  </a:moveTo>
+                  <a:cubicBezTo>
+                    <a:pt x="7" y="19"/>
+                    <a:pt x="4" y="9"/>
+                    <a:pt x="0" y="0"/>
+                  </a:cubicBezTo>
+                  <a:cubicBezTo>
+                    <a:pt x="3" y="16"/>
+                    <a:pt x="7" y="33"/>
+                    <a:pt x="11" y="49"/>
+                  </a:cubicBezTo>
+                  <a:cubicBezTo>
+                    <a:pt x="12" y="52"/>
+                    <a:pt x="13" y="55"/>
+                    <a:pt x="14" y="58"/>
+                  </a:cubicBezTo>
+                  <a:cubicBezTo>
+                    <a:pt x="22" y="76"/>
+                    <a:pt x="30" y="94"/>
+                    <a:pt x="39" y="111"/>
+                  </a:cubicBezTo>
+                  <a:cubicBezTo>
+                    <a:pt x="44" y="111"/>
+                    <a:pt x="44" y="111"/>
+                    <a:pt x="44" y="111"/>
+                  </a:cubicBezTo>
+                  <a:cubicBezTo>
+                    <a:pt x="35" y="92"/>
+                    <a:pt x="28" y="72"/>
+                    <a:pt x="22" y="52"/>
+                  </a:cubicBezTo>
+                  <a:cubicBezTo>
+                    <a:pt x="18" y="44"/>
+                    <a:pt x="15" y="36"/>
+                    <a:pt x="11" y="28"/>
+                  </a:cubicBezTo>
+                  <a:close/>
+                </a:path>
+              </a:pathLst>
+            </a:custGeom>
+            <a:grpFill/>
+            <a:ln>
+              <a:noFill/>
+            </a:ln>
+          </p:spPr>
+        </p:sp>
+      </p:grpSp>
+      <p:sp>
+        <p:nvSpPr>
+          <p:cNvPr id="7" name="Rectangle 6"/>
+          <p:cNvSpPr/>
+          <p:nvPr/>
         </p:nvSpPr>
         <p:spPr>
           <a:xfrm>
-            <a:off x="838200" y="365125"/>
-            <a:ext cx="10515600" cy="1325563"/>
+            <a:off x="0" y="0"/>
+            <a:ext cx="182880" cy="6858000"/>
+          </a:xfrm>
+          <a:prstGeom prst="rect">
+            <a:avLst/>
+          </a:prstGeom>
+          <a:solidFill>
+            <a:schemeClr val="accent1"/>
+          </a:solidFill>
+          <a:ln>
+            <a:noFill/>
+          </a:ln>
+          <a:effectLst/>
+        </p:spPr>
+        <p:style>
+          <a:lnRef idx="1">
+            <a:schemeClr val="accent1"/>
+          </a:lnRef>
+          <a:fillRef idx="3">
+            <a:schemeClr val="accent1"/>
+          </a:fillRef>
+          <a:effectRef idx="2">
+            <a:schemeClr val="accent1"/>
+          </a:effectRef>
+          <a:fontRef idx="minor">
+            <a:schemeClr val="lt1"/>
+          </a:fontRef>
+        </p:style>
+      </p:sp>
+      <p:sp>
+        <p:nvSpPr>
+          <p:cNvPr id="2" name="Title Placeholder 1"/>
+          <p:cNvSpPr>
+            <a:spLocks noGrp="1"/>
+          </p:cNvSpPr>
+          <p:nvPr>
+            <p:ph type="title"/>
+          </p:nvPr>
+        </p:nvSpPr>
+        <p:spPr>
+          <a:xfrm>
+            <a:off x="2592924" y="624110"/>
+            <a:ext cx="8911687" cy="1280890"/>
           </a:xfrm>
           <a:prstGeom prst="rect">
             <a:avLst/>
           </a:prstGeom>
         </p:spPr>
         <p:txBody>
-          <a:bodyPr vert="horz" lIns="91440" tIns="45720" rIns="91440" bIns="45720" rtlCol="0" anchor="ctr">
+          <a:bodyPr vert="horz" lIns="91440" tIns="45720" rIns="91440" bIns="45720" rtlCol="0" anchor="t">
             <a:normAutofit/>
           </a:bodyPr>
           <a:lstStyle/>
@@ -2458,13 +6991,13 @@
               <a:rPr lang="hu-HU" smtClean="0"/>
               <a:t>Mintacím szerkesztése</a:t>
             </a:r>
-            <a:endParaRPr lang="hu-HU"/>
-          </a:p>
-        </p:txBody>
-      </p:sp>
-      <p:sp>
-        <p:nvSpPr>
-          <p:cNvPr id="3" name="Szöveg helye 2"/>
+            <a:endParaRPr lang="en-US" dirty="0"/>
+          </a:p>
+        </p:txBody>
+      </p:sp>
+      <p:sp>
+        <p:nvSpPr>
+          <p:cNvPr id="3" name="Text Placeholder 2"/>
           <p:cNvSpPr>
             <a:spLocks noGrp="1"/>
           </p:cNvSpPr>
@@ -2474,8 +7007,8 @@
         </p:nvSpPr>
         <p:spPr>
           <a:xfrm>
-            <a:off x="838200" y="1825625"/>
-            <a:ext cx="10515600" cy="4351338"/>
+            <a:off x="2589212" y="2133600"/>
+            <a:ext cx="8915400" cy="3886200"/>
           </a:xfrm>
           <a:prstGeom prst="rect">
             <a:avLst/>
@@ -2520,13 +7053,13 @@
               <a:rPr lang="hu-HU" smtClean="0"/>
               <a:t>Ötödik szint</a:t>
             </a:r>
-            <a:endParaRPr lang="hu-HU"/>
-          </a:p>
-        </p:txBody>
-      </p:sp>
-      <p:sp>
-        <p:nvSpPr>
-          <p:cNvPr id="4" name="Dátum helye 3"/>
+            <a:endParaRPr lang="en-US" dirty="0"/>
+          </a:p>
+        </p:txBody>
+      </p:sp>
+      <p:sp>
+        <p:nvSpPr>
+          <p:cNvPr id="4" name="Date Placeholder 3"/>
           <p:cNvSpPr>
             <a:spLocks noGrp="1"/>
           </p:cNvSpPr>
@@ -2536,8 +7069,8 @@
         </p:nvSpPr>
         <p:spPr>
           <a:xfrm>
-            <a:off x="838200" y="6356350"/>
-            <a:ext cx="2743200" cy="365125"/>
+            <a:off x="10361612" y="6130437"/>
+            <a:ext cx="1146283" cy="370396"/>
           </a:xfrm>
           <a:prstGeom prst="rect">
             <a:avLst/>
@@ -2546,8 +7079,8 @@
         <p:txBody>
           <a:bodyPr vert="horz" lIns="91440" tIns="45720" rIns="91440" bIns="45720" rtlCol="0" anchor="ctr"/>
           <a:lstStyle>
-            <a:lvl1pPr algn="l">
-              <a:defRPr sz="1200">
+            <a:lvl1pPr algn="r">
+              <a:defRPr sz="900">
                 <a:solidFill>
                   <a:schemeClr val="tx1">
                     <a:tint val="75000"/>
@@ -2567,7 +7100,7 @@
       </p:sp>
       <p:sp>
         <p:nvSpPr>
-          <p:cNvPr id="5" name="Élőláb helye 4"/>
+          <p:cNvPr id="5" name="Footer Placeholder 4"/>
           <p:cNvSpPr>
             <a:spLocks noGrp="1"/>
           </p:cNvSpPr>
@@ -2577,8 +7110,8 @@
         </p:nvSpPr>
         <p:spPr>
           <a:xfrm>
-            <a:off x="4038600" y="6356350"/>
-            <a:ext cx="4114800" cy="365125"/>
+            <a:off x="2589212" y="6135808"/>
+            <a:ext cx="7619999" cy="365125"/>
           </a:xfrm>
           <a:prstGeom prst="rect">
             <a:avLst/>
@@ -2587,8 +7120,8 @@
         <p:txBody>
           <a:bodyPr vert="horz" lIns="91440" tIns="45720" rIns="91440" bIns="45720" rtlCol="0" anchor="ctr"/>
           <a:lstStyle>
-            <a:lvl1pPr algn="ctr">
-              <a:defRPr sz="1200">
+            <a:lvl1pPr algn="l">
+              <a:defRPr sz="900">
                 <a:solidFill>
                   <a:schemeClr val="tx1">
                     <a:tint val="75000"/>
@@ -2604,7 +7137,7 @@
       </p:sp>
       <p:sp>
         <p:nvSpPr>
-          <p:cNvPr id="6" name="Dia számának helye 5"/>
+          <p:cNvPr id="6" name="Slide Number Placeholder 5"/>
           <p:cNvSpPr>
             <a:spLocks noGrp="1"/>
           </p:cNvSpPr>
@@ -2614,8 +7147,8 @@
         </p:nvSpPr>
         <p:spPr>
           <a:xfrm>
-            <a:off x="8610600" y="6356350"/>
-            <a:ext cx="2743200" cy="365125"/>
+            <a:off x="531812" y="787782"/>
+            <a:ext cx="779767" cy="365125"/>
           </a:xfrm>
           <a:prstGeom prst="rect">
             <a:avLst/>
@@ -2625,11 +7158,9 @@
           <a:bodyPr vert="horz" lIns="91440" tIns="45720" rIns="91440" bIns="45720" rtlCol="0" anchor="ctr"/>
           <a:lstStyle>
             <a:lvl1pPr algn="r">
-              <a:defRPr sz="1200">
+              <a:defRPr sz="2000">
                 <a:solidFill>
-                  <a:schemeClr val="tx1">
-                    <a:tint val="75000"/>
-                  </a:schemeClr>
+                  <a:srgbClr val="FEFFFF"/>
                 </a:solidFill>
               </a:defRPr>
             </a:lvl1pPr>
@@ -2646,55 +7177,329 @@
     </p:spTree>
     <p:extLst>
       <p:ext uri="{BB962C8B-B14F-4D97-AF65-F5344CB8AC3E}">
-        <p14:creationId xmlns:p14="http://schemas.microsoft.com/office/powerpoint/2010/main" val="3319321260"/>
+        <p14:creationId xmlns:p14="http://schemas.microsoft.com/office/powerpoint/2010/main" val="3154077350"/>
       </p:ext>
     </p:extLst>
   </p:cSld>
-  <p:clrMap bg1="lt1" tx1="dk1" bg2="lt2" tx2="dk2" accent1="accent1" accent2="accent2" accent3="accent3" accent4="accent4" accent5="accent5" accent6="accent6" hlink="hlink" folHlink="folHlink"/>
+  <p:clrMap bg1="dk1" tx1="lt1" bg2="dk2" tx2="lt2" accent1="accent1" accent2="accent2" accent3="accent3" accent4="accent4" accent5="accent5" accent6="accent6" hlink="hlink" folHlink="folHlink"/>
   <p:sldLayoutIdLst>
-    <p:sldLayoutId id="2147483649" r:id="rId1"/>
-    <p:sldLayoutId id="2147483650" r:id="rId2"/>
-    <p:sldLayoutId id="2147483651" r:id="rId3"/>
-    <p:sldLayoutId id="2147483652" r:id="rId4"/>
-    <p:sldLayoutId id="2147483653" r:id="rId5"/>
-    <p:sldLayoutId id="2147483654" r:id="rId6"/>
-    <p:sldLayoutId id="2147483655" r:id="rId7"/>
-    <p:sldLayoutId id="2147483656" r:id="rId8"/>
-    <p:sldLayoutId id="2147483657" r:id="rId9"/>
-    <p:sldLayoutId id="2147483658" r:id="rId10"/>
-    <p:sldLayoutId id="2147483659" r:id="rId11"/>
+    <p:sldLayoutId id="2147483712" r:id="rId1"/>
+    <p:sldLayoutId id="2147483713" r:id="rId2"/>
+    <p:sldLayoutId id="2147483714" r:id="rId3"/>
+    <p:sldLayoutId id="2147483715" r:id="rId4"/>
+    <p:sldLayoutId id="2147483716" r:id="rId5"/>
+    <p:sldLayoutId id="2147483717" r:id="rId6"/>
+    <p:sldLayoutId id="2147483718" r:id="rId7"/>
+    <p:sldLayoutId id="2147483719" r:id="rId8"/>
+    <p:sldLayoutId id="2147483720" r:id="rId9"/>
+    <p:sldLayoutId id="2147483721" r:id="rId10"/>
+    <p:sldLayoutId id="2147483722" r:id="rId11"/>
+    <p:sldLayoutId id="2147483723" r:id="rId12"/>
+    <p:sldLayoutId id="2147483724" r:id="rId13"/>
+    <p:sldLayoutId id="2147483725" r:id="rId14"/>
+    <p:sldLayoutId id="2147483726" r:id="rId15"/>
+    <p:sldLayoutId id="2147483727" r:id="rId16"/>
   </p:sldLayoutIdLst>
   <p:txStyles>
     <p:titleStyle>
-      <a:lvl1pPr algn="l" defTabSz="914400" rtl="0" eaLnBrk="1" latinLnBrk="0" hangingPunct="1">
-        <a:lnSpc>
-          <a:spcPct val="90000"/>
-        </a:lnSpc>
+      <a:lvl1pPr algn="l" defTabSz="457200" rtl="0" eaLnBrk="1" latinLnBrk="0" hangingPunct="1">
         <a:spcBef>
           <a:spcPct val="0"/>
         </a:spcBef>
         <a:buNone/>
-        <a:defRPr sz="4400" kern="1200">
+        <a:defRPr sz="3600" kern="1200">
           <a:solidFill>
-            <a:schemeClr val="tx1"/>
+            <a:schemeClr val="tx1">
+              <a:lumMod val="85000"/>
+              <a:lumOff val="15000"/>
+            </a:schemeClr>
           </a:solidFill>
           <a:latin typeface="+mj-lt"/>
           <a:ea typeface="+mj-ea"/>
           <a:cs typeface="+mj-cs"/>
         </a:defRPr>
       </a:lvl1pPr>
+      <a:lvl2pPr eaLnBrk="1" hangingPunct="1">
+        <a:defRPr>
+          <a:solidFill>
+            <a:schemeClr val="tx2"/>
+          </a:solidFill>
+        </a:defRPr>
+      </a:lvl2pPr>
+      <a:lvl3pPr eaLnBrk="1" hangingPunct="1">
+        <a:defRPr>
+          <a:solidFill>
+            <a:schemeClr val="tx2"/>
+          </a:solidFill>
+        </a:defRPr>
+      </a:lvl3pPr>
+      <a:lvl4pPr eaLnBrk="1" hangingPunct="1">
+        <a:defRPr>
+          <a:solidFill>
+            <a:schemeClr val="tx2"/>
+          </a:solidFill>
+        </a:defRPr>
+      </a:lvl4pPr>
+      <a:lvl5pPr eaLnBrk="1" hangingPunct="1">
+        <a:defRPr>
+          <a:solidFill>
+            <a:schemeClr val="tx2"/>
+          </a:solidFill>
+        </a:defRPr>
+      </a:lvl5pPr>
+      <a:lvl6pPr eaLnBrk="1" hangingPunct="1">
+        <a:defRPr>
+          <a:solidFill>
+            <a:schemeClr val="tx2"/>
+          </a:solidFill>
+        </a:defRPr>
+      </a:lvl6pPr>
+      <a:lvl7pPr eaLnBrk="1" hangingPunct="1">
+        <a:defRPr>
+          <a:solidFill>
+            <a:schemeClr val="tx2"/>
+          </a:solidFill>
+        </a:defRPr>
+      </a:lvl7pPr>
+      <a:lvl8pPr eaLnBrk="1" hangingPunct="1">
+        <a:defRPr>
+          <a:solidFill>
+            <a:schemeClr val="tx2"/>
+          </a:solidFill>
+        </a:defRPr>
+      </a:lvl8pPr>
+      <a:lvl9pPr eaLnBrk="1" hangingPunct="1">
+        <a:defRPr>
+          <a:solidFill>
+            <a:schemeClr val="tx2"/>
+          </a:solidFill>
+        </a:defRPr>
+      </a:lvl9pPr>
     </p:titleStyle>
     <p:bodyStyle>
-      <a:lvl1pPr marL="228600" indent="-228600" algn="l" defTabSz="914400" rtl="0" eaLnBrk="1" latinLnBrk="0" hangingPunct="1">
-        <a:lnSpc>
-          <a:spcPct val="90000"/>
-        </a:lnSpc>
+      <a:lvl1pPr marL="342900" indent="-342900" algn="l" defTabSz="457200" rtl="0" eaLnBrk="1" latinLnBrk="0" hangingPunct="1">
         <a:spcBef>
           <a:spcPts val="1000"/>
         </a:spcBef>
-        <a:buFont typeface="Arial" panose="020B0604020202020204" pitchFamily="34" charset="0"/>
-        <a:buChar char="•"/>
-        <a:defRPr sz="2800" kern="1200">
+        <a:spcAft>
+          <a:spcPts val="0"/>
+        </a:spcAft>
+        <a:buClr>
+          <a:schemeClr val="accent1"/>
+        </a:buClr>
+        <a:buFont typeface="Wingdings 3" charset="2"/>
+        <a:buChar char=""/>
+        <a:defRPr sz="1800" kern="1200">
+          <a:solidFill>
+            <a:schemeClr val="tx1">
+              <a:lumMod val="75000"/>
+              <a:lumOff val="25000"/>
+            </a:schemeClr>
+          </a:solidFill>
+          <a:latin typeface="+mn-lt"/>
+          <a:ea typeface="+mn-ea"/>
+          <a:cs typeface="+mn-cs"/>
+        </a:defRPr>
+      </a:lvl1pPr>
+      <a:lvl2pPr marL="742950" indent="-285750" algn="l" defTabSz="457200" rtl="0" eaLnBrk="1" latinLnBrk="0" hangingPunct="1">
+        <a:spcBef>
+          <a:spcPts val="1000"/>
+        </a:spcBef>
+        <a:spcAft>
+          <a:spcPts val="0"/>
+        </a:spcAft>
+        <a:buClr>
+          <a:schemeClr val="accent1"/>
+        </a:buClr>
+        <a:buFont typeface="Wingdings 3" charset="2"/>
+        <a:buChar char=""/>
+        <a:defRPr sz="1600" kern="1200">
+          <a:solidFill>
+            <a:schemeClr val="tx1">
+              <a:lumMod val="75000"/>
+              <a:lumOff val="25000"/>
+            </a:schemeClr>
+          </a:solidFill>
+          <a:latin typeface="+mn-lt"/>
+          <a:ea typeface="+mn-ea"/>
+          <a:cs typeface="+mn-cs"/>
+        </a:defRPr>
+      </a:lvl2pPr>
+      <a:lvl3pPr marL="1143000" indent="-228600" algn="l" defTabSz="457200" rtl="0" eaLnBrk="1" latinLnBrk="0" hangingPunct="1">
+        <a:spcBef>
+          <a:spcPts val="1000"/>
+        </a:spcBef>
+        <a:spcAft>
+          <a:spcPts val="0"/>
+        </a:spcAft>
+        <a:buClr>
+          <a:schemeClr val="accent1"/>
+        </a:buClr>
+        <a:buFont typeface="Wingdings 3" charset="2"/>
+        <a:buChar char=""/>
+        <a:defRPr sz="1400" kern="1200">
+          <a:solidFill>
+            <a:schemeClr val="tx1">
+              <a:lumMod val="75000"/>
+              <a:lumOff val="25000"/>
+            </a:schemeClr>
+          </a:solidFill>
+          <a:latin typeface="+mn-lt"/>
+          <a:ea typeface="+mn-ea"/>
+          <a:cs typeface="+mn-cs"/>
+        </a:defRPr>
+      </a:lvl3pPr>
+      <a:lvl4pPr marL="1600200" indent="-228600" algn="l" defTabSz="457200" rtl="0" eaLnBrk="1" latinLnBrk="0" hangingPunct="1">
+        <a:spcBef>
+          <a:spcPts val="1000"/>
+        </a:spcBef>
+        <a:spcAft>
+          <a:spcPts val="0"/>
+        </a:spcAft>
+        <a:buClr>
+          <a:schemeClr val="accent1"/>
+        </a:buClr>
+        <a:buFont typeface="Wingdings 3" charset="2"/>
+        <a:buChar char=""/>
+        <a:defRPr sz="1200" kern="1200">
+          <a:solidFill>
+            <a:schemeClr val="tx1">
+              <a:lumMod val="75000"/>
+              <a:lumOff val="25000"/>
+            </a:schemeClr>
+          </a:solidFill>
+          <a:latin typeface="+mn-lt"/>
+          <a:ea typeface="+mn-ea"/>
+          <a:cs typeface="+mn-cs"/>
+        </a:defRPr>
+      </a:lvl4pPr>
+      <a:lvl5pPr marL="2057400" indent="-228600" algn="l" defTabSz="457200" rtl="0" eaLnBrk="1" latinLnBrk="0" hangingPunct="1">
+        <a:spcBef>
+          <a:spcPts val="1000"/>
+        </a:spcBef>
+        <a:spcAft>
+          <a:spcPts val="0"/>
+        </a:spcAft>
+        <a:buClr>
+          <a:schemeClr val="accent1"/>
+        </a:buClr>
+        <a:buFont typeface="Wingdings 3" charset="2"/>
+        <a:buChar char=""/>
+        <a:defRPr sz="1200" kern="1200">
+          <a:solidFill>
+            <a:schemeClr val="tx1">
+              <a:lumMod val="75000"/>
+              <a:lumOff val="25000"/>
+            </a:schemeClr>
+          </a:solidFill>
+          <a:latin typeface="+mn-lt"/>
+          <a:ea typeface="+mn-ea"/>
+          <a:cs typeface="+mn-cs"/>
+        </a:defRPr>
+      </a:lvl5pPr>
+      <a:lvl6pPr marL="2514600" indent="-228600" algn="l" defTabSz="457200" rtl="0" eaLnBrk="1" latinLnBrk="0" hangingPunct="1">
+        <a:spcBef>
+          <a:spcPts val="1000"/>
+        </a:spcBef>
+        <a:spcAft>
+          <a:spcPts val="0"/>
+        </a:spcAft>
+        <a:buClr>
+          <a:schemeClr val="accent1"/>
+        </a:buClr>
+        <a:buFont typeface="Wingdings 3" charset="2"/>
+        <a:buChar char=""/>
+        <a:defRPr sz="1200" kern="1200">
+          <a:solidFill>
+            <a:schemeClr val="tx1">
+              <a:lumMod val="75000"/>
+              <a:lumOff val="25000"/>
+            </a:schemeClr>
+          </a:solidFill>
+          <a:latin typeface="+mn-lt"/>
+          <a:ea typeface="+mn-ea"/>
+          <a:cs typeface="+mn-cs"/>
+        </a:defRPr>
+      </a:lvl6pPr>
+      <a:lvl7pPr marL="2971800" indent="-228600" algn="l" defTabSz="457200" rtl="0" eaLnBrk="1" latinLnBrk="0" hangingPunct="1">
+        <a:spcBef>
+          <a:spcPts val="1000"/>
+        </a:spcBef>
+        <a:spcAft>
+          <a:spcPts val="0"/>
+        </a:spcAft>
+        <a:buClr>
+          <a:schemeClr val="accent1"/>
+        </a:buClr>
+        <a:buFont typeface="Wingdings 3" charset="2"/>
+        <a:buChar char=""/>
+        <a:defRPr sz="1200" kern="1200">
+          <a:solidFill>
+            <a:schemeClr val="tx1">
+              <a:lumMod val="75000"/>
+              <a:lumOff val="25000"/>
+            </a:schemeClr>
+          </a:solidFill>
+          <a:latin typeface="+mn-lt"/>
+          <a:ea typeface="+mn-ea"/>
+          <a:cs typeface="+mn-cs"/>
+        </a:defRPr>
+      </a:lvl7pPr>
+      <a:lvl8pPr marL="3429000" indent="-228600" algn="l" defTabSz="457200" rtl="0" eaLnBrk="1" latinLnBrk="0" hangingPunct="1">
+        <a:spcBef>
+          <a:spcPts val="1000"/>
+        </a:spcBef>
+        <a:spcAft>
+          <a:spcPts val="0"/>
+        </a:spcAft>
+        <a:buClr>
+          <a:schemeClr val="accent1"/>
+        </a:buClr>
+        <a:buFont typeface="Wingdings 3" charset="2"/>
+        <a:buChar char=""/>
+        <a:defRPr sz="1200" kern="1200">
+          <a:solidFill>
+            <a:schemeClr val="tx1">
+              <a:lumMod val="75000"/>
+              <a:lumOff val="25000"/>
+            </a:schemeClr>
+          </a:solidFill>
+          <a:latin typeface="+mn-lt"/>
+          <a:ea typeface="+mn-ea"/>
+          <a:cs typeface="+mn-cs"/>
+        </a:defRPr>
+      </a:lvl8pPr>
+      <a:lvl9pPr marL="3886200" indent="-228600" algn="l" defTabSz="457200" rtl="0" eaLnBrk="1" latinLnBrk="0" hangingPunct="1">
+        <a:spcBef>
+          <a:spcPts val="1000"/>
+        </a:spcBef>
+        <a:spcAft>
+          <a:spcPts val="0"/>
+        </a:spcAft>
+        <a:buClr>
+          <a:schemeClr val="accent1"/>
+        </a:buClr>
+        <a:buFont typeface="Wingdings 3" charset="2"/>
+        <a:buChar char=""/>
+        <a:defRPr sz="1200" kern="1200">
+          <a:solidFill>
+            <a:schemeClr val="tx1">
+              <a:lumMod val="75000"/>
+              <a:lumOff val="25000"/>
+            </a:schemeClr>
+          </a:solidFill>
+          <a:latin typeface="+mn-lt"/>
+          <a:ea typeface="+mn-ea"/>
+          <a:cs typeface="+mn-cs"/>
+        </a:defRPr>
+      </a:lvl9pPr>
+    </p:bodyStyle>
+    <p:otherStyle>
+      <a:defPPr>
+        <a:defRPr lang="en-US"/>
+      </a:defPPr>
+      <a:lvl1pPr marL="0" algn="l" defTabSz="457200" rtl="0" eaLnBrk="1" latinLnBrk="0" hangingPunct="1">
+        <a:defRPr sz="1800" kern="1200">
           <a:solidFill>
             <a:schemeClr val="tx1"/>
           </a:solidFill>
@@ -2703,16 +7508,8 @@
           <a:cs typeface="+mn-cs"/>
         </a:defRPr>
       </a:lvl1pPr>
-      <a:lvl2pPr marL="685800" indent="-228600" algn="l" defTabSz="914400" rtl="0" eaLnBrk="1" latinLnBrk="0" hangingPunct="1">
-        <a:lnSpc>
-          <a:spcPct val="90000"/>
-        </a:lnSpc>
-        <a:spcBef>
-          <a:spcPts val="500"/>
-        </a:spcBef>
-        <a:buFont typeface="Arial" panose="020B0604020202020204" pitchFamily="34" charset="0"/>
-        <a:buChar char="•"/>
-        <a:defRPr sz="2400" kern="1200">
+      <a:lvl2pPr marL="457200" algn="l" defTabSz="457200" rtl="0" eaLnBrk="1" latinLnBrk="0" hangingPunct="1">
+        <a:defRPr sz="1800" kern="1200">
           <a:solidFill>
             <a:schemeClr val="tx1"/>
           </a:solidFill>
@@ -2721,16 +7518,8 @@
           <a:cs typeface="+mn-cs"/>
         </a:defRPr>
       </a:lvl2pPr>
-      <a:lvl3pPr marL="1143000" indent="-228600" algn="l" defTabSz="914400" rtl="0" eaLnBrk="1" latinLnBrk="0" hangingPunct="1">
-        <a:lnSpc>
-          <a:spcPct val="90000"/>
-        </a:lnSpc>
-        <a:spcBef>
-          <a:spcPts val="500"/>
-        </a:spcBef>
-        <a:buFont typeface="Arial" panose="020B0604020202020204" pitchFamily="34" charset="0"/>
-        <a:buChar char="•"/>
-        <a:defRPr sz="2000" kern="1200">
+      <a:lvl3pPr marL="914400" algn="l" defTabSz="457200" rtl="0" eaLnBrk="1" latinLnBrk="0" hangingPunct="1">
+        <a:defRPr sz="1800" kern="1200">
           <a:solidFill>
             <a:schemeClr val="tx1"/>
           </a:solidFill>
@@ -2739,15 +7528,7 @@
           <a:cs typeface="+mn-cs"/>
         </a:defRPr>
       </a:lvl3pPr>
-      <a:lvl4pPr marL="1600200" indent="-228600" algn="l" defTabSz="914400" rtl="0" eaLnBrk="1" latinLnBrk="0" hangingPunct="1">
-        <a:lnSpc>
-          <a:spcPct val="90000"/>
-        </a:lnSpc>
-        <a:spcBef>
-          <a:spcPts val="500"/>
-        </a:spcBef>
-        <a:buFont typeface="Arial" panose="020B0604020202020204" pitchFamily="34" charset="0"/>
-        <a:buChar char="•"/>
+      <a:lvl4pPr marL="1371600" algn="l" defTabSz="457200" rtl="0" eaLnBrk="1" latinLnBrk="0" hangingPunct="1">
         <a:defRPr sz="1800" kern="1200">
           <a:solidFill>
             <a:schemeClr val="tx1"/>
@@ -2757,15 +7538,7 @@
           <a:cs typeface="+mn-cs"/>
         </a:defRPr>
       </a:lvl4pPr>
-      <a:lvl5pPr marL="2057400" indent="-228600" algn="l" defTabSz="914400" rtl="0" eaLnBrk="1" latinLnBrk="0" hangingPunct="1">
-        <a:lnSpc>
-          <a:spcPct val="90000"/>
-        </a:lnSpc>
-        <a:spcBef>
-          <a:spcPts val="500"/>
-        </a:spcBef>
-        <a:buFont typeface="Arial" panose="020B0604020202020204" pitchFamily="34" charset="0"/>
-        <a:buChar char="•"/>
+      <a:lvl5pPr marL="1828800" algn="l" defTabSz="457200" rtl="0" eaLnBrk="1" latinLnBrk="0" hangingPunct="1">
         <a:defRPr sz="1800" kern="1200">
           <a:solidFill>
             <a:schemeClr val="tx1"/>
@@ -2775,15 +7548,7 @@
           <a:cs typeface="+mn-cs"/>
         </a:defRPr>
       </a:lvl5pPr>
-      <a:lvl6pPr marL="2514600" indent="-228600" algn="l" defTabSz="914400" rtl="0" eaLnBrk="1" latinLnBrk="0" hangingPunct="1">
-        <a:lnSpc>
-          <a:spcPct val="90000"/>
-        </a:lnSpc>
-        <a:spcBef>
-          <a:spcPts val="500"/>
-        </a:spcBef>
-        <a:buFont typeface="Arial" panose="020B0604020202020204" pitchFamily="34" charset="0"/>
-        <a:buChar char="•"/>
+      <a:lvl6pPr marL="2286000" algn="l" defTabSz="457200" rtl="0" eaLnBrk="1" latinLnBrk="0" hangingPunct="1">
         <a:defRPr sz="1800" kern="1200">
           <a:solidFill>
             <a:schemeClr val="tx1"/>
@@ -2793,15 +7558,7 @@
           <a:cs typeface="+mn-cs"/>
         </a:defRPr>
       </a:lvl6pPr>
-      <a:lvl7pPr marL="2971800" indent="-228600" algn="l" defTabSz="914400" rtl="0" eaLnBrk="1" latinLnBrk="0" hangingPunct="1">
-        <a:lnSpc>
-          <a:spcPct val="90000"/>
-        </a:lnSpc>
-        <a:spcBef>
-          <a:spcPts val="500"/>
-        </a:spcBef>
-        <a:buFont typeface="Arial" panose="020B0604020202020204" pitchFamily="34" charset="0"/>
-        <a:buChar char="•"/>
+      <a:lvl7pPr marL="2743200" algn="l" defTabSz="457200" rtl="0" eaLnBrk="1" latinLnBrk="0" hangingPunct="1">
         <a:defRPr sz="1800" kern="1200">
           <a:solidFill>
             <a:schemeClr val="tx1"/>
@@ -2811,15 +7568,7 @@
           <a:cs typeface="+mn-cs"/>
         </a:defRPr>
       </a:lvl7pPr>
-      <a:lvl8pPr marL="3429000" indent="-228600" algn="l" defTabSz="914400" rtl="0" eaLnBrk="1" latinLnBrk="0" hangingPunct="1">
-        <a:lnSpc>
-          <a:spcPct val="90000"/>
-        </a:lnSpc>
-        <a:spcBef>
-          <a:spcPts val="500"/>
-        </a:spcBef>
-        <a:buFont typeface="Arial" panose="020B0604020202020204" pitchFamily="34" charset="0"/>
-        <a:buChar char="•"/>
+      <a:lvl8pPr marL="3200400" algn="l" defTabSz="457200" rtl="0" eaLnBrk="1" latinLnBrk="0" hangingPunct="1">
         <a:defRPr sz="1800" kern="1200">
           <a:solidFill>
             <a:schemeClr val="tx1"/>
@@ -2829,110 +7578,7 @@
           <a:cs typeface="+mn-cs"/>
         </a:defRPr>
       </a:lvl8pPr>
-      <a:lvl9pPr marL="3886200" indent="-228600" algn="l" defTabSz="914400" rtl="0" eaLnBrk="1" latinLnBrk="0" hangingPunct="1">
-        <a:lnSpc>
-          <a:spcPct val="90000"/>
-        </a:lnSpc>
-        <a:spcBef>
-          <a:spcPts val="500"/>
-        </a:spcBef>
-        <a:buFont typeface="Arial" panose="020B0604020202020204" pitchFamily="34" charset="0"/>
-        <a:buChar char="•"/>
-        <a:defRPr sz="1800" kern="1200">
-          <a:solidFill>
-            <a:schemeClr val="tx1"/>
-          </a:solidFill>
-          <a:latin typeface="+mn-lt"/>
-          <a:ea typeface="+mn-ea"/>
-          <a:cs typeface="+mn-cs"/>
-        </a:defRPr>
-      </a:lvl9pPr>
-    </p:bodyStyle>
-    <p:otherStyle>
-      <a:defPPr>
-        <a:defRPr lang="hu-HU"/>
-      </a:defPPr>
-      <a:lvl1pPr marL="0" algn="l" defTabSz="914400" rtl="0" eaLnBrk="1" latinLnBrk="0" hangingPunct="1">
-        <a:defRPr sz="1800" kern="1200">
-          <a:solidFill>
-            <a:schemeClr val="tx1"/>
-          </a:solidFill>
-          <a:latin typeface="+mn-lt"/>
-          <a:ea typeface="+mn-ea"/>
-          <a:cs typeface="+mn-cs"/>
-        </a:defRPr>
-      </a:lvl1pPr>
-      <a:lvl2pPr marL="457200" algn="l" defTabSz="914400" rtl="0" eaLnBrk="1" latinLnBrk="0" hangingPunct="1">
-        <a:defRPr sz="1800" kern="1200">
-          <a:solidFill>
-            <a:schemeClr val="tx1"/>
-          </a:solidFill>
-          <a:latin typeface="+mn-lt"/>
-          <a:ea typeface="+mn-ea"/>
-          <a:cs typeface="+mn-cs"/>
-        </a:defRPr>
-      </a:lvl2pPr>
-      <a:lvl3pPr marL="914400" algn="l" defTabSz="914400" rtl="0" eaLnBrk="1" latinLnBrk="0" hangingPunct="1">
-        <a:defRPr sz="1800" kern="1200">
-          <a:solidFill>
-            <a:schemeClr val="tx1"/>
-          </a:solidFill>
-          <a:latin typeface="+mn-lt"/>
-          <a:ea typeface="+mn-ea"/>
-          <a:cs typeface="+mn-cs"/>
-        </a:defRPr>
-      </a:lvl3pPr>
-      <a:lvl4pPr marL="1371600" algn="l" defTabSz="914400" rtl="0" eaLnBrk="1" latinLnBrk="0" hangingPunct="1">
-        <a:defRPr sz="1800" kern="1200">
-          <a:solidFill>
-            <a:schemeClr val="tx1"/>
-          </a:solidFill>
-          <a:latin typeface="+mn-lt"/>
-          <a:ea typeface="+mn-ea"/>
-          <a:cs typeface="+mn-cs"/>
-        </a:defRPr>
-      </a:lvl4pPr>
-      <a:lvl5pPr marL="1828800" algn="l" defTabSz="914400" rtl="0" eaLnBrk="1" latinLnBrk="0" hangingPunct="1">
-        <a:defRPr sz="1800" kern="1200">
-          <a:solidFill>
-            <a:schemeClr val="tx1"/>
-          </a:solidFill>
-          <a:latin typeface="+mn-lt"/>
-          <a:ea typeface="+mn-ea"/>
-          <a:cs typeface="+mn-cs"/>
-        </a:defRPr>
-      </a:lvl5pPr>
-      <a:lvl6pPr marL="2286000" algn="l" defTabSz="914400" rtl="0" eaLnBrk="1" latinLnBrk="0" hangingPunct="1">
-        <a:defRPr sz="1800" kern="1200">
-          <a:solidFill>
-            <a:schemeClr val="tx1"/>
-          </a:solidFill>
-          <a:latin typeface="+mn-lt"/>
-          <a:ea typeface="+mn-ea"/>
-          <a:cs typeface="+mn-cs"/>
-        </a:defRPr>
-      </a:lvl6pPr>
-      <a:lvl7pPr marL="2743200" algn="l" defTabSz="914400" rtl="0" eaLnBrk="1" latinLnBrk="0" hangingPunct="1">
-        <a:defRPr sz="1800" kern="1200">
-          <a:solidFill>
-            <a:schemeClr val="tx1"/>
-          </a:solidFill>
-          <a:latin typeface="+mn-lt"/>
-          <a:ea typeface="+mn-ea"/>
-          <a:cs typeface="+mn-cs"/>
-        </a:defRPr>
-      </a:lvl7pPr>
-      <a:lvl8pPr marL="3200400" algn="l" defTabSz="914400" rtl="0" eaLnBrk="1" latinLnBrk="0" hangingPunct="1">
-        <a:defRPr sz="1800" kern="1200">
-          <a:solidFill>
-            <a:schemeClr val="tx1"/>
-          </a:solidFill>
-          <a:latin typeface="+mn-lt"/>
-          <a:ea typeface="+mn-ea"/>
-          <a:cs typeface="+mn-cs"/>
-        </a:defRPr>
-      </a:lvl8pPr>
-      <a:lvl9pPr marL="3657600" algn="l" defTabSz="914400" rtl="0" eaLnBrk="1" latinLnBrk="0" hangingPunct="1">
+      <a:lvl9pPr marL="3657600" algn="l" defTabSz="457200" rtl="0" eaLnBrk="1" latinLnBrk="0" hangingPunct="1">
         <a:defRPr sz="1800" kern="1200">
           <a:solidFill>
             <a:schemeClr val="tx1"/>
@@ -2979,7 +7625,11 @@
           <a:bodyPr/>
           <a:lstStyle/>
           <a:p>
-            <a:endParaRPr lang="hu-HU"/>
+            <a:r>
+              <a:rPr lang="hu-HU" dirty="0" smtClean="0"/>
+              <a:t>Digitális rajz</a:t>
+            </a:r>
+            <a:endParaRPr lang="hu-HU" dirty="0"/>
           </a:p>
         </p:txBody>
       </p:sp>
@@ -2998,7 +7648,11 @@
           <a:bodyPr/>
           <a:lstStyle/>
           <a:p>
-            <a:endParaRPr lang="hu-HU"/>
+            <a:r>
+              <a:rPr lang="hu-HU" dirty="0" smtClean="0"/>
+              <a:t>Készítette: Ács Benjámin</a:t>
+            </a:r>
+            <a:endParaRPr lang="hu-HU" dirty="0"/>
           </a:p>
         </p:txBody>
       </p:sp>
@@ -3015,10 +7669,217 @@
 </p:sld>
 </file>
 
+<file path=ppt/slides/slide2.xml><?xml version="1.0" encoding="utf-8"?>
+<p:sld xmlns:a="http://schemas.openxmlformats.org/drawingml/2006/main" xmlns:r="http://schemas.openxmlformats.org/officeDocument/2006/relationships" xmlns:p="http://schemas.openxmlformats.org/presentationml/2006/main">
+  <p:cSld>
+    <p:spTree>
+      <p:nvGrpSpPr>
+        <p:cNvPr id="1" name=""/>
+        <p:cNvGrpSpPr/>
+        <p:nvPr/>
+      </p:nvGrpSpPr>
+      <p:grpSpPr>
+        <a:xfrm>
+          <a:off x="0" y="0"/>
+          <a:ext cx="0" cy="0"/>
+          <a:chOff x="0" y="0"/>
+          <a:chExt cx="0" cy="0"/>
+        </a:xfrm>
+      </p:grpSpPr>
+      <p:sp>
+        <p:nvSpPr>
+          <p:cNvPr id="2" name="Cím 1"/>
+          <p:cNvSpPr>
+            <a:spLocks noGrp="1"/>
+          </p:cNvSpPr>
+          <p:nvPr>
+            <p:ph type="title"/>
+          </p:nvPr>
+        </p:nvSpPr>
+        <p:spPr/>
+        <p:txBody>
+          <a:bodyPr/>
+          <a:lstStyle/>
+          <a:p>
+            <a:r>
+              <a:rPr lang="hu-HU" dirty="0" smtClean="0"/>
+              <a:t>Mi is a digitális rajz?</a:t>
+            </a:r>
+            <a:endParaRPr lang="hu-HU" dirty="0"/>
+          </a:p>
+        </p:txBody>
+      </p:sp>
+      <p:sp>
+        <p:nvSpPr>
+          <p:cNvPr id="3" name="Tartalom helye 2"/>
+          <p:cNvSpPr>
+            <a:spLocks noGrp="1"/>
+          </p:cNvSpPr>
+          <p:nvPr>
+            <p:ph idx="1"/>
+          </p:nvPr>
+        </p:nvSpPr>
+        <p:spPr/>
+        <p:txBody>
+          <a:bodyPr/>
+          <a:lstStyle/>
+          <a:p>
+            <a:r>
+              <a:rPr lang="hu-HU" dirty="0" smtClean="0"/>
+              <a:t>Természetes rajzoláshoz hasonló</a:t>
+            </a:r>
+          </a:p>
+          <a:p>
+            <a:r>
+              <a:rPr lang="hu-HU" dirty="0" smtClean="0"/>
+              <a:t>Sokkal gyorsabb</a:t>
+            </a:r>
+          </a:p>
+          <a:p>
+            <a:r>
+              <a:rPr lang="hu-HU" dirty="0" smtClean="0"/>
+              <a:t>Kicsit fura</a:t>
+            </a:r>
+          </a:p>
+          <a:p>
+            <a:r>
+              <a:rPr lang="hu-HU" dirty="0" smtClean="0"/>
+              <a:t>Nagyon rugalmas</a:t>
+            </a:r>
+          </a:p>
+          <a:p>
+            <a:r>
+              <a:rPr lang="hu-HU" dirty="0" smtClean="0"/>
+              <a:t>Elég sok kütyü</a:t>
+            </a:r>
+          </a:p>
+          <a:p>
+            <a:endParaRPr lang="hu-HU" dirty="0"/>
+          </a:p>
+        </p:txBody>
+      </p:sp>
+    </p:spTree>
+    <p:extLst>
+      <p:ext uri="{BB962C8B-B14F-4D97-AF65-F5344CB8AC3E}">
+        <p14:creationId xmlns:p14="http://schemas.microsoft.com/office/powerpoint/2010/main" val="1907820852"/>
+      </p:ext>
+    </p:extLst>
+  </p:cSld>
+  <p:clrMapOvr>
+    <a:masterClrMapping/>
+  </p:clrMapOvr>
+</p:sld>
+</file>
+
+<file path=ppt/slides/slide3.xml><?xml version="1.0" encoding="utf-8"?>
+<p:sld xmlns:a="http://schemas.openxmlformats.org/drawingml/2006/main" xmlns:r="http://schemas.openxmlformats.org/officeDocument/2006/relationships" xmlns:p="http://schemas.openxmlformats.org/presentationml/2006/main">
+  <p:cSld>
+    <p:spTree>
+      <p:nvGrpSpPr>
+        <p:cNvPr id="1" name=""/>
+        <p:cNvGrpSpPr/>
+        <p:nvPr/>
+      </p:nvGrpSpPr>
+      <p:grpSpPr>
+        <a:xfrm>
+          <a:off x="0" y="0"/>
+          <a:ext cx="0" cy="0"/>
+          <a:chOff x="0" y="0"/>
+          <a:chExt cx="0" cy="0"/>
+        </a:xfrm>
+      </p:grpSpPr>
+      <p:sp>
+        <p:nvSpPr>
+          <p:cNvPr id="2" name="Cím 1"/>
+          <p:cNvSpPr>
+            <a:spLocks noGrp="1"/>
+          </p:cNvSpPr>
+          <p:nvPr>
+            <p:ph type="title"/>
+          </p:nvPr>
+        </p:nvSpPr>
+        <p:spPr>
+          <a:xfrm>
+            <a:off x="2377771" y="538049"/>
+            <a:ext cx="8911687" cy="924991"/>
+          </a:xfrm>
+        </p:spPr>
+        <p:txBody>
+          <a:bodyPr/>
+          <a:lstStyle/>
+          <a:p>
+            <a:r>
+              <a:rPr lang="hu-HU" dirty="0" smtClean="0"/>
+              <a:t>Digitális </a:t>
+            </a:r>
+            <a:r>
+              <a:rPr lang="hu-HU" smtClean="0"/>
+              <a:t>rajzhoz való kellékek</a:t>
+            </a:r>
+            <a:endParaRPr lang="hu-HU" dirty="0"/>
+          </a:p>
+        </p:txBody>
+      </p:sp>
+      <p:sp>
+        <p:nvSpPr>
+          <p:cNvPr id="4" name="Tartalom helye 3"/>
+          <p:cNvSpPr>
+            <a:spLocks noGrp="1"/>
+          </p:cNvSpPr>
+          <p:nvPr>
+            <p:ph sz="half" idx="2"/>
+          </p:nvPr>
+        </p:nvSpPr>
+        <p:spPr>
+          <a:xfrm>
+            <a:off x="2377771" y="1795929"/>
+            <a:ext cx="4342893" cy="4701689"/>
+          </a:xfrm>
+        </p:spPr>
+        <p:txBody>
+          <a:bodyPr/>
+          <a:lstStyle/>
+          <a:p>
+            <a:endParaRPr lang="hu-HU" dirty="0"/>
+          </a:p>
+        </p:txBody>
+      </p:sp>
+      <p:sp>
+        <p:nvSpPr>
+          <p:cNvPr id="6" name="Tartalom helye 5"/>
+          <p:cNvSpPr>
+            <a:spLocks noGrp="1"/>
+          </p:cNvSpPr>
+          <p:nvPr>
+            <p:ph sz="quarter" idx="4"/>
+          </p:nvPr>
+        </p:nvSpPr>
+        <p:spPr/>
+        <p:txBody>
+          <a:bodyPr/>
+          <a:lstStyle/>
+          <a:p>
+            <a:endParaRPr lang="hu-HU"/>
+          </a:p>
+        </p:txBody>
+      </p:sp>
+    </p:spTree>
+    <p:extLst>
+      <p:ext uri="{BB962C8B-B14F-4D97-AF65-F5344CB8AC3E}">
+        <p14:creationId xmlns:p14="http://schemas.microsoft.com/office/powerpoint/2010/main" val="412439020"/>
+      </p:ext>
+    </p:extLst>
+  </p:cSld>
+  <p:clrMapOvr>
+    <a:masterClrMapping/>
+  </p:clrMapOvr>
+</p:sld>
+</file>
+
 <file path=ppt/theme/theme1.xml><?xml version="1.0" encoding="utf-8"?>
-<a:theme xmlns:a="http://schemas.openxmlformats.org/drawingml/2006/main" name="Office-téma">
+<a:theme xmlns:a="http://schemas.openxmlformats.org/drawingml/2006/main" name="Szálak">
   <a:themeElements>
-    <a:clrScheme name="Office">
+    <a:clrScheme name="Szálak">
       <a:dk1>
         <a:sysClr val="windowText" lastClr="000000"/>
       </a:dk1>
@@ -3026,83 +7887,48 @@
         <a:sysClr val="window" lastClr="FFFFFF"/>
       </a:lt1>
       <a:dk2>
-        <a:srgbClr val="44546A"/>
+        <a:srgbClr val="2C333A"/>
       </a:dk2>
       <a:lt2>
-        <a:srgbClr val="E7E6E6"/>
+        <a:srgbClr val="D6ECED"/>
       </a:lt2>
       <a:accent1>
-        <a:srgbClr val="5B9BD5"/>
+        <a:srgbClr val="DE32DE"/>
       </a:accent1>
       <a:accent2>
-        <a:srgbClr val="ED7D31"/>
+        <a:srgbClr val="F42B8A"/>
       </a:accent2>
       <a:accent3>
-        <a:srgbClr val="A5A5A5"/>
+        <a:srgbClr val="349FE7"/>
       </a:accent3>
       <a:accent4>
-        <a:srgbClr val="FFC000"/>
+        <a:srgbClr val="565FF8"/>
       </a:accent4>
       <a:accent5>
-        <a:srgbClr val="4472C4"/>
+        <a:srgbClr val="876BE7"/>
       </a:accent5>
       <a:accent6>
-        <a:srgbClr val="70AD47"/>
+        <a:srgbClr val="F268C2"/>
       </a:accent6>
       <a:hlink>
-        <a:srgbClr val="0563C1"/>
+        <a:srgbClr val="F55CF9"/>
       </a:hlink>
       <a:folHlink>
-        <a:srgbClr val="954F72"/>
+        <a:srgbClr val="E8A0EE"/>
       </a:folHlink>
     </a:clrScheme>
-    <a:fontScheme name="Office">
+    <a:fontScheme name="Szálak">
       <a:majorFont>
-        <a:latin typeface="Calibri Light" panose="020F0302020204030204"/>
+        <a:latin typeface="Century Gothic" panose="020B0502020202020204"/>
         <a:ea typeface=""/>
         <a:cs typeface=""/>
-        <a:font script="Jpan" typeface="游ゴシック Light"/>
-        <a:font script="Hang" typeface="맑은 고딕"/>
-        <a:font script="Hans" typeface="等线 Light"/>
-        <a:font script="Hant" typeface="新細明體"/>
-        <a:font script="Arab" typeface="Times New Roman"/>
-        <a:font script="Hebr" typeface="Times New Roman"/>
-        <a:font script="Thai" typeface="Angsana New"/>
-        <a:font script="Ethi" typeface="Nyala"/>
-        <a:font script="Beng" typeface="Vrinda"/>
-        <a:font script="Gujr" typeface="Shruti"/>
-        <a:font script="Khmr" typeface="MoolBoran"/>
-        <a:font script="Knda" typeface="Tunga"/>
-        <a:font script="Guru" typeface="Raavi"/>
-        <a:font script="Cans" typeface="Euphemia"/>
-        <a:font script="Cher" typeface="Plantagenet Cherokee"/>
-        <a:font script="Yiii" typeface="Microsoft Yi Baiti"/>
-        <a:font script="Tibt" typeface="Microsoft Himalaya"/>
-        <a:font script="Thaa" typeface="MV Boli"/>
-        <a:font script="Deva" typeface="Mangal"/>
-        <a:font script="Telu" typeface="Gautami"/>
-        <a:font script="Taml" typeface="Latha"/>
-        <a:font script="Syrc" typeface="Estrangelo Edessa"/>
-        <a:font script="Orya" typeface="Kalinga"/>
-        <a:font script="Mlym" typeface="Kartika"/>
-        <a:font script="Laoo" typeface="DokChampa"/>
-        <a:font script="Sinh" typeface="Iskoola Pota"/>
-        <a:font script="Mong" typeface="Mongolian Baiti"/>
-        <a:font script="Viet" typeface="Times New Roman"/>
-        <a:font script="Uigh" typeface="Microsoft Uighur"/>
-        <a:font script="Geor" typeface="Sylfaen"/>
-      </a:majorFont>
-      <a:minorFont>
-        <a:latin typeface="Calibri" panose="020F0502020204030204"/>
-        <a:ea typeface=""/>
-        <a:cs typeface=""/>
-        <a:font script="Jpan" typeface="游ゴシック"/>
-        <a:font script="Hang" typeface="맑은 고딕"/>
-        <a:font script="Hans" typeface="等线"/>
-        <a:font script="Hant" typeface="新細明體"/>
-        <a:font script="Arab" typeface="Arial"/>
-        <a:font script="Hebr" typeface="Arial"/>
-        <a:font script="Thai" typeface="Cordia New"/>
+        <a:font script="Jpan" typeface="メイリオ"/>
+        <a:font script="Hang" typeface="HY중고딕"/>
+        <a:font script="Hans" typeface="幼圆"/>
+        <a:font script="Hant" typeface="微軟正黑體"/>
+        <a:font script="Arab" typeface="Tahoma"/>
+        <a:font script="Hebr" typeface="Gisha"/>
+        <a:font script="Thai" typeface="DilleniaUPC"/>
         <a:font script="Ethi" typeface="Nyala"/>
         <a:font script="Beng" typeface="Vrinda"/>
         <a:font script="Gujr" typeface="Shruti"/>
@@ -3123,13 +7949,121 @@
         <a:font script="Laoo" typeface="DokChampa"/>
         <a:font script="Sinh" typeface="Iskoola Pota"/>
         <a:font script="Mong" typeface="Mongolian Baiti"/>
-        <a:font script="Viet" typeface="Arial"/>
+        <a:font script="Viet" typeface="Tahoma"/>
+        <a:font script="Uigh" typeface="Microsoft Uighur"/>
+        <a:font script="Geor" typeface="Sylfaen"/>
+      </a:majorFont>
+      <a:minorFont>
+        <a:latin typeface="Century Gothic" panose="020B0502020202020204"/>
+        <a:ea typeface=""/>
+        <a:cs typeface=""/>
+        <a:font script="Jpan" typeface="メイリオ"/>
+        <a:font script="Hang" typeface="HY중고딕"/>
+        <a:font script="Hans" typeface="幼圆"/>
+        <a:font script="Hant" typeface="微軟正黑體"/>
+        <a:font script="Arab" typeface="Tahoma"/>
+        <a:font script="Hebr" typeface="Gisha"/>
+        <a:font script="Thai" typeface="DilleniaUPC"/>
+        <a:font script="Ethi" typeface="Nyala"/>
+        <a:font script="Beng" typeface="Vrinda"/>
+        <a:font script="Gujr" typeface="Shruti"/>
+        <a:font script="Khmr" typeface="DaunPenh"/>
+        <a:font script="Knda" typeface="Tunga"/>
+        <a:font script="Guru" typeface="Raavi"/>
+        <a:font script="Cans" typeface="Euphemia"/>
+        <a:font script="Cher" typeface="Plantagenet Cherokee"/>
+        <a:font script="Yiii" typeface="Microsoft Yi Baiti"/>
+        <a:font script="Tibt" typeface="Microsoft Himalaya"/>
+        <a:font script="Thaa" typeface="MV Boli"/>
+        <a:font script="Deva" typeface="Mangal"/>
+        <a:font script="Telu" typeface="Gautami"/>
+        <a:font script="Taml" typeface="Latha"/>
+        <a:font script="Syrc" typeface="Estrangelo Edessa"/>
+        <a:font script="Orya" typeface="Kalinga"/>
+        <a:font script="Mlym" typeface="Kartika"/>
+        <a:font script="Laoo" typeface="DokChampa"/>
+        <a:font script="Sinh" typeface="Iskoola Pota"/>
+        <a:font script="Mong" typeface="Mongolian Baiti"/>
+        <a:font script="Viet" typeface="Tahoma"/>
         <a:font script="Uigh" typeface="Microsoft Uighur"/>
         <a:font script="Geor" typeface="Sylfaen"/>
       </a:minorFont>
     </a:fontScheme>
-    <a:fmtScheme name="Office">
+    <a:fmtScheme name="Szálak">
       <a:fillStyleLst>
+        <a:solidFill>
+          <a:schemeClr val="phClr"/>
+        </a:solidFill>
+        <a:solidFill>
+          <a:schemeClr val="phClr">
+            <a:tint val="70000"/>
+            <a:lumMod val="104000"/>
+          </a:schemeClr>
+        </a:solidFill>
+        <a:gradFill rotWithShape="1">
+          <a:gsLst>
+            <a:gs pos="0">
+              <a:schemeClr val="phClr">
+                <a:tint val="96000"/>
+                <a:lumMod val="104000"/>
+              </a:schemeClr>
+            </a:gs>
+            <a:gs pos="100000">
+              <a:schemeClr val="phClr">
+                <a:shade val="98000"/>
+                <a:lumMod val="94000"/>
+              </a:schemeClr>
+            </a:gs>
+          </a:gsLst>
+          <a:lin ang="5400000" scaled="0"/>
+        </a:gradFill>
+      </a:fillStyleLst>
+      <a:lnStyleLst>
+        <a:ln w="9525" cap="rnd" cmpd="sng" algn="ctr">
+          <a:solidFill>
+            <a:schemeClr val="phClr">
+              <a:shade val="90000"/>
+            </a:schemeClr>
+          </a:solidFill>
+          <a:prstDash val="solid"/>
+        </a:ln>
+        <a:ln w="15875" cap="rnd" cmpd="sng" algn="ctr">
+          <a:solidFill>
+            <a:schemeClr val="phClr"/>
+          </a:solidFill>
+          <a:prstDash val="solid"/>
+        </a:ln>
+        <a:ln w="22225" cap="rnd" cmpd="sng" algn="ctr">
+          <a:solidFill>
+            <a:schemeClr val="phClr"/>
+          </a:solidFill>
+          <a:prstDash val="solid"/>
+        </a:ln>
+      </a:lnStyleLst>
+      <a:effectStyleLst>
+        <a:effectStyle>
+          <a:effectLst/>
+        </a:effectStyle>
+        <a:effectStyle>
+          <a:effectLst>
+            <a:outerShdw blurRad="38100" dist="25400" dir="5400000" rotWithShape="0">
+              <a:srgbClr val="000000">
+                <a:alpha val="25000"/>
+              </a:srgbClr>
+            </a:outerShdw>
+          </a:effectLst>
+        </a:effectStyle>
+        <a:effectStyle>
+          <a:effectLst>
+            <a:outerShdw blurRad="50800" dist="38100" dir="5400000" rotWithShape="0">
+              <a:srgbClr val="000000">
+                <a:alpha val="60000"/>
+              </a:srgbClr>
+            </a:outerShdw>
+          </a:effectLst>
+        </a:effectStyle>
+      </a:effectStyleLst>
+      <a:bgFillStyleLst>
         <a:solidFill>
           <a:schemeClr val="phClr"/>
         </a:solidFill>
@@ -3137,23 +8071,15 @@
           <a:gsLst>
             <a:gs pos="0">
               <a:schemeClr val="phClr">
-                <a:lumMod val="110000"/>
-                <a:satMod val="105000"/>
-                <a:tint val="67000"/>
-              </a:schemeClr>
-            </a:gs>
-            <a:gs pos="50000">
-              <a:schemeClr val="phClr">
-                <a:lumMod val="105000"/>
-                <a:satMod val="103000"/>
-                <a:tint val="73000"/>
+                <a:tint val="90000"/>
+                <a:lumMod val="120000"/>
               </a:schemeClr>
             </a:gs>
             <a:gs pos="100000">
               <a:schemeClr val="phClr">
-                <a:lumMod val="105000"/>
-                <a:satMod val="109000"/>
-                <a:tint val="81000"/>
+                <a:shade val="98000"/>
+                <a:satMod val="120000"/>
+                <a:lumMod val="98000"/>
               </a:schemeClr>
             </a:gs>
           </a:gsLst>
@@ -3163,105 +8089,22 @@
           <a:gsLst>
             <a:gs pos="0">
               <a:schemeClr val="phClr">
-                <a:satMod val="103000"/>
-                <a:lumMod val="102000"/>
-                <a:tint val="94000"/>
-              </a:schemeClr>
-            </a:gs>
-            <a:gs pos="50000">
-              <a:schemeClr val="phClr">
-                <a:satMod val="110000"/>
-                <a:lumMod val="100000"/>
-                <a:shade val="100000"/>
+                <a:tint val="90000"/>
+                <a:satMod val="92000"/>
+                <a:lumMod val="120000"/>
               </a:schemeClr>
             </a:gs>
             <a:gs pos="100000">
               <a:schemeClr val="phClr">
-                <a:lumMod val="99000"/>
+                <a:shade val="98000"/>
                 <a:satMod val="120000"/>
-                <a:shade val="78000"/>
+                <a:lumMod val="98000"/>
               </a:schemeClr>
             </a:gs>
           </a:gsLst>
-          <a:lin ang="5400000" scaled="0"/>
-        </a:gradFill>
-      </a:fillStyleLst>
-      <a:lnStyleLst>
-        <a:ln w="6350" cap="flat" cmpd="sng" algn="ctr">
-          <a:solidFill>
-            <a:schemeClr val="phClr"/>
-          </a:solidFill>
-          <a:prstDash val="solid"/>
-          <a:miter lim="800000"/>
-        </a:ln>
-        <a:ln w="12700" cap="flat" cmpd="sng" algn="ctr">
-          <a:solidFill>
-            <a:schemeClr val="phClr"/>
-          </a:solidFill>
-          <a:prstDash val="solid"/>
-          <a:miter lim="800000"/>
-        </a:ln>
-        <a:ln w="19050" cap="flat" cmpd="sng" algn="ctr">
-          <a:solidFill>
-            <a:schemeClr val="phClr"/>
-          </a:solidFill>
-          <a:prstDash val="solid"/>
-          <a:miter lim="800000"/>
-        </a:ln>
-      </a:lnStyleLst>
-      <a:effectStyleLst>
-        <a:effectStyle>
-          <a:effectLst/>
-        </a:effectStyle>
-        <a:effectStyle>
-          <a:effectLst/>
-        </a:effectStyle>
-        <a:effectStyle>
-          <a:effectLst>
-            <a:outerShdw blurRad="57150" dist="19050" dir="5400000" algn="ctr" rotWithShape="0">
-              <a:srgbClr val="000000">
-                <a:alpha val="63000"/>
-              </a:srgbClr>
-            </a:outerShdw>
-          </a:effectLst>
-        </a:effectStyle>
-      </a:effectStyleLst>
-      <a:bgFillStyleLst>
-        <a:solidFill>
-          <a:schemeClr val="phClr"/>
-        </a:solidFill>
-        <a:solidFill>
-          <a:schemeClr val="phClr">
-            <a:tint val="95000"/>
-            <a:satMod val="170000"/>
-          </a:schemeClr>
-        </a:solidFill>
-        <a:gradFill rotWithShape="1">
-          <a:gsLst>
-            <a:gs pos="0">
-              <a:schemeClr val="phClr">
-                <a:tint val="93000"/>
-                <a:satMod val="150000"/>
-                <a:shade val="98000"/>
-                <a:lumMod val="102000"/>
-              </a:schemeClr>
-            </a:gs>
-            <a:gs pos="50000">
-              <a:schemeClr val="phClr">
-                <a:tint val="98000"/>
-                <a:satMod val="130000"/>
-                <a:shade val="90000"/>
-                <a:lumMod val="103000"/>
-              </a:schemeClr>
-            </a:gs>
-            <a:gs pos="100000">
-              <a:schemeClr val="phClr">
-                <a:shade val="63000"/>
-                <a:satMod val="120000"/>
-              </a:schemeClr>
-            </a:gs>
-          </a:gsLst>
-          <a:lin ang="5400000" scaled="0"/>
+          <a:path path="circle">
+            <a:fillToRect l="50000" t="50000" r="100000" b="100000"/>
+          </a:path>
         </a:gradFill>
       </a:bgFillStyleLst>
     </a:fmtScheme>
@@ -3270,7 +8113,7 @@
   <a:extraClrSchemeLst/>
   <a:extLst>
     <a:ext uri="{05A4C25C-085E-4340-85A3-A5531E510DB2}">
-      <thm15:themeFamily xmlns:thm15="http://schemas.microsoft.com/office/thememl/2012/main" name="Office Theme" id="{62F939B6-93AF-4DB8-9C6B-D6C7DFDC589F}" vid="{4A3C46E8-61CC-4603-A589-7422A47A8E4A}"/>
+      <thm15:themeFamily xmlns:thm15="http://schemas.microsoft.com/office/thememl/2012/main" name="Wisp" id="{7CB32D59-10C0-40DD-B7BD-2E94284A981C}" vid="{F20B7C8E-B819-43F3-AAF9-EE50B1A83630}"/>
     </a:ext>
   </a:extLst>
 </a:theme>

--- a/ÁcsBenjámin.pptx
+++ b/ÁcsBenjámin.pptx
@@ -8,6 +8,9 @@
     <p:sldId id="256" r:id="rId2"/>
     <p:sldId id="257" r:id="rId3"/>
     <p:sldId id="258" r:id="rId4"/>
+    <p:sldId id="259" r:id="rId5"/>
+    <p:sldId id="260" r:id="rId6"/>
+    <p:sldId id="261" r:id="rId7"/>
   </p:sldIdLst>
   <p:sldSz cx="12192000" cy="6858000"/>
   <p:notesSz cx="6858000" cy="9144000"/>
@@ -106,6 +109,11 @@
       </a:defRPr>
     </a:lvl9pPr>
   </p:defaultTextStyle>
+  <p:extLst>
+    <p:ext uri="{EFAFB233-063F-42B5-8137-9DF3F51BA10A}">
+      <p15:sldGuideLst xmlns:p15="http://schemas.microsoft.com/office/powerpoint/2012/main"/>
+    </p:ext>
+  </p:extLst>
 </p:presentation>
 </file>
 
@@ -297,7 +305,7 @@
           <a:p>
             <a:fld id="{1FBE6F4E-83DD-4E98-AD18-B1A817740B5F}" type="datetimeFigureOut">
               <a:rPr lang="hu-HU" smtClean="0"/>
-              <a:t>2022.09.14.</a:t>
+              <a:t>2022.09.15.</a:t>
             </a:fld>
             <a:endParaRPr lang="hu-HU"/>
           </a:p>
@@ -635,7 +643,7 @@
           <a:p>
             <a:fld id="{1FBE6F4E-83DD-4E98-AD18-B1A817740B5F}" type="datetimeFigureOut">
               <a:rPr lang="hu-HU" smtClean="0"/>
-              <a:t>2022.09.14.</a:t>
+              <a:t>2022.09.15.</a:t>
             </a:fld>
             <a:endParaRPr lang="hu-HU"/>
           </a:p>
@@ -1036,7 +1044,7 @@
           <a:p>
             <a:fld id="{1FBE6F4E-83DD-4E98-AD18-B1A817740B5F}" type="datetimeFigureOut">
               <a:rPr lang="hu-HU" smtClean="0"/>
-              <a:t>2022.09.14.</a:t>
+              <a:t>2022.09.15.</a:t>
             </a:fld>
             <a:endParaRPr lang="hu-HU"/>
           </a:p>
@@ -1372,7 +1380,7 @@
           <a:p>
             <a:fld id="{1FBE6F4E-83DD-4E98-AD18-B1A817740B5F}" type="datetimeFigureOut">
               <a:rPr lang="hu-HU" smtClean="0"/>
-              <a:t>2022.09.14.</a:t>
+              <a:t>2022.09.15.</a:t>
             </a:fld>
             <a:endParaRPr lang="hu-HU"/>
           </a:p>
@@ -1692,7 +1700,7 @@
           <a:p>
             <a:fld id="{1FBE6F4E-83DD-4E98-AD18-B1A817740B5F}" type="datetimeFigureOut">
               <a:rPr lang="hu-HU" smtClean="0"/>
-              <a:t>2022.09.14.</a:t>
+              <a:t>2022.09.15.</a:t>
             </a:fld>
             <a:endParaRPr lang="hu-HU"/>
           </a:p>
@@ -2088,7 +2096,7 @@
           <a:p>
             <a:fld id="{1FBE6F4E-83DD-4E98-AD18-B1A817740B5F}" type="datetimeFigureOut">
               <a:rPr lang="hu-HU" smtClean="0"/>
-              <a:t>2022.09.14.</a:t>
+              <a:t>2022.09.15.</a:t>
             </a:fld>
             <a:endParaRPr lang="hu-HU"/>
           </a:p>
@@ -2345,7 +2353,7 @@
           <a:p>
             <a:fld id="{1FBE6F4E-83DD-4E98-AD18-B1A817740B5F}" type="datetimeFigureOut">
               <a:rPr lang="hu-HU" smtClean="0"/>
-              <a:t>2022.09.14.</a:t>
+              <a:t>2022.09.15.</a:t>
             </a:fld>
             <a:endParaRPr lang="hu-HU"/>
           </a:p>
@@ -2607,7 +2615,7 @@
           <a:p>
             <a:fld id="{1FBE6F4E-83DD-4E98-AD18-B1A817740B5F}" type="datetimeFigureOut">
               <a:rPr lang="hu-HU" smtClean="0"/>
-              <a:t>2022.09.14.</a:t>
+              <a:t>2022.09.15.</a:t>
             </a:fld>
             <a:endParaRPr lang="hu-HU"/>
           </a:p>
@@ -2869,7 +2877,7 @@
           <a:p>
             <a:fld id="{1FBE6F4E-83DD-4E98-AD18-B1A817740B5F}" type="datetimeFigureOut">
               <a:rPr lang="hu-HU" smtClean="0"/>
-              <a:t>2022.09.14.</a:t>
+              <a:t>2022.09.15.</a:t>
             </a:fld>
             <a:endParaRPr lang="hu-HU"/>
           </a:p>
@@ -3198,7 +3206,7 @@
           <a:p>
             <a:fld id="{1FBE6F4E-83DD-4E98-AD18-B1A817740B5F}" type="datetimeFigureOut">
               <a:rPr lang="hu-HU" smtClean="0"/>
-              <a:t>2022.09.14.</a:t>
+              <a:t>2022.09.15.</a:t>
             </a:fld>
             <a:endParaRPr lang="hu-HU"/>
           </a:p>
@@ -3521,7 +3529,7 @@
           <a:p>
             <a:fld id="{1FBE6F4E-83DD-4E98-AD18-B1A817740B5F}" type="datetimeFigureOut">
               <a:rPr lang="hu-HU" smtClean="0"/>
-              <a:t>2022.09.14.</a:t>
+              <a:t>2022.09.15.</a:t>
             </a:fld>
             <a:endParaRPr lang="hu-HU"/>
           </a:p>
@@ -3978,7 +3986,7 @@
           <a:p>
             <a:fld id="{1FBE6F4E-83DD-4E98-AD18-B1A817740B5F}" type="datetimeFigureOut">
               <a:rPr lang="hu-HU" smtClean="0"/>
-              <a:t>2022.09.14.</a:t>
+              <a:t>2022.09.15.</a:t>
             </a:fld>
             <a:endParaRPr lang="hu-HU"/>
           </a:p>
@@ -4183,7 +4191,7 @@
           <a:p>
             <a:fld id="{1FBE6F4E-83DD-4E98-AD18-B1A817740B5F}" type="datetimeFigureOut">
               <a:rPr lang="hu-HU" smtClean="0"/>
-              <a:t>2022.09.14.</a:t>
+              <a:t>2022.09.15.</a:t>
             </a:fld>
             <a:endParaRPr lang="hu-HU"/>
           </a:p>
@@ -4360,7 +4368,7 @@
           <a:p>
             <a:fld id="{1FBE6F4E-83DD-4E98-AD18-B1A817740B5F}" type="datetimeFigureOut">
               <a:rPr lang="hu-HU" smtClean="0"/>
-              <a:t>2022.09.14.</a:t>
+              <a:t>2022.09.15.</a:t>
             </a:fld>
             <a:endParaRPr lang="hu-HU"/>
           </a:p>
@@ -4693,7 +4701,7 @@
           <a:p>
             <a:fld id="{1FBE6F4E-83DD-4E98-AD18-B1A817740B5F}" type="datetimeFigureOut">
               <a:rPr lang="hu-HU" smtClean="0"/>
-              <a:t>2022.09.14.</a:t>
+              <a:t>2022.09.15.</a:t>
             </a:fld>
             <a:endParaRPr lang="hu-HU"/>
           </a:p>
@@ -5038,7 +5046,7 @@
           <a:p>
             <a:fld id="{1FBE6F4E-83DD-4E98-AD18-B1A817740B5F}" type="datetimeFigureOut">
               <a:rPr lang="hu-HU" smtClean="0"/>
-              <a:t>2022.09.14.</a:t>
+              <a:t>2022.09.15.</a:t>
             </a:fld>
             <a:endParaRPr lang="hu-HU"/>
           </a:p>
@@ -7092,7 +7100,7 @@
           <a:p>
             <a:fld id="{1FBE6F4E-83DD-4E98-AD18-B1A817740B5F}" type="datetimeFigureOut">
               <a:rPr lang="hu-HU" smtClean="0"/>
-              <a:t>2022.09.14.</a:t>
+              <a:t>2022.09.15.</a:t>
             </a:fld>
             <a:endParaRPr lang="hu-HU"/>
           </a:p>
@@ -7666,6 +7674,13 @@
   <p:clrMapOvr>
     <a:masterClrMapping/>
   </p:clrMapOvr>
+  <p:timing>
+    <p:tnLst>
+      <p:par>
+        <p:cTn id="1" dur="indefinite" restart="never" nodeType="tmRoot"/>
+      </p:par>
+    </p:tnLst>
+  </p:timing>
 </p:sld>
 </file>
 
@@ -7696,7 +7711,12 @@
             <p:ph type="title"/>
           </p:nvPr>
         </p:nvSpPr>
-        <p:spPr/>
+        <p:spPr>
+          <a:xfrm>
+            <a:off x="1869718" y="582546"/>
+            <a:ext cx="8911687" cy="1280890"/>
+          </a:xfrm>
+        </p:spPr>
         <p:txBody>
           <a:bodyPr/>
           <a:lstStyle/>
@@ -7719,7 +7739,12 @@
             <p:ph idx="1"/>
           </p:nvPr>
         </p:nvSpPr>
-        <p:spPr/>
+        <p:spPr>
+          <a:xfrm>
+            <a:off x="1869718" y="2133600"/>
+            <a:ext cx="4339889" cy="2155767"/>
+          </a:xfrm>
+        </p:spPr>
         <p:txBody>
           <a:bodyPr/>
           <a:lstStyle/>
@@ -7738,7 +7763,11 @@
           <a:p>
             <a:r>
               <a:rPr lang="hu-HU" dirty="0" smtClean="0"/>
-              <a:t>Kicsit fura</a:t>
+              <a:t>Kicsit </a:t>
+            </a:r>
+            <a:r>
+              <a:rPr lang="hu-HU" dirty="0" smtClean="0"/>
+              <a:t>fura</a:t>
             </a:r>
           </a:p>
           <a:p>
@@ -7758,6 +7787,47 @@
           </a:p>
         </p:txBody>
       </p:sp>
+      <p:pic>
+        <p:nvPicPr>
+          <p:cNvPr id="4098" name="Picture 2" descr="The best drawing apps and digital art apps for every skill level - 99designs"/>
+          <p:cNvPicPr>
+            <a:picLocks noChangeAspect="1" noChangeArrowheads="1"/>
+          </p:cNvPicPr>
+          <p:nvPr/>
+        </p:nvPicPr>
+        <p:blipFill>
+          <a:blip r:embed="rId2" cstate="print">
+            <a:extLst>
+              <a:ext uri="{28A0092B-C50C-407E-A947-70E740481C1C}">
+                <a14:useLocalDpi xmlns:a14="http://schemas.microsoft.com/office/drawing/2010/main" val="0"/>
+              </a:ext>
+            </a:extLst>
+          </a:blip>
+          <a:srcRect/>
+          <a:stretch>
+            <a:fillRect/>
+          </a:stretch>
+        </p:blipFill>
+        <p:spPr bwMode="auto">
+          <a:xfrm>
+            <a:off x="6325561" y="1863436"/>
+            <a:ext cx="4968875" cy="3726657"/>
+          </a:xfrm>
+          <a:prstGeom prst="rect">
+            <a:avLst/>
+          </a:prstGeom>
+          <a:noFill/>
+          <a:extLst>
+            <a:ext uri="{909E8E84-426E-40DD-AFC4-6F175D3DCCD1}">
+              <a14:hiddenFill xmlns:a14="http://schemas.microsoft.com/office/drawing/2010/main">
+                <a:solidFill>
+                  <a:srgbClr val="FFFFFF"/>
+                </a:solidFill>
+              </a14:hiddenFill>
+            </a:ext>
+          </a:extLst>
+        </p:spPr>
+      </p:pic>
     </p:spTree>
     <p:extLst>
       <p:ext uri="{BB962C8B-B14F-4D97-AF65-F5344CB8AC3E}">
@@ -7768,6 +7838,685 @@
   <p:clrMapOvr>
     <a:masterClrMapping/>
   </p:clrMapOvr>
+  <p:timing>
+    <p:tnLst>
+      <p:par>
+        <p:cTn id="1" dur="indefinite" restart="never" nodeType="tmRoot">
+          <p:childTnLst>
+            <p:seq concurrent="1" nextAc="seek">
+              <p:cTn id="2" dur="indefinite" nodeType="mainSeq">
+                <p:childTnLst>
+                  <p:par>
+                    <p:cTn id="3" fill="hold">
+                      <p:stCondLst>
+                        <p:cond delay="indefinite"/>
+                        <p:cond evt="onBegin" delay="0">
+                          <p:tn val="2"/>
+                        </p:cond>
+                      </p:stCondLst>
+                      <p:childTnLst>
+                        <p:par>
+                          <p:cTn id="4" fill="hold">
+                            <p:stCondLst>
+                              <p:cond delay="0"/>
+                            </p:stCondLst>
+                            <p:childTnLst>
+                              <p:par>
+                                <p:cTn id="5" presetID="2" presetClass="entr" presetSubtype="8" fill="hold" grpId="0" nodeType="withEffect">
+                                  <p:stCondLst>
+                                    <p:cond delay="0"/>
+                                  </p:stCondLst>
+                                  <p:childTnLst>
+                                    <p:set>
+                                      <p:cBhvr>
+                                        <p:cTn id="6" dur="1" fill="hold">
+                                          <p:stCondLst>
+                                            <p:cond delay="0"/>
+                                          </p:stCondLst>
+                                        </p:cTn>
+                                        <p:tgtEl>
+                                          <p:spTgt spid="2"/>
+                                        </p:tgtEl>
+                                        <p:attrNameLst>
+                                          <p:attrName>style.visibility</p:attrName>
+                                        </p:attrNameLst>
+                                      </p:cBhvr>
+                                      <p:to>
+                                        <p:strVal val="visible"/>
+                                      </p:to>
+                                    </p:set>
+                                    <p:anim calcmode="lin" valueType="num">
+                                      <p:cBhvr additive="base">
+                                        <p:cTn id="7" dur="200" fill="hold"/>
+                                        <p:tgtEl>
+                                          <p:spTgt spid="2"/>
+                                        </p:tgtEl>
+                                        <p:attrNameLst>
+                                          <p:attrName>ppt_x</p:attrName>
+                                        </p:attrNameLst>
+                                      </p:cBhvr>
+                                      <p:tavLst>
+                                        <p:tav tm="0">
+                                          <p:val>
+                                            <p:strVal val="0-#ppt_w/2"/>
+                                          </p:val>
+                                        </p:tav>
+                                        <p:tav tm="100000">
+                                          <p:val>
+                                            <p:strVal val="#ppt_x"/>
+                                          </p:val>
+                                        </p:tav>
+                                      </p:tavLst>
+                                    </p:anim>
+                                    <p:anim calcmode="lin" valueType="num">
+                                      <p:cBhvr additive="base">
+                                        <p:cTn id="8" dur="200" fill="hold"/>
+                                        <p:tgtEl>
+                                          <p:spTgt spid="2"/>
+                                        </p:tgtEl>
+                                        <p:attrNameLst>
+                                          <p:attrName>ppt_y</p:attrName>
+                                        </p:attrNameLst>
+                                      </p:cBhvr>
+                                      <p:tavLst>
+                                        <p:tav tm="0">
+                                          <p:val>
+                                            <p:strVal val="#ppt_y"/>
+                                          </p:val>
+                                        </p:tav>
+                                        <p:tav tm="100000">
+                                          <p:val>
+                                            <p:strVal val="#ppt_y"/>
+                                          </p:val>
+                                        </p:tav>
+                                      </p:tavLst>
+                                    </p:anim>
+                                  </p:childTnLst>
+                                </p:cTn>
+                              </p:par>
+                            </p:childTnLst>
+                          </p:cTn>
+                        </p:par>
+                        <p:par>
+                          <p:cTn id="9" fill="hold">
+                            <p:stCondLst>
+                              <p:cond delay="200"/>
+                            </p:stCondLst>
+                            <p:childTnLst>
+                              <p:par>
+                                <p:cTn id="10" presetID="2" presetClass="entr" presetSubtype="8" fill="hold" nodeType="afterEffect">
+                                  <p:stCondLst>
+                                    <p:cond delay="0"/>
+                                  </p:stCondLst>
+                                  <p:childTnLst>
+                                    <p:set>
+                                      <p:cBhvr>
+                                        <p:cTn id="11" dur="1" fill="hold">
+                                          <p:stCondLst>
+                                            <p:cond delay="0"/>
+                                          </p:stCondLst>
+                                        </p:cTn>
+                                        <p:tgtEl>
+                                          <p:spTgt spid="3">
+                                            <p:txEl>
+                                              <p:pRg st="0" end="0"/>
+                                            </p:txEl>
+                                          </p:spTgt>
+                                        </p:tgtEl>
+                                        <p:attrNameLst>
+                                          <p:attrName>style.visibility</p:attrName>
+                                        </p:attrNameLst>
+                                      </p:cBhvr>
+                                      <p:to>
+                                        <p:strVal val="visible"/>
+                                      </p:to>
+                                    </p:set>
+                                    <p:anim calcmode="lin" valueType="num">
+                                      <p:cBhvr additive="base">
+                                        <p:cTn id="12" dur="200" fill="hold"/>
+                                        <p:tgtEl>
+                                          <p:spTgt spid="3">
+                                            <p:txEl>
+                                              <p:pRg st="0" end="0"/>
+                                            </p:txEl>
+                                          </p:spTgt>
+                                        </p:tgtEl>
+                                        <p:attrNameLst>
+                                          <p:attrName>ppt_x</p:attrName>
+                                        </p:attrNameLst>
+                                      </p:cBhvr>
+                                      <p:tavLst>
+                                        <p:tav tm="0">
+                                          <p:val>
+                                            <p:strVal val="0-#ppt_w/2"/>
+                                          </p:val>
+                                        </p:tav>
+                                        <p:tav tm="100000">
+                                          <p:val>
+                                            <p:strVal val="#ppt_x"/>
+                                          </p:val>
+                                        </p:tav>
+                                      </p:tavLst>
+                                    </p:anim>
+                                    <p:anim calcmode="lin" valueType="num">
+                                      <p:cBhvr additive="base">
+                                        <p:cTn id="13" dur="200" fill="hold"/>
+                                        <p:tgtEl>
+                                          <p:spTgt spid="3">
+                                            <p:txEl>
+                                              <p:pRg st="0" end="0"/>
+                                            </p:txEl>
+                                          </p:spTgt>
+                                        </p:tgtEl>
+                                        <p:attrNameLst>
+                                          <p:attrName>ppt_y</p:attrName>
+                                        </p:attrNameLst>
+                                      </p:cBhvr>
+                                      <p:tavLst>
+                                        <p:tav tm="0">
+                                          <p:val>
+                                            <p:strVal val="#ppt_y"/>
+                                          </p:val>
+                                        </p:tav>
+                                        <p:tav tm="100000">
+                                          <p:val>
+                                            <p:strVal val="#ppt_y"/>
+                                          </p:val>
+                                        </p:tav>
+                                      </p:tavLst>
+                                    </p:anim>
+                                  </p:childTnLst>
+                                </p:cTn>
+                              </p:par>
+                            </p:childTnLst>
+                          </p:cTn>
+                        </p:par>
+                        <p:par>
+                          <p:cTn id="14" fill="hold">
+                            <p:stCondLst>
+                              <p:cond delay="400"/>
+                            </p:stCondLst>
+                            <p:childTnLst>
+                              <p:par>
+                                <p:cTn id="15" presetID="2" presetClass="entr" presetSubtype="8" fill="hold" nodeType="afterEffect">
+                                  <p:stCondLst>
+                                    <p:cond delay="0"/>
+                                  </p:stCondLst>
+                                  <p:childTnLst>
+                                    <p:set>
+                                      <p:cBhvr>
+                                        <p:cTn id="16" dur="1" fill="hold">
+                                          <p:stCondLst>
+                                            <p:cond delay="0"/>
+                                          </p:stCondLst>
+                                        </p:cTn>
+                                        <p:tgtEl>
+                                          <p:spTgt spid="3">
+                                            <p:txEl>
+                                              <p:pRg st="1" end="1"/>
+                                            </p:txEl>
+                                          </p:spTgt>
+                                        </p:tgtEl>
+                                        <p:attrNameLst>
+                                          <p:attrName>style.visibility</p:attrName>
+                                        </p:attrNameLst>
+                                      </p:cBhvr>
+                                      <p:to>
+                                        <p:strVal val="visible"/>
+                                      </p:to>
+                                    </p:set>
+                                    <p:anim calcmode="lin" valueType="num">
+                                      <p:cBhvr additive="base">
+                                        <p:cTn id="17" dur="100" fill="hold"/>
+                                        <p:tgtEl>
+                                          <p:spTgt spid="3">
+                                            <p:txEl>
+                                              <p:pRg st="1" end="1"/>
+                                            </p:txEl>
+                                          </p:spTgt>
+                                        </p:tgtEl>
+                                        <p:attrNameLst>
+                                          <p:attrName>ppt_x</p:attrName>
+                                        </p:attrNameLst>
+                                      </p:cBhvr>
+                                      <p:tavLst>
+                                        <p:tav tm="0">
+                                          <p:val>
+                                            <p:strVal val="0-#ppt_w/2"/>
+                                          </p:val>
+                                        </p:tav>
+                                        <p:tav tm="100000">
+                                          <p:val>
+                                            <p:strVal val="#ppt_x"/>
+                                          </p:val>
+                                        </p:tav>
+                                      </p:tavLst>
+                                    </p:anim>
+                                    <p:anim calcmode="lin" valueType="num">
+                                      <p:cBhvr additive="base">
+                                        <p:cTn id="18" dur="100" fill="hold"/>
+                                        <p:tgtEl>
+                                          <p:spTgt spid="3">
+                                            <p:txEl>
+                                              <p:pRg st="1" end="1"/>
+                                            </p:txEl>
+                                          </p:spTgt>
+                                        </p:tgtEl>
+                                        <p:attrNameLst>
+                                          <p:attrName>ppt_y</p:attrName>
+                                        </p:attrNameLst>
+                                      </p:cBhvr>
+                                      <p:tavLst>
+                                        <p:tav tm="0">
+                                          <p:val>
+                                            <p:strVal val="#ppt_y"/>
+                                          </p:val>
+                                        </p:tav>
+                                        <p:tav tm="100000">
+                                          <p:val>
+                                            <p:strVal val="#ppt_y"/>
+                                          </p:val>
+                                        </p:tav>
+                                      </p:tavLst>
+                                    </p:anim>
+                                  </p:childTnLst>
+                                </p:cTn>
+                              </p:par>
+                            </p:childTnLst>
+                          </p:cTn>
+                        </p:par>
+                        <p:par>
+                          <p:cTn id="19" fill="hold">
+                            <p:stCondLst>
+                              <p:cond delay="500"/>
+                            </p:stCondLst>
+                            <p:childTnLst>
+                              <p:par>
+                                <p:cTn id="20" presetID="2" presetClass="entr" presetSubtype="8" fill="hold" nodeType="afterEffect">
+                                  <p:stCondLst>
+                                    <p:cond delay="0"/>
+                                  </p:stCondLst>
+                                  <p:childTnLst>
+                                    <p:set>
+                                      <p:cBhvr>
+                                        <p:cTn id="21" dur="1" fill="hold">
+                                          <p:stCondLst>
+                                            <p:cond delay="0"/>
+                                          </p:stCondLst>
+                                        </p:cTn>
+                                        <p:tgtEl>
+                                          <p:spTgt spid="3">
+                                            <p:txEl>
+                                              <p:pRg st="2" end="2"/>
+                                            </p:txEl>
+                                          </p:spTgt>
+                                        </p:tgtEl>
+                                        <p:attrNameLst>
+                                          <p:attrName>style.visibility</p:attrName>
+                                        </p:attrNameLst>
+                                      </p:cBhvr>
+                                      <p:to>
+                                        <p:strVal val="visible"/>
+                                      </p:to>
+                                    </p:set>
+                                    <p:anim calcmode="lin" valueType="num">
+                                      <p:cBhvr additive="base">
+                                        <p:cTn id="22" dur="200" fill="hold"/>
+                                        <p:tgtEl>
+                                          <p:spTgt spid="3">
+                                            <p:txEl>
+                                              <p:pRg st="2" end="2"/>
+                                            </p:txEl>
+                                          </p:spTgt>
+                                        </p:tgtEl>
+                                        <p:attrNameLst>
+                                          <p:attrName>ppt_x</p:attrName>
+                                        </p:attrNameLst>
+                                      </p:cBhvr>
+                                      <p:tavLst>
+                                        <p:tav tm="0">
+                                          <p:val>
+                                            <p:strVal val="0-#ppt_w/2"/>
+                                          </p:val>
+                                        </p:tav>
+                                        <p:tav tm="100000">
+                                          <p:val>
+                                            <p:strVal val="#ppt_x"/>
+                                          </p:val>
+                                        </p:tav>
+                                      </p:tavLst>
+                                    </p:anim>
+                                    <p:anim calcmode="lin" valueType="num">
+                                      <p:cBhvr additive="base">
+                                        <p:cTn id="23" dur="200" fill="hold"/>
+                                        <p:tgtEl>
+                                          <p:spTgt spid="3">
+                                            <p:txEl>
+                                              <p:pRg st="2" end="2"/>
+                                            </p:txEl>
+                                          </p:spTgt>
+                                        </p:tgtEl>
+                                        <p:attrNameLst>
+                                          <p:attrName>ppt_y</p:attrName>
+                                        </p:attrNameLst>
+                                      </p:cBhvr>
+                                      <p:tavLst>
+                                        <p:tav tm="0">
+                                          <p:val>
+                                            <p:strVal val="#ppt_y"/>
+                                          </p:val>
+                                        </p:tav>
+                                        <p:tav tm="100000">
+                                          <p:val>
+                                            <p:strVal val="#ppt_y"/>
+                                          </p:val>
+                                        </p:tav>
+                                      </p:tavLst>
+                                    </p:anim>
+                                  </p:childTnLst>
+                                </p:cTn>
+                              </p:par>
+                            </p:childTnLst>
+                          </p:cTn>
+                        </p:par>
+                        <p:par>
+                          <p:cTn id="24" fill="hold">
+                            <p:stCondLst>
+                              <p:cond delay="700"/>
+                            </p:stCondLst>
+                            <p:childTnLst>
+                              <p:par>
+                                <p:cTn id="25" presetID="2" presetClass="entr" presetSubtype="8" fill="hold" nodeType="afterEffect">
+                                  <p:stCondLst>
+                                    <p:cond delay="0"/>
+                                  </p:stCondLst>
+                                  <p:childTnLst>
+                                    <p:set>
+                                      <p:cBhvr>
+                                        <p:cTn id="26" dur="1" fill="hold">
+                                          <p:stCondLst>
+                                            <p:cond delay="0"/>
+                                          </p:stCondLst>
+                                        </p:cTn>
+                                        <p:tgtEl>
+                                          <p:spTgt spid="3">
+                                            <p:txEl>
+                                              <p:pRg st="3" end="3"/>
+                                            </p:txEl>
+                                          </p:spTgt>
+                                        </p:tgtEl>
+                                        <p:attrNameLst>
+                                          <p:attrName>style.visibility</p:attrName>
+                                        </p:attrNameLst>
+                                      </p:cBhvr>
+                                      <p:to>
+                                        <p:strVal val="visible"/>
+                                      </p:to>
+                                    </p:set>
+                                    <p:anim calcmode="lin" valueType="num">
+                                      <p:cBhvr additive="base">
+                                        <p:cTn id="27" dur="100" fill="hold"/>
+                                        <p:tgtEl>
+                                          <p:spTgt spid="3">
+                                            <p:txEl>
+                                              <p:pRg st="3" end="3"/>
+                                            </p:txEl>
+                                          </p:spTgt>
+                                        </p:tgtEl>
+                                        <p:attrNameLst>
+                                          <p:attrName>ppt_x</p:attrName>
+                                        </p:attrNameLst>
+                                      </p:cBhvr>
+                                      <p:tavLst>
+                                        <p:tav tm="0">
+                                          <p:val>
+                                            <p:strVal val="0-#ppt_w/2"/>
+                                          </p:val>
+                                        </p:tav>
+                                        <p:tav tm="100000">
+                                          <p:val>
+                                            <p:strVal val="#ppt_x"/>
+                                          </p:val>
+                                        </p:tav>
+                                      </p:tavLst>
+                                    </p:anim>
+                                    <p:anim calcmode="lin" valueType="num">
+                                      <p:cBhvr additive="base">
+                                        <p:cTn id="28" dur="100" fill="hold"/>
+                                        <p:tgtEl>
+                                          <p:spTgt spid="3">
+                                            <p:txEl>
+                                              <p:pRg st="3" end="3"/>
+                                            </p:txEl>
+                                          </p:spTgt>
+                                        </p:tgtEl>
+                                        <p:attrNameLst>
+                                          <p:attrName>ppt_y</p:attrName>
+                                        </p:attrNameLst>
+                                      </p:cBhvr>
+                                      <p:tavLst>
+                                        <p:tav tm="0">
+                                          <p:val>
+                                            <p:strVal val="#ppt_y"/>
+                                          </p:val>
+                                        </p:tav>
+                                        <p:tav tm="100000">
+                                          <p:val>
+                                            <p:strVal val="#ppt_y"/>
+                                          </p:val>
+                                        </p:tav>
+                                      </p:tavLst>
+                                    </p:anim>
+                                  </p:childTnLst>
+                                </p:cTn>
+                              </p:par>
+                            </p:childTnLst>
+                          </p:cTn>
+                        </p:par>
+                        <p:par>
+                          <p:cTn id="29" fill="hold">
+                            <p:stCondLst>
+                              <p:cond delay="800"/>
+                            </p:stCondLst>
+                            <p:childTnLst>
+                              <p:par>
+                                <p:cTn id="30" presetID="2" presetClass="entr" presetSubtype="8" fill="hold" nodeType="afterEffect">
+                                  <p:stCondLst>
+                                    <p:cond delay="0"/>
+                                  </p:stCondLst>
+                                  <p:childTnLst>
+                                    <p:set>
+                                      <p:cBhvr>
+                                        <p:cTn id="31" dur="1" fill="hold">
+                                          <p:stCondLst>
+                                            <p:cond delay="0"/>
+                                          </p:stCondLst>
+                                        </p:cTn>
+                                        <p:tgtEl>
+                                          <p:spTgt spid="3">
+                                            <p:txEl>
+                                              <p:pRg st="4" end="4"/>
+                                            </p:txEl>
+                                          </p:spTgt>
+                                        </p:tgtEl>
+                                        <p:attrNameLst>
+                                          <p:attrName>style.visibility</p:attrName>
+                                        </p:attrNameLst>
+                                      </p:cBhvr>
+                                      <p:to>
+                                        <p:strVal val="visible"/>
+                                      </p:to>
+                                    </p:set>
+                                    <p:anim calcmode="lin" valueType="num">
+                                      <p:cBhvr additive="base">
+                                        <p:cTn id="32" dur="200" fill="hold"/>
+                                        <p:tgtEl>
+                                          <p:spTgt spid="3">
+                                            <p:txEl>
+                                              <p:pRg st="4" end="4"/>
+                                            </p:txEl>
+                                          </p:spTgt>
+                                        </p:tgtEl>
+                                        <p:attrNameLst>
+                                          <p:attrName>ppt_x</p:attrName>
+                                        </p:attrNameLst>
+                                      </p:cBhvr>
+                                      <p:tavLst>
+                                        <p:tav tm="0">
+                                          <p:val>
+                                            <p:strVal val="0-#ppt_w/2"/>
+                                          </p:val>
+                                        </p:tav>
+                                        <p:tav tm="100000">
+                                          <p:val>
+                                            <p:strVal val="#ppt_x"/>
+                                          </p:val>
+                                        </p:tav>
+                                      </p:tavLst>
+                                    </p:anim>
+                                    <p:anim calcmode="lin" valueType="num">
+                                      <p:cBhvr additive="base">
+                                        <p:cTn id="33" dur="200" fill="hold"/>
+                                        <p:tgtEl>
+                                          <p:spTgt spid="3">
+                                            <p:txEl>
+                                              <p:pRg st="4" end="4"/>
+                                            </p:txEl>
+                                          </p:spTgt>
+                                        </p:tgtEl>
+                                        <p:attrNameLst>
+                                          <p:attrName>ppt_y</p:attrName>
+                                        </p:attrNameLst>
+                                      </p:cBhvr>
+                                      <p:tavLst>
+                                        <p:tav tm="0">
+                                          <p:val>
+                                            <p:strVal val="#ppt_y"/>
+                                          </p:val>
+                                        </p:tav>
+                                        <p:tav tm="100000">
+                                          <p:val>
+                                            <p:strVal val="#ppt_y"/>
+                                          </p:val>
+                                        </p:tav>
+                                      </p:tavLst>
+                                    </p:anim>
+                                  </p:childTnLst>
+                                </p:cTn>
+                              </p:par>
+                            </p:childTnLst>
+                          </p:cTn>
+                        </p:par>
+                        <p:par>
+                          <p:cTn id="34" fill="hold">
+                            <p:stCondLst>
+                              <p:cond delay="1000"/>
+                            </p:stCondLst>
+                            <p:childTnLst>
+                              <p:par>
+                                <p:cTn id="35" presetID="2" presetClass="entr" presetSubtype="4" fill="hold" nodeType="afterEffect">
+                                  <p:stCondLst>
+                                    <p:cond delay="0"/>
+                                  </p:stCondLst>
+                                  <p:childTnLst>
+                                    <p:set>
+                                      <p:cBhvr>
+                                        <p:cTn id="36" dur="1" fill="hold">
+                                          <p:stCondLst>
+                                            <p:cond delay="0"/>
+                                          </p:stCondLst>
+                                        </p:cTn>
+                                        <p:tgtEl>
+                                          <p:spTgt spid="4098"/>
+                                        </p:tgtEl>
+                                        <p:attrNameLst>
+                                          <p:attrName>style.visibility</p:attrName>
+                                        </p:attrNameLst>
+                                      </p:cBhvr>
+                                      <p:to>
+                                        <p:strVal val="visible"/>
+                                      </p:to>
+                                    </p:set>
+                                    <p:anim calcmode="lin" valueType="num">
+                                      <p:cBhvr additive="base">
+                                        <p:cTn id="37" dur="500" fill="hold"/>
+                                        <p:tgtEl>
+                                          <p:spTgt spid="4098"/>
+                                        </p:tgtEl>
+                                        <p:attrNameLst>
+                                          <p:attrName>ppt_x</p:attrName>
+                                        </p:attrNameLst>
+                                      </p:cBhvr>
+                                      <p:tavLst>
+                                        <p:tav tm="0">
+                                          <p:val>
+                                            <p:strVal val="#ppt_x"/>
+                                          </p:val>
+                                        </p:tav>
+                                        <p:tav tm="100000">
+                                          <p:val>
+                                            <p:strVal val="#ppt_x"/>
+                                          </p:val>
+                                        </p:tav>
+                                      </p:tavLst>
+                                    </p:anim>
+                                    <p:anim calcmode="lin" valueType="num">
+                                      <p:cBhvr additive="base">
+                                        <p:cTn id="38" dur="500" fill="hold"/>
+                                        <p:tgtEl>
+                                          <p:spTgt spid="4098"/>
+                                        </p:tgtEl>
+                                        <p:attrNameLst>
+                                          <p:attrName>ppt_y</p:attrName>
+                                        </p:attrNameLst>
+                                      </p:cBhvr>
+                                      <p:tavLst>
+                                        <p:tav tm="0">
+                                          <p:val>
+                                            <p:strVal val="1+#ppt_h/2"/>
+                                          </p:val>
+                                        </p:tav>
+                                        <p:tav tm="100000">
+                                          <p:val>
+                                            <p:strVal val="#ppt_y"/>
+                                          </p:val>
+                                        </p:tav>
+                                      </p:tavLst>
+                                    </p:anim>
+                                  </p:childTnLst>
+                                </p:cTn>
+                              </p:par>
+                            </p:childTnLst>
+                          </p:cTn>
+                        </p:par>
+                      </p:childTnLst>
+                    </p:cTn>
+                  </p:par>
+                </p:childTnLst>
+              </p:cTn>
+              <p:prevCondLst>
+                <p:cond evt="onPrev" delay="0">
+                  <p:tgtEl>
+                    <p:sldTgt/>
+                  </p:tgtEl>
+                </p:cond>
+              </p:prevCondLst>
+              <p:nextCondLst>
+                <p:cond evt="onNext" delay="0">
+                  <p:tgtEl>
+                    <p:sldTgt/>
+                  </p:tgtEl>
+                </p:cond>
+              </p:nextCondLst>
+            </p:seq>
+          </p:childTnLst>
+        </p:cTn>
+      </p:par>
+    </p:tnLst>
+    <p:bldLst>
+      <p:bldP spid="2" grpId="0"/>
+    </p:bldLst>
+  </p:timing>
 </p:sld>
 </file>
 
@@ -7800,7 +8549,7 @@
         </p:nvSpPr>
         <p:spPr>
           <a:xfrm>
-            <a:off x="2377771" y="538049"/>
+            <a:off x="1887914" y="612864"/>
             <a:ext cx="8911687" cy="924991"/>
           </a:xfrm>
         </p:spPr>
@@ -7810,11 +8559,7 @@
           <a:p>
             <a:r>
               <a:rPr lang="hu-HU" dirty="0" smtClean="0"/>
-              <a:t>Digitális </a:t>
-            </a:r>
-            <a:r>
-              <a:rPr lang="hu-HU" smtClean="0"/>
-              <a:t>rajzhoz való kellékek</a:t>
+              <a:t>Digitális rajzhoz való kellékek</a:t>
             </a:r>
             <a:endParaRPr lang="hu-HU" dirty="0"/>
           </a:p>
@@ -7832,7 +8577,7 @@
         </p:nvSpPr>
         <p:spPr>
           <a:xfrm>
-            <a:off x="2377771" y="1795929"/>
+            <a:off x="1887914" y="1795929"/>
             <a:ext cx="4342893" cy="4701689"/>
           </a:xfrm>
         </p:spPr>
@@ -7840,13 +8585,44 @@
           <a:bodyPr/>
           <a:lstStyle/>
           <a:p>
+            <a:r>
+              <a:rPr lang="hu-HU" dirty="0" smtClean="0"/>
+              <a:t>Digitális tábla</a:t>
+            </a:r>
+          </a:p>
+          <a:p>
             <a:endParaRPr lang="hu-HU" dirty="0"/>
           </a:p>
-        </p:txBody>
-      </p:sp>
-      <p:sp>
-        <p:nvSpPr>
-          <p:cNvPr id="6" name="Tartalom helye 5"/>
+          <a:p>
+            <a:r>
+              <a:rPr lang="hu-HU" dirty="0" smtClean="0"/>
+              <a:t>Digitális kijelző</a:t>
+            </a:r>
+          </a:p>
+          <a:p>
+            <a:endParaRPr lang="hu-HU" dirty="0"/>
+          </a:p>
+          <a:p>
+            <a:r>
+              <a:rPr lang="hu-HU" dirty="0" smtClean="0"/>
+              <a:t>Táblagép</a:t>
+            </a:r>
+          </a:p>
+          <a:p>
+            <a:endParaRPr lang="hu-HU" dirty="0"/>
+          </a:p>
+          <a:p>
+            <a:r>
+              <a:rPr lang="hu-HU" dirty="0" smtClean="0"/>
+              <a:t>Számítógép monitor</a:t>
+            </a:r>
+            <a:endParaRPr lang="hu-HU" dirty="0"/>
+          </a:p>
+        </p:txBody>
+      </p:sp>
+      <p:sp>
+        <p:nvSpPr>
+          <p:cNvPr id="9" name="Tartalom helye 8"/>
           <p:cNvSpPr>
             <a:spLocks noGrp="1"/>
           </p:cNvSpPr>
@@ -7873,6 +8649,1351 @@
   <p:clrMapOvr>
     <a:masterClrMapping/>
   </p:clrMapOvr>
+  <p:timing>
+    <p:tnLst>
+      <p:par>
+        <p:cTn id="1" dur="indefinite" restart="never" nodeType="tmRoot"/>
+      </p:par>
+    </p:tnLst>
+  </p:timing>
+</p:sld>
+</file>
+
+<file path=ppt/slides/slide4.xml><?xml version="1.0" encoding="utf-8"?>
+<p:sld xmlns:a="http://schemas.openxmlformats.org/drawingml/2006/main" xmlns:r="http://schemas.openxmlformats.org/officeDocument/2006/relationships" xmlns:p="http://schemas.openxmlformats.org/presentationml/2006/main">
+  <p:cSld>
+    <p:spTree>
+      <p:nvGrpSpPr>
+        <p:cNvPr id="1" name=""/>
+        <p:cNvGrpSpPr/>
+        <p:nvPr/>
+      </p:nvGrpSpPr>
+      <p:grpSpPr>
+        <a:xfrm>
+          <a:off x="0" y="0"/>
+          <a:ext cx="0" cy="0"/>
+          <a:chOff x="0" y="0"/>
+          <a:chExt cx="0" cy="0"/>
+        </a:xfrm>
+      </p:grpSpPr>
+      <p:sp>
+        <p:nvSpPr>
+          <p:cNvPr id="2" name="Cím 1"/>
+          <p:cNvSpPr>
+            <a:spLocks noGrp="1"/>
+          </p:cNvSpPr>
+          <p:nvPr>
+            <p:ph type="title"/>
+          </p:nvPr>
+        </p:nvSpPr>
+        <p:spPr>
+          <a:xfrm>
+            <a:off x="1778277" y="599172"/>
+            <a:ext cx="8911687" cy="1280890"/>
+          </a:xfrm>
+        </p:spPr>
+        <p:txBody>
+          <a:bodyPr/>
+          <a:lstStyle/>
+          <a:p>
+            <a:r>
+              <a:rPr lang="hu-HU" dirty="0" smtClean="0"/>
+              <a:t>Alkalmazások</a:t>
+            </a:r>
+            <a:endParaRPr lang="hu-HU" dirty="0"/>
+          </a:p>
+        </p:txBody>
+      </p:sp>
+      <p:sp>
+        <p:nvSpPr>
+          <p:cNvPr id="3" name="Tartalom helye 2"/>
+          <p:cNvSpPr>
+            <a:spLocks noGrp="1"/>
+          </p:cNvSpPr>
+          <p:nvPr>
+            <p:ph sz="half" idx="1"/>
+          </p:nvPr>
+        </p:nvSpPr>
+        <p:spPr>
+          <a:xfrm>
+            <a:off x="1778277" y="2033847"/>
+            <a:ext cx="4313864" cy="3967942"/>
+          </a:xfrm>
+        </p:spPr>
+        <p:txBody>
+          <a:bodyPr/>
+          <a:lstStyle/>
+          <a:p>
+            <a:r>
+              <a:rPr lang="hu-HU" dirty="0" smtClean="0"/>
+              <a:t>Animálás</a:t>
+            </a:r>
+          </a:p>
+          <a:p>
+            <a:r>
+              <a:rPr lang="hu-HU" dirty="0"/>
+              <a:t>Illusztráció</a:t>
+            </a:r>
+          </a:p>
+          <a:p>
+            <a:r>
+              <a:rPr lang="hu-HU" dirty="0" smtClean="0"/>
+              <a:t>Pixelart</a:t>
+            </a:r>
+          </a:p>
+          <a:p>
+            <a:r>
+              <a:rPr lang="hu-HU" dirty="0" smtClean="0"/>
+              <a:t>3D</a:t>
+            </a:r>
+          </a:p>
+          <a:p>
+            <a:r>
+              <a:rPr lang="hu-HU" dirty="0" smtClean="0"/>
+              <a:t>(majd egy </a:t>
+            </a:r>
+            <a:r>
+              <a:rPr lang="hu-HU" dirty="0" err="1" smtClean="0"/>
+              <a:t>screenshotot</a:t>
+            </a:r>
+            <a:r>
+              <a:rPr lang="hu-HU" dirty="0" smtClean="0"/>
+              <a:t> is)</a:t>
+            </a:r>
+            <a:endParaRPr lang="hu-HU" dirty="0"/>
+          </a:p>
+          <a:p>
+            <a:endParaRPr lang="hu-HU" dirty="0"/>
+          </a:p>
+        </p:txBody>
+      </p:sp>
+      <p:pic>
+        <p:nvPicPr>
+          <p:cNvPr id="2050" name="Picture 2" descr="Opentoonz 1 | Free SVG"/>
+          <p:cNvPicPr>
+            <a:picLocks noGrp="1" noChangeAspect="1" noChangeArrowheads="1"/>
+          </p:cNvPicPr>
+          <p:nvPr>
+            <p:ph sz="half" idx="2"/>
+          </p:nvPr>
+        </p:nvPicPr>
+        <p:blipFill>
+          <a:blip r:embed="rId2" cstate="print">
+            <a:extLst>
+              <a:ext uri="{28A0092B-C50C-407E-A947-70E740481C1C}">
+                <a14:useLocalDpi xmlns:a14="http://schemas.microsoft.com/office/drawing/2010/main" val="0"/>
+              </a:ext>
+            </a:extLst>
+          </a:blip>
+          <a:srcRect/>
+          <a:stretch>
+            <a:fillRect/>
+          </a:stretch>
+        </p:blipFill>
+        <p:spPr bwMode="auto">
+          <a:xfrm>
+            <a:off x="6092141" y="1485946"/>
+            <a:ext cx="2164619" cy="2164619"/>
+          </a:xfrm>
+          <a:prstGeom prst="rect">
+            <a:avLst/>
+          </a:prstGeom>
+          <a:noFill/>
+          <a:extLst>
+            <a:ext uri="{909E8E84-426E-40DD-AFC4-6F175D3DCCD1}">
+              <a14:hiddenFill xmlns:a14="http://schemas.microsoft.com/office/drawing/2010/main">
+                <a:solidFill>
+                  <a:srgbClr val="FFFFFF"/>
+                </a:solidFill>
+              </a14:hiddenFill>
+            </a:ext>
+          </a:extLst>
+        </p:spPr>
+      </p:pic>
+      <p:pic>
+        <p:nvPicPr>
+          <p:cNvPr id="2052" name="Picture 4" descr="File:Adobe Animate CC icon (2020).svg - Wikimedia Commons"/>
+          <p:cNvPicPr>
+            <a:picLocks noChangeAspect="1" noChangeArrowheads="1"/>
+          </p:cNvPicPr>
+          <p:nvPr/>
+        </p:nvPicPr>
+        <p:blipFill>
+          <a:blip r:embed="rId3" cstate="print">
+            <a:extLst>
+              <a:ext uri="{28A0092B-C50C-407E-A947-70E740481C1C}">
+                <a14:useLocalDpi xmlns:a14="http://schemas.microsoft.com/office/drawing/2010/main" val="0"/>
+              </a:ext>
+            </a:extLst>
+          </a:blip>
+          <a:srcRect/>
+          <a:stretch>
+            <a:fillRect/>
+          </a:stretch>
+        </p:blipFill>
+        <p:spPr bwMode="auto">
+          <a:xfrm>
+            <a:off x="5970752" y="4017818"/>
+            <a:ext cx="2407396" cy="2351224"/>
+          </a:xfrm>
+          <a:prstGeom prst="rect">
+            <a:avLst/>
+          </a:prstGeom>
+          <a:noFill/>
+          <a:extLst>
+            <a:ext uri="{909E8E84-426E-40DD-AFC4-6F175D3DCCD1}">
+              <a14:hiddenFill xmlns:a14="http://schemas.microsoft.com/office/drawing/2010/main">
+                <a:solidFill>
+                  <a:srgbClr val="FFFFFF"/>
+                </a:solidFill>
+              </a14:hiddenFill>
+            </a:ext>
+          </a:extLst>
+        </p:spPr>
+      </p:pic>
+      <p:pic>
+        <p:nvPicPr>
+          <p:cNvPr id="2054" name="Picture 6" descr="CSP Clip Studio Icon – JAY VERSLUIS"/>
+          <p:cNvPicPr>
+            <a:picLocks noChangeAspect="1" noChangeArrowheads="1"/>
+          </p:cNvPicPr>
+          <p:nvPr/>
+        </p:nvPicPr>
+        <p:blipFill>
+          <a:blip r:embed="rId4">
+            <a:extLst>
+              <a:ext uri="{28A0092B-C50C-407E-A947-70E740481C1C}">
+                <a14:useLocalDpi xmlns:a14="http://schemas.microsoft.com/office/drawing/2010/main" val="0"/>
+              </a:ext>
+            </a:extLst>
+          </a:blip>
+          <a:srcRect/>
+          <a:stretch>
+            <a:fillRect/>
+          </a:stretch>
+        </p:blipFill>
+        <p:spPr bwMode="auto">
+          <a:xfrm>
+            <a:off x="5639654" y="3650565"/>
+            <a:ext cx="3069593" cy="2887016"/>
+          </a:xfrm>
+          <a:prstGeom prst="rect">
+            <a:avLst/>
+          </a:prstGeom>
+          <a:noFill/>
+          <a:extLst>
+            <a:ext uri="{909E8E84-426E-40DD-AFC4-6F175D3DCCD1}">
+              <a14:hiddenFill xmlns:a14="http://schemas.microsoft.com/office/drawing/2010/main">
+                <a:solidFill>
+                  <a:srgbClr val="FFFFFF"/>
+                </a:solidFill>
+              </a14:hiddenFill>
+            </a:ext>
+          </a:extLst>
+        </p:spPr>
+      </p:pic>
+      <p:pic>
+        <p:nvPicPr>
+          <p:cNvPr id="2056" name="Picture 8" descr="Krita – Apps on Google Play"/>
+          <p:cNvPicPr>
+            <a:picLocks noChangeAspect="1" noChangeArrowheads="1"/>
+          </p:cNvPicPr>
+          <p:nvPr/>
+        </p:nvPicPr>
+        <p:blipFill>
+          <a:blip r:embed="rId5">
+            <a:extLst>
+              <a:ext uri="{28A0092B-C50C-407E-A947-70E740481C1C}">
+                <a14:useLocalDpi xmlns:a14="http://schemas.microsoft.com/office/drawing/2010/main" val="0"/>
+              </a:ext>
+            </a:extLst>
+          </a:blip>
+          <a:srcRect/>
+          <a:stretch>
+            <a:fillRect/>
+          </a:stretch>
+        </p:blipFill>
+        <p:spPr bwMode="auto">
+          <a:xfrm>
+            <a:off x="4316951" y="1080999"/>
+            <a:ext cx="5715000" cy="2857500"/>
+          </a:xfrm>
+          <a:prstGeom prst="rect">
+            <a:avLst/>
+          </a:prstGeom>
+          <a:noFill/>
+          <a:extLst>
+            <a:ext uri="{909E8E84-426E-40DD-AFC4-6F175D3DCCD1}">
+              <a14:hiddenFill xmlns:a14="http://schemas.microsoft.com/office/drawing/2010/main">
+                <a:solidFill>
+                  <a:srgbClr val="FFFFFF"/>
+                </a:solidFill>
+              </a14:hiddenFill>
+            </a:ext>
+          </a:extLst>
+        </p:spPr>
+      </p:pic>
+      <p:pic>
+        <p:nvPicPr>
+          <p:cNvPr id="2060" name="Picture 12" descr="Piskel · GitHub"/>
+          <p:cNvPicPr>
+            <a:picLocks noChangeAspect="1" noChangeArrowheads="1"/>
+          </p:cNvPicPr>
+          <p:nvPr/>
+        </p:nvPicPr>
+        <p:blipFill>
+          <a:blip r:embed="rId6">
+            <a:extLst>
+              <a:ext uri="{28A0092B-C50C-407E-A947-70E740481C1C}">
+                <a14:useLocalDpi xmlns:a14="http://schemas.microsoft.com/office/drawing/2010/main" val="0"/>
+              </a:ext>
+            </a:extLst>
+          </a:blip>
+          <a:srcRect/>
+          <a:stretch>
+            <a:fillRect/>
+          </a:stretch>
+        </p:blipFill>
+        <p:spPr bwMode="auto">
+          <a:xfrm>
+            <a:off x="6068069" y="1421347"/>
+            <a:ext cx="2212763" cy="2212763"/>
+          </a:xfrm>
+          <a:prstGeom prst="rect">
+            <a:avLst/>
+          </a:prstGeom>
+          <a:noFill/>
+          <a:extLst>
+            <a:ext uri="{909E8E84-426E-40DD-AFC4-6F175D3DCCD1}">
+              <a14:hiddenFill xmlns:a14="http://schemas.microsoft.com/office/drawing/2010/main">
+                <a:solidFill>
+                  <a:srgbClr val="FFFFFF"/>
+                </a:solidFill>
+              </a14:hiddenFill>
+            </a:ext>
+          </a:extLst>
+        </p:spPr>
+      </p:pic>
+      <p:pic>
+        <p:nvPicPr>
+          <p:cNvPr id="2062" name="Picture 14" descr="Download] Aseprite macOS Big Sur Icon - Features - Aseprite Community"/>
+          <p:cNvPicPr>
+            <a:picLocks noChangeAspect="1" noChangeArrowheads="1"/>
+          </p:cNvPicPr>
+          <p:nvPr/>
+        </p:nvPicPr>
+        <p:blipFill>
+          <a:blip r:embed="rId7" cstate="print">
+            <a:extLst>
+              <a:ext uri="{28A0092B-C50C-407E-A947-70E740481C1C}">
+                <a14:useLocalDpi xmlns:a14="http://schemas.microsoft.com/office/drawing/2010/main" val="0"/>
+              </a:ext>
+            </a:extLst>
+          </a:blip>
+          <a:srcRect/>
+          <a:stretch>
+            <a:fillRect/>
+          </a:stretch>
+        </p:blipFill>
+        <p:spPr bwMode="auto">
+          <a:xfrm>
+            <a:off x="5686945" y="3604925"/>
+            <a:ext cx="2978295" cy="2978295"/>
+          </a:xfrm>
+          <a:prstGeom prst="rect">
+            <a:avLst/>
+          </a:prstGeom>
+          <a:noFill/>
+          <a:extLst>
+            <a:ext uri="{909E8E84-426E-40DD-AFC4-6F175D3DCCD1}">
+              <a14:hiddenFill xmlns:a14="http://schemas.microsoft.com/office/drawing/2010/main">
+                <a:solidFill>
+                  <a:srgbClr val="FFFFFF"/>
+                </a:solidFill>
+              </a14:hiddenFill>
+            </a:ext>
+          </a:extLst>
+        </p:spPr>
+      </p:pic>
+    </p:spTree>
+    <p:extLst>
+      <p:ext uri="{BB962C8B-B14F-4D97-AF65-F5344CB8AC3E}">
+        <p14:creationId xmlns:p14="http://schemas.microsoft.com/office/powerpoint/2010/main" val="1377912070"/>
+      </p:ext>
+    </p:extLst>
+  </p:cSld>
+  <p:clrMapOvr>
+    <a:masterClrMapping/>
+  </p:clrMapOvr>
+  <p:timing>
+    <p:tnLst>
+      <p:par>
+        <p:cTn id="1" dur="indefinite" restart="never" nodeType="tmRoot">
+          <p:childTnLst>
+            <p:seq concurrent="1" nextAc="seek">
+              <p:cTn id="2" dur="indefinite" nodeType="mainSeq">
+                <p:childTnLst>
+                  <p:par>
+                    <p:cTn id="3" fill="hold">
+                      <p:stCondLst>
+                        <p:cond delay="indefinite"/>
+                        <p:cond evt="onBegin" delay="0">
+                          <p:tn val="2"/>
+                        </p:cond>
+                      </p:stCondLst>
+                      <p:childTnLst>
+                        <p:par>
+                          <p:cTn id="4" fill="hold">
+                            <p:stCondLst>
+                              <p:cond delay="0"/>
+                            </p:stCondLst>
+                            <p:childTnLst>
+                              <p:par>
+                                <p:cTn id="5" presetID="21" presetClass="entr" presetSubtype="1" fill="hold" grpId="0" nodeType="afterEffect">
+                                  <p:stCondLst>
+                                    <p:cond delay="0"/>
+                                  </p:stCondLst>
+                                  <p:childTnLst>
+                                    <p:set>
+                                      <p:cBhvr>
+                                        <p:cTn id="6" dur="1" fill="hold">
+                                          <p:stCondLst>
+                                            <p:cond delay="0"/>
+                                          </p:stCondLst>
+                                        </p:cTn>
+                                        <p:tgtEl>
+                                          <p:spTgt spid="2"/>
+                                        </p:tgtEl>
+                                        <p:attrNameLst>
+                                          <p:attrName>style.visibility</p:attrName>
+                                        </p:attrNameLst>
+                                      </p:cBhvr>
+                                      <p:to>
+                                        <p:strVal val="visible"/>
+                                      </p:to>
+                                    </p:set>
+                                    <p:animEffect transition="in" filter="wheel(1)">
+                                      <p:cBhvr>
+                                        <p:cTn id="7" dur="500"/>
+                                        <p:tgtEl>
+                                          <p:spTgt spid="2"/>
+                                        </p:tgtEl>
+                                      </p:cBhvr>
+                                    </p:animEffect>
+                                  </p:childTnLst>
+                                </p:cTn>
+                              </p:par>
+                            </p:childTnLst>
+                          </p:cTn>
+                        </p:par>
+                      </p:childTnLst>
+                    </p:cTn>
+                  </p:par>
+                  <p:par>
+                    <p:cTn id="8" fill="hold">
+                      <p:stCondLst>
+                        <p:cond delay="indefinite"/>
+                      </p:stCondLst>
+                      <p:childTnLst>
+                        <p:par>
+                          <p:cTn id="9" fill="hold">
+                            <p:stCondLst>
+                              <p:cond delay="0"/>
+                            </p:stCondLst>
+                            <p:childTnLst>
+                              <p:par>
+                                <p:cTn id="10" presetID="21" presetClass="entr" presetSubtype="4" fill="hold" nodeType="clickEffect">
+                                  <p:stCondLst>
+                                    <p:cond delay="0"/>
+                                  </p:stCondLst>
+                                  <p:childTnLst>
+                                    <p:set>
+                                      <p:cBhvr>
+                                        <p:cTn id="11" dur="1" fill="hold">
+                                          <p:stCondLst>
+                                            <p:cond delay="0"/>
+                                          </p:stCondLst>
+                                        </p:cTn>
+                                        <p:tgtEl>
+                                          <p:spTgt spid="3">
+                                            <p:txEl>
+                                              <p:pRg st="0" end="0"/>
+                                            </p:txEl>
+                                          </p:spTgt>
+                                        </p:tgtEl>
+                                        <p:attrNameLst>
+                                          <p:attrName>style.visibility</p:attrName>
+                                        </p:attrNameLst>
+                                      </p:cBhvr>
+                                      <p:to>
+                                        <p:strVal val="visible"/>
+                                      </p:to>
+                                    </p:set>
+                                    <p:animEffect transition="in" filter="wheel(4)">
+                                      <p:cBhvr>
+                                        <p:cTn id="12" dur="400"/>
+                                        <p:tgtEl>
+                                          <p:spTgt spid="3">
+                                            <p:txEl>
+                                              <p:pRg st="0" end="0"/>
+                                            </p:txEl>
+                                          </p:spTgt>
+                                        </p:tgtEl>
+                                      </p:cBhvr>
+                                    </p:animEffect>
+                                  </p:childTnLst>
+                                </p:cTn>
+                              </p:par>
+                            </p:childTnLst>
+                          </p:cTn>
+                        </p:par>
+                        <p:par>
+                          <p:cTn id="13" fill="hold">
+                            <p:stCondLst>
+                              <p:cond delay="400"/>
+                            </p:stCondLst>
+                            <p:childTnLst>
+                              <p:par>
+                                <p:cTn id="14" presetID="6" presetClass="entr" presetSubtype="32" fill="hold" nodeType="afterEffect">
+                                  <p:stCondLst>
+                                    <p:cond delay="0"/>
+                                  </p:stCondLst>
+                                  <p:childTnLst>
+                                    <p:set>
+                                      <p:cBhvr>
+                                        <p:cTn id="15" dur="1" fill="hold">
+                                          <p:stCondLst>
+                                            <p:cond delay="0"/>
+                                          </p:stCondLst>
+                                        </p:cTn>
+                                        <p:tgtEl>
+                                          <p:spTgt spid="2050"/>
+                                        </p:tgtEl>
+                                        <p:attrNameLst>
+                                          <p:attrName>style.visibility</p:attrName>
+                                        </p:attrNameLst>
+                                      </p:cBhvr>
+                                      <p:to>
+                                        <p:strVal val="visible"/>
+                                      </p:to>
+                                    </p:set>
+                                    <p:animEffect transition="in" filter="circle(out)">
+                                      <p:cBhvr>
+                                        <p:cTn id="16" dur="400"/>
+                                        <p:tgtEl>
+                                          <p:spTgt spid="2050"/>
+                                        </p:tgtEl>
+                                      </p:cBhvr>
+                                    </p:animEffect>
+                                  </p:childTnLst>
+                                </p:cTn>
+                              </p:par>
+                            </p:childTnLst>
+                          </p:cTn>
+                        </p:par>
+                        <p:par>
+                          <p:cTn id="17" fill="hold">
+                            <p:stCondLst>
+                              <p:cond delay="800"/>
+                            </p:stCondLst>
+                            <p:childTnLst>
+                              <p:par>
+                                <p:cTn id="18" presetID="6" presetClass="entr" presetSubtype="16" fill="hold" nodeType="afterEffect">
+                                  <p:stCondLst>
+                                    <p:cond delay="0"/>
+                                  </p:stCondLst>
+                                  <p:childTnLst>
+                                    <p:set>
+                                      <p:cBhvr>
+                                        <p:cTn id="19" dur="1" fill="hold">
+                                          <p:stCondLst>
+                                            <p:cond delay="0"/>
+                                          </p:stCondLst>
+                                        </p:cTn>
+                                        <p:tgtEl>
+                                          <p:spTgt spid="2052"/>
+                                        </p:tgtEl>
+                                        <p:attrNameLst>
+                                          <p:attrName>style.visibility</p:attrName>
+                                        </p:attrNameLst>
+                                      </p:cBhvr>
+                                      <p:to>
+                                        <p:strVal val="visible"/>
+                                      </p:to>
+                                    </p:set>
+                                    <p:animEffect transition="in" filter="circle(in)">
+                                      <p:cBhvr>
+                                        <p:cTn id="20" dur="500"/>
+                                        <p:tgtEl>
+                                          <p:spTgt spid="2052"/>
+                                        </p:tgtEl>
+                                      </p:cBhvr>
+                                    </p:animEffect>
+                                  </p:childTnLst>
+                                </p:cTn>
+                              </p:par>
+                            </p:childTnLst>
+                          </p:cTn>
+                        </p:par>
+                      </p:childTnLst>
+                    </p:cTn>
+                  </p:par>
+                  <p:par>
+                    <p:cTn id="21" fill="hold">
+                      <p:stCondLst>
+                        <p:cond delay="indefinite"/>
+                      </p:stCondLst>
+                      <p:childTnLst>
+                        <p:par>
+                          <p:cTn id="22" fill="hold">
+                            <p:stCondLst>
+                              <p:cond delay="0"/>
+                            </p:stCondLst>
+                            <p:childTnLst>
+                              <p:par>
+                                <p:cTn id="23" presetID="21" presetClass="entr" presetSubtype="1" fill="hold" nodeType="clickEffect">
+                                  <p:stCondLst>
+                                    <p:cond delay="0"/>
+                                  </p:stCondLst>
+                                  <p:childTnLst>
+                                    <p:set>
+                                      <p:cBhvr>
+                                        <p:cTn id="24" dur="1" fill="hold">
+                                          <p:stCondLst>
+                                            <p:cond delay="0"/>
+                                          </p:stCondLst>
+                                        </p:cTn>
+                                        <p:tgtEl>
+                                          <p:spTgt spid="3">
+                                            <p:txEl>
+                                              <p:pRg st="1" end="1"/>
+                                            </p:txEl>
+                                          </p:spTgt>
+                                        </p:tgtEl>
+                                        <p:attrNameLst>
+                                          <p:attrName>style.visibility</p:attrName>
+                                        </p:attrNameLst>
+                                      </p:cBhvr>
+                                      <p:to>
+                                        <p:strVal val="visible"/>
+                                      </p:to>
+                                    </p:set>
+                                    <p:animEffect transition="in" filter="wheel(1)">
+                                      <p:cBhvr>
+                                        <p:cTn id="25" dur="500"/>
+                                        <p:tgtEl>
+                                          <p:spTgt spid="3">
+                                            <p:txEl>
+                                              <p:pRg st="1" end="1"/>
+                                            </p:txEl>
+                                          </p:spTgt>
+                                        </p:tgtEl>
+                                      </p:cBhvr>
+                                    </p:animEffect>
+                                  </p:childTnLst>
+                                </p:cTn>
+                              </p:par>
+                            </p:childTnLst>
+                          </p:cTn>
+                        </p:par>
+                        <p:par>
+                          <p:cTn id="26" fill="hold">
+                            <p:stCondLst>
+                              <p:cond delay="500"/>
+                            </p:stCondLst>
+                            <p:childTnLst>
+                              <p:par>
+                                <p:cTn id="27" presetID="14" presetClass="exit" presetSubtype="10" fill="hold" nodeType="afterEffect">
+                                  <p:stCondLst>
+                                    <p:cond delay="0"/>
+                                  </p:stCondLst>
+                                  <p:childTnLst>
+                                    <p:animEffect transition="out" filter="randombar(horizontal)">
+                                      <p:cBhvr>
+                                        <p:cTn id="28" dur="500"/>
+                                        <p:tgtEl>
+                                          <p:spTgt spid="2050"/>
+                                        </p:tgtEl>
+                                      </p:cBhvr>
+                                    </p:animEffect>
+                                    <p:set>
+                                      <p:cBhvr>
+                                        <p:cTn id="29" dur="1" fill="hold">
+                                          <p:stCondLst>
+                                            <p:cond delay="499"/>
+                                          </p:stCondLst>
+                                        </p:cTn>
+                                        <p:tgtEl>
+                                          <p:spTgt spid="2050"/>
+                                        </p:tgtEl>
+                                        <p:attrNameLst>
+                                          <p:attrName>style.visibility</p:attrName>
+                                        </p:attrNameLst>
+                                      </p:cBhvr>
+                                      <p:to>
+                                        <p:strVal val="hidden"/>
+                                      </p:to>
+                                    </p:set>
+                                  </p:childTnLst>
+                                </p:cTn>
+                              </p:par>
+                            </p:childTnLst>
+                          </p:cTn>
+                        </p:par>
+                        <p:par>
+                          <p:cTn id="30" fill="hold">
+                            <p:stCondLst>
+                              <p:cond delay="1000"/>
+                            </p:stCondLst>
+                            <p:childTnLst>
+                              <p:par>
+                                <p:cTn id="31" presetID="14" presetClass="exit" presetSubtype="10" fill="hold" nodeType="afterEffect">
+                                  <p:stCondLst>
+                                    <p:cond delay="0"/>
+                                  </p:stCondLst>
+                                  <p:childTnLst>
+                                    <p:animEffect transition="out" filter="randombar(horizontal)">
+                                      <p:cBhvr>
+                                        <p:cTn id="32" dur="500"/>
+                                        <p:tgtEl>
+                                          <p:spTgt spid="2052"/>
+                                        </p:tgtEl>
+                                      </p:cBhvr>
+                                    </p:animEffect>
+                                    <p:set>
+                                      <p:cBhvr>
+                                        <p:cTn id="33" dur="1" fill="hold">
+                                          <p:stCondLst>
+                                            <p:cond delay="499"/>
+                                          </p:stCondLst>
+                                        </p:cTn>
+                                        <p:tgtEl>
+                                          <p:spTgt spid="2052"/>
+                                        </p:tgtEl>
+                                        <p:attrNameLst>
+                                          <p:attrName>style.visibility</p:attrName>
+                                        </p:attrNameLst>
+                                      </p:cBhvr>
+                                      <p:to>
+                                        <p:strVal val="hidden"/>
+                                      </p:to>
+                                    </p:set>
+                                  </p:childTnLst>
+                                </p:cTn>
+                              </p:par>
+                            </p:childTnLst>
+                          </p:cTn>
+                        </p:par>
+                        <p:par>
+                          <p:cTn id="34" fill="hold">
+                            <p:stCondLst>
+                              <p:cond delay="1500"/>
+                            </p:stCondLst>
+                            <p:childTnLst>
+                              <p:par>
+                                <p:cTn id="35" presetID="21" presetClass="entr" presetSubtype="4" fill="hold" nodeType="afterEffect">
+                                  <p:stCondLst>
+                                    <p:cond delay="0"/>
+                                  </p:stCondLst>
+                                  <p:childTnLst>
+                                    <p:set>
+                                      <p:cBhvr>
+                                        <p:cTn id="36" dur="1" fill="hold">
+                                          <p:stCondLst>
+                                            <p:cond delay="0"/>
+                                          </p:stCondLst>
+                                        </p:cTn>
+                                        <p:tgtEl>
+                                          <p:spTgt spid="2056"/>
+                                        </p:tgtEl>
+                                        <p:attrNameLst>
+                                          <p:attrName>style.visibility</p:attrName>
+                                        </p:attrNameLst>
+                                      </p:cBhvr>
+                                      <p:to>
+                                        <p:strVal val="visible"/>
+                                      </p:to>
+                                    </p:set>
+                                    <p:animEffect transition="in" filter="wheel(4)">
+                                      <p:cBhvr>
+                                        <p:cTn id="37" dur="500"/>
+                                        <p:tgtEl>
+                                          <p:spTgt spid="2056"/>
+                                        </p:tgtEl>
+                                      </p:cBhvr>
+                                    </p:animEffect>
+                                  </p:childTnLst>
+                                </p:cTn>
+                              </p:par>
+                            </p:childTnLst>
+                          </p:cTn>
+                        </p:par>
+                        <p:par>
+                          <p:cTn id="38" fill="hold">
+                            <p:stCondLst>
+                              <p:cond delay="2000"/>
+                            </p:stCondLst>
+                            <p:childTnLst>
+                              <p:par>
+                                <p:cTn id="39" presetID="21" presetClass="entr" presetSubtype="8" fill="hold" nodeType="afterEffect">
+                                  <p:stCondLst>
+                                    <p:cond delay="0"/>
+                                  </p:stCondLst>
+                                  <p:childTnLst>
+                                    <p:set>
+                                      <p:cBhvr>
+                                        <p:cTn id="40" dur="1" fill="hold">
+                                          <p:stCondLst>
+                                            <p:cond delay="0"/>
+                                          </p:stCondLst>
+                                        </p:cTn>
+                                        <p:tgtEl>
+                                          <p:spTgt spid="2054"/>
+                                        </p:tgtEl>
+                                        <p:attrNameLst>
+                                          <p:attrName>style.visibility</p:attrName>
+                                        </p:attrNameLst>
+                                      </p:cBhvr>
+                                      <p:to>
+                                        <p:strVal val="visible"/>
+                                      </p:to>
+                                    </p:set>
+                                    <p:animEffect transition="in" filter="wheel(8)">
+                                      <p:cBhvr>
+                                        <p:cTn id="41" dur="500"/>
+                                        <p:tgtEl>
+                                          <p:spTgt spid="2054"/>
+                                        </p:tgtEl>
+                                      </p:cBhvr>
+                                    </p:animEffect>
+                                  </p:childTnLst>
+                                </p:cTn>
+                              </p:par>
+                            </p:childTnLst>
+                          </p:cTn>
+                        </p:par>
+                      </p:childTnLst>
+                    </p:cTn>
+                  </p:par>
+                  <p:par>
+                    <p:cTn id="42" fill="hold">
+                      <p:stCondLst>
+                        <p:cond delay="indefinite"/>
+                      </p:stCondLst>
+                      <p:childTnLst>
+                        <p:par>
+                          <p:cTn id="43" fill="hold">
+                            <p:stCondLst>
+                              <p:cond delay="0"/>
+                            </p:stCondLst>
+                            <p:childTnLst>
+                              <p:par>
+                                <p:cTn id="44" presetID="6" presetClass="entr" presetSubtype="16" fill="hold" nodeType="clickEffect">
+                                  <p:stCondLst>
+                                    <p:cond delay="0"/>
+                                  </p:stCondLst>
+                                  <p:childTnLst>
+                                    <p:set>
+                                      <p:cBhvr>
+                                        <p:cTn id="45" dur="1" fill="hold">
+                                          <p:stCondLst>
+                                            <p:cond delay="0"/>
+                                          </p:stCondLst>
+                                        </p:cTn>
+                                        <p:tgtEl>
+                                          <p:spTgt spid="3">
+                                            <p:txEl>
+                                              <p:pRg st="2" end="2"/>
+                                            </p:txEl>
+                                          </p:spTgt>
+                                        </p:tgtEl>
+                                        <p:attrNameLst>
+                                          <p:attrName>style.visibility</p:attrName>
+                                        </p:attrNameLst>
+                                      </p:cBhvr>
+                                      <p:to>
+                                        <p:strVal val="visible"/>
+                                      </p:to>
+                                    </p:set>
+                                    <p:animEffect transition="in" filter="circle(in)">
+                                      <p:cBhvr>
+                                        <p:cTn id="46" dur="500"/>
+                                        <p:tgtEl>
+                                          <p:spTgt spid="3">
+                                            <p:txEl>
+                                              <p:pRg st="2" end="2"/>
+                                            </p:txEl>
+                                          </p:spTgt>
+                                        </p:tgtEl>
+                                      </p:cBhvr>
+                                    </p:animEffect>
+                                  </p:childTnLst>
+                                </p:cTn>
+                              </p:par>
+                            </p:childTnLst>
+                          </p:cTn>
+                        </p:par>
+                        <p:par>
+                          <p:cTn id="47" fill="hold">
+                            <p:stCondLst>
+                              <p:cond delay="500"/>
+                            </p:stCondLst>
+                            <p:childTnLst>
+                              <p:par>
+                                <p:cTn id="48" presetID="21" presetClass="exit" presetSubtype="4" fill="hold" nodeType="afterEffect">
+                                  <p:stCondLst>
+                                    <p:cond delay="0"/>
+                                  </p:stCondLst>
+                                  <p:childTnLst>
+                                    <p:animEffect transition="out" filter="wheel(4)">
+                                      <p:cBhvr>
+                                        <p:cTn id="49" dur="500"/>
+                                        <p:tgtEl>
+                                          <p:spTgt spid="2056"/>
+                                        </p:tgtEl>
+                                      </p:cBhvr>
+                                    </p:animEffect>
+                                    <p:set>
+                                      <p:cBhvr>
+                                        <p:cTn id="50" dur="1" fill="hold">
+                                          <p:stCondLst>
+                                            <p:cond delay="499"/>
+                                          </p:stCondLst>
+                                        </p:cTn>
+                                        <p:tgtEl>
+                                          <p:spTgt spid="2056"/>
+                                        </p:tgtEl>
+                                        <p:attrNameLst>
+                                          <p:attrName>style.visibility</p:attrName>
+                                        </p:attrNameLst>
+                                      </p:cBhvr>
+                                      <p:to>
+                                        <p:strVal val="hidden"/>
+                                      </p:to>
+                                    </p:set>
+                                  </p:childTnLst>
+                                </p:cTn>
+                              </p:par>
+                            </p:childTnLst>
+                          </p:cTn>
+                        </p:par>
+                        <p:par>
+                          <p:cTn id="51" fill="hold">
+                            <p:stCondLst>
+                              <p:cond delay="1000"/>
+                            </p:stCondLst>
+                            <p:childTnLst>
+                              <p:par>
+                                <p:cTn id="52" presetID="21" presetClass="exit" presetSubtype="1" fill="hold" nodeType="afterEffect">
+                                  <p:stCondLst>
+                                    <p:cond delay="0"/>
+                                  </p:stCondLst>
+                                  <p:childTnLst>
+                                    <p:animEffect transition="out" filter="wheel(1)">
+                                      <p:cBhvr>
+                                        <p:cTn id="53" dur="500"/>
+                                        <p:tgtEl>
+                                          <p:spTgt spid="2054"/>
+                                        </p:tgtEl>
+                                      </p:cBhvr>
+                                    </p:animEffect>
+                                    <p:set>
+                                      <p:cBhvr>
+                                        <p:cTn id="54" dur="1" fill="hold">
+                                          <p:stCondLst>
+                                            <p:cond delay="499"/>
+                                          </p:stCondLst>
+                                        </p:cTn>
+                                        <p:tgtEl>
+                                          <p:spTgt spid="2054"/>
+                                        </p:tgtEl>
+                                        <p:attrNameLst>
+                                          <p:attrName>style.visibility</p:attrName>
+                                        </p:attrNameLst>
+                                      </p:cBhvr>
+                                      <p:to>
+                                        <p:strVal val="hidden"/>
+                                      </p:to>
+                                    </p:set>
+                                  </p:childTnLst>
+                                </p:cTn>
+                              </p:par>
+                            </p:childTnLst>
+                          </p:cTn>
+                        </p:par>
+                        <p:par>
+                          <p:cTn id="55" fill="hold">
+                            <p:stCondLst>
+                              <p:cond delay="1500"/>
+                            </p:stCondLst>
+                            <p:childTnLst>
+                              <p:par>
+                                <p:cTn id="56" presetID="14" presetClass="entr" presetSubtype="10" fill="hold" nodeType="afterEffect">
+                                  <p:stCondLst>
+                                    <p:cond delay="0"/>
+                                  </p:stCondLst>
+                                  <p:childTnLst>
+                                    <p:set>
+                                      <p:cBhvr>
+                                        <p:cTn id="57" dur="1" fill="hold">
+                                          <p:stCondLst>
+                                            <p:cond delay="0"/>
+                                          </p:stCondLst>
+                                        </p:cTn>
+                                        <p:tgtEl>
+                                          <p:spTgt spid="2060"/>
+                                        </p:tgtEl>
+                                        <p:attrNameLst>
+                                          <p:attrName>style.visibility</p:attrName>
+                                        </p:attrNameLst>
+                                      </p:cBhvr>
+                                      <p:to>
+                                        <p:strVal val="visible"/>
+                                      </p:to>
+                                    </p:set>
+                                    <p:animEffect transition="in" filter="randombar(horizontal)">
+                                      <p:cBhvr>
+                                        <p:cTn id="58" dur="500"/>
+                                        <p:tgtEl>
+                                          <p:spTgt spid="2060"/>
+                                        </p:tgtEl>
+                                      </p:cBhvr>
+                                    </p:animEffect>
+                                  </p:childTnLst>
+                                </p:cTn>
+                              </p:par>
+                            </p:childTnLst>
+                          </p:cTn>
+                        </p:par>
+                        <p:par>
+                          <p:cTn id="59" fill="hold">
+                            <p:stCondLst>
+                              <p:cond delay="2000"/>
+                            </p:stCondLst>
+                            <p:childTnLst>
+                              <p:par>
+                                <p:cTn id="60" presetID="14" presetClass="entr" presetSubtype="5" fill="hold" nodeType="afterEffect">
+                                  <p:stCondLst>
+                                    <p:cond delay="0"/>
+                                  </p:stCondLst>
+                                  <p:childTnLst>
+                                    <p:set>
+                                      <p:cBhvr>
+                                        <p:cTn id="61" dur="1" fill="hold">
+                                          <p:stCondLst>
+                                            <p:cond delay="0"/>
+                                          </p:stCondLst>
+                                        </p:cTn>
+                                        <p:tgtEl>
+                                          <p:spTgt spid="2062"/>
+                                        </p:tgtEl>
+                                        <p:attrNameLst>
+                                          <p:attrName>style.visibility</p:attrName>
+                                        </p:attrNameLst>
+                                      </p:cBhvr>
+                                      <p:to>
+                                        <p:strVal val="visible"/>
+                                      </p:to>
+                                    </p:set>
+                                    <p:animEffect transition="in" filter="randombar(vertical)">
+                                      <p:cBhvr>
+                                        <p:cTn id="62" dur="500"/>
+                                        <p:tgtEl>
+                                          <p:spTgt spid="2062"/>
+                                        </p:tgtEl>
+                                      </p:cBhvr>
+                                    </p:animEffect>
+                                  </p:childTnLst>
+                                </p:cTn>
+                              </p:par>
+                            </p:childTnLst>
+                          </p:cTn>
+                        </p:par>
+                      </p:childTnLst>
+                    </p:cTn>
+                  </p:par>
+                </p:childTnLst>
+              </p:cTn>
+              <p:prevCondLst>
+                <p:cond evt="onPrev" delay="0">
+                  <p:tgtEl>
+                    <p:sldTgt/>
+                  </p:tgtEl>
+                </p:cond>
+              </p:prevCondLst>
+              <p:nextCondLst>
+                <p:cond evt="onNext" delay="0">
+                  <p:tgtEl>
+                    <p:sldTgt/>
+                  </p:tgtEl>
+                </p:cond>
+              </p:nextCondLst>
+            </p:seq>
+          </p:childTnLst>
+        </p:cTn>
+      </p:par>
+    </p:tnLst>
+    <p:bldLst>
+      <p:bldP spid="2" grpId="0"/>
+    </p:bldLst>
+  </p:timing>
+</p:sld>
+</file>
+
+<file path=ppt/slides/slide5.xml><?xml version="1.0" encoding="utf-8"?>
+<p:sld xmlns:a="http://schemas.openxmlformats.org/drawingml/2006/main" xmlns:r="http://schemas.openxmlformats.org/officeDocument/2006/relationships" xmlns:p="http://schemas.openxmlformats.org/presentationml/2006/main">
+  <p:cSld>
+    <p:spTree>
+      <p:nvGrpSpPr>
+        <p:cNvPr id="1" name=""/>
+        <p:cNvGrpSpPr/>
+        <p:nvPr/>
+      </p:nvGrpSpPr>
+      <p:grpSpPr>
+        <a:xfrm>
+          <a:off x="0" y="0"/>
+          <a:ext cx="0" cy="0"/>
+          <a:chOff x="0" y="0"/>
+          <a:chExt cx="0" cy="0"/>
+        </a:xfrm>
+      </p:grpSpPr>
+      <p:sp>
+        <p:nvSpPr>
+          <p:cNvPr id="2" name="Cím 1"/>
+          <p:cNvSpPr>
+            <a:spLocks noGrp="1"/>
+          </p:cNvSpPr>
+          <p:nvPr>
+            <p:ph type="title"/>
+          </p:nvPr>
+        </p:nvSpPr>
+        <p:spPr>
+          <a:xfrm>
+            <a:off x="1803215" y="565921"/>
+            <a:ext cx="8911687" cy="1280890"/>
+          </a:xfrm>
+        </p:spPr>
+        <p:txBody>
+          <a:bodyPr/>
+          <a:lstStyle/>
+          <a:p>
+            <a:r>
+              <a:rPr lang="hu-HU" dirty="0" smtClean="0"/>
+              <a:t>Márkák</a:t>
+            </a:r>
+            <a:endParaRPr lang="hu-HU" dirty="0"/>
+          </a:p>
+        </p:txBody>
+      </p:sp>
+      <p:sp>
+        <p:nvSpPr>
+          <p:cNvPr id="4" name="Tartalom helye 3"/>
+          <p:cNvSpPr>
+            <a:spLocks noGrp="1"/>
+          </p:cNvSpPr>
+          <p:nvPr>
+            <p:ph sz="half" idx="2"/>
+          </p:nvPr>
+        </p:nvSpPr>
+        <p:spPr>
+          <a:xfrm>
+            <a:off x="1803215" y="1840541"/>
+            <a:ext cx="4342893" cy="4059257"/>
+          </a:xfrm>
+        </p:spPr>
+        <p:txBody>
+          <a:bodyPr>
+            <a:normAutofit/>
+          </a:bodyPr>
+          <a:lstStyle/>
+          <a:p>
+            <a:r>
+              <a:rPr lang="hu-HU" dirty="0" err="1" smtClean="0"/>
+              <a:t>Wacom</a:t>
+            </a:r>
+            <a:endParaRPr lang="hu-HU" dirty="0" smtClean="0"/>
+          </a:p>
+          <a:p>
+            <a:r>
+              <a:rPr lang="hu-HU" dirty="0" err="1" smtClean="0"/>
+              <a:t>Xencelabs</a:t>
+            </a:r>
+            <a:endParaRPr lang="hu-HU" dirty="0" smtClean="0"/>
+          </a:p>
+          <a:p>
+            <a:r>
+              <a:rPr lang="hu-HU" dirty="0" err="1" smtClean="0"/>
+              <a:t>Huion</a:t>
+            </a:r>
+            <a:endParaRPr lang="hu-HU" dirty="0" smtClean="0"/>
+          </a:p>
+          <a:p>
+            <a:r>
+              <a:rPr lang="hu-HU" dirty="0" err="1" smtClean="0"/>
+              <a:t>Xp</a:t>
+            </a:r>
+            <a:r>
+              <a:rPr lang="hu-HU" dirty="0" smtClean="0"/>
+              <a:t>-pen</a:t>
+            </a:r>
+          </a:p>
+          <a:p>
+            <a:r>
+              <a:rPr lang="hu-HU" dirty="0" err="1" smtClean="0"/>
+              <a:t>Gaomon</a:t>
+            </a:r>
+            <a:endParaRPr lang="hu-HU" dirty="0" smtClean="0"/>
+          </a:p>
+          <a:p>
+            <a:r>
+              <a:rPr lang="hu-HU" dirty="0" err="1" smtClean="0"/>
+              <a:t>Artisul</a:t>
+            </a:r>
+            <a:endParaRPr lang="hu-HU" dirty="0" smtClean="0"/>
+          </a:p>
+          <a:p>
+            <a:r>
+              <a:rPr lang="hu-HU" dirty="0" err="1" smtClean="0"/>
+              <a:t>Parblo</a:t>
+            </a:r>
+            <a:endParaRPr lang="hu-HU" dirty="0" smtClean="0"/>
+          </a:p>
+          <a:p>
+            <a:r>
+              <a:rPr lang="hu-HU" dirty="0" err="1" smtClean="0"/>
+              <a:t>Veikk</a:t>
+            </a:r>
+            <a:endParaRPr lang="hu-HU" dirty="0" smtClean="0"/>
+          </a:p>
+          <a:p>
+            <a:r>
+              <a:rPr lang="hu-HU" dirty="0" err="1" smtClean="0"/>
+              <a:t>Ugee</a:t>
+            </a:r>
+            <a:endParaRPr lang="hu-HU" dirty="0"/>
+          </a:p>
+        </p:txBody>
+      </p:sp>
+      <p:sp>
+        <p:nvSpPr>
+          <p:cNvPr id="7" name="Tartalom helye 6"/>
+          <p:cNvSpPr>
+            <a:spLocks noGrp="1"/>
+          </p:cNvSpPr>
+          <p:nvPr>
+            <p:ph sz="quarter" idx="4"/>
+          </p:nvPr>
+        </p:nvSpPr>
+        <p:spPr/>
+        <p:txBody>
+          <a:bodyPr/>
+          <a:lstStyle/>
+          <a:p>
+            <a:endParaRPr lang="hu-HU"/>
+          </a:p>
+        </p:txBody>
+      </p:sp>
+    </p:spTree>
+    <p:extLst>
+      <p:ext uri="{BB962C8B-B14F-4D97-AF65-F5344CB8AC3E}">
+        <p14:creationId xmlns:p14="http://schemas.microsoft.com/office/powerpoint/2010/main" val="1324698263"/>
+      </p:ext>
+    </p:extLst>
+  </p:cSld>
+  <p:clrMapOvr>
+    <a:masterClrMapping/>
+  </p:clrMapOvr>
+  <p:timing>
+    <p:tnLst>
+      <p:par>
+        <p:cTn id="1" dur="indefinite" restart="never" nodeType="tmRoot"/>
+      </p:par>
+    </p:tnLst>
+  </p:timing>
+</p:sld>
+</file>
+
+<file path=ppt/slides/slide6.xml><?xml version="1.0" encoding="utf-8"?>
+<p:sld xmlns:a="http://schemas.openxmlformats.org/drawingml/2006/main" xmlns:r="http://schemas.openxmlformats.org/officeDocument/2006/relationships" xmlns:p="http://schemas.openxmlformats.org/presentationml/2006/main">
+  <p:cSld>
+    <p:spTree>
+      <p:nvGrpSpPr>
+        <p:cNvPr id="1" name=""/>
+        <p:cNvGrpSpPr/>
+        <p:nvPr/>
+      </p:nvGrpSpPr>
+      <p:grpSpPr>
+        <a:xfrm>
+          <a:off x="0" y="0"/>
+          <a:ext cx="0" cy="0"/>
+          <a:chOff x="0" y="0"/>
+          <a:chExt cx="0" cy="0"/>
+        </a:xfrm>
+      </p:grpSpPr>
+      <p:sp>
+        <p:nvSpPr>
+          <p:cNvPr id="2" name="Cím 1"/>
+          <p:cNvSpPr>
+            <a:spLocks noGrp="1"/>
+          </p:cNvSpPr>
+          <p:nvPr>
+            <p:ph type="ctrTitle"/>
+          </p:nvPr>
+        </p:nvSpPr>
+        <p:spPr/>
+        <p:txBody>
+          <a:bodyPr/>
+          <a:lstStyle/>
+          <a:p>
+            <a:pPr algn="ctr"/>
+            <a:r>
+              <a:rPr lang="hu-HU" dirty="0" smtClean="0"/>
+              <a:t>Köszönöm szépen a figyelmet</a:t>
+            </a:r>
+            <a:endParaRPr lang="hu-HU" dirty="0"/>
+          </a:p>
+        </p:txBody>
+      </p:sp>
+      <p:sp>
+        <p:nvSpPr>
+          <p:cNvPr id="3" name="Alcím 2"/>
+          <p:cNvSpPr>
+            <a:spLocks noGrp="1"/>
+          </p:cNvSpPr>
+          <p:nvPr>
+            <p:ph type="subTitle" idx="1"/>
+          </p:nvPr>
+        </p:nvSpPr>
+        <p:spPr/>
+        <p:txBody>
+          <a:bodyPr/>
+          <a:lstStyle/>
+          <a:p>
+            <a:r>
+              <a:rPr lang="hu-HU" dirty="0" smtClean="0"/>
+              <a:t>Készítette: Ács Benjámin</a:t>
+            </a:r>
+            <a:endParaRPr lang="hu-HU" dirty="0"/>
+          </a:p>
+        </p:txBody>
+      </p:sp>
+    </p:spTree>
+    <p:extLst>
+      <p:ext uri="{BB962C8B-B14F-4D97-AF65-F5344CB8AC3E}">
+        <p14:creationId xmlns:p14="http://schemas.microsoft.com/office/powerpoint/2010/main" val="3131265052"/>
+      </p:ext>
+    </p:extLst>
+  </p:cSld>
+  <p:clrMapOvr>
+    <a:masterClrMapping/>
+  </p:clrMapOvr>
+  <p:timing>
+    <p:tnLst>
+      <p:par>
+        <p:cTn id="1" dur="indefinite" restart="never" nodeType="tmRoot"/>
+      </p:par>
+    </p:tnLst>
+  </p:timing>
 </p:sld>
 </file>
 

--- a/ÁcsBenjámin.pptx
+++ b/ÁcsBenjámin.pptx
@@ -8,9 +8,10 @@
     <p:sldId id="256" r:id="rId2"/>
     <p:sldId id="257" r:id="rId3"/>
     <p:sldId id="258" r:id="rId4"/>
-    <p:sldId id="259" r:id="rId5"/>
+    <p:sldId id="262" r:id="rId5"/>
     <p:sldId id="260" r:id="rId6"/>
-    <p:sldId id="261" r:id="rId7"/>
+    <p:sldId id="259" r:id="rId7"/>
+    <p:sldId id="261" r:id="rId8"/>
   </p:sldIdLst>
   <p:sldSz cx="12192000" cy="6858000"/>
   <p:notesSz cx="6858000" cy="9144000"/>
@@ -305,7 +306,7 @@
           <a:p>
             <a:fld id="{1FBE6F4E-83DD-4E98-AD18-B1A817740B5F}" type="datetimeFigureOut">
               <a:rPr lang="hu-HU" smtClean="0"/>
-              <a:t>2022.09.15.</a:t>
+              <a:t>2022.09.20.</a:t>
             </a:fld>
             <a:endParaRPr lang="hu-HU"/>
           </a:p>
@@ -643,7 +644,7 @@
           <a:p>
             <a:fld id="{1FBE6F4E-83DD-4E98-AD18-B1A817740B5F}" type="datetimeFigureOut">
               <a:rPr lang="hu-HU" smtClean="0"/>
-              <a:t>2022.09.15.</a:t>
+              <a:t>2022.09.20.</a:t>
             </a:fld>
             <a:endParaRPr lang="hu-HU"/>
           </a:p>
@@ -1044,7 +1045,7 @@
           <a:p>
             <a:fld id="{1FBE6F4E-83DD-4E98-AD18-B1A817740B5F}" type="datetimeFigureOut">
               <a:rPr lang="hu-HU" smtClean="0"/>
-              <a:t>2022.09.15.</a:t>
+              <a:t>2022.09.20.</a:t>
             </a:fld>
             <a:endParaRPr lang="hu-HU"/>
           </a:p>
@@ -1380,7 +1381,7 @@
           <a:p>
             <a:fld id="{1FBE6F4E-83DD-4E98-AD18-B1A817740B5F}" type="datetimeFigureOut">
               <a:rPr lang="hu-HU" smtClean="0"/>
-              <a:t>2022.09.15.</a:t>
+              <a:t>2022.09.20.</a:t>
             </a:fld>
             <a:endParaRPr lang="hu-HU"/>
           </a:p>
@@ -1700,7 +1701,7 @@
           <a:p>
             <a:fld id="{1FBE6F4E-83DD-4E98-AD18-B1A817740B5F}" type="datetimeFigureOut">
               <a:rPr lang="hu-HU" smtClean="0"/>
-              <a:t>2022.09.15.</a:t>
+              <a:t>2022.09.20.</a:t>
             </a:fld>
             <a:endParaRPr lang="hu-HU"/>
           </a:p>
@@ -2096,7 +2097,7 @@
           <a:p>
             <a:fld id="{1FBE6F4E-83DD-4E98-AD18-B1A817740B5F}" type="datetimeFigureOut">
               <a:rPr lang="hu-HU" smtClean="0"/>
-              <a:t>2022.09.15.</a:t>
+              <a:t>2022.09.20.</a:t>
             </a:fld>
             <a:endParaRPr lang="hu-HU"/>
           </a:p>
@@ -2353,7 +2354,7 @@
           <a:p>
             <a:fld id="{1FBE6F4E-83DD-4E98-AD18-B1A817740B5F}" type="datetimeFigureOut">
               <a:rPr lang="hu-HU" smtClean="0"/>
-              <a:t>2022.09.15.</a:t>
+              <a:t>2022.09.20.</a:t>
             </a:fld>
             <a:endParaRPr lang="hu-HU"/>
           </a:p>
@@ -2615,7 +2616,7 @@
           <a:p>
             <a:fld id="{1FBE6F4E-83DD-4E98-AD18-B1A817740B5F}" type="datetimeFigureOut">
               <a:rPr lang="hu-HU" smtClean="0"/>
-              <a:t>2022.09.15.</a:t>
+              <a:t>2022.09.20.</a:t>
             </a:fld>
             <a:endParaRPr lang="hu-HU"/>
           </a:p>
@@ -2877,7 +2878,7 @@
           <a:p>
             <a:fld id="{1FBE6F4E-83DD-4E98-AD18-B1A817740B5F}" type="datetimeFigureOut">
               <a:rPr lang="hu-HU" smtClean="0"/>
-              <a:t>2022.09.15.</a:t>
+              <a:t>2022.09.20.</a:t>
             </a:fld>
             <a:endParaRPr lang="hu-HU"/>
           </a:p>
@@ -3206,7 +3207,7 @@
           <a:p>
             <a:fld id="{1FBE6F4E-83DD-4E98-AD18-B1A817740B5F}" type="datetimeFigureOut">
               <a:rPr lang="hu-HU" smtClean="0"/>
-              <a:t>2022.09.15.</a:t>
+              <a:t>2022.09.20.</a:t>
             </a:fld>
             <a:endParaRPr lang="hu-HU"/>
           </a:p>
@@ -3529,7 +3530,7 @@
           <a:p>
             <a:fld id="{1FBE6F4E-83DD-4E98-AD18-B1A817740B5F}" type="datetimeFigureOut">
               <a:rPr lang="hu-HU" smtClean="0"/>
-              <a:t>2022.09.15.</a:t>
+              <a:t>2022.09.20.</a:t>
             </a:fld>
             <a:endParaRPr lang="hu-HU"/>
           </a:p>
@@ -3986,7 +3987,7 @@
           <a:p>
             <a:fld id="{1FBE6F4E-83DD-4E98-AD18-B1A817740B5F}" type="datetimeFigureOut">
               <a:rPr lang="hu-HU" smtClean="0"/>
-              <a:t>2022.09.15.</a:t>
+              <a:t>2022.09.20.</a:t>
             </a:fld>
             <a:endParaRPr lang="hu-HU"/>
           </a:p>
@@ -4191,7 +4192,7 @@
           <a:p>
             <a:fld id="{1FBE6F4E-83DD-4E98-AD18-B1A817740B5F}" type="datetimeFigureOut">
               <a:rPr lang="hu-HU" smtClean="0"/>
-              <a:t>2022.09.15.</a:t>
+              <a:t>2022.09.20.</a:t>
             </a:fld>
             <a:endParaRPr lang="hu-HU"/>
           </a:p>
@@ -4368,7 +4369,7 @@
           <a:p>
             <a:fld id="{1FBE6F4E-83DD-4E98-AD18-B1A817740B5F}" type="datetimeFigureOut">
               <a:rPr lang="hu-HU" smtClean="0"/>
-              <a:t>2022.09.15.</a:t>
+              <a:t>2022.09.20.</a:t>
             </a:fld>
             <a:endParaRPr lang="hu-HU"/>
           </a:p>
@@ -4701,7 +4702,7 @@
           <a:p>
             <a:fld id="{1FBE6F4E-83DD-4E98-AD18-B1A817740B5F}" type="datetimeFigureOut">
               <a:rPr lang="hu-HU" smtClean="0"/>
-              <a:t>2022.09.15.</a:t>
+              <a:t>2022.09.20.</a:t>
             </a:fld>
             <a:endParaRPr lang="hu-HU"/>
           </a:p>
@@ -5046,7 +5047,7 @@
           <a:p>
             <a:fld id="{1FBE6F4E-83DD-4E98-AD18-B1A817740B5F}" type="datetimeFigureOut">
               <a:rPr lang="hu-HU" smtClean="0"/>
-              <a:t>2022.09.15.</a:t>
+              <a:t>2022.09.20.</a:t>
             </a:fld>
             <a:endParaRPr lang="hu-HU"/>
           </a:p>
@@ -7100,7 +7101,7 @@
           <a:p>
             <a:fld id="{1FBE6F4E-83DD-4E98-AD18-B1A817740B5F}" type="datetimeFigureOut">
               <a:rPr lang="hu-HU" smtClean="0"/>
-              <a:t>2022.09.15.</a:t>
+              <a:t>2022.09.20.</a:t>
             </a:fld>
             <a:endParaRPr lang="hu-HU"/>
           </a:p>
@@ -7763,11 +7764,7 @@
           <a:p>
             <a:r>
               <a:rPr lang="hu-HU" dirty="0" smtClean="0"/>
-              <a:t>Kicsit </a:t>
-            </a:r>
-            <a:r>
-              <a:rPr lang="hu-HU" dirty="0" smtClean="0"/>
-              <a:t>fura</a:t>
+              <a:t>Kicsit fura</a:t>
             </a:r>
           </a:p>
           <a:p>
@@ -8577,7 +8574,7 @@
         </p:nvSpPr>
         <p:spPr>
           <a:xfrm>
-            <a:off x="1887914" y="1795929"/>
+            <a:off x="1887914" y="2156311"/>
             <a:ext cx="4342893" cy="4701689"/>
           </a:xfrm>
         </p:spPr>
@@ -8614,7 +8611,7 @@
           <a:p>
             <a:r>
               <a:rPr lang="hu-HU" dirty="0" smtClean="0"/>
-              <a:t>Számítógép monitor</a:t>
+              <a:t>Számítógépes Kijelző</a:t>
             </a:r>
             <a:endParaRPr lang="hu-HU" dirty="0"/>
           </a:p>
@@ -8688,6 +8685,734 @@
         </p:nvSpPr>
         <p:spPr>
           <a:xfrm>
+            <a:off x="1922364" y="648494"/>
+            <a:ext cx="8911687" cy="1280890"/>
+          </a:xfrm>
+        </p:spPr>
+        <p:txBody>
+          <a:bodyPr/>
+          <a:lstStyle/>
+          <a:p>
+            <a:r>
+              <a:rPr lang="hu-HU" dirty="0" smtClean="0"/>
+              <a:t>Rajzoláshoz egyéb kellékek</a:t>
+            </a:r>
+            <a:endParaRPr lang="hu-HU" dirty="0"/>
+          </a:p>
+        </p:txBody>
+      </p:sp>
+      <p:sp>
+        <p:nvSpPr>
+          <p:cNvPr id="3" name="Tartalom helye 2"/>
+          <p:cNvSpPr>
+            <a:spLocks noGrp="1"/>
+          </p:cNvSpPr>
+          <p:nvPr>
+            <p:ph sz="half" idx="1"/>
+          </p:nvPr>
+        </p:nvSpPr>
+        <p:spPr>
+          <a:xfrm>
+            <a:off x="1922364" y="2133600"/>
+            <a:ext cx="4313864" cy="3777622"/>
+          </a:xfrm>
+        </p:spPr>
+        <p:txBody>
+          <a:bodyPr/>
+          <a:lstStyle/>
+          <a:p>
+            <a:r>
+              <a:rPr lang="hu-HU" dirty="0" smtClean="0"/>
+              <a:t>Toll</a:t>
+            </a:r>
+          </a:p>
+          <a:p>
+            <a:endParaRPr lang="hu-HU" dirty="0"/>
+          </a:p>
+          <a:p>
+            <a:r>
+              <a:rPr lang="hu-HU" dirty="0" smtClean="0"/>
+              <a:t>Kesztyű</a:t>
+            </a:r>
+          </a:p>
+          <a:p>
+            <a:endParaRPr lang="hu-HU" dirty="0"/>
+          </a:p>
+          <a:p>
+            <a:r>
+              <a:rPr lang="hu-HU" dirty="0" smtClean="0"/>
+              <a:t>Toll hegyek</a:t>
+            </a:r>
+          </a:p>
+          <a:p>
+            <a:endParaRPr lang="hu-HU" dirty="0"/>
+          </a:p>
+          <a:p>
+            <a:r>
+              <a:rPr lang="hu-HU" dirty="0" smtClean="0"/>
+              <a:t>Állvány</a:t>
+            </a:r>
+          </a:p>
+          <a:p>
+            <a:endParaRPr lang="hu-HU" dirty="0"/>
+          </a:p>
+          <a:p>
+            <a:r>
+              <a:rPr lang="hu-HU" dirty="0" smtClean="0"/>
+              <a:t>Száraz törlő kendő</a:t>
+            </a:r>
+          </a:p>
+        </p:txBody>
+      </p:sp>
+    </p:spTree>
+    <p:extLst>
+      <p:ext uri="{BB962C8B-B14F-4D97-AF65-F5344CB8AC3E}">
+        <p14:creationId xmlns:p14="http://schemas.microsoft.com/office/powerpoint/2010/main" val="2314451608"/>
+      </p:ext>
+    </p:extLst>
+  </p:cSld>
+  <p:clrMapOvr>
+    <a:masterClrMapping/>
+  </p:clrMapOvr>
+  <p:timing>
+    <p:tnLst>
+      <p:par>
+        <p:cTn id="1" dur="indefinite" restart="never" nodeType="tmRoot"/>
+      </p:par>
+    </p:tnLst>
+  </p:timing>
+</p:sld>
+</file>
+
+<file path=ppt/slides/slide5.xml><?xml version="1.0" encoding="utf-8"?>
+<p:sld xmlns:a="http://schemas.openxmlformats.org/drawingml/2006/main" xmlns:r="http://schemas.openxmlformats.org/officeDocument/2006/relationships" xmlns:p="http://schemas.openxmlformats.org/presentationml/2006/main">
+  <p:cSld>
+    <p:spTree>
+      <p:nvGrpSpPr>
+        <p:cNvPr id="1" name=""/>
+        <p:cNvGrpSpPr/>
+        <p:nvPr/>
+      </p:nvGrpSpPr>
+      <p:grpSpPr>
+        <a:xfrm>
+          <a:off x="0" y="0"/>
+          <a:ext cx="0" cy="0"/>
+          <a:chOff x="0" y="0"/>
+          <a:chExt cx="0" cy="0"/>
+        </a:xfrm>
+      </p:grpSpPr>
+      <p:sp>
+        <p:nvSpPr>
+          <p:cNvPr id="2" name="Cím 1"/>
+          <p:cNvSpPr>
+            <a:spLocks noGrp="1"/>
+          </p:cNvSpPr>
+          <p:nvPr>
+            <p:ph type="title"/>
+          </p:nvPr>
+        </p:nvSpPr>
+        <p:spPr>
+          <a:xfrm>
+            <a:off x="1803215" y="565921"/>
+            <a:ext cx="8911687" cy="1280890"/>
+          </a:xfrm>
+        </p:spPr>
+        <p:txBody>
+          <a:bodyPr/>
+          <a:lstStyle/>
+          <a:p>
+            <a:r>
+              <a:rPr lang="hu-HU" dirty="0" smtClean="0"/>
+              <a:t>Márkák</a:t>
+            </a:r>
+            <a:endParaRPr lang="hu-HU" dirty="0"/>
+          </a:p>
+        </p:txBody>
+      </p:sp>
+      <p:sp>
+        <p:nvSpPr>
+          <p:cNvPr id="4" name="Tartalom helye 3"/>
+          <p:cNvSpPr>
+            <a:spLocks noGrp="1"/>
+          </p:cNvSpPr>
+          <p:nvPr>
+            <p:ph sz="half" idx="2"/>
+          </p:nvPr>
+        </p:nvSpPr>
+        <p:spPr>
+          <a:xfrm>
+            <a:off x="1803215" y="1840541"/>
+            <a:ext cx="4342893" cy="4059257"/>
+          </a:xfrm>
+        </p:spPr>
+        <p:txBody>
+          <a:bodyPr>
+            <a:normAutofit/>
+          </a:bodyPr>
+          <a:lstStyle/>
+          <a:p>
+            <a:r>
+              <a:rPr lang="hu-HU" dirty="0" err="1" smtClean="0"/>
+              <a:t>Wacom</a:t>
+            </a:r>
+            <a:endParaRPr lang="hu-HU" dirty="0" smtClean="0"/>
+          </a:p>
+          <a:p>
+            <a:r>
+              <a:rPr lang="hu-HU" dirty="0" err="1" smtClean="0"/>
+              <a:t>Xencelabs</a:t>
+            </a:r>
+            <a:endParaRPr lang="hu-HU" dirty="0" smtClean="0"/>
+          </a:p>
+          <a:p>
+            <a:r>
+              <a:rPr lang="hu-HU" dirty="0" err="1" smtClean="0"/>
+              <a:t>Huion</a:t>
+            </a:r>
+            <a:endParaRPr lang="hu-HU" dirty="0" smtClean="0"/>
+          </a:p>
+          <a:p>
+            <a:r>
+              <a:rPr lang="hu-HU" dirty="0" err="1" smtClean="0"/>
+              <a:t>Xp</a:t>
+            </a:r>
+            <a:r>
+              <a:rPr lang="hu-HU" dirty="0" smtClean="0"/>
+              <a:t>-pen</a:t>
+            </a:r>
+          </a:p>
+          <a:p>
+            <a:r>
+              <a:rPr lang="hu-HU" dirty="0" err="1" smtClean="0"/>
+              <a:t>Gaomon</a:t>
+            </a:r>
+            <a:endParaRPr lang="hu-HU" dirty="0" smtClean="0"/>
+          </a:p>
+          <a:p>
+            <a:r>
+              <a:rPr lang="hu-HU" dirty="0" err="1" smtClean="0"/>
+              <a:t>Artisul</a:t>
+            </a:r>
+            <a:endParaRPr lang="hu-HU" dirty="0" smtClean="0"/>
+          </a:p>
+          <a:p>
+            <a:r>
+              <a:rPr lang="hu-HU" dirty="0" err="1" smtClean="0"/>
+              <a:t>Parblo</a:t>
+            </a:r>
+            <a:endParaRPr lang="hu-HU" dirty="0" smtClean="0"/>
+          </a:p>
+          <a:p>
+            <a:r>
+              <a:rPr lang="hu-HU" dirty="0" err="1" smtClean="0"/>
+              <a:t>Veikk</a:t>
+            </a:r>
+            <a:endParaRPr lang="hu-HU" dirty="0" smtClean="0"/>
+          </a:p>
+          <a:p>
+            <a:r>
+              <a:rPr lang="hu-HU" dirty="0" err="1" smtClean="0"/>
+              <a:t>Ugee</a:t>
+            </a:r>
+            <a:endParaRPr lang="hu-HU" dirty="0"/>
+          </a:p>
+        </p:txBody>
+      </p:sp>
+      <p:pic>
+        <p:nvPicPr>
+          <p:cNvPr id="3076" name="Picture 4" descr="Wacom Logo | evolution history and meaning, PNG"/>
+          <p:cNvPicPr>
+            <a:picLocks noChangeAspect="1" noChangeArrowheads="1"/>
+          </p:cNvPicPr>
+          <p:nvPr/>
+        </p:nvPicPr>
+        <p:blipFill rotWithShape="1">
+          <a:blip r:embed="rId2" cstate="print">
+            <a:extLst>
+              <a:ext uri="{28A0092B-C50C-407E-A947-70E740481C1C}">
+                <a14:useLocalDpi xmlns:a14="http://schemas.microsoft.com/office/drawing/2010/main" val="0"/>
+              </a:ext>
+            </a:extLst>
+          </a:blip>
+          <a:srcRect t="17728" r="64348" b="22941"/>
+          <a:stretch/>
+        </p:blipFill>
+        <p:spPr bwMode="auto">
+          <a:xfrm>
+            <a:off x="5647876" y="1840540"/>
+            <a:ext cx="3924895" cy="3674109"/>
+          </a:xfrm>
+          <a:prstGeom prst="rect">
+            <a:avLst/>
+          </a:prstGeom>
+          <a:noFill/>
+          <a:extLst>
+            <a:ext uri="{909E8E84-426E-40DD-AFC4-6F175D3DCCD1}">
+              <a14:hiddenFill xmlns:a14="http://schemas.microsoft.com/office/drawing/2010/main">
+                <a:solidFill>
+                  <a:srgbClr val="FFFFFF"/>
+                </a:solidFill>
+              </a14:hiddenFill>
+            </a:ext>
+          </a:extLst>
+        </p:spPr>
+      </p:pic>
+    </p:spTree>
+    <p:extLst>
+      <p:ext uri="{BB962C8B-B14F-4D97-AF65-F5344CB8AC3E}">
+        <p14:creationId xmlns:p14="http://schemas.microsoft.com/office/powerpoint/2010/main" val="1324698263"/>
+      </p:ext>
+    </p:extLst>
+  </p:cSld>
+  <p:clrMapOvr>
+    <a:masterClrMapping/>
+  </p:clrMapOvr>
+  <p:timing>
+    <p:tnLst>
+      <p:par>
+        <p:cTn id="1" dur="indefinite" restart="never" nodeType="tmRoot">
+          <p:childTnLst>
+            <p:seq concurrent="1" nextAc="seek">
+              <p:cTn id="2" dur="indefinite" nodeType="mainSeq">
+                <p:childTnLst>
+                  <p:par>
+                    <p:cTn id="3" fill="hold">
+                      <p:stCondLst>
+                        <p:cond delay="indefinite"/>
+                        <p:cond evt="onBegin" delay="0">
+                          <p:tn val="2"/>
+                        </p:cond>
+                      </p:stCondLst>
+                      <p:childTnLst>
+                        <p:par>
+                          <p:cTn id="4" fill="hold">
+                            <p:stCondLst>
+                              <p:cond delay="0"/>
+                            </p:stCondLst>
+                            <p:childTnLst>
+                              <p:par>
+                                <p:cTn id="5" presetID="42" presetClass="entr" presetSubtype="0" fill="hold" grpId="0" nodeType="afterEffect">
+                                  <p:stCondLst>
+                                    <p:cond delay="0"/>
+                                  </p:stCondLst>
+                                  <p:childTnLst>
+                                    <p:set>
+                                      <p:cBhvr>
+                                        <p:cTn id="6" dur="1" fill="hold">
+                                          <p:stCondLst>
+                                            <p:cond delay="0"/>
+                                          </p:stCondLst>
+                                        </p:cTn>
+                                        <p:tgtEl>
+                                          <p:spTgt spid="2"/>
+                                        </p:tgtEl>
+                                        <p:attrNameLst>
+                                          <p:attrName>style.visibility</p:attrName>
+                                        </p:attrNameLst>
+                                      </p:cBhvr>
+                                      <p:to>
+                                        <p:strVal val="visible"/>
+                                      </p:to>
+                                    </p:set>
+                                    <p:animEffect transition="in" filter="fade">
+                                      <p:cBhvr>
+                                        <p:cTn id="7" dur="500"/>
+                                        <p:tgtEl>
+                                          <p:spTgt spid="2"/>
+                                        </p:tgtEl>
+                                      </p:cBhvr>
+                                    </p:animEffect>
+                                    <p:anim calcmode="lin" valueType="num">
+                                      <p:cBhvr>
+                                        <p:cTn id="8" dur="500" fill="hold"/>
+                                        <p:tgtEl>
+                                          <p:spTgt spid="2"/>
+                                        </p:tgtEl>
+                                        <p:attrNameLst>
+                                          <p:attrName>ppt_x</p:attrName>
+                                        </p:attrNameLst>
+                                      </p:cBhvr>
+                                      <p:tavLst>
+                                        <p:tav tm="0">
+                                          <p:val>
+                                            <p:strVal val="#ppt_x"/>
+                                          </p:val>
+                                        </p:tav>
+                                        <p:tav tm="100000">
+                                          <p:val>
+                                            <p:strVal val="#ppt_x"/>
+                                          </p:val>
+                                        </p:tav>
+                                      </p:tavLst>
+                                    </p:anim>
+                                    <p:anim calcmode="lin" valueType="num">
+                                      <p:cBhvr>
+                                        <p:cTn id="9" dur="500" fill="hold"/>
+                                        <p:tgtEl>
+                                          <p:spTgt spid="2"/>
+                                        </p:tgtEl>
+                                        <p:attrNameLst>
+                                          <p:attrName>ppt_y</p:attrName>
+                                        </p:attrNameLst>
+                                      </p:cBhvr>
+                                      <p:tavLst>
+                                        <p:tav tm="0">
+                                          <p:val>
+                                            <p:strVal val="#ppt_y+.1"/>
+                                          </p:val>
+                                        </p:tav>
+                                        <p:tav tm="100000">
+                                          <p:val>
+                                            <p:strVal val="#ppt_y"/>
+                                          </p:val>
+                                        </p:tav>
+                                      </p:tavLst>
+                                    </p:anim>
+                                  </p:childTnLst>
+                                </p:cTn>
+                              </p:par>
+                            </p:childTnLst>
+                          </p:cTn>
+                        </p:par>
+                        <p:par>
+                          <p:cTn id="10" fill="hold">
+                            <p:stCondLst>
+                              <p:cond delay="500"/>
+                            </p:stCondLst>
+                            <p:childTnLst>
+                              <p:par>
+                                <p:cTn id="11" presetID="2" presetClass="entr" presetSubtype="8" fill="hold" nodeType="afterEffect">
+                                  <p:stCondLst>
+                                    <p:cond delay="0"/>
+                                  </p:stCondLst>
+                                  <p:childTnLst>
+                                    <p:set>
+                                      <p:cBhvr>
+                                        <p:cTn id="12" dur="1" fill="hold">
+                                          <p:stCondLst>
+                                            <p:cond delay="0"/>
+                                          </p:stCondLst>
+                                        </p:cTn>
+                                        <p:tgtEl>
+                                          <p:spTgt spid="4">
+                                            <p:txEl>
+                                              <p:pRg st="0" end="0"/>
+                                            </p:txEl>
+                                          </p:spTgt>
+                                        </p:tgtEl>
+                                        <p:attrNameLst>
+                                          <p:attrName>style.visibility</p:attrName>
+                                        </p:attrNameLst>
+                                      </p:cBhvr>
+                                      <p:to>
+                                        <p:strVal val="visible"/>
+                                      </p:to>
+                                    </p:set>
+                                    <p:anim calcmode="lin" valueType="num">
+                                      <p:cBhvr additive="base">
+                                        <p:cTn id="13" dur="500" fill="hold"/>
+                                        <p:tgtEl>
+                                          <p:spTgt spid="4">
+                                            <p:txEl>
+                                              <p:pRg st="0" end="0"/>
+                                            </p:txEl>
+                                          </p:spTgt>
+                                        </p:tgtEl>
+                                        <p:attrNameLst>
+                                          <p:attrName>ppt_x</p:attrName>
+                                        </p:attrNameLst>
+                                      </p:cBhvr>
+                                      <p:tavLst>
+                                        <p:tav tm="0">
+                                          <p:val>
+                                            <p:strVal val="0-#ppt_w/2"/>
+                                          </p:val>
+                                        </p:tav>
+                                        <p:tav tm="100000">
+                                          <p:val>
+                                            <p:strVal val="#ppt_x"/>
+                                          </p:val>
+                                        </p:tav>
+                                      </p:tavLst>
+                                    </p:anim>
+                                    <p:anim calcmode="lin" valueType="num">
+                                      <p:cBhvr additive="base">
+                                        <p:cTn id="14" dur="500" fill="hold"/>
+                                        <p:tgtEl>
+                                          <p:spTgt spid="4">
+                                            <p:txEl>
+                                              <p:pRg st="0" end="0"/>
+                                            </p:txEl>
+                                          </p:spTgt>
+                                        </p:tgtEl>
+                                        <p:attrNameLst>
+                                          <p:attrName>ppt_y</p:attrName>
+                                        </p:attrNameLst>
+                                      </p:cBhvr>
+                                      <p:tavLst>
+                                        <p:tav tm="0">
+                                          <p:val>
+                                            <p:strVal val="#ppt_y"/>
+                                          </p:val>
+                                        </p:tav>
+                                        <p:tav tm="100000">
+                                          <p:val>
+                                            <p:strVal val="#ppt_y"/>
+                                          </p:val>
+                                        </p:tav>
+                                      </p:tavLst>
+                                    </p:anim>
+                                  </p:childTnLst>
+                                </p:cTn>
+                              </p:par>
+                            </p:childTnLst>
+                          </p:cTn>
+                        </p:par>
+                        <p:par>
+                          <p:cTn id="15" fill="hold">
+                            <p:stCondLst>
+                              <p:cond delay="1000"/>
+                            </p:stCondLst>
+                            <p:childTnLst>
+                              <p:par>
+                                <p:cTn id="16" presetID="2" presetClass="entr" presetSubtype="4" fill="hold" nodeType="afterEffect">
+                                  <p:stCondLst>
+                                    <p:cond delay="0"/>
+                                  </p:stCondLst>
+                                  <p:childTnLst>
+                                    <p:set>
+                                      <p:cBhvr>
+                                        <p:cTn id="17" dur="1" fill="hold">
+                                          <p:stCondLst>
+                                            <p:cond delay="0"/>
+                                          </p:stCondLst>
+                                        </p:cTn>
+                                        <p:tgtEl>
+                                          <p:spTgt spid="3076"/>
+                                        </p:tgtEl>
+                                        <p:attrNameLst>
+                                          <p:attrName>style.visibility</p:attrName>
+                                        </p:attrNameLst>
+                                      </p:cBhvr>
+                                      <p:to>
+                                        <p:strVal val="visible"/>
+                                      </p:to>
+                                    </p:set>
+                                    <p:anim calcmode="lin" valueType="num">
+                                      <p:cBhvr additive="base">
+                                        <p:cTn id="18" dur="500" fill="hold"/>
+                                        <p:tgtEl>
+                                          <p:spTgt spid="3076"/>
+                                        </p:tgtEl>
+                                        <p:attrNameLst>
+                                          <p:attrName>ppt_x</p:attrName>
+                                        </p:attrNameLst>
+                                      </p:cBhvr>
+                                      <p:tavLst>
+                                        <p:tav tm="0">
+                                          <p:val>
+                                            <p:strVal val="#ppt_x"/>
+                                          </p:val>
+                                        </p:tav>
+                                        <p:tav tm="100000">
+                                          <p:val>
+                                            <p:strVal val="#ppt_x"/>
+                                          </p:val>
+                                        </p:tav>
+                                      </p:tavLst>
+                                    </p:anim>
+                                    <p:anim calcmode="lin" valueType="num">
+                                      <p:cBhvr additive="base">
+                                        <p:cTn id="19" dur="500" fill="hold"/>
+                                        <p:tgtEl>
+                                          <p:spTgt spid="3076"/>
+                                        </p:tgtEl>
+                                        <p:attrNameLst>
+                                          <p:attrName>ppt_y</p:attrName>
+                                        </p:attrNameLst>
+                                      </p:cBhvr>
+                                      <p:tavLst>
+                                        <p:tav tm="0">
+                                          <p:val>
+                                            <p:strVal val="1+#ppt_h/2"/>
+                                          </p:val>
+                                        </p:tav>
+                                        <p:tav tm="100000">
+                                          <p:val>
+                                            <p:strVal val="#ppt_y"/>
+                                          </p:val>
+                                        </p:tav>
+                                      </p:tavLst>
+                                    </p:anim>
+                                  </p:childTnLst>
+                                </p:cTn>
+                              </p:par>
+                            </p:childTnLst>
+                          </p:cTn>
+                        </p:par>
+                      </p:childTnLst>
+                    </p:cTn>
+                  </p:par>
+                  <p:par>
+                    <p:cTn id="20" fill="hold">
+                      <p:stCondLst>
+                        <p:cond delay="indefinite"/>
+                      </p:stCondLst>
+                      <p:childTnLst>
+                        <p:par>
+                          <p:cTn id="21" fill="hold">
+                            <p:stCondLst>
+                              <p:cond delay="0"/>
+                            </p:stCondLst>
+                            <p:childTnLst>
+                              <p:par>
+                                <p:cTn id="22" presetID="2" presetClass="entr" presetSubtype="8" fill="hold" nodeType="clickEffect">
+                                  <p:stCondLst>
+                                    <p:cond delay="0"/>
+                                  </p:stCondLst>
+                                  <p:childTnLst>
+                                    <p:set>
+                                      <p:cBhvr>
+                                        <p:cTn id="23" dur="1" fill="hold">
+                                          <p:stCondLst>
+                                            <p:cond delay="0"/>
+                                          </p:stCondLst>
+                                        </p:cTn>
+                                        <p:tgtEl>
+                                          <p:spTgt spid="4">
+                                            <p:txEl>
+                                              <p:pRg st="1" end="1"/>
+                                            </p:txEl>
+                                          </p:spTgt>
+                                        </p:tgtEl>
+                                        <p:attrNameLst>
+                                          <p:attrName>style.visibility</p:attrName>
+                                        </p:attrNameLst>
+                                      </p:cBhvr>
+                                      <p:to>
+                                        <p:strVal val="visible"/>
+                                      </p:to>
+                                    </p:set>
+                                    <p:anim calcmode="lin" valueType="num">
+                                      <p:cBhvr additive="base">
+                                        <p:cTn id="24" dur="500" fill="hold"/>
+                                        <p:tgtEl>
+                                          <p:spTgt spid="4">
+                                            <p:txEl>
+                                              <p:pRg st="1" end="1"/>
+                                            </p:txEl>
+                                          </p:spTgt>
+                                        </p:tgtEl>
+                                        <p:attrNameLst>
+                                          <p:attrName>ppt_x</p:attrName>
+                                        </p:attrNameLst>
+                                      </p:cBhvr>
+                                      <p:tavLst>
+                                        <p:tav tm="0">
+                                          <p:val>
+                                            <p:strVal val="0-#ppt_w/2"/>
+                                          </p:val>
+                                        </p:tav>
+                                        <p:tav tm="100000">
+                                          <p:val>
+                                            <p:strVal val="#ppt_x"/>
+                                          </p:val>
+                                        </p:tav>
+                                      </p:tavLst>
+                                    </p:anim>
+                                    <p:anim calcmode="lin" valueType="num">
+                                      <p:cBhvr additive="base">
+                                        <p:cTn id="25" dur="500" fill="hold"/>
+                                        <p:tgtEl>
+                                          <p:spTgt spid="4">
+                                            <p:txEl>
+                                              <p:pRg st="1" end="1"/>
+                                            </p:txEl>
+                                          </p:spTgt>
+                                        </p:tgtEl>
+                                        <p:attrNameLst>
+                                          <p:attrName>ppt_y</p:attrName>
+                                        </p:attrNameLst>
+                                      </p:cBhvr>
+                                      <p:tavLst>
+                                        <p:tav tm="0">
+                                          <p:val>
+                                            <p:strVal val="#ppt_y"/>
+                                          </p:val>
+                                        </p:tav>
+                                        <p:tav tm="100000">
+                                          <p:val>
+                                            <p:strVal val="#ppt_y"/>
+                                          </p:val>
+                                        </p:tav>
+                                      </p:tavLst>
+                                    </p:anim>
+                                  </p:childTnLst>
+                                </p:cTn>
+                              </p:par>
+                            </p:childTnLst>
+                          </p:cTn>
+                        </p:par>
+                      </p:childTnLst>
+                    </p:cTn>
+                  </p:par>
+                </p:childTnLst>
+              </p:cTn>
+              <p:prevCondLst>
+                <p:cond evt="onPrev" delay="0">
+                  <p:tgtEl>
+                    <p:sldTgt/>
+                  </p:tgtEl>
+                </p:cond>
+              </p:prevCondLst>
+              <p:nextCondLst>
+                <p:cond evt="onNext" delay="0">
+                  <p:tgtEl>
+                    <p:sldTgt/>
+                  </p:tgtEl>
+                </p:cond>
+              </p:nextCondLst>
+            </p:seq>
+          </p:childTnLst>
+        </p:cTn>
+      </p:par>
+    </p:tnLst>
+    <p:bldLst>
+      <p:bldP spid="2" grpId="0"/>
+    </p:bldLst>
+  </p:timing>
+</p:sld>
+</file>
+
+<file path=ppt/slides/slide6.xml><?xml version="1.0" encoding="utf-8"?>
+<p:sld xmlns:a="http://schemas.openxmlformats.org/drawingml/2006/main" xmlns:r="http://schemas.openxmlformats.org/officeDocument/2006/relationships" xmlns:p="http://schemas.openxmlformats.org/presentationml/2006/main">
+  <p:cSld>
+    <p:spTree>
+      <p:nvGrpSpPr>
+        <p:cNvPr id="1" name=""/>
+        <p:cNvGrpSpPr/>
+        <p:nvPr/>
+      </p:nvGrpSpPr>
+      <p:grpSpPr>
+        <a:xfrm>
+          <a:off x="0" y="0"/>
+          <a:ext cx="0" cy="0"/>
+          <a:chOff x="0" y="0"/>
+          <a:chExt cx="0" cy="0"/>
+        </a:xfrm>
+      </p:grpSpPr>
+      <p:sp>
+        <p:nvSpPr>
+          <p:cNvPr id="2" name="Cím 1"/>
+          <p:cNvSpPr>
+            <a:spLocks noGrp="1"/>
+          </p:cNvSpPr>
+          <p:nvPr>
+            <p:ph type="title"/>
+          </p:nvPr>
+        </p:nvSpPr>
+        <p:spPr>
+          <a:xfrm>
             <a:off x="1778277" y="599172"/>
             <a:ext cx="8911687" cy="1280890"/>
           </a:xfrm>
@@ -8748,21 +9473,9 @@
             </a:r>
           </a:p>
           <a:p>
-            <a:r>
-              <a:rPr lang="hu-HU" dirty="0" smtClean="0"/>
-              <a:t>(majd egy </a:t>
-            </a:r>
-            <a:r>
-              <a:rPr lang="hu-HU" dirty="0" err="1" smtClean="0"/>
-              <a:t>screenshotot</a:t>
-            </a:r>
-            <a:r>
-              <a:rPr lang="hu-HU" dirty="0" smtClean="0"/>
-              <a:t> is)</a:t>
-            </a:r>
-            <a:endParaRPr lang="hu-HU" dirty="0"/>
-          </a:p>
-          <a:p>
+            <a:pPr marL="0" indent="0">
+              <a:buNone/>
+            </a:pPr>
             <a:endParaRPr lang="hu-HU" dirty="0"/>
           </a:p>
         </p:txBody>
@@ -8999,6 +9712,88 @@
           <a:xfrm>
             <a:off x="5686945" y="3604925"/>
             <a:ext cx="2978295" cy="2978295"/>
+          </a:xfrm>
+          <a:prstGeom prst="rect">
+            <a:avLst/>
+          </a:prstGeom>
+          <a:noFill/>
+          <a:extLst>
+            <a:ext uri="{909E8E84-426E-40DD-AFC4-6F175D3DCCD1}">
+              <a14:hiddenFill xmlns:a14="http://schemas.microsoft.com/office/drawing/2010/main">
+                <a:solidFill>
+                  <a:srgbClr val="FFFFFF"/>
+                </a:solidFill>
+              </a14:hiddenFill>
+            </a:ext>
+          </a:extLst>
+        </p:spPr>
+      </p:pic>
+      <p:pic>
+        <p:nvPicPr>
+          <p:cNvPr id="1028" name="Picture 4" descr="ZBrush Dock Icon by theapplebee on DeviantArt"/>
+          <p:cNvPicPr>
+            <a:picLocks noChangeAspect="1" noChangeArrowheads="1"/>
+          </p:cNvPicPr>
+          <p:nvPr/>
+        </p:nvPicPr>
+        <p:blipFill>
+          <a:blip r:embed="rId8">
+            <a:extLst>
+              <a:ext uri="{28A0092B-C50C-407E-A947-70E740481C1C}">
+                <a14:useLocalDpi xmlns:a14="http://schemas.microsoft.com/office/drawing/2010/main" val="0"/>
+              </a:ext>
+            </a:extLst>
+          </a:blip>
+          <a:srcRect/>
+          <a:stretch>
+            <a:fillRect/>
+          </a:stretch>
+        </p:blipFill>
+        <p:spPr bwMode="auto">
+          <a:xfrm>
+            <a:off x="5775073" y="3755280"/>
+            <a:ext cx="2798755" cy="2798756"/>
+          </a:xfrm>
+          <a:prstGeom prst="rect">
+            <a:avLst/>
+          </a:prstGeom>
+          <a:noFill/>
+          <a:extLst>
+            <a:ext uri="{909E8E84-426E-40DD-AFC4-6F175D3DCCD1}">
+              <a14:hiddenFill xmlns:a14="http://schemas.microsoft.com/office/drawing/2010/main">
+                <a:solidFill>
+                  <a:srgbClr val="FFFFFF"/>
+                </a:solidFill>
+              </a14:hiddenFill>
+            </a:ext>
+          </a:extLst>
+        </p:spPr>
+      </p:pic>
+      <p:pic>
+        <p:nvPicPr>
+          <p:cNvPr id="1032" name="Picture 8" descr="Fájl:Blender logo no text.svg – Wikipédia"/>
+          <p:cNvPicPr>
+            <a:picLocks noChangeAspect="1" noChangeArrowheads="1"/>
+          </p:cNvPicPr>
+          <p:nvPr/>
+        </p:nvPicPr>
+        <p:blipFill>
+          <a:blip r:embed="rId9" cstate="print">
+            <a:extLst>
+              <a:ext uri="{28A0092B-C50C-407E-A947-70E740481C1C}">
+                <a14:useLocalDpi xmlns:a14="http://schemas.microsoft.com/office/drawing/2010/main" val="0"/>
+              </a:ext>
+            </a:extLst>
+          </a:blip>
+          <a:srcRect/>
+          <a:stretch>
+            <a:fillRect/>
+          </a:stretch>
+        </p:blipFill>
+        <p:spPr bwMode="auto">
+          <a:xfrm>
+            <a:off x="5775073" y="1346197"/>
+            <a:ext cx="2665572" cy="2180148"/>
           </a:xfrm>
           <a:prstGeom prst="rect">
             <a:avLst/>
@@ -9337,24 +10132,59 @@
                                   </p:childTnLst>
                                 </p:cTn>
                               </p:par>
+                              <p:par>
+                                <p:cTn id="30" presetID="21" presetClass="entr" presetSubtype="4" fill="hold" nodeType="withEffect">
+                                  <p:stCondLst>
+                                    <p:cond delay="0"/>
+                                  </p:stCondLst>
+                                  <p:childTnLst>
+                                    <p:set>
+                                      <p:cBhvr>
+                                        <p:cTn id="31" dur="1" fill="hold">
+                                          <p:stCondLst>
+                                            <p:cond delay="0"/>
+                                          </p:stCondLst>
+                                        </p:cTn>
+                                        <p:tgtEl>
+                                          <p:spTgt spid="2056"/>
+                                        </p:tgtEl>
+                                        <p:attrNameLst>
+                                          <p:attrName>style.visibility</p:attrName>
+                                        </p:attrNameLst>
+                                      </p:cBhvr>
+                                      <p:to>
+                                        <p:strVal val="visible"/>
+                                      </p:to>
+                                    </p:set>
+                                    <p:animEffect transition="in" filter="wheel(4)">
+                                      <p:cBhvr>
+                                        <p:cTn id="32" dur="500"/>
+                                        <p:tgtEl>
+                                          <p:spTgt spid="2056"/>
+                                        </p:tgtEl>
+                                      </p:cBhvr>
+                                    </p:animEffect>
+                                  </p:childTnLst>
+                                </p:cTn>
+                              </p:par>
                             </p:childTnLst>
                           </p:cTn>
                         </p:par>
                         <p:par>
-                          <p:cTn id="30" fill="hold">
+                          <p:cTn id="33" fill="hold">
                             <p:stCondLst>
                               <p:cond delay="1000"/>
                             </p:stCondLst>
                             <p:childTnLst>
                               <p:par>
-                                <p:cTn id="31" presetID="14" presetClass="exit" presetSubtype="10" fill="hold" nodeType="afterEffect">
+                                <p:cTn id="34" presetID="14" presetClass="exit" presetSubtype="10" fill="hold" nodeType="afterEffect">
                                   <p:stCondLst>
                                     <p:cond delay="0"/>
                                   </p:stCondLst>
                                   <p:childTnLst>
                                     <p:animEffect transition="out" filter="randombar(horizontal)">
                                       <p:cBhvr>
-                                        <p:cTn id="32" dur="500"/>
+                                        <p:cTn id="35" dur="500"/>
                                         <p:tgtEl>
                                           <p:spTgt spid="2052"/>
                                         </p:tgtEl>
@@ -9362,7 +10192,7 @@
                                     </p:animEffect>
                                     <p:set>
                                       <p:cBhvr>
-                                        <p:cTn id="33" dur="1" fill="hold">
+                                        <p:cTn id="36" dur="1" fill="hold">
                                           <p:stCondLst>
                                             <p:cond delay="499"/>
                                           </p:stCondLst>
@@ -9381,68 +10211,15 @@
                                   </p:childTnLst>
                                 </p:cTn>
                               </p:par>
-                            </p:childTnLst>
-                          </p:cTn>
-                        </p:par>
-                        <p:par>
-                          <p:cTn id="34" fill="hold">
-                            <p:stCondLst>
-                              <p:cond delay="1500"/>
-                            </p:stCondLst>
-                            <p:childTnLst>
                               <p:par>
-                                <p:cTn id="35" presetID="21" presetClass="entr" presetSubtype="4" fill="hold" nodeType="afterEffect">
+                                <p:cTn id="37" presetID="21" presetClass="entr" presetSubtype="8" fill="hold" nodeType="withEffect">
                                   <p:stCondLst>
                                     <p:cond delay="0"/>
                                   </p:stCondLst>
                                   <p:childTnLst>
                                     <p:set>
                                       <p:cBhvr>
-                                        <p:cTn id="36" dur="1" fill="hold">
-                                          <p:stCondLst>
-                                            <p:cond delay="0"/>
-                                          </p:stCondLst>
-                                        </p:cTn>
-                                        <p:tgtEl>
-                                          <p:spTgt spid="2056"/>
-                                        </p:tgtEl>
-                                        <p:attrNameLst>
-                                          <p:attrName>style.visibility</p:attrName>
-                                        </p:attrNameLst>
-                                      </p:cBhvr>
-                                      <p:to>
-                                        <p:strVal val="visible"/>
-                                      </p:to>
-                                    </p:set>
-                                    <p:animEffect transition="in" filter="wheel(4)">
-                                      <p:cBhvr>
-                                        <p:cTn id="37" dur="500"/>
-                                        <p:tgtEl>
-                                          <p:spTgt spid="2056"/>
-                                        </p:tgtEl>
-                                      </p:cBhvr>
-                                    </p:animEffect>
-                                  </p:childTnLst>
-                                </p:cTn>
-                              </p:par>
-                            </p:childTnLst>
-                          </p:cTn>
-                        </p:par>
-                        <p:par>
-                          <p:cTn id="38" fill="hold">
-                            <p:stCondLst>
-                              <p:cond delay="2000"/>
-                            </p:stCondLst>
-                            <p:childTnLst>
-                              <p:par>
-                                <p:cTn id="39" presetID="21" presetClass="entr" presetSubtype="8" fill="hold" nodeType="afterEffect">
-                                  <p:stCondLst>
-                                    <p:cond delay="0"/>
-                                  </p:stCondLst>
-                                  <p:childTnLst>
-                                    <p:set>
-                                      <p:cBhvr>
-                                        <p:cTn id="40" dur="1" fill="hold">
+                                        <p:cTn id="38" dur="1" fill="hold">
                                           <p:stCondLst>
                                             <p:cond delay="0"/>
                                           </p:stCondLst>
@@ -9460,7 +10237,7 @@
                                     </p:set>
                                     <p:animEffect transition="in" filter="wheel(8)">
                                       <p:cBhvr>
-                                        <p:cTn id="41" dur="500"/>
+                                        <p:cTn id="39" dur="500"/>
                                         <p:tgtEl>
                                           <p:spTgt spid="2054"/>
                                         </p:tgtEl>
@@ -9476,26 +10253,26 @@
                     </p:cTn>
                   </p:par>
                   <p:par>
-                    <p:cTn id="42" fill="hold">
+                    <p:cTn id="40" fill="hold">
                       <p:stCondLst>
                         <p:cond delay="indefinite"/>
                       </p:stCondLst>
                       <p:childTnLst>
                         <p:par>
-                          <p:cTn id="43" fill="hold">
+                          <p:cTn id="41" fill="hold">
                             <p:stCondLst>
                               <p:cond delay="0"/>
                             </p:stCondLst>
                             <p:childTnLst>
                               <p:par>
-                                <p:cTn id="44" presetID="6" presetClass="entr" presetSubtype="16" fill="hold" nodeType="clickEffect">
+                                <p:cTn id="42" presetID="6" presetClass="entr" presetSubtype="16" fill="hold" nodeType="clickEffect">
                                   <p:stCondLst>
                                     <p:cond delay="0"/>
                                   </p:stCondLst>
                                   <p:childTnLst>
                                     <p:set>
                                       <p:cBhvr>
-                                        <p:cTn id="45" dur="1" fill="hold">
+                                        <p:cTn id="43" dur="1" fill="hold">
                                           <p:stCondLst>
                                             <p:cond delay="0"/>
                                           </p:stCondLst>
@@ -9517,7 +10294,7 @@
                                     </p:set>
                                     <p:animEffect transition="in" filter="circle(in)">
                                       <p:cBhvr>
-                                        <p:cTn id="46" dur="500"/>
+                                        <p:cTn id="44" dur="500"/>
                                         <p:tgtEl>
                                           <p:spTgt spid="3">
                                             <p:txEl>
@@ -9534,20 +10311,20 @@
                           </p:cTn>
                         </p:par>
                         <p:par>
-                          <p:cTn id="47" fill="hold">
+                          <p:cTn id="45" fill="hold">
                             <p:stCondLst>
                               <p:cond delay="500"/>
                             </p:stCondLst>
                             <p:childTnLst>
                               <p:par>
-                                <p:cTn id="48" presetID="21" presetClass="exit" presetSubtype="4" fill="hold" nodeType="afterEffect">
+                                <p:cTn id="46" presetID="21" presetClass="exit" presetSubtype="4" fill="hold" nodeType="afterEffect">
                                   <p:stCondLst>
                                     <p:cond delay="0"/>
                                   </p:stCondLst>
                                   <p:childTnLst>
                                     <p:animEffect transition="out" filter="wheel(4)">
                                       <p:cBhvr>
-                                        <p:cTn id="49" dur="500"/>
+                                        <p:cTn id="47" dur="500"/>
                                         <p:tgtEl>
                                           <p:spTgt spid="2056"/>
                                         </p:tgtEl>
@@ -9555,7 +10332,7 @@
                                     </p:animEffect>
                                     <p:set>
                                       <p:cBhvr>
-                                        <p:cTn id="50" dur="1" fill="hold">
+                                        <p:cTn id="48" dur="1" fill="hold">
                                           <p:stCondLst>
                                             <p:cond delay="499"/>
                                           </p:stCondLst>
@@ -9574,24 +10351,59 @@
                                   </p:childTnLst>
                                 </p:cTn>
                               </p:par>
+                              <p:par>
+                                <p:cTn id="49" presetID="14" presetClass="entr" presetSubtype="10" fill="hold" nodeType="withEffect">
+                                  <p:stCondLst>
+                                    <p:cond delay="0"/>
+                                  </p:stCondLst>
+                                  <p:childTnLst>
+                                    <p:set>
+                                      <p:cBhvr>
+                                        <p:cTn id="50" dur="1" fill="hold">
+                                          <p:stCondLst>
+                                            <p:cond delay="0"/>
+                                          </p:stCondLst>
+                                        </p:cTn>
+                                        <p:tgtEl>
+                                          <p:spTgt spid="2060"/>
+                                        </p:tgtEl>
+                                        <p:attrNameLst>
+                                          <p:attrName>style.visibility</p:attrName>
+                                        </p:attrNameLst>
+                                      </p:cBhvr>
+                                      <p:to>
+                                        <p:strVal val="visible"/>
+                                      </p:to>
+                                    </p:set>
+                                    <p:animEffect transition="in" filter="randombar(horizontal)">
+                                      <p:cBhvr>
+                                        <p:cTn id="51" dur="500"/>
+                                        <p:tgtEl>
+                                          <p:spTgt spid="2060"/>
+                                        </p:tgtEl>
+                                      </p:cBhvr>
+                                    </p:animEffect>
+                                  </p:childTnLst>
+                                </p:cTn>
+                              </p:par>
                             </p:childTnLst>
                           </p:cTn>
                         </p:par>
                         <p:par>
-                          <p:cTn id="51" fill="hold">
+                          <p:cTn id="52" fill="hold">
                             <p:stCondLst>
                               <p:cond delay="1000"/>
                             </p:stCondLst>
                             <p:childTnLst>
                               <p:par>
-                                <p:cTn id="52" presetID="21" presetClass="exit" presetSubtype="1" fill="hold" nodeType="afterEffect">
+                                <p:cTn id="53" presetID="21" presetClass="exit" presetSubtype="1" fill="hold" nodeType="afterEffect">
                                   <p:stCondLst>
                                     <p:cond delay="0"/>
                                   </p:stCondLst>
                                   <p:childTnLst>
                                     <p:animEffect transition="out" filter="wheel(1)">
                                       <p:cBhvr>
-                                        <p:cTn id="53" dur="500"/>
+                                        <p:cTn id="54" dur="500"/>
                                         <p:tgtEl>
                                           <p:spTgt spid="2054"/>
                                         </p:tgtEl>
@@ -9599,7 +10411,7 @@
                                     </p:animEffect>
                                     <p:set>
                                       <p:cBhvr>
-                                        <p:cTn id="54" dur="1" fill="hold">
+                                        <p:cTn id="55" dur="1" fill="hold">
                                           <p:stCondLst>
                                             <p:cond delay="499"/>
                                           </p:stCondLst>
@@ -9618,17 +10430,8 @@
                                   </p:childTnLst>
                                 </p:cTn>
                               </p:par>
-                            </p:childTnLst>
-                          </p:cTn>
-                        </p:par>
-                        <p:par>
-                          <p:cTn id="55" fill="hold">
-                            <p:stCondLst>
-                              <p:cond delay="1500"/>
-                            </p:stCondLst>
-                            <p:childTnLst>
                               <p:par>
-                                <p:cTn id="56" presetID="14" presetClass="entr" presetSubtype="10" fill="hold" nodeType="afterEffect">
+                                <p:cTn id="56" presetID="14" presetClass="entr" presetSubtype="5" fill="hold" nodeType="withEffect">
                                   <p:stCondLst>
                                     <p:cond delay="0"/>
                                   </p:stCondLst>
@@ -9636,50 +10439,6 @@
                                     <p:set>
                                       <p:cBhvr>
                                         <p:cTn id="57" dur="1" fill="hold">
-                                          <p:stCondLst>
-                                            <p:cond delay="0"/>
-                                          </p:stCondLst>
-                                        </p:cTn>
-                                        <p:tgtEl>
-                                          <p:spTgt spid="2060"/>
-                                        </p:tgtEl>
-                                        <p:attrNameLst>
-                                          <p:attrName>style.visibility</p:attrName>
-                                        </p:attrNameLst>
-                                      </p:cBhvr>
-                                      <p:to>
-                                        <p:strVal val="visible"/>
-                                      </p:to>
-                                    </p:set>
-                                    <p:animEffect transition="in" filter="randombar(horizontal)">
-                                      <p:cBhvr>
-                                        <p:cTn id="58" dur="500"/>
-                                        <p:tgtEl>
-                                          <p:spTgt spid="2060"/>
-                                        </p:tgtEl>
-                                      </p:cBhvr>
-                                    </p:animEffect>
-                                  </p:childTnLst>
-                                </p:cTn>
-                              </p:par>
-                            </p:childTnLst>
-                          </p:cTn>
-                        </p:par>
-                        <p:par>
-                          <p:cTn id="59" fill="hold">
-                            <p:stCondLst>
-                              <p:cond delay="2000"/>
-                            </p:stCondLst>
-                            <p:childTnLst>
-                              <p:par>
-                                <p:cTn id="60" presetID="14" presetClass="entr" presetSubtype="5" fill="hold" nodeType="afterEffect">
-                                  <p:stCondLst>
-                                    <p:cond delay="0"/>
-                                  </p:stCondLst>
-                                  <p:childTnLst>
-                                    <p:set>
-                                      <p:cBhvr>
-                                        <p:cTn id="61" dur="1" fill="hold">
                                           <p:stCondLst>
                                             <p:cond delay="0"/>
                                           </p:stCondLst>
@@ -9697,12 +10456,231 @@
                                     </p:set>
                                     <p:animEffect transition="in" filter="randombar(vertical)">
                                       <p:cBhvr>
-                                        <p:cTn id="62" dur="500"/>
+                                        <p:cTn id="58" dur="500"/>
                                         <p:tgtEl>
                                           <p:spTgt spid="2062"/>
                                         </p:tgtEl>
                                       </p:cBhvr>
                                     </p:animEffect>
+                                  </p:childTnLst>
+                                </p:cTn>
+                              </p:par>
+                            </p:childTnLst>
+                          </p:cTn>
+                        </p:par>
+                      </p:childTnLst>
+                    </p:cTn>
+                  </p:par>
+                  <p:par>
+                    <p:cTn id="59" fill="hold">
+                      <p:stCondLst>
+                        <p:cond delay="indefinite"/>
+                      </p:stCondLst>
+                      <p:childTnLst>
+                        <p:par>
+                          <p:cTn id="60" fill="hold">
+                            <p:stCondLst>
+                              <p:cond delay="0"/>
+                            </p:stCondLst>
+                            <p:childTnLst>
+                              <p:par>
+                                <p:cTn id="61" presetID="16" presetClass="entr" presetSubtype="21" fill="hold" nodeType="clickEffect">
+                                  <p:stCondLst>
+                                    <p:cond delay="0"/>
+                                  </p:stCondLst>
+                                  <p:childTnLst>
+                                    <p:set>
+                                      <p:cBhvr>
+                                        <p:cTn id="62" dur="1" fill="hold">
+                                          <p:stCondLst>
+                                            <p:cond delay="0"/>
+                                          </p:stCondLst>
+                                        </p:cTn>
+                                        <p:tgtEl>
+                                          <p:spTgt spid="3">
+                                            <p:txEl>
+                                              <p:pRg st="3" end="3"/>
+                                            </p:txEl>
+                                          </p:spTgt>
+                                        </p:tgtEl>
+                                        <p:attrNameLst>
+                                          <p:attrName>style.visibility</p:attrName>
+                                        </p:attrNameLst>
+                                      </p:cBhvr>
+                                      <p:to>
+                                        <p:strVal val="visible"/>
+                                      </p:to>
+                                    </p:set>
+                                    <p:animEffect transition="in" filter="barn(inVertical)">
+                                      <p:cBhvr>
+                                        <p:cTn id="63" dur="500"/>
+                                        <p:tgtEl>
+                                          <p:spTgt spid="3">
+                                            <p:txEl>
+                                              <p:pRg st="3" end="3"/>
+                                            </p:txEl>
+                                          </p:spTgt>
+                                        </p:tgtEl>
+                                      </p:cBhvr>
+                                    </p:animEffect>
+                                  </p:childTnLst>
+                                </p:cTn>
+                              </p:par>
+                            </p:childTnLst>
+                          </p:cTn>
+                        </p:par>
+                        <p:par>
+                          <p:cTn id="64" fill="hold">
+                            <p:stCondLst>
+                              <p:cond delay="500"/>
+                            </p:stCondLst>
+                            <p:childTnLst>
+                              <p:par>
+                                <p:cTn id="65" presetID="16" presetClass="entr" presetSubtype="26" fill="hold" nodeType="afterEffect">
+                                  <p:stCondLst>
+                                    <p:cond delay="0"/>
+                                  </p:stCondLst>
+                                  <p:childTnLst>
+                                    <p:set>
+                                      <p:cBhvr>
+                                        <p:cTn id="66" dur="1" fill="hold">
+                                          <p:stCondLst>
+                                            <p:cond delay="0"/>
+                                          </p:stCondLst>
+                                        </p:cTn>
+                                        <p:tgtEl>
+                                          <p:spTgt spid="1032"/>
+                                        </p:tgtEl>
+                                        <p:attrNameLst>
+                                          <p:attrName>style.visibility</p:attrName>
+                                        </p:attrNameLst>
+                                      </p:cBhvr>
+                                      <p:to>
+                                        <p:strVal val="visible"/>
+                                      </p:to>
+                                    </p:set>
+                                    <p:animEffect transition="in" filter="barn(inHorizontal)">
+                                      <p:cBhvr>
+                                        <p:cTn id="67" dur="500"/>
+                                        <p:tgtEl>
+                                          <p:spTgt spid="1032"/>
+                                        </p:tgtEl>
+                                      </p:cBhvr>
+                                    </p:animEffect>
+                                  </p:childTnLst>
+                                </p:cTn>
+                              </p:par>
+                              <p:par>
+                                <p:cTn id="68" presetID="14" presetClass="exit" presetSubtype="10" fill="hold" nodeType="withEffect">
+                                  <p:stCondLst>
+                                    <p:cond delay="0"/>
+                                  </p:stCondLst>
+                                  <p:childTnLst>
+                                    <p:animEffect transition="out" filter="randombar(horizontal)">
+                                      <p:cBhvr>
+                                        <p:cTn id="69" dur="500"/>
+                                        <p:tgtEl>
+                                          <p:spTgt spid="2060"/>
+                                        </p:tgtEl>
+                                      </p:cBhvr>
+                                    </p:animEffect>
+                                    <p:set>
+                                      <p:cBhvr>
+                                        <p:cTn id="70" dur="1" fill="hold">
+                                          <p:stCondLst>
+                                            <p:cond delay="499"/>
+                                          </p:stCondLst>
+                                        </p:cTn>
+                                        <p:tgtEl>
+                                          <p:spTgt spid="2060"/>
+                                        </p:tgtEl>
+                                        <p:attrNameLst>
+                                          <p:attrName>style.visibility</p:attrName>
+                                        </p:attrNameLst>
+                                      </p:cBhvr>
+                                      <p:to>
+                                        <p:strVal val="hidden"/>
+                                      </p:to>
+                                    </p:set>
+                                  </p:childTnLst>
+                                </p:cTn>
+                              </p:par>
+                            </p:childTnLst>
+                          </p:cTn>
+                        </p:par>
+                        <p:par>
+                          <p:cTn id="71" fill="hold">
+                            <p:stCondLst>
+                              <p:cond delay="1000"/>
+                            </p:stCondLst>
+                            <p:childTnLst>
+                              <p:par>
+                                <p:cTn id="72" presetID="16" presetClass="entr" presetSubtype="42" fill="hold" nodeType="afterEffect">
+                                  <p:stCondLst>
+                                    <p:cond delay="0"/>
+                                  </p:stCondLst>
+                                  <p:childTnLst>
+                                    <p:set>
+                                      <p:cBhvr>
+                                        <p:cTn id="73" dur="1" fill="hold">
+                                          <p:stCondLst>
+                                            <p:cond delay="0"/>
+                                          </p:stCondLst>
+                                        </p:cTn>
+                                        <p:tgtEl>
+                                          <p:spTgt spid="1028"/>
+                                        </p:tgtEl>
+                                        <p:attrNameLst>
+                                          <p:attrName>style.visibility</p:attrName>
+                                        </p:attrNameLst>
+                                      </p:cBhvr>
+                                      <p:to>
+                                        <p:strVal val="visible"/>
+                                      </p:to>
+                                    </p:set>
+                                    <p:animEffect transition="in" filter="barn(outHorizontal)">
+                                      <p:cBhvr>
+                                        <p:cTn id="74" dur="500"/>
+                                        <p:tgtEl>
+                                          <p:spTgt spid="1028"/>
+                                        </p:tgtEl>
+                                      </p:cBhvr>
+                                    </p:animEffect>
+                                  </p:childTnLst>
+                                </p:cTn>
+                              </p:par>
+                              <p:par>
+                                <p:cTn id="75" presetID="14" presetClass="exit" presetSubtype="5" fill="hold" nodeType="withEffect">
+                                  <p:stCondLst>
+                                    <p:cond delay="0"/>
+                                  </p:stCondLst>
+                                  <p:childTnLst>
+                                    <p:animEffect transition="out" filter="randombar(vertical)">
+                                      <p:cBhvr>
+                                        <p:cTn id="76" dur="500"/>
+                                        <p:tgtEl>
+                                          <p:spTgt spid="2062"/>
+                                        </p:tgtEl>
+                                      </p:cBhvr>
+                                    </p:animEffect>
+                                    <p:set>
+                                      <p:cBhvr>
+                                        <p:cTn id="77" dur="1" fill="hold">
+                                          <p:stCondLst>
+                                            <p:cond delay="499"/>
+                                          </p:stCondLst>
+                                        </p:cTn>
+                                        <p:tgtEl>
+                                          <p:spTgt spid="2062"/>
+                                        </p:tgtEl>
+                                        <p:attrNameLst>
+                                          <p:attrName>style.visibility</p:attrName>
+                                        </p:attrNameLst>
+                                      </p:cBhvr>
+                                      <p:to>
+                                        <p:strVal val="hidden"/>
+                                      </p:to>
+                                    </p:set>
                                   </p:childTnLst>
                                 </p:cTn>
                               </p:par>
@@ -9740,180 +10718,7 @@
 </p:sld>
 </file>
 
-<file path=ppt/slides/slide5.xml><?xml version="1.0" encoding="utf-8"?>
-<p:sld xmlns:a="http://schemas.openxmlformats.org/drawingml/2006/main" xmlns:r="http://schemas.openxmlformats.org/officeDocument/2006/relationships" xmlns:p="http://schemas.openxmlformats.org/presentationml/2006/main">
-  <p:cSld>
-    <p:spTree>
-      <p:nvGrpSpPr>
-        <p:cNvPr id="1" name=""/>
-        <p:cNvGrpSpPr/>
-        <p:nvPr/>
-      </p:nvGrpSpPr>
-      <p:grpSpPr>
-        <a:xfrm>
-          <a:off x="0" y="0"/>
-          <a:ext cx="0" cy="0"/>
-          <a:chOff x="0" y="0"/>
-          <a:chExt cx="0" cy="0"/>
-        </a:xfrm>
-      </p:grpSpPr>
-      <p:sp>
-        <p:nvSpPr>
-          <p:cNvPr id="2" name="Cím 1"/>
-          <p:cNvSpPr>
-            <a:spLocks noGrp="1"/>
-          </p:cNvSpPr>
-          <p:nvPr>
-            <p:ph type="title"/>
-          </p:nvPr>
-        </p:nvSpPr>
-        <p:spPr>
-          <a:xfrm>
-            <a:off x="1803215" y="565921"/>
-            <a:ext cx="8911687" cy="1280890"/>
-          </a:xfrm>
-        </p:spPr>
-        <p:txBody>
-          <a:bodyPr/>
-          <a:lstStyle/>
-          <a:p>
-            <a:r>
-              <a:rPr lang="hu-HU" dirty="0" smtClean="0"/>
-              <a:t>Márkák</a:t>
-            </a:r>
-            <a:endParaRPr lang="hu-HU" dirty="0"/>
-          </a:p>
-        </p:txBody>
-      </p:sp>
-      <p:sp>
-        <p:nvSpPr>
-          <p:cNvPr id="4" name="Tartalom helye 3"/>
-          <p:cNvSpPr>
-            <a:spLocks noGrp="1"/>
-          </p:cNvSpPr>
-          <p:nvPr>
-            <p:ph sz="half" idx="2"/>
-          </p:nvPr>
-        </p:nvSpPr>
-        <p:spPr>
-          <a:xfrm>
-            <a:off x="1803215" y="1840541"/>
-            <a:ext cx="4342893" cy="4059257"/>
-          </a:xfrm>
-        </p:spPr>
-        <p:txBody>
-          <a:bodyPr>
-            <a:normAutofit/>
-          </a:bodyPr>
-          <a:lstStyle/>
-          <a:p>
-            <a:r>
-              <a:rPr lang="hu-HU" dirty="0" err="1" smtClean="0"/>
-              <a:t>Wacom</a:t>
-            </a:r>
-            <a:endParaRPr lang="hu-HU" dirty="0" smtClean="0"/>
-          </a:p>
-          <a:p>
-            <a:r>
-              <a:rPr lang="hu-HU" dirty="0" err="1" smtClean="0"/>
-              <a:t>Xencelabs</a:t>
-            </a:r>
-            <a:endParaRPr lang="hu-HU" dirty="0" smtClean="0"/>
-          </a:p>
-          <a:p>
-            <a:r>
-              <a:rPr lang="hu-HU" dirty="0" err="1" smtClean="0"/>
-              <a:t>Huion</a:t>
-            </a:r>
-            <a:endParaRPr lang="hu-HU" dirty="0" smtClean="0"/>
-          </a:p>
-          <a:p>
-            <a:r>
-              <a:rPr lang="hu-HU" dirty="0" err="1" smtClean="0"/>
-              <a:t>Xp</a:t>
-            </a:r>
-            <a:r>
-              <a:rPr lang="hu-HU" dirty="0" smtClean="0"/>
-              <a:t>-pen</a:t>
-            </a:r>
-          </a:p>
-          <a:p>
-            <a:r>
-              <a:rPr lang="hu-HU" dirty="0" err="1" smtClean="0"/>
-              <a:t>Gaomon</a:t>
-            </a:r>
-            <a:endParaRPr lang="hu-HU" dirty="0" smtClean="0"/>
-          </a:p>
-          <a:p>
-            <a:r>
-              <a:rPr lang="hu-HU" dirty="0" err="1" smtClean="0"/>
-              <a:t>Artisul</a:t>
-            </a:r>
-            <a:endParaRPr lang="hu-HU" dirty="0" smtClean="0"/>
-          </a:p>
-          <a:p>
-            <a:r>
-              <a:rPr lang="hu-HU" dirty="0" err="1" smtClean="0"/>
-              <a:t>Parblo</a:t>
-            </a:r>
-            <a:endParaRPr lang="hu-HU" dirty="0" smtClean="0"/>
-          </a:p>
-          <a:p>
-            <a:r>
-              <a:rPr lang="hu-HU" dirty="0" err="1" smtClean="0"/>
-              <a:t>Veikk</a:t>
-            </a:r>
-            <a:endParaRPr lang="hu-HU" dirty="0" smtClean="0"/>
-          </a:p>
-          <a:p>
-            <a:r>
-              <a:rPr lang="hu-HU" dirty="0" err="1" smtClean="0"/>
-              <a:t>Ugee</a:t>
-            </a:r>
-            <a:endParaRPr lang="hu-HU" dirty="0"/>
-          </a:p>
-        </p:txBody>
-      </p:sp>
-      <p:sp>
-        <p:nvSpPr>
-          <p:cNvPr id="7" name="Tartalom helye 6"/>
-          <p:cNvSpPr>
-            <a:spLocks noGrp="1"/>
-          </p:cNvSpPr>
-          <p:nvPr>
-            <p:ph sz="quarter" idx="4"/>
-          </p:nvPr>
-        </p:nvSpPr>
-        <p:spPr/>
-        <p:txBody>
-          <a:bodyPr/>
-          <a:lstStyle/>
-          <a:p>
-            <a:endParaRPr lang="hu-HU"/>
-          </a:p>
-        </p:txBody>
-      </p:sp>
-    </p:spTree>
-    <p:extLst>
-      <p:ext uri="{BB962C8B-B14F-4D97-AF65-F5344CB8AC3E}">
-        <p14:creationId xmlns:p14="http://schemas.microsoft.com/office/powerpoint/2010/main" val="1324698263"/>
-      </p:ext>
-    </p:extLst>
-  </p:cSld>
-  <p:clrMapOvr>
-    <a:masterClrMapping/>
-  </p:clrMapOvr>
-  <p:timing>
-    <p:tnLst>
-      <p:par>
-        <p:cTn id="1" dur="indefinite" restart="never" nodeType="tmRoot"/>
-      </p:par>
-    </p:tnLst>
-  </p:timing>
-</p:sld>
-</file>
-
-<file path=ppt/slides/slide6.xml><?xml version="1.0" encoding="utf-8"?>
+<file path=ppt/slides/slide7.xml><?xml version="1.0" encoding="utf-8"?>
 <p:sld xmlns:a="http://schemas.openxmlformats.org/drawingml/2006/main" xmlns:r="http://schemas.openxmlformats.org/officeDocument/2006/relationships" xmlns:p="http://schemas.openxmlformats.org/presentationml/2006/main">
   <p:cSld>
     <p:spTree>

--- a/ÁcsBenjámin.pptx
+++ b/ÁcsBenjámin.pptx
@@ -306,7 +306,7 @@
           <a:p>
             <a:fld id="{1FBE6F4E-83DD-4E98-AD18-B1A817740B5F}" type="datetimeFigureOut">
               <a:rPr lang="hu-HU" smtClean="0"/>
-              <a:t>2022.09.20.</a:t>
+              <a:t>2022.09.21.</a:t>
             </a:fld>
             <a:endParaRPr lang="hu-HU"/>
           </a:p>
@@ -644,7 +644,7 @@
           <a:p>
             <a:fld id="{1FBE6F4E-83DD-4E98-AD18-B1A817740B5F}" type="datetimeFigureOut">
               <a:rPr lang="hu-HU" smtClean="0"/>
-              <a:t>2022.09.20.</a:t>
+              <a:t>2022.09.21.</a:t>
             </a:fld>
             <a:endParaRPr lang="hu-HU"/>
           </a:p>
@@ -1045,7 +1045,7 @@
           <a:p>
             <a:fld id="{1FBE6F4E-83DD-4E98-AD18-B1A817740B5F}" type="datetimeFigureOut">
               <a:rPr lang="hu-HU" smtClean="0"/>
-              <a:t>2022.09.20.</a:t>
+              <a:t>2022.09.21.</a:t>
             </a:fld>
             <a:endParaRPr lang="hu-HU"/>
           </a:p>
@@ -1381,7 +1381,7 @@
           <a:p>
             <a:fld id="{1FBE6F4E-83DD-4E98-AD18-B1A817740B5F}" type="datetimeFigureOut">
               <a:rPr lang="hu-HU" smtClean="0"/>
-              <a:t>2022.09.20.</a:t>
+              <a:t>2022.09.21.</a:t>
             </a:fld>
             <a:endParaRPr lang="hu-HU"/>
           </a:p>
@@ -1701,7 +1701,7 @@
           <a:p>
             <a:fld id="{1FBE6F4E-83DD-4E98-AD18-B1A817740B5F}" type="datetimeFigureOut">
               <a:rPr lang="hu-HU" smtClean="0"/>
-              <a:t>2022.09.20.</a:t>
+              <a:t>2022.09.21.</a:t>
             </a:fld>
             <a:endParaRPr lang="hu-HU"/>
           </a:p>
@@ -2097,7 +2097,7 @@
           <a:p>
             <a:fld id="{1FBE6F4E-83DD-4E98-AD18-B1A817740B5F}" type="datetimeFigureOut">
               <a:rPr lang="hu-HU" smtClean="0"/>
-              <a:t>2022.09.20.</a:t>
+              <a:t>2022.09.21.</a:t>
             </a:fld>
             <a:endParaRPr lang="hu-HU"/>
           </a:p>
@@ -2354,7 +2354,7 @@
           <a:p>
             <a:fld id="{1FBE6F4E-83DD-4E98-AD18-B1A817740B5F}" type="datetimeFigureOut">
               <a:rPr lang="hu-HU" smtClean="0"/>
-              <a:t>2022.09.20.</a:t>
+              <a:t>2022.09.21.</a:t>
             </a:fld>
             <a:endParaRPr lang="hu-HU"/>
           </a:p>
@@ -2616,7 +2616,7 @@
           <a:p>
             <a:fld id="{1FBE6F4E-83DD-4E98-AD18-B1A817740B5F}" type="datetimeFigureOut">
               <a:rPr lang="hu-HU" smtClean="0"/>
-              <a:t>2022.09.20.</a:t>
+              <a:t>2022.09.21.</a:t>
             </a:fld>
             <a:endParaRPr lang="hu-HU"/>
           </a:p>
@@ -2878,7 +2878,7 @@
           <a:p>
             <a:fld id="{1FBE6F4E-83DD-4E98-AD18-B1A817740B5F}" type="datetimeFigureOut">
               <a:rPr lang="hu-HU" smtClean="0"/>
-              <a:t>2022.09.20.</a:t>
+              <a:t>2022.09.21.</a:t>
             </a:fld>
             <a:endParaRPr lang="hu-HU"/>
           </a:p>
@@ -3207,7 +3207,7 @@
           <a:p>
             <a:fld id="{1FBE6F4E-83DD-4E98-AD18-B1A817740B5F}" type="datetimeFigureOut">
               <a:rPr lang="hu-HU" smtClean="0"/>
-              <a:t>2022.09.20.</a:t>
+              <a:t>2022.09.21.</a:t>
             </a:fld>
             <a:endParaRPr lang="hu-HU"/>
           </a:p>
@@ -3530,7 +3530,7 @@
           <a:p>
             <a:fld id="{1FBE6F4E-83DD-4E98-AD18-B1A817740B5F}" type="datetimeFigureOut">
               <a:rPr lang="hu-HU" smtClean="0"/>
-              <a:t>2022.09.20.</a:t>
+              <a:t>2022.09.21.</a:t>
             </a:fld>
             <a:endParaRPr lang="hu-HU"/>
           </a:p>
@@ -3987,7 +3987,7 @@
           <a:p>
             <a:fld id="{1FBE6F4E-83DD-4E98-AD18-B1A817740B5F}" type="datetimeFigureOut">
               <a:rPr lang="hu-HU" smtClean="0"/>
-              <a:t>2022.09.20.</a:t>
+              <a:t>2022.09.21.</a:t>
             </a:fld>
             <a:endParaRPr lang="hu-HU"/>
           </a:p>
@@ -4192,7 +4192,7 @@
           <a:p>
             <a:fld id="{1FBE6F4E-83DD-4E98-AD18-B1A817740B5F}" type="datetimeFigureOut">
               <a:rPr lang="hu-HU" smtClean="0"/>
-              <a:t>2022.09.20.</a:t>
+              <a:t>2022.09.21.</a:t>
             </a:fld>
             <a:endParaRPr lang="hu-HU"/>
           </a:p>
@@ -4369,7 +4369,7 @@
           <a:p>
             <a:fld id="{1FBE6F4E-83DD-4E98-AD18-B1A817740B5F}" type="datetimeFigureOut">
               <a:rPr lang="hu-HU" smtClean="0"/>
-              <a:t>2022.09.20.</a:t>
+              <a:t>2022.09.21.</a:t>
             </a:fld>
             <a:endParaRPr lang="hu-HU"/>
           </a:p>
@@ -4702,7 +4702,7 @@
           <a:p>
             <a:fld id="{1FBE6F4E-83DD-4E98-AD18-B1A817740B5F}" type="datetimeFigureOut">
               <a:rPr lang="hu-HU" smtClean="0"/>
-              <a:t>2022.09.20.</a:t>
+              <a:t>2022.09.21.</a:t>
             </a:fld>
             <a:endParaRPr lang="hu-HU"/>
           </a:p>
@@ -5047,7 +5047,7 @@
           <a:p>
             <a:fld id="{1FBE6F4E-83DD-4E98-AD18-B1A817740B5F}" type="datetimeFigureOut">
               <a:rPr lang="hu-HU" smtClean="0"/>
-              <a:t>2022.09.20.</a:t>
+              <a:t>2022.09.21.</a:t>
             </a:fld>
             <a:endParaRPr lang="hu-HU"/>
           </a:p>
@@ -7101,7 +7101,7 @@
           <a:p>
             <a:fld id="{1FBE6F4E-83DD-4E98-AD18-B1A817740B5F}" type="datetimeFigureOut">
               <a:rPr lang="hu-HU" smtClean="0"/>
-              <a:t>2022.09.20.</a:t>
+              <a:t>2022.09.21.</a:t>
             </a:fld>
             <a:endParaRPr lang="hu-HU"/>
           </a:p>
@@ -8617,25 +8617,170 @@
           </a:p>
         </p:txBody>
       </p:sp>
-      <p:sp>
-        <p:nvSpPr>
-          <p:cNvPr id="9" name="Tartalom helye 8"/>
-          <p:cNvSpPr>
-            <a:spLocks noGrp="1"/>
-          </p:cNvSpPr>
-          <p:nvPr>
-            <p:ph sz="quarter" idx="4"/>
-          </p:nvPr>
-        </p:nvSpPr>
-        <p:spPr/>
-        <p:txBody>
-          <a:bodyPr/>
-          <a:lstStyle/>
-          <a:p>
-            <a:endParaRPr lang="hu-HU"/>
-          </a:p>
-        </p:txBody>
-      </p:sp>
+      <p:pic>
+        <p:nvPicPr>
+          <p:cNvPr id="2054" name="Picture 6" descr="WACOM CTL-672-N: Graphics tablet, One by Wacom medium at reichelt elektronik"/>
+          <p:cNvPicPr>
+            <a:picLocks noChangeAspect="1" noChangeArrowheads="1"/>
+          </p:cNvPicPr>
+          <p:nvPr/>
+        </p:nvPicPr>
+        <p:blipFill>
+          <a:blip r:embed="rId2" cstate="print">
+            <a:extLst>
+              <a:ext uri="{28A0092B-C50C-407E-A947-70E740481C1C}">
+                <a14:useLocalDpi xmlns:a14="http://schemas.microsoft.com/office/drawing/2010/main" val="0"/>
+              </a:ext>
+            </a:extLst>
+          </a:blip>
+          <a:srcRect/>
+          <a:stretch>
+            <a:fillRect/>
+          </a:stretch>
+        </p:blipFill>
+        <p:spPr bwMode="auto">
+          <a:xfrm>
+            <a:off x="5963199" y="1930854"/>
+            <a:ext cx="5329805" cy="3788748"/>
+          </a:xfrm>
+          <a:prstGeom prst="rect">
+            <a:avLst/>
+          </a:prstGeom>
+          <a:noFill/>
+          <a:extLst>
+            <a:ext uri="{909E8E84-426E-40DD-AFC4-6F175D3DCCD1}">
+              <a14:hiddenFill xmlns:a14="http://schemas.microsoft.com/office/drawing/2010/main">
+                <a:solidFill>
+                  <a:srgbClr val="FFFFFF"/>
+                </a:solidFill>
+              </a14:hiddenFill>
+            </a:ext>
+          </a:extLst>
+        </p:spPr>
+      </p:pic>
+      <p:pic>
+        <p:nvPicPr>
+          <p:cNvPr id="2056" name="Picture 8" descr="WACOM ONE: Graphics tablet, Wacom One 13-pen display at reichelt elektronik"/>
+          <p:cNvPicPr>
+            <a:picLocks noChangeAspect="1" noChangeArrowheads="1"/>
+          </p:cNvPicPr>
+          <p:nvPr/>
+        </p:nvPicPr>
+        <p:blipFill>
+          <a:blip r:embed="rId3">
+            <a:extLst>
+              <a:ext uri="{28A0092B-C50C-407E-A947-70E740481C1C}">
+                <a14:useLocalDpi xmlns:a14="http://schemas.microsoft.com/office/drawing/2010/main" val="0"/>
+              </a:ext>
+            </a:extLst>
+          </a:blip>
+          <a:srcRect/>
+          <a:stretch>
+            <a:fillRect/>
+          </a:stretch>
+        </p:blipFill>
+        <p:spPr bwMode="auto">
+          <a:xfrm>
+            <a:off x="5166275" y="1930854"/>
+            <a:ext cx="6923651" cy="3592420"/>
+          </a:xfrm>
+          <a:prstGeom prst="rect">
+            <a:avLst/>
+          </a:prstGeom>
+          <a:noFill/>
+          <a:extLst>
+            <a:ext uri="{909E8E84-426E-40DD-AFC4-6F175D3DCCD1}">
+              <a14:hiddenFill xmlns:a14="http://schemas.microsoft.com/office/drawing/2010/main">
+                <a:solidFill>
+                  <a:srgbClr val="FFFFFF"/>
+                </a:solidFill>
+              </a14:hiddenFill>
+            </a:ext>
+          </a:extLst>
+        </p:spPr>
+      </p:pic>
+      <p:pic>
+        <p:nvPicPr>
+          <p:cNvPr id="2058" name="Picture 10" descr="Tayasui Sketches"/>
+          <p:cNvPicPr>
+            <a:picLocks noChangeAspect="1" noChangeArrowheads="1"/>
+          </p:cNvPicPr>
+          <p:nvPr/>
+        </p:nvPicPr>
+        <p:blipFill>
+          <a:blip r:embed="rId4">
+            <a:extLst>
+              <a:ext uri="{28A0092B-C50C-407E-A947-70E740481C1C}">
+                <a14:useLocalDpi xmlns:a14="http://schemas.microsoft.com/office/drawing/2010/main" val="0"/>
+              </a:ext>
+            </a:extLst>
+          </a:blip>
+          <a:srcRect/>
+          <a:stretch>
+            <a:fillRect/>
+          </a:stretch>
+        </p:blipFill>
+        <p:spPr bwMode="auto">
+          <a:xfrm>
+            <a:off x="5420852" y="1075359"/>
+            <a:ext cx="6414496" cy="4691135"/>
+          </a:xfrm>
+          <a:prstGeom prst="rect">
+            <a:avLst/>
+          </a:prstGeom>
+          <a:noFill/>
+          <a:extLst>
+            <a:ext uri="{909E8E84-426E-40DD-AFC4-6F175D3DCCD1}">
+              <a14:hiddenFill xmlns:a14="http://schemas.microsoft.com/office/drawing/2010/main">
+                <a:solidFill>
+                  <a:srgbClr val="FFFFFF"/>
+                </a:solidFill>
+              </a14:hiddenFill>
+            </a:ext>
+          </a:extLst>
+        </p:spPr>
+      </p:pic>
+      <p:pic>
+        <p:nvPicPr>
+          <p:cNvPr id="2060" name="Picture 12" descr="Graphic Tablets – The Art of TaniDaReal"/>
+          <p:cNvPicPr>
+            <a:picLocks noChangeAspect="1" noChangeArrowheads="1"/>
+          </p:cNvPicPr>
+          <p:nvPr/>
+        </p:nvPicPr>
+        <p:blipFill>
+          <a:blip r:embed="rId5">
+            <a:extLst>
+              <a:ext uri="{28A0092B-C50C-407E-A947-70E740481C1C}">
+                <a14:useLocalDpi xmlns:a14="http://schemas.microsoft.com/office/drawing/2010/main" val="0"/>
+              </a:ext>
+            </a:extLst>
+          </a:blip>
+          <a:srcRect/>
+          <a:stretch>
+            <a:fillRect/>
+          </a:stretch>
+        </p:blipFill>
+        <p:spPr bwMode="auto">
+          <a:xfrm>
+            <a:off x="5166274" y="1316327"/>
+            <a:ext cx="6613525" cy="4821473"/>
+          </a:xfrm>
+          <a:prstGeom prst="rect">
+            <a:avLst/>
+          </a:prstGeom>
+          <a:noFill/>
+          <a:extLst>
+            <a:ext uri="{909E8E84-426E-40DD-AFC4-6F175D3DCCD1}">
+              <a14:hiddenFill xmlns:a14="http://schemas.microsoft.com/office/drawing/2010/main">
+                <a:solidFill>
+                  <a:srgbClr val="FFFFFF"/>
+                </a:solidFill>
+              </a14:hiddenFill>
+            </a:ext>
+          </a:extLst>
+        </p:spPr>
+      </p:pic>
     </p:spTree>
     <p:extLst>
       <p:ext uri="{BB962C8B-B14F-4D97-AF65-F5344CB8AC3E}">
@@ -8649,9 +8794,813 @@
   <p:timing>
     <p:tnLst>
       <p:par>
-        <p:cTn id="1" dur="indefinite" restart="never" nodeType="tmRoot"/>
+        <p:cTn id="1" dur="indefinite" restart="never" nodeType="tmRoot">
+          <p:childTnLst>
+            <p:seq concurrent="1" nextAc="seek">
+              <p:cTn id="2" dur="indefinite" nodeType="mainSeq">
+                <p:childTnLst>
+                  <p:par>
+                    <p:cTn id="3" fill="hold">
+                      <p:stCondLst>
+                        <p:cond delay="indefinite"/>
+                        <p:cond evt="onBegin" delay="0">
+                          <p:tn val="2"/>
+                        </p:cond>
+                      </p:stCondLst>
+                      <p:childTnLst>
+                        <p:par>
+                          <p:cTn id="4" fill="hold">
+                            <p:stCondLst>
+                              <p:cond delay="0"/>
+                            </p:stCondLst>
+                            <p:childTnLst>
+                              <p:par>
+                                <p:cTn id="5" presetID="2" presetClass="entr" presetSubtype="8" fill="hold" grpId="0" nodeType="afterEffect">
+                                  <p:stCondLst>
+                                    <p:cond delay="0"/>
+                                  </p:stCondLst>
+                                  <p:childTnLst>
+                                    <p:set>
+                                      <p:cBhvr>
+                                        <p:cTn id="6" dur="1" fill="hold">
+                                          <p:stCondLst>
+                                            <p:cond delay="0"/>
+                                          </p:stCondLst>
+                                        </p:cTn>
+                                        <p:tgtEl>
+                                          <p:spTgt spid="2"/>
+                                        </p:tgtEl>
+                                        <p:attrNameLst>
+                                          <p:attrName>style.visibility</p:attrName>
+                                        </p:attrNameLst>
+                                      </p:cBhvr>
+                                      <p:to>
+                                        <p:strVal val="visible"/>
+                                      </p:to>
+                                    </p:set>
+                                    <p:anim calcmode="lin" valueType="num">
+                                      <p:cBhvr additive="base">
+                                        <p:cTn id="7" dur="500" fill="hold"/>
+                                        <p:tgtEl>
+                                          <p:spTgt spid="2"/>
+                                        </p:tgtEl>
+                                        <p:attrNameLst>
+                                          <p:attrName>ppt_x</p:attrName>
+                                        </p:attrNameLst>
+                                      </p:cBhvr>
+                                      <p:tavLst>
+                                        <p:tav tm="0">
+                                          <p:val>
+                                            <p:strVal val="0-#ppt_w/2"/>
+                                          </p:val>
+                                        </p:tav>
+                                        <p:tav tm="100000">
+                                          <p:val>
+                                            <p:strVal val="#ppt_x"/>
+                                          </p:val>
+                                        </p:tav>
+                                      </p:tavLst>
+                                    </p:anim>
+                                    <p:anim calcmode="lin" valueType="num">
+                                      <p:cBhvr additive="base">
+                                        <p:cTn id="8" dur="500" fill="hold"/>
+                                        <p:tgtEl>
+                                          <p:spTgt spid="2"/>
+                                        </p:tgtEl>
+                                        <p:attrNameLst>
+                                          <p:attrName>ppt_y</p:attrName>
+                                        </p:attrNameLst>
+                                      </p:cBhvr>
+                                      <p:tavLst>
+                                        <p:tav tm="0">
+                                          <p:val>
+                                            <p:strVal val="#ppt_y"/>
+                                          </p:val>
+                                        </p:tav>
+                                        <p:tav tm="100000">
+                                          <p:val>
+                                            <p:strVal val="#ppt_y"/>
+                                          </p:val>
+                                        </p:tav>
+                                      </p:tavLst>
+                                    </p:anim>
+                                  </p:childTnLst>
+                                </p:cTn>
+                              </p:par>
+                            </p:childTnLst>
+                          </p:cTn>
+                        </p:par>
+                        <p:par>
+                          <p:cTn id="9" fill="hold">
+                            <p:stCondLst>
+                              <p:cond delay="500"/>
+                            </p:stCondLst>
+                            <p:childTnLst>
+                              <p:par>
+                                <p:cTn id="10" presetID="2" presetClass="entr" presetSubtype="8" fill="hold" nodeType="afterEffect">
+                                  <p:stCondLst>
+                                    <p:cond delay="0"/>
+                                  </p:stCondLst>
+                                  <p:childTnLst>
+                                    <p:set>
+                                      <p:cBhvr>
+                                        <p:cTn id="11" dur="1" fill="hold">
+                                          <p:stCondLst>
+                                            <p:cond delay="0"/>
+                                          </p:stCondLst>
+                                        </p:cTn>
+                                        <p:tgtEl>
+                                          <p:spTgt spid="4">
+                                            <p:txEl>
+                                              <p:pRg st="0" end="0"/>
+                                            </p:txEl>
+                                          </p:spTgt>
+                                        </p:tgtEl>
+                                        <p:attrNameLst>
+                                          <p:attrName>style.visibility</p:attrName>
+                                        </p:attrNameLst>
+                                      </p:cBhvr>
+                                      <p:to>
+                                        <p:strVal val="visible"/>
+                                      </p:to>
+                                    </p:set>
+                                    <p:anim calcmode="lin" valueType="num">
+                                      <p:cBhvr additive="base">
+                                        <p:cTn id="12" dur="500" fill="hold"/>
+                                        <p:tgtEl>
+                                          <p:spTgt spid="4">
+                                            <p:txEl>
+                                              <p:pRg st="0" end="0"/>
+                                            </p:txEl>
+                                          </p:spTgt>
+                                        </p:tgtEl>
+                                        <p:attrNameLst>
+                                          <p:attrName>ppt_x</p:attrName>
+                                        </p:attrNameLst>
+                                      </p:cBhvr>
+                                      <p:tavLst>
+                                        <p:tav tm="0">
+                                          <p:val>
+                                            <p:strVal val="0-#ppt_w/2"/>
+                                          </p:val>
+                                        </p:tav>
+                                        <p:tav tm="100000">
+                                          <p:val>
+                                            <p:strVal val="#ppt_x"/>
+                                          </p:val>
+                                        </p:tav>
+                                      </p:tavLst>
+                                    </p:anim>
+                                    <p:anim calcmode="lin" valueType="num">
+                                      <p:cBhvr additive="base">
+                                        <p:cTn id="13" dur="500" fill="hold"/>
+                                        <p:tgtEl>
+                                          <p:spTgt spid="4">
+                                            <p:txEl>
+                                              <p:pRg st="0" end="0"/>
+                                            </p:txEl>
+                                          </p:spTgt>
+                                        </p:tgtEl>
+                                        <p:attrNameLst>
+                                          <p:attrName>ppt_y</p:attrName>
+                                        </p:attrNameLst>
+                                      </p:cBhvr>
+                                      <p:tavLst>
+                                        <p:tav tm="0">
+                                          <p:val>
+                                            <p:strVal val="#ppt_y"/>
+                                          </p:val>
+                                        </p:tav>
+                                        <p:tav tm="100000">
+                                          <p:val>
+                                            <p:strVal val="#ppt_y"/>
+                                          </p:val>
+                                        </p:tav>
+                                      </p:tavLst>
+                                    </p:anim>
+                                  </p:childTnLst>
+                                </p:cTn>
+                              </p:par>
+                            </p:childTnLst>
+                          </p:cTn>
+                        </p:par>
+                        <p:par>
+                          <p:cTn id="14" fill="hold">
+                            <p:stCondLst>
+                              <p:cond delay="1000"/>
+                            </p:stCondLst>
+                            <p:childTnLst>
+                              <p:par>
+                                <p:cTn id="15" presetID="16" presetClass="entr" presetSubtype="21" fill="hold" nodeType="afterEffect">
+                                  <p:stCondLst>
+                                    <p:cond delay="0"/>
+                                  </p:stCondLst>
+                                  <p:childTnLst>
+                                    <p:set>
+                                      <p:cBhvr>
+                                        <p:cTn id="16" dur="1" fill="hold">
+                                          <p:stCondLst>
+                                            <p:cond delay="0"/>
+                                          </p:stCondLst>
+                                        </p:cTn>
+                                        <p:tgtEl>
+                                          <p:spTgt spid="2054"/>
+                                        </p:tgtEl>
+                                        <p:attrNameLst>
+                                          <p:attrName>style.visibility</p:attrName>
+                                        </p:attrNameLst>
+                                      </p:cBhvr>
+                                      <p:to>
+                                        <p:strVal val="visible"/>
+                                      </p:to>
+                                    </p:set>
+                                    <p:animEffect transition="in" filter="barn(inVertical)">
+                                      <p:cBhvr>
+                                        <p:cTn id="17" dur="500"/>
+                                        <p:tgtEl>
+                                          <p:spTgt spid="2054"/>
+                                        </p:tgtEl>
+                                      </p:cBhvr>
+                                    </p:animEffect>
+                                  </p:childTnLst>
+                                </p:cTn>
+                              </p:par>
+                            </p:childTnLst>
+                          </p:cTn>
+                        </p:par>
+                      </p:childTnLst>
+                    </p:cTn>
+                  </p:par>
+                  <p:par>
+                    <p:cTn id="18" fill="hold">
+                      <p:stCondLst>
+                        <p:cond delay="indefinite"/>
+                      </p:stCondLst>
+                      <p:childTnLst>
+                        <p:par>
+                          <p:cTn id="19" fill="hold">
+                            <p:stCondLst>
+                              <p:cond delay="0"/>
+                            </p:stCondLst>
+                            <p:childTnLst>
+                              <p:par>
+                                <p:cTn id="20" presetID="2" presetClass="entr" presetSubtype="8" fill="hold" nodeType="clickEffect">
+                                  <p:stCondLst>
+                                    <p:cond delay="0"/>
+                                  </p:stCondLst>
+                                  <p:childTnLst>
+                                    <p:set>
+                                      <p:cBhvr>
+                                        <p:cTn id="21" dur="1" fill="hold">
+                                          <p:stCondLst>
+                                            <p:cond delay="0"/>
+                                          </p:stCondLst>
+                                        </p:cTn>
+                                        <p:tgtEl>
+                                          <p:spTgt spid="4">
+                                            <p:txEl>
+                                              <p:pRg st="2" end="2"/>
+                                            </p:txEl>
+                                          </p:spTgt>
+                                        </p:tgtEl>
+                                        <p:attrNameLst>
+                                          <p:attrName>style.visibility</p:attrName>
+                                        </p:attrNameLst>
+                                      </p:cBhvr>
+                                      <p:to>
+                                        <p:strVal val="visible"/>
+                                      </p:to>
+                                    </p:set>
+                                    <p:anim calcmode="lin" valueType="num">
+                                      <p:cBhvr additive="base">
+                                        <p:cTn id="22" dur="500" fill="hold"/>
+                                        <p:tgtEl>
+                                          <p:spTgt spid="4">
+                                            <p:txEl>
+                                              <p:pRg st="2" end="2"/>
+                                            </p:txEl>
+                                          </p:spTgt>
+                                        </p:tgtEl>
+                                        <p:attrNameLst>
+                                          <p:attrName>ppt_x</p:attrName>
+                                        </p:attrNameLst>
+                                      </p:cBhvr>
+                                      <p:tavLst>
+                                        <p:tav tm="0">
+                                          <p:val>
+                                            <p:strVal val="0-#ppt_w/2"/>
+                                          </p:val>
+                                        </p:tav>
+                                        <p:tav tm="100000">
+                                          <p:val>
+                                            <p:strVal val="#ppt_x"/>
+                                          </p:val>
+                                        </p:tav>
+                                      </p:tavLst>
+                                    </p:anim>
+                                    <p:anim calcmode="lin" valueType="num">
+                                      <p:cBhvr additive="base">
+                                        <p:cTn id="23" dur="500" fill="hold"/>
+                                        <p:tgtEl>
+                                          <p:spTgt spid="4">
+                                            <p:txEl>
+                                              <p:pRg st="2" end="2"/>
+                                            </p:txEl>
+                                          </p:spTgt>
+                                        </p:tgtEl>
+                                        <p:attrNameLst>
+                                          <p:attrName>ppt_y</p:attrName>
+                                        </p:attrNameLst>
+                                      </p:cBhvr>
+                                      <p:tavLst>
+                                        <p:tav tm="0">
+                                          <p:val>
+                                            <p:strVal val="#ppt_y"/>
+                                          </p:val>
+                                        </p:tav>
+                                        <p:tav tm="100000">
+                                          <p:val>
+                                            <p:strVal val="#ppt_y"/>
+                                          </p:val>
+                                        </p:tav>
+                                      </p:tavLst>
+                                    </p:anim>
+                                  </p:childTnLst>
+                                </p:cTn>
+                              </p:par>
+                            </p:childTnLst>
+                          </p:cTn>
+                        </p:par>
+                        <p:par>
+                          <p:cTn id="24" fill="hold">
+                            <p:stCondLst>
+                              <p:cond delay="500"/>
+                            </p:stCondLst>
+                            <p:childTnLst>
+                              <p:par>
+                                <p:cTn id="25" presetID="14" presetClass="exit" presetSubtype="10" fill="hold" nodeType="afterEffect">
+                                  <p:stCondLst>
+                                    <p:cond delay="0"/>
+                                  </p:stCondLst>
+                                  <p:childTnLst>
+                                    <p:animEffect transition="out" filter="randombar(horizontal)">
+                                      <p:cBhvr>
+                                        <p:cTn id="26" dur="500"/>
+                                        <p:tgtEl>
+                                          <p:spTgt spid="2054"/>
+                                        </p:tgtEl>
+                                      </p:cBhvr>
+                                    </p:animEffect>
+                                    <p:set>
+                                      <p:cBhvr>
+                                        <p:cTn id="27" dur="1" fill="hold">
+                                          <p:stCondLst>
+                                            <p:cond delay="499"/>
+                                          </p:stCondLst>
+                                        </p:cTn>
+                                        <p:tgtEl>
+                                          <p:spTgt spid="2054"/>
+                                        </p:tgtEl>
+                                        <p:attrNameLst>
+                                          <p:attrName>style.visibility</p:attrName>
+                                        </p:attrNameLst>
+                                      </p:cBhvr>
+                                      <p:to>
+                                        <p:strVal val="hidden"/>
+                                      </p:to>
+                                    </p:set>
+                                  </p:childTnLst>
+                                </p:cTn>
+                              </p:par>
+                              <p:par>
+                                <p:cTn id="28" presetID="14" presetClass="entr" presetSubtype="10" fill="hold" nodeType="withEffect">
+                                  <p:stCondLst>
+                                    <p:cond delay="0"/>
+                                  </p:stCondLst>
+                                  <p:childTnLst>
+                                    <p:set>
+                                      <p:cBhvr>
+                                        <p:cTn id="29" dur="1" fill="hold">
+                                          <p:stCondLst>
+                                            <p:cond delay="0"/>
+                                          </p:stCondLst>
+                                        </p:cTn>
+                                        <p:tgtEl>
+                                          <p:spTgt spid="2056"/>
+                                        </p:tgtEl>
+                                        <p:attrNameLst>
+                                          <p:attrName>style.visibility</p:attrName>
+                                        </p:attrNameLst>
+                                      </p:cBhvr>
+                                      <p:to>
+                                        <p:strVal val="visible"/>
+                                      </p:to>
+                                    </p:set>
+                                    <p:animEffect transition="in" filter="randombar(horizontal)">
+                                      <p:cBhvr>
+                                        <p:cTn id="30" dur="500"/>
+                                        <p:tgtEl>
+                                          <p:spTgt spid="2056"/>
+                                        </p:tgtEl>
+                                      </p:cBhvr>
+                                    </p:animEffect>
+                                  </p:childTnLst>
+                                </p:cTn>
+                              </p:par>
+                            </p:childTnLst>
+                          </p:cTn>
+                        </p:par>
+                      </p:childTnLst>
+                    </p:cTn>
+                  </p:par>
+                  <p:par>
+                    <p:cTn id="31" fill="hold">
+                      <p:stCondLst>
+                        <p:cond delay="indefinite"/>
+                      </p:stCondLst>
+                      <p:childTnLst>
+                        <p:par>
+                          <p:cTn id="32" fill="hold">
+                            <p:stCondLst>
+                              <p:cond delay="0"/>
+                            </p:stCondLst>
+                            <p:childTnLst>
+                              <p:par>
+                                <p:cTn id="33" presetID="2" presetClass="entr" presetSubtype="8" fill="hold" nodeType="clickEffect">
+                                  <p:stCondLst>
+                                    <p:cond delay="0"/>
+                                  </p:stCondLst>
+                                  <p:childTnLst>
+                                    <p:set>
+                                      <p:cBhvr>
+                                        <p:cTn id="34" dur="1" fill="hold">
+                                          <p:stCondLst>
+                                            <p:cond delay="0"/>
+                                          </p:stCondLst>
+                                        </p:cTn>
+                                        <p:tgtEl>
+                                          <p:spTgt spid="4">
+                                            <p:txEl>
+                                              <p:pRg st="4" end="4"/>
+                                            </p:txEl>
+                                          </p:spTgt>
+                                        </p:tgtEl>
+                                        <p:attrNameLst>
+                                          <p:attrName>style.visibility</p:attrName>
+                                        </p:attrNameLst>
+                                      </p:cBhvr>
+                                      <p:to>
+                                        <p:strVal val="visible"/>
+                                      </p:to>
+                                    </p:set>
+                                    <p:anim calcmode="lin" valueType="num">
+                                      <p:cBhvr additive="base">
+                                        <p:cTn id="35" dur="500" fill="hold"/>
+                                        <p:tgtEl>
+                                          <p:spTgt spid="4">
+                                            <p:txEl>
+                                              <p:pRg st="4" end="4"/>
+                                            </p:txEl>
+                                          </p:spTgt>
+                                        </p:tgtEl>
+                                        <p:attrNameLst>
+                                          <p:attrName>ppt_x</p:attrName>
+                                        </p:attrNameLst>
+                                      </p:cBhvr>
+                                      <p:tavLst>
+                                        <p:tav tm="0">
+                                          <p:val>
+                                            <p:strVal val="0-#ppt_w/2"/>
+                                          </p:val>
+                                        </p:tav>
+                                        <p:tav tm="100000">
+                                          <p:val>
+                                            <p:strVal val="#ppt_x"/>
+                                          </p:val>
+                                        </p:tav>
+                                      </p:tavLst>
+                                    </p:anim>
+                                    <p:anim calcmode="lin" valueType="num">
+                                      <p:cBhvr additive="base">
+                                        <p:cTn id="36" dur="500" fill="hold"/>
+                                        <p:tgtEl>
+                                          <p:spTgt spid="4">
+                                            <p:txEl>
+                                              <p:pRg st="4" end="4"/>
+                                            </p:txEl>
+                                          </p:spTgt>
+                                        </p:tgtEl>
+                                        <p:attrNameLst>
+                                          <p:attrName>ppt_y</p:attrName>
+                                        </p:attrNameLst>
+                                      </p:cBhvr>
+                                      <p:tavLst>
+                                        <p:tav tm="0">
+                                          <p:val>
+                                            <p:strVal val="#ppt_y"/>
+                                          </p:val>
+                                        </p:tav>
+                                        <p:tav tm="100000">
+                                          <p:val>
+                                            <p:strVal val="#ppt_y"/>
+                                          </p:val>
+                                        </p:tav>
+                                      </p:tavLst>
+                                    </p:anim>
+                                  </p:childTnLst>
+                                </p:cTn>
+                              </p:par>
+                            </p:childTnLst>
+                          </p:cTn>
+                        </p:par>
+                        <p:par>
+                          <p:cTn id="37" fill="hold">
+                            <p:stCondLst>
+                              <p:cond delay="500"/>
+                            </p:stCondLst>
+                            <p:childTnLst>
+                              <p:par>
+                                <p:cTn id="38" presetID="21" presetClass="exit" presetSubtype="1" fill="hold" nodeType="afterEffect">
+                                  <p:stCondLst>
+                                    <p:cond delay="0"/>
+                                  </p:stCondLst>
+                                  <p:childTnLst>
+                                    <p:animEffect transition="out" filter="wheel(1)">
+                                      <p:cBhvr>
+                                        <p:cTn id="39" dur="500"/>
+                                        <p:tgtEl>
+                                          <p:spTgt spid="2056"/>
+                                        </p:tgtEl>
+                                      </p:cBhvr>
+                                    </p:animEffect>
+                                    <p:set>
+                                      <p:cBhvr>
+                                        <p:cTn id="40" dur="1" fill="hold">
+                                          <p:stCondLst>
+                                            <p:cond delay="499"/>
+                                          </p:stCondLst>
+                                        </p:cTn>
+                                        <p:tgtEl>
+                                          <p:spTgt spid="2056"/>
+                                        </p:tgtEl>
+                                        <p:attrNameLst>
+                                          <p:attrName>style.visibility</p:attrName>
+                                        </p:attrNameLst>
+                                      </p:cBhvr>
+                                      <p:to>
+                                        <p:strVal val="hidden"/>
+                                      </p:to>
+                                    </p:set>
+                                  </p:childTnLst>
+                                </p:cTn>
+                              </p:par>
+                              <p:par>
+                                <p:cTn id="41" presetID="21" presetClass="entr" presetSubtype="1" fill="hold" nodeType="withEffect">
+                                  <p:stCondLst>
+                                    <p:cond delay="0"/>
+                                  </p:stCondLst>
+                                  <p:childTnLst>
+                                    <p:set>
+                                      <p:cBhvr>
+                                        <p:cTn id="42" dur="1" fill="hold">
+                                          <p:stCondLst>
+                                            <p:cond delay="0"/>
+                                          </p:stCondLst>
+                                        </p:cTn>
+                                        <p:tgtEl>
+                                          <p:spTgt spid="2058"/>
+                                        </p:tgtEl>
+                                        <p:attrNameLst>
+                                          <p:attrName>style.visibility</p:attrName>
+                                        </p:attrNameLst>
+                                      </p:cBhvr>
+                                      <p:to>
+                                        <p:strVal val="visible"/>
+                                      </p:to>
+                                    </p:set>
+                                    <p:animEffect transition="in" filter="wheel(1)">
+                                      <p:cBhvr>
+                                        <p:cTn id="43" dur="500"/>
+                                        <p:tgtEl>
+                                          <p:spTgt spid="2058"/>
+                                        </p:tgtEl>
+                                      </p:cBhvr>
+                                    </p:animEffect>
+                                  </p:childTnLst>
+                                </p:cTn>
+                              </p:par>
+                            </p:childTnLst>
+                          </p:cTn>
+                        </p:par>
+                      </p:childTnLst>
+                    </p:cTn>
+                  </p:par>
+                  <p:par>
+                    <p:cTn id="44" fill="hold">
+                      <p:stCondLst>
+                        <p:cond delay="indefinite"/>
+                      </p:stCondLst>
+                      <p:childTnLst>
+                        <p:par>
+                          <p:cTn id="45" fill="hold">
+                            <p:stCondLst>
+                              <p:cond delay="0"/>
+                            </p:stCondLst>
+                            <p:childTnLst>
+                              <p:par>
+                                <p:cTn id="46" presetID="2" presetClass="entr" presetSubtype="8" fill="hold" nodeType="clickEffect">
+                                  <p:stCondLst>
+                                    <p:cond delay="0"/>
+                                  </p:stCondLst>
+                                  <p:childTnLst>
+                                    <p:set>
+                                      <p:cBhvr>
+                                        <p:cTn id="47" dur="1" fill="hold">
+                                          <p:stCondLst>
+                                            <p:cond delay="0"/>
+                                          </p:stCondLst>
+                                        </p:cTn>
+                                        <p:tgtEl>
+                                          <p:spTgt spid="4">
+                                            <p:txEl>
+                                              <p:pRg st="6" end="6"/>
+                                            </p:txEl>
+                                          </p:spTgt>
+                                        </p:tgtEl>
+                                        <p:attrNameLst>
+                                          <p:attrName>style.visibility</p:attrName>
+                                        </p:attrNameLst>
+                                      </p:cBhvr>
+                                      <p:to>
+                                        <p:strVal val="visible"/>
+                                      </p:to>
+                                    </p:set>
+                                    <p:anim calcmode="lin" valueType="num">
+                                      <p:cBhvr additive="base">
+                                        <p:cTn id="48" dur="500" fill="hold"/>
+                                        <p:tgtEl>
+                                          <p:spTgt spid="4">
+                                            <p:txEl>
+                                              <p:pRg st="6" end="6"/>
+                                            </p:txEl>
+                                          </p:spTgt>
+                                        </p:tgtEl>
+                                        <p:attrNameLst>
+                                          <p:attrName>ppt_x</p:attrName>
+                                        </p:attrNameLst>
+                                      </p:cBhvr>
+                                      <p:tavLst>
+                                        <p:tav tm="0">
+                                          <p:val>
+                                            <p:strVal val="0-#ppt_w/2"/>
+                                          </p:val>
+                                        </p:tav>
+                                        <p:tav tm="100000">
+                                          <p:val>
+                                            <p:strVal val="#ppt_x"/>
+                                          </p:val>
+                                        </p:tav>
+                                      </p:tavLst>
+                                    </p:anim>
+                                    <p:anim calcmode="lin" valueType="num">
+                                      <p:cBhvr additive="base">
+                                        <p:cTn id="49" dur="500" fill="hold"/>
+                                        <p:tgtEl>
+                                          <p:spTgt spid="4">
+                                            <p:txEl>
+                                              <p:pRg st="6" end="6"/>
+                                            </p:txEl>
+                                          </p:spTgt>
+                                        </p:tgtEl>
+                                        <p:attrNameLst>
+                                          <p:attrName>ppt_y</p:attrName>
+                                        </p:attrNameLst>
+                                      </p:cBhvr>
+                                      <p:tavLst>
+                                        <p:tav tm="0">
+                                          <p:val>
+                                            <p:strVal val="#ppt_y"/>
+                                          </p:val>
+                                        </p:tav>
+                                        <p:tav tm="100000">
+                                          <p:val>
+                                            <p:strVal val="#ppt_y"/>
+                                          </p:val>
+                                        </p:tav>
+                                      </p:tavLst>
+                                    </p:anim>
+                                  </p:childTnLst>
+                                </p:cTn>
+                              </p:par>
+                            </p:childTnLst>
+                          </p:cTn>
+                        </p:par>
+                        <p:par>
+                          <p:cTn id="50" fill="hold">
+                            <p:stCondLst>
+                              <p:cond delay="500"/>
+                            </p:stCondLst>
+                            <p:childTnLst>
+                              <p:par>
+                                <p:cTn id="51" presetID="16" presetClass="exit" presetSubtype="21" fill="hold" nodeType="afterEffect">
+                                  <p:stCondLst>
+                                    <p:cond delay="0"/>
+                                  </p:stCondLst>
+                                  <p:childTnLst>
+                                    <p:animEffect transition="out" filter="barn(inVertical)">
+                                      <p:cBhvr>
+                                        <p:cTn id="52" dur="500"/>
+                                        <p:tgtEl>
+                                          <p:spTgt spid="2058"/>
+                                        </p:tgtEl>
+                                      </p:cBhvr>
+                                    </p:animEffect>
+                                    <p:set>
+                                      <p:cBhvr>
+                                        <p:cTn id="53" dur="1" fill="hold">
+                                          <p:stCondLst>
+                                            <p:cond delay="499"/>
+                                          </p:stCondLst>
+                                        </p:cTn>
+                                        <p:tgtEl>
+                                          <p:spTgt spid="2058"/>
+                                        </p:tgtEl>
+                                        <p:attrNameLst>
+                                          <p:attrName>style.visibility</p:attrName>
+                                        </p:attrNameLst>
+                                      </p:cBhvr>
+                                      <p:to>
+                                        <p:strVal val="hidden"/>
+                                      </p:to>
+                                    </p:set>
+                                  </p:childTnLst>
+                                </p:cTn>
+                              </p:par>
+                              <p:par>
+                                <p:cTn id="54" presetID="16" presetClass="entr" presetSubtype="37" fill="hold" nodeType="withEffect">
+                                  <p:stCondLst>
+                                    <p:cond delay="0"/>
+                                  </p:stCondLst>
+                                  <p:childTnLst>
+                                    <p:set>
+                                      <p:cBhvr>
+                                        <p:cTn id="55" dur="1" fill="hold">
+                                          <p:stCondLst>
+                                            <p:cond delay="0"/>
+                                          </p:stCondLst>
+                                        </p:cTn>
+                                        <p:tgtEl>
+                                          <p:spTgt spid="2060"/>
+                                        </p:tgtEl>
+                                        <p:attrNameLst>
+                                          <p:attrName>style.visibility</p:attrName>
+                                        </p:attrNameLst>
+                                      </p:cBhvr>
+                                      <p:to>
+                                        <p:strVal val="visible"/>
+                                      </p:to>
+                                    </p:set>
+                                    <p:animEffect transition="in" filter="barn(outVertical)">
+                                      <p:cBhvr>
+                                        <p:cTn id="56" dur="500"/>
+                                        <p:tgtEl>
+                                          <p:spTgt spid="2060"/>
+                                        </p:tgtEl>
+                                      </p:cBhvr>
+                                    </p:animEffect>
+                                  </p:childTnLst>
+                                </p:cTn>
+                              </p:par>
+                            </p:childTnLst>
+                          </p:cTn>
+                        </p:par>
+                      </p:childTnLst>
+                    </p:cTn>
+                  </p:par>
+                </p:childTnLst>
+              </p:cTn>
+              <p:prevCondLst>
+                <p:cond evt="onPrev" delay="0">
+                  <p:tgtEl>
+                    <p:sldTgt/>
+                  </p:tgtEl>
+                </p:cond>
+              </p:prevCondLst>
+              <p:nextCondLst>
+                <p:cond evt="onNext" delay="0">
+                  <p:tgtEl>
+                    <p:sldTgt/>
+                  </p:tgtEl>
+                </p:cond>
+              </p:nextCondLst>
+            </p:seq>
+          </p:childTnLst>
+        </p:cTn>
       </p:par>
     </p:tnLst>
+    <p:bldLst>
+      <p:bldP spid="2" grpId="0"/>
+    </p:bldLst>
   </p:timing>
 </p:sld>
 </file>
@@ -8764,6 +9713,129 @@
           </a:p>
         </p:txBody>
       </p:sp>
+      <p:pic>
+        <p:nvPicPr>
+          <p:cNvPr id="3074" name="Picture 2" descr="One by Wacom Pen Tablet - Works with Chromebook (Small | 8.3 x 5.7 x 0"/>
+          <p:cNvPicPr>
+            <a:picLocks noChangeAspect="1" noChangeArrowheads="1"/>
+          </p:cNvPicPr>
+          <p:nvPr/>
+        </p:nvPicPr>
+        <p:blipFill>
+          <a:blip r:embed="rId2">
+            <a:extLst>
+              <a:ext uri="{28A0092B-C50C-407E-A947-70E740481C1C}">
+                <a14:useLocalDpi xmlns:a14="http://schemas.microsoft.com/office/drawing/2010/main" val="0"/>
+              </a:ext>
+            </a:extLst>
+          </a:blip>
+          <a:srcRect/>
+          <a:stretch>
+            <a:fillRect/>
+          </a:stretch>
+        </p:blipFill>
+        <p:spPr bwMode="auto">
+          <a:xfrm>
+            <a:off x="5595301" y="2260600"/>
+            <a:ext cx="6050030" cy="3173413"/>
+          </a:xfrm>
+          <a:prstGeom prst="rect">
+            <a:avLst/>
+          </a:prstGeom>
+          <a:noFill/>
+          <a:extLst>
+            <a:ext uri="{909E8E84-426E-40DD-AFC4-6F175D3DCCD1}">
+              <a14:hiddenFill xmlns:a14="http://schemas.microsoft.com/office/drawing/2010/main">
+                <a:solidFill>
+                  <a:srgbClr val="FFFFFF"/>
+                </a:solidFill>
+              </a14:hiddenFill>
+            </a:ext>
+          </a:extLst>
+        </p:spPr>
+      </p:pic>
+      <p:pic>
+        <p:nvPicPr>
+          <p:cNvPr id="3076" name="Picture 4" descr="Articka"/>
+          <p:cNvPicPr>
+            <a:picLocks noChangeAspect="1" noChangeArrowheads="1"/>
+          </p:cNvPicPr>
+          <p:nvPr/>
+        </p:nvPicPr>
+        <p:blipFill>
+          <a:blip r:embed="rId3">
+            <a:extLst>
+              <a:ext uri="{28A0092B-C50C-407E-A947-70E740481C1C}">
+                <a14:useLocalDpi xmlns:a14="http://schemas.microsoft.com/office/drawing/2010/main" val="0"/>
+              </a:ext>
+            </a:extLst>
+          </a:blip>
+          <a:srcRect/>
+          <a:stretch>
+            <a:fillRect/>
+          </a:stretch>
+        </p:blipFill>
+        <p:spPr bwMode="auto">
+          <a:xfrm>
+            <a:off x="7372541" y="864394"/>
+            <a:ext cx="2724150" cy="5629276"/>
+          </a:xfrm>
+          <a:prstGeom prst="rect">
+            <a:avLst/>
+          </a:prstGeom>
+          <a:noFill/>
+          <a:extLst>
+            <a:ext uri="{909E8E84-426E-40DD-AFC4-6F175D3DCCD1}">
+              <a14:hiddenFill xmlns:a14="http://schemas.microsoft.com/office/drawing/2010/main">
+                <a:solidFill>
+                  <a:srgbClr val="FFFFFF"/>
+                </a:solidFill>
+              </a14:hiddenFill>
+            </a:ext>
+          </a:extLst>
+        </p:spPr>
+      </p:pic>
+      <p:pic>
+        <p:nvPicPr>
+          <p:cNvPr id="3078" name="Picture 6" descr="Pen Nibs | Accessories | GAOMON"/>
+          <p:cNvPicPr>
+            <a:picLocks noChangeAspect="1" noChangeArrowheads="1"/>
+          </p:cNvPicPr>
+          <p:nvPr/>
+        </p:nvPicPr>
+        <p:blipFill>
+          <a:blip r:embed="rId4">
+            <a:extLst>
+              <a:ext uri="{28A0092B-C50C-407E-A947-70E740481C1C}">
+                <a14:useLocalDpi xmlns:a14="http://schemas.microsoft.com/office/drawing/2010/main" val="0"/>
+              </a:ext>
+            </a:extLst>
+          </a:blip>
+          <a:srcRect/>
+          <a:stretch>
+            <a:fillRect/>
+          </a:stretch>
+        </p:blipFill>
+        <p:spPr bwMode="auto">
+          <a:xfrm>
+            <a:off x="5627911" y="838596"/>
+            <a:ext cx="6017420" cy="6017420"/>
+          </a:xfrm>
+          <a:prstGeom prst="rect">
+            <a:avLst/>
+          </a:prstGeom>
+          <a:noFill/>
+          <a:extLst>
+            <a:ext uri="{909E8E84-426E-40DD-AFC4-6F175D3DCCD1}">
+              <a14:hiddenFill xmlns:a14="http://schemas.microsoft.com/office/drawing/2010/main">
+                <a:solidFill>
+                  <a:srgbClr val="FFFFFF"/>
+                </a:solidFill>
+              </a14:hiddenFill>
+            </a:ext>
+          </a:extLst>
+        </p:spPr>
+      </p:pic>
     </p:spTree>
     <p:extLst>
       <p:ext uri="{BB962C8B-B14F-4D97-AF65-F5344CB8AC3E}">
@@ -8777,9 +9849,723 @@
   <p:timing>
     <p:tnLst>
       <p:par>
-        <p:cTn id="1" dur="indefinite" restart="never" nodeType="tmRoot"/>
+        <p:cTn id="1" dur="indefinite" restart="never" nodeType="tmRoot">
+          <p:childTnLst>
+            <p:seq concurrent="1" nextAc="seek">
+              <p:cTn id="2" dur="indefinite" nodeType="mainSeq">
+                <p:childTnLst>
+                  <p:par>
+                    <p:cTn id="3" fill="hold">
+                      <p:stCondLst>
+                        <p:cond delay="indefinite"/>
+                        <p:cond evt="onBegin" delay="0">
+                          <p:tn val="2"/>
+                        </p:cond>
+                      </p:stCondLst>
+                      <p:childTnLst>
+                        <p:par>
+                          <p:cTn id="4" fill="hold">
+                            <p:stCondLst>
+                              <p:cond delay="0"/>
+                            </p:stCondLst>
+                            <p:childTnLst>
+                              <p:par>
+                                <p:cTn id="5" presetID="2" presetClass="entr" presetSubtype="8" fill="hold" grpId="0" nodeType="afterEffect">
+                                  <p:stCondLst>
+                                    <p:cond delay="0"/>
+                                  </p:stCondLst>
+                                  <p:childTnLst>
+                                    <p:set>
+                                      <p:cBhvr>
+                                        <p:cTn id="6" dur="1" fill="hold">
+                                          <p:stCondLst>
+                                            <p:cond delay="0"/>
+                                          </p:stCondLst>
+                                        </p:cTn>
+                                        <p:tgtEl>
+                                          <p:spTgt spid="2"/>
+                                        </p:tgtEl>
+                                        <p:attrNameLst>
+                                          <p:attrName>style.visibility</p:attrName>
+                                        </p:attrNameLst>
+                                      </p:cBhvr>
+                                      <p:to>
+                                        <p:strVal val="visible"/>
+                                      </p:to>
+                                    </p:set>
+                                    <p:anim calcmode="lin" valueType="num">
+                                      <p:cBhvr additive="base">
+                                        <p:cTn id="7" dur="500" fill="hold"/>
+                                        <p:tgtEl>
+                                          <p:spTgt spid="2"/>
+                                        </p:tgtEl>
+                                        <p:attrNameLst>
+                                          <p:attrName>ppt_x</p:attrName>
+                                        </p:attrNameLst>
+                                      </p:cBhvr>
+                                      <p:tavLst>
+                                        <p:tav tm="0">
+                                          <p:val>
+                                            <p:strVal val="0-#ppt_w/2"/>
+                                          </p:val>
+                                        </p:tav>
+                                        <p:tav tm="100000">
+                                          <p:val>
+                                            <p:strVal val="#ppt_x"/>
+                                          </p:val>
+                                        </p:tav>
+                                      </p:tavLst>
+                                    </p:anim>
+                                    <p:anim calcmode="lin" valueType="num">
+                                      <p:cBhvr additive="base">
+                                        <p:cTn id="8" dur="500" fill="hold"/>
+                                        <p:tgtEl>
+                                          <p:spTgt spid="2"/>
+                                        </p:tgtEl>
+                                        <p:attrNameLst>
+                                          <p:attrName>ppt_y</p:attrName>
+                                        </p:attrNameLst>
+                                      </p:cBhvr>
+                                      <p:tavLst>
+                                        <p:tav tm="0">
+                                          <p:val>
+                                            <p:strVal val="#ppt_y"/>
+                                          </p:val>
+                                        </p:tav>
+                                        <p:tav tm="100000">
+                                          <p:val>
+                                            <p:strVal val="#ppt_y"/>
+                                          </p:val>
+                                        </p:tav>
+                                      </p:tavLst>
+                                    </p:anim>
+                                  </p:childTnLst>
+                                </p:cTn>
+                              </p:par>
+                            </p:childTnLst>
+                          </p:cTn>
+                        </p:par>
+                        <p:par>
+                          <p:cTn id="9" fill="hold">
+                            <p:stCondLst>
+                              <p:cond delay="500"/>
+                            </p:stCondLst>
+                            <p:childTnLst>
+                              <p:par>
+                                <p:cTn id="10" presetID="2" presetClass="entr" presetSubtype="8" fill="hold" nodeType="afterEffect">
+                                  <p:stCondLst>
+                                    <p:cond delay="0"/>
+                                  </p:stCondLst>
+                                  <p:childTnLst>
+                                    <p:set>
+                                      <p:cBhvr>
+                                        <p:cTn id="11" dur="1" fill="hold">
+                                          <p:stCondLst>
+                                            <p:cond delay="0"/>
+                                          </p:stCondLst>
+                                        </p:cTn>
+                                        <p:tgtEl>
+                                          <p:spTgt spid="3">
+                                            <p:txEl>
+                                              <p:pRg st="0" end="0"/>
+                                            </p:txEl>
+                                          </p:spTgt>
+                                        </p:tgtEl>
+                                        <p:attrNameLst>
+                                          <p:attrName>style.visibility</p:attrName>
+                                        </p:attrNameLst>
+                                      </p:cBhvr>
+                                      <p:to>
+                                        <p:strVal val="visible"/>
+                                      </p:to>
+                                    </p:set>
+                                    <p:anim calcmode="lin" valueType="num">
+                                      <p:cBhvr additive="base">
+                                        <p:cTn id="12" dur="500" fill="hold"/>
+                                        <p:tgtEl>
+                                          <p:spTgt spid="3">
+                                            <p:txEl>
+                                              <p:pRg st="0" end="0"/>
+                                            </p:txEl>
+                                          </p:spTgt>
+                                        </p:tgtEl>
+                                        <p:attrNameLst>
+                                          <p:attrName>ppt_x</p:attrName>
+                                        </p:attrNameLst>
+                                      </p:cBhvr>
+                                      <p:tavLst>
+                                        <p:tav tm="0">
+                                          <p:val>
+                                            <p:strVal val="0-#ppt_w/2"/>
+                                          </p:val>
+                                        </p:tav>
+                                        <p:tav tm="100000">
+                                          <p:val>
+                                            <p:strVal val="#ppt_x"/>
+                                          </p:val>
+                                        </p:tav>
+                                      </p:tavLst>
+                                    </p:anim>
+                                    <p:anim calcmode="lin" valueType="num">
+                                      <p:cBhvr additive="base">
+                                        <p:cTn id="13" dur="500" fill="hold"/>
+                                        <p:tgtEl>
+                                          <p:spTgt spid="3">
+                                            <p:txEl>
+                                              <p:pRg st="0" end="0"/>
+                                            </p:txEl>
+                                          </p:spTgt>
+                                        </p:tgtEl>
+                                        <p:attrNameLst>
+                                          <p:attrName>ppt_y</p:attrName>
+                                        </p:attrNameLst>
+                                      </p:cBhvr>
+                                      <p:tavLst>
+                                        <p:tav tm="0">
+                                          <p:val>
+                                            <p:strVal val="#ppt_y"/>
+                                          </p:val>
+                                        </p:tav>
+                                        <p:tav tm="100000">
+                                          <p:val>
+                                            <p:strVal val="#ppt_y"/>
+                                          </p:val>
+                                        </p:tav>
+                                      </p:tavLst>
+                                    </p:anim>
+                                  </p:childTnLst>
+                                </p:cTn>
+                              </p:par>
+                            </p:childTnLst>
+                          </p:cTn>
+                        </p:par>
+                        <p:par>
+                          <p:cTn id="14" fill="hold">
+                            <p:stCondLst>
+                              <p:cond delay="1000"/>
+                            </p:stCondLst>
+                            <p:childTnLst>
+                              <p:par>
+                                <p:cTn id="15" presetID="42" presetClass="entr" presetSubtype="0" fill="hold" nodeType="afterEffect">
+                                  <p:stCondLst>
+                                    <p:cond delay="0"/>
+                                  </p:stCondLst>
+                                  <p:childTnLst>
+                                    <p:set>
+                                      <p:cBhvr>
+                                        <p:cTn id="16" dur="1" fill="hold">
+                                          <p:stCondLst>
+                                            <p:cond delay="0"/>
+                                          </p:stCondLst>
+                                        </p:cTn>
+                                        <p:tgtEl>
+                                          <p:spTgt spid="3074"/>
+                                        </p:tgtEl>
+                                        <p:attrNameLst>
+                                          <p:attrName>style.visibility</p:attrName>
+                                        </p:attrNameLst>
+                                      </p:cBhvr>
+                                      <p:to>
+                                        <p:strVal val="visible"/>
+                                      </p:to>
+                                    </p:set>
+                                    <p:animEffect transition="in" filter="fade">
+                                      <p:cBhvr>
+                                        <p:cTn id="17" dur="500"/>
+                                        <p:tgtEl>
+                                          <p:spTgt spid="3074"/>
+                                        </p:tgtEl>
+                                      </p:cBhvr>
+                                    </p:animEffect>
+                                    <p:anim calcmode="lin" valueType="num">
+                                      <p:cBhvr>
+                                        <p:cTn id="18" dur="500" fill="hold"/>
+                                        <p:tgtEl>
+                                          <p:spTgt spid="3074"/>
+                                        </p:tgtEl>
+                                        <p:attrNameLst>
+                                          <p:attrName>ppt_x</p:attrName>
+                                        </p:attrNameLst>
+                                      </p:cBhvr>
+                                      <p:tavLst>
+                                        <p:tav tm="0">
+                                          <p:val>
+                                            <p:strVal val="#ppt_x"/>
+                                          </p:val>
+                                        </p:tav>
+                                        <p:tav tm="100000">
+                                          <p:val>
+                                            <p:strVal val="#ppt_x"/>
+                                          </p:val>
+                                        </p:tav>
+                                      </p:tavLst>
+                                    </p:anim>
+                                    <p:anim calcmode="lin" valueType="num">
+                                      <p:cBhvr>
+                                        <p:cTn id="19" dur="500" fill="hold"/>
+                                        <p:tgtEl>
+                                          <p:spTgt spid="3074"/>
+                                        </p:tgtEl>
+                                        <p:attrNameLst>
+                                          <p:attrName>ppt_y</p:attrName>
+                                        </p:attrNameLst>
+                                      </p:cBhvr>
+                                      <p:tavLst>
+                                        <p:tav tm="0">
+                                          <p:val>
+                                            <p:strVal val="#ppt_y+.1"/>
+                                          </p:val>
+                                        </p:tav>
+                                        <p:tav tm="100000">
+                                          <p:val>
+                                            <p:strVal val="#ppt_y"/>
+                                          </p:val>
+                                        </p:tav>
+                                      </p:tavLst>
+                                    </p:anim>
+                                  </p:childTnLst>
+                                </p:cTn>
+                              </p:par>
+                            </p:childTnLst>
+                          </p:cTn>
+                        </p:par>
+                      </p:childTnLst>
+                    </p:cTn>
+                  </p:par>
+                  <p:par>
+                    <p:cTn id="20" fill="hold">
+                      <p:stCondLst>
+                        <p:cond delay="indefinite"/>
+                      </p:stCondLst>
+                      <p:childTnLst>
+                        <p:par>
+                          <p:cTn id="21" fill="hold">
+                            <p:stCondLst>
+                              <p:cond delay="0"/>
+                            </p:stCondLst>
+                            <p:childTnLst>
+                              <p:par>
+                                <p:cTn id="22" presetID="2" presetClass="entr" presetSubtype="8" fill="hold" nodeType="clickEffect">
+                                  <p:stCondLst>
+                                    <p:cond delay="0"/>
+                                  </p:stCondLst>
+                                  <p:childTnLst>
+                                    <p:set>
+                                      <p:cBhvr>
+                                        <p:cTn id="23" dur="1" fill="hold">
+                                          <p:stCondLst>
+                                            <p:cond delay="0"/>
+                                          </p:stCondLst>
+                                        </p:cTn>
+                                        <p:tgtEl>
+                                          <p:spTgt spid="3">
+                                            <p:txEl>
+                                              <p:pRg st="2" end="2"/>
+                                            </p:txEl>
+                                          </p:spTgt>
+                                        </p:tgtEl>
+                                        <p:attrNameLst>
+                                          <p:attrName>style.visibility</p:attrName>
+                                        </p:attrNameLst>
+                                      </p:cBhvr>
+                                      <p:to>
+                                        <p:strVal val="visible"/>
+                                      </p:to>
+                                    </p:set>
+                                    <p:anim calcmode="lin" valueType="num">
+                                      <p:cBhvr additive="base">
+                                        <p:cTn id="24" dur="500" fill="hold"/>
+                                        <p:tgtEl>
+                                          <p:spTgt spid="3">
+                                            <p:txEl>
+                                              <p:pRg st="2" end="2"/>
+                                            </p:txEl>
+                                          </p:spTgt>
+                                        </p:tgtEl>
+                                        <p:attrNameLst>
+                                          <p:attrName>ppt_x</p:attrName>
+                                        </p:attrNameLst>
+                                      </p:cBhvr>
+                                      <p:tavLst>
+                                        <p:tav tm="0">
+                                          <p:val>
+                                            <p:strVal val="0-#ppt_w/2"/>
+                                          </p:val>
+                                        </p:tav>
+                                        <p:tav tm="100000">
+                                          <p:val>
+                                            <p:strVal val="#ppt_x"/>
+                                          </p:val>
+                                        </p:tav>
+                                      </p:tavLst>
+                                    </p:anim>
+                                    <p:anim calcmode="lin" valueType="num">
+                                      <p:cBhvr additive="base">
+                                        <p:cTn id="25" dur="500" fill="hold"/>
+                                        <p:tgtEl>
+                                          <p:spTgt spid="3">
+                                            <p:txEl>
+                                              <p:pRg st="2" end="2"/>
+                                            </p:txEl>
+                                          </p:spTgt>
+                                        </p:tgtEl>
+                                        <p:attrNameLst>
+                                          <p:attrName>ppt_y</p:attrName>
+                                        </p:attrNameLst>
+                                      </p:cBhvr>
+                                      <p:tavLst>
+                                        <p:tav tm="0">
+                                          <p:val>
+                                            <p:strVal val="#ppt_y"/>
+                                          </p:val>
+                                        </p:tav>
+                                        <p:tav tm="100000">
+                                          <p:val>
+                                            <p:strVal val="#ppt_y"/>
+                                          </p:val>
+                                        </p:tav>
+                                      </p:tavLst>
+                                    </p:anim>
+                                  </p:childTnLst>
+                                </p:cTn>
+                              </p:par>
+                            </p:childTnLst>
+                          </p:cTn>
+                        </p:par>
+                        <p:par>
+                          <p:cTn id="26" fill="hold">
+                            <p:stCondLst>
+                              <p:cond delay="500"/>
+                            </p:stCondLst>
+                            <p:childTnLst>
+                              <p:par>
+                                <p:cTn id="27" presetID="42" presetClass="exit" presetSubtype="0" fill="hold" nodeType="afterEffect">
+                                  <p:stCondLst>
+                                    <p:cond delay="0"/>
+                                  </p:stCondLst>
+                                  <p:childTnLst>
+                                    <p:animEffect transition="out" filter="fade">
+                                      <p:cBhvr>
+                                        <p:cTn id="28" dur="500"/>
+                                        <p:tgtEl>
+                                          <p:spTgt spid="3074"/>
+                                        </p:tgtEl>
+                                      </p:cBhvr>
+                                    </p:animEffect>
+                                    <p:anim calcmode="lin" valueType="num">
+                                      <p:cBhvr>
+                                        <p:cTn id="29" dur="500"/>
+                                        <p:tgtEl>
+                                          <p:spTgt spid="3074"/>
+                                        </p:tgtEl>
+                                        <p:attrNameLst>
+                                          <p:attrName>ppt_x</p:attrName>
+                                        </p:attrNameLst>
+                                      </p:cBhvr>
+                                      <p:tavLst>
+                                        <p:tav tm="0">
+                                          <p:val>
+                                            <p:strVal val="ppt_x"/>
+                                          </p:val>
+                                        </p:tav>
+                                        <p:tav tm="100000">
+                                          <p:val>
+                                            <p:strVal val="ppt_x"/>
+                                          </p:val>
+                                        </p:tav>
+                                      </p:tavLst>
+                                    </p:anim>
+                                    <p:anim calcmode="lin" valueType="num">
+                                      <p:cBhvr>
+                                        <p:cTn id="30" dur="500"/>
+                                        <p:tgtEl>
+                                          <p:spTgt spid="3074"/>
+                                        </p:tgtEl>
+                                        <p:attrNameLst>
+                                          <p:attrName>ppt_y</p:attrName>
+                                        </p:attrNameLst>
+                                      </p:cBhvr>
+                                      <p:tavLst>
+                                        <p:tav tm="0">
+                                          <p:val>
+                                            <p:strVal val="ppt_y"/>
+                                          </p:val>
+                                        </p:tav>
+                                        <p:tav tm="100000">
+                                          <p:val>
+                                            <p:strVal val="ppt_y+.1"/>
+                                          </p:val>
+                                        </p:tav>
+                                      </p:tavLst>
+                                    </p:anim>
+                                    <p:set>
+                                      <p:cBhvr>
+                                        <p:cTn id="31" dur="1" fill="hold">
+                                          <p:stCondLst>
+                                            <p:cond delay="499"/>
+                                          </p:stCondLst>
+                                        </p:cTn>
+                                        <p:tgtEl>
+                                          <p:spTgt spid="3074"/>
+                                        </p:tgtEl>
+                                        <p:attrNameLst>
+                                          <p:attrName>style.visibility</p:attrName>
+                                        </p:attrNameLst>
+                                      </p:cBhvr>
+                                      <p:to>
+                                        <p:strVal val="hidden"/>
+                                      </p:to>
+                                    </p:set>
+                                  </p:childTnLst>
+                                </p:cTn>
+                              </p:par>
+                              <p:par>
+                                <p:cTn id="32" presetID="3" presetClass="entr" presetSubtype="5" fill="hold" nodeType="withEffect">
+                                  <p:stCondLst>
+                                    <p:cond delay="0"/>
+                                  </p:stCondLst>
+                                  <p:childTnLst>
+                                    <p:set>
+                                      <p:cBhvr>
+                                        <p:cTn id="33" dur="1" fill="hold">
+                                          <p:stCondLst>
+                                            <p:cond delay="0"/>
+                                          </p:stCondLst>
+                                        </p:cTn>
+                                        <p:tgtEl>
+                                          <p:spTgt spid="3076"/>
+                                        </p:tgtEl>
+                                        <p:attrNameLst>
+                                          <p:attrName>style.visibility</p:attrName>
+                                        </p:attrNameLst>
+                                      </p:cBhvr>
+                                      <p:to>
+                                        <p:strVal val="visible"/>
+                                      </p:to>
+                                    </p:set>
+                                    <p:animEffect transition="in" filter="blinds(vertical)">
+                                      <p:cBhvr>
+                                        <p:cTn id="34" dur="500"/>
+                                        <p:tgtEl>
+                                          <p:spTgt spid="3076"/>
+                                        </p:tgtEl>
+                                      </p:cBhvr>
+                                    </p:animEffect>
+                                  </p:childTnLst>
+                                </p:cTn>
+                              </p:par>
+                            </p:childTnLst>
+                          </p:cTn>
+                        </p:par>
+                      </p:childTnLst>
+                    </p:cTn>
+                  </p:par>
+                  <p:par>
+                    <p:cTn id="35" fill="hold">
+                      <p:stCondLst>
+                        <p:cond delay="indefinite"/>
+                      </p:stCondLst>
+                      <p:childTnLst>
+                        <p:par>
+                          <p:cTn id="36" fill="hold">
+                            <p:stCondLst>
+                              <p:cond delay="0"/>
+                            </p:stCondLst>
+                            <p:childTnLst>
+                              <p:par>
+                                <p:cTn id="37" presetID="2" presetClass="entr" presetSubtype="8" fill="hold" nodeType="clickEffect">
+                                  <p:stCondLst>
+                                    <p:cond delay="0"/>
+                                  </p:stCondLst>
+                                  <p:childTnLst>
+                                    <p:set>
+                                      <p:cBhvr>
+                                        <p:cTn id="38" dur="1" fill="hold">
+                                          <p:stCondLst>
+                                            <p:cond delay="0"/>
+                                          </p:stCondLst>
+                                        </p:cTn>
+                                        <p:tgtEl>
+                                          <p:spTgt spid="3">
+                                            <p:txEl>
+                                              <p:pRg st="4" end="4"/>
+                                            </p:txEl>
+                                          </p:spTgt>
+                                        </p:tgtEl>
+                                        <p:attrNameLst>
+                                          <p:attrName>style.visibility</p:attrName>
+                                        </p:attrNameLst>
+                                      </p:cBhvr>
+                                      <p:to>
+                                        <p:strVal val="visible"/>
+                                      </p:to>
+                                    </p:set>
+                                    <p:anim calcmode="lin" valueType="num">
+                                      <p:cBhvr additive="base">
+                                        <p:cTn id="39" dur="500" fill="hold"/>
+                                        <p:tgtEl>
+                                          <p:spTgt spid="3">
+                                            <p:txEl>
+                                              <p:pRg st="4" end="4"/>
+                                            </p:txEl>
+                                          </p:spTgt>
+                                        </p:tgtEl>
+                                        <p:attrNameLst>
+                                          <p:attrName>ppt_x</p:attrName>
+                                        </p:attrNameLst>
+                                      </p:cBhvr>
+                                      <p:tavLst>
+                                        <p:tav tm="0">
+                                          <p:val>
+                                            <p:strVal val="0-#ppt_w/2"/>
+                                          </p:val>
+                                        </p:tav>
+                                        <p:tav tm="100000">
+                                          <p:val>
+                                            <p:strVal val="#ppt_x"/>
+                                          </p:val>
+                                        </p:tav>
+                                      </p:tavLst>
+                                    </p:anim>
+                                    <p:anim calcmode="lin" valueType="num">
+                                      <p:cBhvr additive="base">
+                                        <p:cTn id="40" dur="500" fill="hold"/>
+                                        <p:tgtEl>
+                                          <p:spTgt spid="3">
+                                            <p:txEl>
+                                              <p:pRg st="4" end="4"/>
+                                            </p:txEl>
+                                          </p:spTgt>
+                                        </p:tgtEl>
+                                        <p:attrNameLst>
+                                          <p:attrName>ppt_y</p:attrName>
+                                        </p:attrNameLst>
+                                      </p:cBhvr>
+                                      <p:tavLst>
+                                        <p:tav tm="0">
+                                          <p:val>
+                                            <p:strVal val="#ppt_y"/>
+                                          </p:val>
+                                        </p:tav>
+                                        <p:tav tm="100000">
+                                          <p:val>
+                                            <p:strVal val="#ppt_y"/>
+                                          </p:val>
+                                        </p:tav>
+                                      </p:tavLst>
+                                    </p:anim>
+                                  </p:childTnLst>
+                                </p:cTn>
+                              </p:par>
+                            </p:childTnLst>
+                          </p:cTn>
+                        </p:par>
+                        <p:par>
+                          <p:cTn id="41" fill="hold">
+                            <p:stCondLst>
+                              <p:cond delay="500"/>
+                            </p:stCondLst>
+                            <p:childTnLst>
+                              <p:par>
+                                <p:cTn id="42" presetID="9" presetClass="exit" presetSubtype="0" fill="hold" nodeType="afterEffect">
+                                  <p:stCondLst>
+                                    <p:cond delay="0"/>
+                                  </p:stCondLst>
+                                  <p:childTnLst>
+                                    <p:animEffect transition="out" filter="dissolve">
+                                      <p:cBhvr>
+                                        <p:cTn id="43" dur="500"/>
+                                        <p:tgtEl>
+                                          <p:spTgt spid="3076"/>
+                                        </p:tgtEl>
+                                      </p:cBhvr>
+                                    </p:animEffect>
+                                    <p:set>
+                                      <p:cBhvr>
+                                        <p:cTn id="44" dur="1" fill="hold">
+                                          <p:stCondLst>
+                                            <p:cond delay="499"/>
+                                          </p:stCondLst>
+                                        </p:cTn>
+                                        <p:tgtEl>
+                                          <p:spTgt spid="3076"/>
+                                        </p:tgtEl>
+                                        <p:attrNameLst>
+                                          <p:attrName>style.visibility</p:attrName>
+                                        </p:attrNameLst>
+                                      </p:cBhvr>
+                                      <p:to>
+                                        <p:strVal val="hidden"/>
+                                      </p:to>
+                                    </p:set>
+                                  </p:childTnLst>
+                                </p:cTn>
+                              </p:par>
+                              <p:par>
+                                <p:cTn id="45" presetID="9" presetClass="entr" presetSubtype="0" fill="hold" nodeType="withEffect">
+                                  <p:stCondLst>
+                                    <p:cond delay="0"/>
+                                  </p:stCondLst>
+                                  <p:childTnLst>
+                                    <p:set>
+                                      <p:cBhvr>
+                                        <p:cTn id="46" dur="1" fill="hold">
+                                          <p:stCondLst>
+                                            <p:cond delay="0"/>
+                                          </p:stCondLst>
+                                        </p:cTn>
+                                        <p:tgtEl>
+                                          <p:spTgt spid="3078"/>
+                                        </p:tgtEl>
+                                        <p:attrNameLst>
+                                          <p:attrName>style.visibility</p:attrName>
+                                        </p:attrNameLst>
+                                      </p:cBhvr>
+                                      <p:to>
+                                        <p:strVal val="visible"/>
+                                      </p:to>
+                                    </p:set>
+                                    <p:animEffect transition="in" filter="dissolve">
+                                      <p:cBhvr>
+                                        <p:cTn id="47" dur="500"/>
+                                        <p:tgtEl>
+                                          <p:spTgt spid="3078"/>
+                                        </p:tgtEl>
+                                      </p:cBhvr>
+                                    </p:animEffect>
+                                  </p:childTnLst>
+                                </p:cTn>
+                              </p:par>
+                            </p:childTnLst>
+                          </p:cTn>
+                        </p:par>
+                      </p:childTnLst>
+                    </p:cTn>
+                  </p:par>
+                </p:childTnLst>
+              </p:cTn>
+              <p:prevCondLst>
+                <p:cond evt="onPrev" delay="0">
+                  <p:tgtEl>
+                    <p:sldTgt/>
+                  </p:tgtEl>
+                </p:cond>
+              </p:prevCondLst>
+              <p:nextCondLst>
+                <p:cond evt="onNext" delay="0">
+                  <p:tgtEl>
+                    <p:sldTgt/>
+                  </p:tgtEl>
+                </p:cond>
+              </p:nextCondLst>
+            </p:seq>
+          </p:childTnLst>
+        </p:cTn>
       </p:par>
     </p:tnLst>
+    <p:bldLst>
+      <p:bldP spid="2" grpId="0"/>
+    </p:bldLst>
   </p:timing>
 </p:sld>
 </file>
@@ -8842,7 +10628,7 @@
         <p:spPr>
           <a:xfrm>
             <a:off x="1803215" y="1840541"/>
-            <a:ext cx="4342893" cy="4059257"/>
+            <a:ext cx="1865143" cy="4059257"/>
           </a:xfrm>
         </p:spPr>
         <p:txBody>
@@ -8939,8 +10725,336 @@
         </p:blipFill>
         <p:spPr bwMode="auto">
           <a:xfrm>
-            <a:off x="5647876" y="1840540"/>
+            <a:off x="3893541" y="357071"/>
             <a:ext cx="3924895" cy="3674109"/>
+          </a:xfrm>
+          <a:prstGeom prst="rect">
+            <a:avLst/>
+          </a:prstGeom>
+          <a:noFill/>
+          <a:extLst>
+            <a:ext uri="{909E8E84-426E-40DD-AFC4-6F175D3DCCD1}">
+              <a14:hiddenFill xmlns:a14="http://schemas.microsoft.com/office/drawing/2010/main">
+                <a:solidFill>
+                  <a:srgbClr val="FFFFFF"/>
+                </a:solidFill>
+              </a14:hiddenFill>
+            </a:ext>
+          </a:extLst>
+        </p:spPr>
+      </p:pic>
+      <p:pic>
+        <p:nvPicPr>
+          <p:cNvPr id="1026" name="Picture 2" descr="Amazon.co.uk: XENCELABS: Pen Tablet Medium"/>
+          <p:cNvPicPr>
+            <a:picLocks noChangeAspect="1" noChangeArrowheads="1"/>
+          </p:cNvPicPr>
+          <p:nvPr/>
+        </p:nvPicPr>
+        <p:blipFill>
+          <a:blip r:embed="rId3">
+            <a:extLst>
+              <a:ext uri="{28A0092B-C50C-407E-A947-70E740481C1C}">
+                <a14:useLocalDpi xmlns:a14="http://schemas.microsoft.com/office/drawing/2010/main" val="0"/>
+              </a:ext>
+            </a:extLst>
+          </a:blip>
+          <a:srcRect/>
+          <a:stretch>
+            <a:fillRect/>
+          </a:stretch>
+        </p:blipFill>
+        <p:spPr bwMode="auto">
+          <a:xfrm>
+            <a:off x="8596377" y="565921"/>
+            <a:ext cx="2955912" cy="2955912"/>
+          </a:xfrm>
+          <a:prstGeom prst="rect">
+            <a:avLst/>
+          </a:prstGeom>
+          <a:noFill/>
+          <a:extLst>
+            <a:ext uri="{909E8E84-426E-40DD-AFC4-6F175D3DCCD1}">
+              <a14:hiddenFill xmlns:a14="http://schemas.microsoft.com/office/drawing/2010/main">
+                <a:solidFill>
+                  <a:srgbClr val="FFFFFF"/>
+                </a:solidFill>
+              </a14:hiddenFill>
+            </a:ext>
+          </a:extLst>
+        </p:spPr>
+      </p:pic>
+      <p:pic>
+        <p:nvPicPr>
+          <p:cNvPr id="1028" name="Picture 4" descr="Huion Graphic Tablets: discussion, info, news"/>
+          <p:cNvPicPr>
+            <a:picLocks noChangeAspect="1" noChangeArrowheads="1"/>
+          </p:cNvPicPr>
+          <p:nvPr/>
+        </p:nvPicPr>
+        <p:blipFill>
+          <a:blip r:embed="rId4">
+            <a:extLst>
+              <a:ext uri="{28A0092B-C50C-407E-A947-70E740481C1C}">
+                <a14:useLocalDpi xmlns:a14="http://schemas.microsoft.com/office/drawing/2010/main" val="0"/>
+              </a:ext>
+            </a:extLst>
+          </a:blip>
+          <a:srcRect/>
+          <a:stretch>
+            <a:fillRect/>
+          </a:stretch>
+        </p:blipFill>
+        <p:spPr bwMode="auto">
+          <a:xfrm>
+            <a:off x="6505574" y="3840680"/>
+            <a:ext cx="2816226" cy="2816226"/>
+          </a:xfrm>
+          <a:prstGeom prst="rect">
+            <a:avLst/>
+          </a:prstGeom>
+          <a:noFill/>
+          <a:extLst>
+            <a:ext uri="{909E8E84-426E-40DD-AFC4-6F175D3DCCD1}">
+              <a14:hiddenFill xmlns:a14="http://schemas.microsoft.com/office/drawing/2010/main">
+                <a:solidFill>
+                  <a:srgbClr val="FFFFFF"/>
+                </a:solidFill>
+              </a14:hiddenFill>
+            </a:ext>
+          </a:extLst>
+        </p:spPr>
+      </p:pic>
+      <p:pic>
+        <p:nvPicPr>
+          <p:cNvPr id="1030" name="Picture 6" descr="Xp-Pen Logo PNG Vectors Free Download"/>
+          <p:cNvPicPr>
+            <a:picLocks noChangeAspect="1" noChangeArrowheads="1"/>
+          </p:cNvPicPr>
+          <p:nvPr/>
+        </p:nvPicPr>
+        <p:blipFill>
+          <a:blip r:embed="rId5">
+            <a:extLst>
+              <a:ext uri="{28A0092B-C50C-407E-A947-70E740481C1C}">
+                <a14:useLocalDpi xmlns:a14="http://schemas.microsoft.com/office/drawing/2010/main" val="0"/>
+              </a:ext>
+            </a:extLst>
+          </a:blip>
+          <a:srcRect/>
+          <a:stretch>
+            <a:fillRect/>
+          </a:stretch>
+        </p:blipFill>
+        <p:spPr bwMode="auto">
+          <a:xfrm>
+            <a:off x="4727575" y="998845"/>
+            <a:ext cx="2857500" cy="2333626"/>
+          </a:xfrm>
+          <a:prstGeom prst="rect">
+            <a:avLst/>
+          </a:prstGeom>
+          <a:noFill/>
+          <a:extLst>
+            <a:ext uri="{909E8E84-426E-40DD-AFC4-6F175D3DCCD1}">
+              <a14:hiddenFill xmlns:a14="http://schemas.microsoft.com/office/drawing/2010/main">
+                <a:solidFill>
+                  <a:srgbClr val="FFFFFF"/>
+                </a:solidFill>
+              </a14:hiddenFill>
+            </a:ext>
+          </a:extLst>
+        </p:spPr>
+      </p:pic>
+      <p:pic>
+        <p:nvPicPr>
+          <p:cNvPr id="1032" name="Picture 8" descr="out of stock|tablet digital|drawing tabletdigital tablet - AliExpress"/>
+          <p:cNvPicPr>
+            <a:picLocks noChangeAspect="1" noChangeArrowheads="1"/>
+          </p:cNvPicPr>
+          <p:nvPr/>
+        </p:nvPicPr>
+        <p:blipFill>
+          <a:blip r:embed="rId6">
+            <a:extLst>
+              <a:ext uri="{28A0092B-C50C-407E-A947-70E740481C1C}">
+                <a14:useLocalDpi xmlns:a14="http://schemas.microsoft.com/office/drawing/2010/main" val="0"/>
+              </a:ext>
+            </a:extLst>
+          </a:blip>
+          <a:srcRect/>
+          <a:stretch>
+            <a:fillRect/>
+          </a:stretch>
+        </p:blipFill>
+        <p:spPr bwMode="auto">
+          <a:xfrm>
+            <a:off x="8253550" y="468223"/>
+            <a:ext cx="3213034" cy="3213034"/>
+          </a:xfrm>
+          <a:prstGeom prst="rect">
+            <a:avLst/>
+          </a:prstGeom>
+          <a:noFill/>
+          <a:extLst>
+            <a:ext uri="{909E8E84-426E-40DD-AFC4-6F175D3DCCD1}">
+              <a14:hiddenFill xmlns:a14="http://schemas.microsoft.com/office/drawing/2010/main">
+                <a:solidFill>
+                  <a:srgbClr val="FFFFFF"/>
+                </a:solidFill>
+              </a14:hiddenFill>
+            </a:ext>
+          </a:extLst>
+        </p:spPr>
+      </p:pic>
+      <p:pic>
+        <p:nvPicPr>
+          <p:cNvPr id="1034" name="Picture 10" descr="Amazon.com: Artisul: Accessories"/>
+          <p:cNvPicPr>
+            <a:picLocks noChangeAspect="1" noChangeArrowheads="1"/>
+          </p:cNvPicPr>
+          <p:nvPr/>
+        </p:nvPicPr>
+        <p:blipFill>
+          <a:blip r:embed="rId7">
+            <a:extLst>
+              <a:ext uri="{28A0092B-C50C-407E-A947-70E740481C1C}">
+                <a14:useLocalDpi xmlns:a14="http://schemas.microsoft.com/office/drawing/2010/main" val="0"/>
+              </a:ext>
+            </a:extLst>
+          </a:blip>
+          <a:srcRect/>
+          <a:stretch>
+            <a:fillRect/>
+          </a:stretch>
+        </p:blipFill>
+        <p:spPr bwMode="auto">
+          <a:xfrm>
+            <a:off x="6505574" y="3870169"/>
+            <a:ext cx="2857500" cy="2857500"/>
+          </a:xfrm>
+          <a:prstGeom prst="rect">
+            <a:avLst/>
+          </a:prstGeom>
+          <a:noFill/>
+          <a:extLst>
+            <a:ext uri="{909E8E84-426E-40DD-AFC4-6F175D3DCCD1}">
+              <a14:hiddenFill xmlns:a14="http://schemas.microsoft.com/office/drawing/2010/main">
+                <a:solidFill>
+                  <a:srgbClr val="FFFFFF"/>
+                </a:solidFill>
+              </a14:hiddenFill>
+            </a:ext>
+          </a:extLst>
+        </p:spPr>
+      </p:pic>
+      <p:pic>
+        <p:nvPicPr>
+          <p:cNvPr id="1036" name="Picture 12" descr="Parblo Reviews | Read Customer Service Reviews of parblo.com"/>
+          <p:cNvPicPr>
+            <a:picLocks noChangeAspect="1" noChangeArrowheads="1"/>
+          </p:cNvPicPr>
+          <p:nvPr/>
+        </p:nvPicPr>
+        <p:blipFill>
+          <a:blip r:embed="rId8" cstate="print">
+            <a:extLst>
+              <a:ext uri="{28A0092B-C50C-407E-A947-70E740481C1C}">
+                <a14:useLocalDpi xmlns:a14="http://schemas.microsoft.com/office/drawing/2010/main" val="0"/>
+              </a:ext>
+            </a:extLst>
+          </a:blip>
+          <a:srcRect/>
+          <a:stretch>
+            <a:fillRect/>
+          </a:stretch>
+        </p:blipFill>
+        <p:spPr bwMode="auto">
+          <a:xfrm>
+            <a:off x="4596947" y="565921"/>
+            <a:ext cx="3117120" cy="3117120"/>
+          </a:xfrm>
+          <a:prstGeom prst="rect">
+            <a:avLst/>
+          </a:prstGeom>
+          <a:noFill/>
+          <a:extLst>
+            <a:ext uri="{909E8E84-426E-40DD-AFC4-6F175D3DCCD1}">
+              <a14:hiddenFill xmlns:a14="http://schemas.microsoft.com/office/drawing/2010/main">
+                <a:solidFill>
+                  <a:srgbClr val="FFFFFF"/>
+                </a:solidFill>
+              </a14:hiddenFill>
+            </a:ext>
+          </a:extLst>
+        </p:spPr>
+      </p:pic>
+      <p:pic>
+        <p:nvPicPr>
+          <p:cNvPr id="1038" name="Picture 14" descr="VEIKK - ტაბიტო • Tabito"/>
+          <p:cNvPicPr>
+            <a:picLocks noChangeAspect="1" noChangeArrowheads="1"/>
+          </p:cNvPicPr>
+          <p:nvPr/>
+        </p:nvPicPr>
+        <p:blipFill>
+          <a:blip r:embed="rId9" cstate="print">
+            <a:extLst>
+              <a:ext uri="{28A0092B-C50C-407E-A947-70E740481C1C}">
+                <a14:useLocalDpi xmlns:a14="http://schemas.microsoft.com/office/drawing/2010/main" val="0"/>
+              </a:ext>
+            </a:extLst>
+          </a:blip>
+          <a:srcRect/>
+          <a:stretch>
+            <a:fillRect/>
+          </a:stretch>
+        </p:blipFill>
+        <p:spPr bwMode="auto">
+          <a:xfrm>
+            <a:off x="7850291" y="-93636"/>
+            <a:ext cx="4124816" cy="4124816"/>
+          </a:xfrm>
+          <a:prstGeom prst="rect">
+            <a:avLst/>
+          </a:prstGeom>
+          <a:noFill/>
+          <a:extLst>
+            <a:ext uri="{909E8E84-426E-40DD-AFC4-6F175D3DCCD1}">
+              <a14:hiddenFill xmlns:a14="http://schemas.microsoft.com/office/drawing/2010/main">
+                <a:solidFill>
+                  <a:srgbClr val="FFFFFF"/>
+                </a:solidFill>
+              </a14:hiddenFill>
+            </a:ext>
+          </a:extLst>
+        </p:spPr>
+      </p:pic>
+      <p:pic>
+        <p:nvPicPr>
+          <p:cNvPr id="1040" name="Picture 16" descr="r/UGEEusers"/>
+          <p:cNvPicPr>
+            <a:picLocks noChangeAspect="1" noChangeArrowheads="1"/>
+          </p:cNvPicPr>
+          <p:nvPr/>
+        </p:nvPicPr>
+        <p:blipFill>
+          <a:blip r:embed="rId10">
+            <a:extLst>
+              <a:ext uri="{28A0092B-C50C-407E-A947-70E740481C1C}">
+                <a14:useLocalDpi xmlns:a14="http://schemas.microsoft.com/office/drawing/2010/main" val="0"/>
+              </a:ext>
+            </a:extLst>
+          </a:blip>
+          <a:srcRect/>
+          <a:stretch>
+            <a:fillRect/>
+          </a:stretch>
+        </p:blipFill>
+        <p:spPr bwMode="auto">
+          <a:xfrm>
+            <a:off x="6494866" y="3861087"/>
+            <a:ext cx="2826933" cy="2849020"/>
           </a:xfrm>
           <a:prstGeom prst="rect">
             <a:avLst/>
@@ -9165,30 +11279,25 @@
                                   </p:childTnLst>
                                 </p:cTn>
                               </p:par>
-                            </p:childTnLst>
-                          </p:cTn>
-                        </p:par>
-                        <p:par>
-                          <p:cTn id="15" fill="hold">
-                            <p:stCondLst>
-                              <p:cond delay="1000"/>
-                            </p:stCondLst>
-                            <p:childTnLst>
                               <p:par>
-                                <p:cTn id="16" presetID="2" presetClass="entr" presetSubtype="4" fill="hold" nodeType="afterEffect">
+                                <p:cTn id="15" presetID="2" presetClass="entr" presetSubtype="8" fill="hold" nodeType="withEffect">
                                   <p:stCondLst>
                                     <p:cond delay="0"/>
                                   </p:stCondLst>
                                   <p:childTnLst>
                                     <p:set>
                                       <p:cBhvr>
-                                        <p:cTn id="17" dur="1" fill="hold">
+                                        <p:cTn id="16" dur="1" fill="hold">
                                           <p:stCondLst>
                                             <p:cond delay="0"/>
                                           </p:stCondLst>
                                         </p:cTn>
                                         <p:tgtEl>
-                                          <p:spTgt spid="3076"/>
+                                          <p:spTgt spid="4">
+                                            <p:txEl>
+                                              <p:pRg st="1" end="1"/>
+                                            </p:txEl>
+                                          </p:spTgt>
                                         </p:tgtEl>
                                         <p:attrNameLst>
                                           <p:attrName>style.visibility</p:attrName>
@@ -9200,9 +11309,13 @@
                                     </p:set>
                                     <p:anim calcmode="lin" valueType="num">
                                       <p:cBhvr additive="base">
-                                        <p:cTn id="18" dur="500" fill="hold"/>
-                                        <p:tgtEl>
-                                          <p:spTgt spid="3076"/>
+                                        <p:cTn id="17" dur="500" fill="hold"/>
+                                        <p:tgtEl>
+                                          <p:spTgt spid="4">
+                                            <p:txEl>
+                                              <p:pRg st="1" end="1"/>
+                                            </p:txEl>
+                                          </p:spTgt>
                                         </p:tgtEl>
                                         <p:attrNameLst>
                                           <p:attrName>ppt_x</p:attrName>
@@ -9211,7 +11324,7 @@
                                       <p:tavLst>
                                         <p:tav tm="0">
                                           <p:val>
-                                            <p:strVal val="#ppt_x"/>
+                                            <p:strVal val="0-#ppt_w/2"/>
                                           </p:val>
                                         </p:tav>
                                         <p:tav tm="100000">
@@ -9223,9 +11336,288 @@
                                     </p:anim>
                                     <p:anim calcmode="lin" valueType="num">
                                       <p:cBhvr additive="base">
-                                        <p:cTn id="19" dur="500" fill="hold"/>
+                                        <p:cTn id="18" dur="500" fill="hold"/>
+                                        <p:tgtEl>
+                                          <p:spTgt spid="4">
+                                            <p:txEl>
+                                              <p:pRg st="1" end="1"/>
+                                            </p:txEl>
+                                          </p:spTgt>
+                                        </p:tgtEl>
+                                        <p:attrNameLst>
+                                          <p:attrName>ppt_y</p:attrName>
+                                        </p:attrNameLst>
+                                      </p:cBhvr>
+                                      <p:tavLst>
+                                        <p:tav tm="0">
+                                          <p:val>
+                                            <p:strVal val="#ppt_y"/>
+                                          </p:val>
+                                        </p:tav>
+                                        <p:tav tm="100000">
+                                          <p:val>
+                                            <p:strVal val="#ppt_y"/>
+                                          </p:val>
+                                        </p:tav>
+                                      </p:tavLst>
+                                    </p:anim>
+                                  </p:childTnLst>
+                                </p:cTn>
+                              </p:par>
+                              <p:par>
+                                <p:cTn id="19" presetID="2" presetClass="entr" presetSubtype="8" fill="hold" nodeType="withEffect">
+                                  <p:stCondLst>
+                                    <p:cond delay="0"/>
+                                  </p:stCondLst>
+                                  <p:childTnLst>
+                                    <p:set>
+                                      <p:cBhvr>
+                                        <p:cTn id="20" dur="1" fill="hold">
+                                          <p:stCondLst>
+                                            <p:cond delay="0"/>
+                                          </p:stCondLst>
+                                        </p:cTn>
+                                        <p:tgtEl>
+                                          <p:spTgt spid="4">
+                                            <p:txEl>
+                                              <p:pRg st="2" end="2"/>
+                                            </p:txEl>
+                                          </p:spTgt>
+                                        </p:tgtEl>
+                                        <p:attrNameLst>
+                                          <p:attrName>style.visibility</p:attrName>
+                                        </p:attrNameLst>
+                                      </p:cBhvr>
+                                      <p:to>
+                                        <p:strVal val="visible"/>
+                                      </p:to>
+                                    </p:set>
+                                    <p:anim calcmode="lin" valueType="num">
+                                      <p:cBhvr additive="base">
+                                        <p:cTn id="21" dur="500" fill="hold"/>
+                                        <p:tgtEl>
+                                          <p:spTgt spid="4">
+                                            <p:txEl>
+                                              <p:pRg st="2" end="2"/>
+                                            </p:txEl>
+                                          </p:spTgt>
+                                        </p:tgtEl>
+                                        <p:attrNameLst>
+                                          <p:attrName>ppt_x</p:attrName>
+                                        </p:attrNameLst>
+                                      </p:cBhvr>
+                                      <p:tavLst>
+                                        <p:tav tm="0">
+                                          <p:val>
+                                            <p:strVal val="0-#ppt_w/2"/>
+                                          </p:val>
+                                        </p:tav>
+                                        <p:tav tm="100000">
+                                          <p:val>
+                                            <p:strVal val="#ppt_x"/>
+                                          </p:val>
+                                        </p:tav>
+                                      </p:tavLst>
+                                    </p:anim>
+                                    <p:anim calcmode="lin" valueType="num">
+                                      <p:cBhvr additive="base">
+                                        <p:cTn id="22" dur="500" fill="hold"/>
+                                        <p:tgtEl>
+                                          <p:spTgt spid="4">
+                                            <p:txEl>
+                                              <p:pRg st="2" end="2"/>
+                                            </p:txEl>
+                                          </p:spTgt>
+                                        </p:tgtEl>
+                                        <p:attrNameLst>
+                                          <p:attrName>ppt_y</p:attrName>
+                                        </p:attrNameLst>
+                                      </p:cBhvr>
+                                      <p:tavLst>
+                                        <p:tav tm="0">
+                                          <p:val>
+                                            <p:strVal val="#ppt_y"/>
+                                          </p:val>
+                                        </p:tav>
+                                        <p:tav tm="100000">
+                                          <p:val>
+                                            <p:strVal val="#ppt_y"/>
+                                          </p:val>
+                                        </p:tav>
+                                      </p:tavLst>
+                                    </p:anim>
+                                  </p:childTnLst>
+                                </p:cTn>
+                              </p:par>
+                            </p:childTnLst>
+                          </p:cTn>
+                        </p:par>
+                        <p:par>
+                          <p:cTn id="23" fill="hold">
+                            <p:stCondLst>
+                              <p:cond delay="1000"/>
+                            </p:stCondLst>
+                            <p:childTnLst>
+                              <p:par>
+                                <p:cTn id="24" presetID="2" presetClass="entr" presetSubtype="4" fill="hold" nodeType="afterEffect">
+                                  <p:stCondLst>
+                                    <p:cond delay="0"/>
+                                  </p:stCondLst>
+                                  <p:childTnLst>
+                                    <p:set>
+                                      <p:cBhvr>
+                                        <p:cTn id="25" dur="1" fill="hold">
+                                          <p:stCondLst>
+                                            <p:cond delay="0"/>
+                                          </p:stCondLst>
+                                        </p:cTn>
                                         <p:tgtEl>
                                           <p:spTgt spid="3076"/>
+                                        </p:tgtEl>
+                                        <p:attrNameLst>
+                                          <p:attrName>style.visibility</p:attrName>
+                                        </p:attrNameLst>
+                                      </p:cBhvr>
+                                      <p:to>
+                                        <p:strVal val="visible"/>
+                                      </p:to>
+                                    </p:set>
+                                    <p:anim calcmode="lin" valueType="num">
+                                      <p:cBhvr additive="base">
+                                        <p:cTn id="26" dur="500" fill="hold"/>
+                                        <p:tgtEl>
+                                          <p:spTgt spid="3076"/>
+                                        </p:tgtEl>
+                                        <p:attrNameLst>
+                                          <p:attrName>ppt_x</p:attrName>
+                                        </p:attrNameLst>
+                                      </p:cBhvr>
+                                      <p:tavLst>
+                                        <p:tav tm="0">
+                                          <p:val>
+                                            <p:strVal val="#ppt_x"/>
+                                          </p:val>
+                                        </p:tav>
+                                        <p:tav tm="100000">
+                                          <p:val>
+                                            <p:strVal val="#ppt_x"/>
+                                          </p:val>
+                                        </p:tav>
+                                      </p:tavLst>
+                                    </p:anim>
+                                    <p:anim calcmode="lin" valueType="num">
+                                      <p:cBhvr additive="base">
+                                        <p:cTn id="27" dur="500" fill="hold"/>
+                                        <p:tgtEl>
+                                          <p:spTgt spid="3076"/>
+                                        </p:tgtEl>
+                                        <p:attrNameLst>
+                                          <p:attrName>ppt_y</p:attrName>
+                                        </p:attrNameLst>
+                                      </p:cBhvr>
+                                      <p:tavLst>
+                                        <p:tav tm="0">
+                                          <p:val>
+                                            <p:strVal val="1+#ppt_h/2"/>
+                                          </p:val>
+                                        </p:tav>
+                                        <p:tav tm="100000">
+                                          <p:val>
+                                            <p:strVal val="#ppt_y"/>
+                                          </p:val>
+                                        </p:tav>
+                                      </p:tavLst>
+                                    </p:anim>
+                                  </p:childTnLst>
+                                </p:cTn>
+                              </p:par>
+                              <p:par>
+                                <p:cTn id="28" presetID="16" presetClass="entr" presetSubtype="21" fill="hold" nodeType="withEffect">
+                                  <p:stCondLst>
+                                    <p:cond delay="0"/>
+                                  </p:stCondLst>
+                                  <p:childTnLst>
+                                    <p:set>
+                                      <p:cBhvr>
+                                        <p:cTn id="29" dur="1" fill="hold">
+                                          <p:stCondLst>
+                                            <p:cond delay="0"/>
+                                          </p:stCondLst>
+                                        </p:cTn>
+                                        <p:tgtEl>
+                                          <p:spTgt spid="1026"/>
+                                        </p:tgtEl>
+                                        <p:attrNameLst>
+                                          <p:attrName>style.visibility</p:attrName>
+                                        </p:attrNameLst>
+                                      </p:cBhvr>
+                                      <p:to>
+                                        <p:strVal val="visible"/>
+                                      </p:to>
+                                    </p:set>
+                                    <p:animEffect transition="in" filter="barn(inVertical)">
+                                      <p:cBhvr>
+                                        <p:cTn id="30" dur="500"/>
+                                        <p:tgtEl>
+                                          <p:spTgt spid="1026"/>
+                                        </p:tgtEl>
+                                      </p:cBhvr>
+                                    </p:animEffect>
+                                  </p:childTnLst>
+                                </p:cTn>
+                              </p:par>
+                              <p:par>
+                                <p:cTn id="31" presetID="2" presetClass="entr" presetSubtype="4" fill="hold" nodeType="withEffect">
+                                  <p:stCondLst>
+                                    <p:cond delay="0"/>
+                                  </p:stCondLst>
+                                  <p:childTnLst>
+                                    <p:set>
+                                      <p:cBhvr>
+                                        <p:cTn id="32" dur="1" fill="hold">
+                                          <p:stCondLst>
+                                            <p:cond delay="0"/>
+                                          </p:stCondLst>
+                                        </p:cTn>
+                                        <p:tgtEl>
+                                          <p:spTgt spid="1028"/>
+                                        </p:tgtEl>
+                                        <p:attrNameLst>
+                                          <p:attrName>style.visibility</p:attrName>
+                                        </p:attrNameLst>
+                                      </p:cBhvr>
+                                      <p:to>
+                                        <p:strVal val="visible"/>
+                                      </p:to>
+                                    </p:set>
+                                    <p:anim calcmode="lin" valueType="num">
+                                      <p:cBhvr additive="base">
+                                        <p:cTn id="33" dur="500" fill="hold"/>
+                                        <p:tgtEl>
+                                          <p:spTgt spid="1028"/>
+                                        </p:tgtEl>
+                                        <p:attrNameLst>
+                                          <p:attrName>ppt_x</p:attrName>
+                                        </p:attrNameLst>
+                                      </p:cBhvr>
+                                      <p:tavLst>
+                                        <p:tav tm="0">
+                                          <p:val>
+                                            <p:strVal val="#ppt_x"/>
+                                          </p:val>
+                                        </p:tav>
+                                        <p:tav tm="100000">
+                                          <p:val>
+                                            <p:strVal val="#ppt_x"/>
+                                          </p:val>
+                                        </p:tav>
+                                      </p:tavLst>
+                                    </p:anim>
+                                    <p:anim calcmode="lin" valueType="num">
+                                      <p:cBhvr additive="base">
+                                        <p:cTn id="34" dur="500" fill="hold"/>
+                                        <p:tgtEl>
+                                          <p:spTgt spid="1028"/>
                                         </p:tgtEl>
                                         <p:attrNameLst>
                                           <p:attrName>ppt_y</p:attrName>
@@ -9254,26 +11646,26 @@
                     </p:cTn>
                   </p:par>
                   <p:par>
-                    <p:cTn id="20" fill="hold">
+                    <p:cTn id="35" fill="hold">
                       <p:stCondLst>
                         <p:cond delay="indefinite"/>
                       </p:stCondLst>
                       <p:childTnLst>
                         <p:par>
-                          <p:cTn id="21" fill="hold">
+                          <p:cTn id="36" fill="hold">
                             <p:stCondLst>
                               <p:cond delay="0"/>
                             </p:stCondLst>
                             <p:childTnLst>
                               <p:par>
-                                <p:cTn id="22" presetID="2" presetClass="entr" presetSubtype="8" fill="hold" nodeType="clickEffect">
+                                <p:cTn id="37" presetID="2" presetClass="entr" presetSubtype="8" fill="hold" nodeType="clickEffect">
                                   <p:stCondLst>
                                     <p:cond delay="0"/>
                                   </p:stCondLst>
                                   <p:childTnLst>
                                     <p:set>
                                       <p:cBhvr>
-                                        <p:cTn id="23" dur="1" fill="hold">
+                                        <p:cTn id="38" dur="1" fill="hold">
                                           <p:stCondLst>
                                             <p:cond delay="0"/>
                                           </p:stCondLst>
@@ -9281,7 +11673,7 @@
                                         <p:tgtEl>
                                           <p:spTgt spid="4">
                                             <p:txEl>
-                                              <p:pRg st="1" end="1"/>
+                                              <p:pRg st="3" end="3"/>
                                             </p:txEl>
                                           </p:spTgt>
                                         </p:tgtEl>
@@ -9295,11 +11687,11 @@
                                     </p:set>
                                     <p:anim calcmode="lin" valueType="num">
                                       <p:cBhvr additive="base">
-                                        <p:cTn id="24" dur="500" fill="hold"/>
+                                        <p:cTn id="39" dur="500" fill="hold"/>
                                         <p:tgtEl>
                                           <p:spTgt spid="4">
                                             <p:txEl>
-                                              <p:pRg st="1" end="1"/>
+                                              <p:pRg st="3" end="3"/>
                                             </p:txEl>
                                           </p:spTgt>
                                         </p:tgtEl>
@@ -9322,11 +11714,11 @@
                                     </p:anim>
                                     <p:anim calcmode="lin" valueType="num">
                                       <p:cBhvr additive="base">
-                                        <p:cTn id="25" dur="500" fill="hold"/>
+                                        <p:cTn id="40" dur="500" fill="hold"/>
                                         <p:tgtEl>
                                           <p:spTgt spid="4">
                                             <p:txEl>
-                                              <p:pRg st="1" end="1"/>
+                                              <p:pRg st="3" end="3"/>
                                             </p:txEl>
                                           </p:spTgt>
                                         </p:tgtEl>
@@ -9347,6 +11739,1304 @@
                                         </p:tav>
                                       </p:tavLst>
                                     </p:anim>
+                                  </p:childTnLst>
+                                </p:cTn>
+                              </p:par>
+                              <p:par>
+                                <p:cTn id="41" presetID="2" presetClass="entr" presetSubtype="8" fill="hold" nodeType="withEffect">
+                                  <p:stCondLst>
+                                    <p:cond delay="0"/>
+                                  </p:stCondLst>
+                                  <p:childTnLst>
+                                    <p:set>
+                                      <p:cBhvr>
+                                        <p:cTn id="42" dur="1" fill="hold">
+                                          <p:stCondLst>
+                                            <p:cond delay="0"/>
+                                          </p:stCondLst>
+                                        </p:cTn>
+                                        <p:tgtEl>
+                                          <p:spTgt spid="4">
+                                            <p:txEl>
+                                              <p:pRg st="4" end="4"/>
+                                            </p:txEl>
+                                          </p:spTgt>
+                                        </p:tgtEl>
+                                        <p:attrNameLst>
+                                          <p:attrName>style.visibility</p:attrName>
+                                        </p:attrNameLst>
+                                      </p:cBhvr>
+                                      <p:to>
+                                        <p:strVal val="visible"/>
+                                      </p:to>
+                                    </p:set>
+                                    <p:anim calcmode="lin" valueType="num">
+                                      <p:cBhvr additive="base">
+                                        <p:cTn id="43" dur="500" fill="hold"/>
+                                        <p:tgtEl>
+                                          <p:spTgt spid="4">
+                                            <p:txEl>
+                                              <p:pRg st="4" end="4"/>
+                                            </p:txEl>
+                                          </p:spTgt>
+                                        </p:tgtEl>
+                                        <p:attrNameLst>
+                                          <p:attrName>ppt_x</p:attrName>
+                                        </p:attrNameLst>
+                                      </p:cBhvr>
+                                      <p:tavLst>
+                                        <p:tav tm="0">
+                                          <p:val>
+                                            <p:strVal val="0-#ppt_w/2"/>
+                                          </p:val>
+                                        </p:tav>
+                                        <p:tav tm="100000">
+                                          <p:val>
+                                            <p:strVal val="#ppt_x"/>
+                                          </p:val>
+                                        </p:tav>
+                                      </p:tavLst>
+                                    </p:anim>
+                                    <p:anim calcmode="lin" valueType="num">
+                                      <p:cBhvr additive="base">
+                                        <p:cTn id="44" dur="500" fill="hold"/>
+                                        <p:tgtEl>
+                                          <p:spTgt spid="4">
+                                            <p:txEl>
+                                              <p:pRg st="4" end="4"/>
+                                            </p:txEl>
+                                          </p:spTgt>
+                                        </p:tgtEl>
+                                        <p:attrNameLst>
+                                          <p:attrName>ppt_y</p:attrName>
+                                        </p:attrNameLst>
+                                      </p:cBhvr>
+                                      <p:tavLst>
+                                        <p:tav tm="0">
+                                          <p:val>
+                                            <p:strVal val="#ppt_y"/>
+                                          </p:val>
+                                        </p:tav>
+                                        <p:tav tm="100000">
+                                          <p:val>
+                                            <p:strVal val="#ppt_y"/>
+                                          </p:val>
+                                        </p:tav>
+                                      </p:tavLst>
+                                    </p:anim>
+                                  </p:childTnLst>
+                                </p:cTn>
+                              </p:par>
+                              <p:par>
+                                <p:cTn id="45" presetID="2" presetClass="entr" presetSubtype="8" fill="hold" nodeType="withEffect">
+                                  <p:stCondLst>
+                                    <p:cond delay="0"/>
+                                  </p:stCondLst>
+                                  <p:childTnLst>
+                                    <p:set>
+                                      <p:cBhvr>
+                                        <p:cTn id="46" dur="1" fill="hold">
+                                          <p:stCondLst>
+                                            <p:cond delay="0"/>
+                                          </p:stCondLst>
+                                        </p:cTn>
+                                        <p:tgtEl>
+                                          <p:spTgt spid="4">
+                                            <p:txEl>
+                                              <p:pRg st="5" end="5"/>
+                                            </p:txEl>
+                                          </p:spTgt>
+                                        </p:tgtEl>
+                                        <p:attrNameLst>
+                                          <p:attrName>style.visibility</p:attrName>
+                                        </p:attrNameLst>
+                                      </p:cBhvr>
+                                      <p:to>
+                                        <p:strVal val="visible"/>
+                                      </p:to>
+                                    </p:set>
+                                    <p:anim calcmode="lin" valueType="num">
+                                      <p:cBhvr additive="base">
+                                        <p:cTn id="47" dur="500" fill="hold"/>
+                                        <p:tgtEl>
+                                          <p:spTgt spid="4">
+                                            <p:txEl>
+                                              <p:pRg st="5" end="5"/>
+                                            </p:txEl>
+                                          </p:spTgt>
+                                        </p:tgtEl>
+                                        <p:attrNameLst>
+                                          <p:attrName>ppt_x</p:attrName>
+                                        </p:attrNameLst>
+                                      </p:cBhvr>
+                                      <p:tavLst>
+                                        <p:tav tm="0">
+                                          <p:val>
+                                            <p:strVal val="0-#ppt_w/2"/>
+                                          </p:val>
+                                        </p:tav>
+                                        <p:tav tm="100000">
+                                          <p:val>
+                                            <p:strVal val="#ppt_x"/>
+                                          </p:val>
+                                        </p:tav>
+                                      </p:tavLst>
+                                    </p:anim>
+                                    <p:anim calcmode="lin" valueType="num">
+                                      <p:cBhvr additive="base">
+                                        <p:cTn id="48" dur="500" fill="hold"/>
+                                        <p:tgtEl>
+                                          <p:spTgt spid="4">
+                                            <p:txEl>
+                                              <p:pRg st="5" end="5"/>
+                                            </p:txEl>
+                                          </p:spTgt>
+                                        </p:tgtEl>
+                                        <p:attrNameLst>
+                                          <p:attrName>ppt_y</p:attrName>
+                                        </p:attrNameLst>
+                                      </p:cBhvr>
+                                      <p:tavLst>
+                                        <p:tav tm="0">
+                                          <p:val>
+                                            <p:strVal val="#ppt_y"/>
+                                          </p:val>
+                                        </p:tav>
+                                        <p:tav tm="100000">
+                                          <p:val>
+                                            <p:strVal val="#ppt_y"/>
+                                          </p:val>
+                                        </p:tav>
+                                      </p:tavLst>
+                                    </p:anim>
+                                  </p:childTnLst>
+                                </p:cTn>
+                              </p:par>
+                            </p:childTnLst>
+                          </p:cTn>
+                        </p:par>
+                        <p:par>
+                          <p:cTn id="49" fill="hold">
+                            <p:stCondLst>
+                              <p:cond delay="500"/>
+                            </p:stCondLst>
+                            <p:childTnLst>
+                              <p:par>
+                                <p:cTn id="50" presetID="14" presetClass="exit" presetSubtype="10" fill="hold" nodeType="afterEffect">
+                                  <p:stCondLst>
+                                    <p:cond delay="0"/>
+                                  </p:stCondLst>
+                                  <p:childTnLst>
+                                    <p:animEffect transition="out" filter="randombar(horizontal)">
+                                      <p:cBhvr>
+                                        <p:cTn id="51" dur="500"/>
+                                        <p:tgtEl>
+                                          <p:spTgt spid="3076"/>
+                                        </p:tgtEl>
+                                      </p:cBhvr>
+                                    </p:animEffect>
+                                    <p:set>
+                                      <p:cBhvr>
+                                        <p:cTn id="52" dur="1" fill="hold">
+                                          <p:stCondLst>
+                                            <p:cond delay="499"/>
+                                          </p:stCondLst>
+                                        </p:cTn>
+                                        <p:tgtEl>
+                                          <p:spTgt spid="3076"/>
+                                        </p:tgtEl>
+                                        <p:attrNameLst>
+                                          <p:attrName>style.visibility</p:attrName>
+                                        </p:attrNameLst>
+                                      </p:cBhvr>
+                                      <p:to>
+                                        <p:strVal val="hidden"/>
+                                      </p:to>
+                                    </p:set>
+                                  </p:childTnLst>
+                                </p:cTn>
+                              </p:par>
+                              <p:par>
+                                <p:cTn id="53" presetID="10" presetClass="exit" presetSubtype="0" fill="hold" nodeType="withEffect">
+                                  <p:stCondLst>
+                                    <p:cond delay="0"/>
+                                  </p:stCondLst>
+                                  <p:childTnLst>
+                                    <p:animEffect transition="out" filter="fade">
+                                      <p:cBhvr>
+                                        <p:cTn id="54" dur="500"/>
+                                        <p:tgtEl>
+                                          <p:spTgt spid="1026"/>
+                                        </p:tgtEl>
+                                      </p:cBhvr>
+                                    </p:animEffect>
+                                    <p:set>
+                                      <p:cBhvr>
+                                        <p:cTn id="55" dur="1" fill="hold">
+                                          <p:stCondLst>
+                                            <p:cond delay="499"/>
+                                          </p:stCondLst>
+                                        </p:cTn>
+                                        <p:tgtEl>
+                                          <p:spTgt spid="1026"/>
+                                        </p:tgtEl>
+                                        <p:attrNameLst>
+                                          <p:attrName>style.visibility</p:attrName>
+                                        </p:attrNameLst>
+                                      </p:cBhvr>
+                                      <p:to>
+                                        <p:strVal val="hidden"/>
+                                      </p:to>
+                                    </p:set>
+                                  </p:childTnLst>
+                                </p:cTn>
+                              </p:par>
+                              <p:par>
+                                <p:cTn id="56" presetID="45" presetClass="exit" presetSubtype="0" fill="hold" nodeType="withEffect">
+                                  <p:stCondLst>
+                                    <p:cond delay="0"/>
+                                  </p:stCondLst>
+                                  <p:childTnLst>
+                                    <p:animEffect transition="out" filter="fade">
+                                      <p:cBhvr>
+                                        <p:cTn id="57" dur="500"/>
+                                        <p:tgtEl>
+                                          <p:spTgt spid="1028"/>
+                                        </p:tgtEl>
+                                      </p:cBhvr>
+                                    </p:animEffect>
+                                    <p:anim calcmode="lin" valueType="num">
+                                      <p:cBhvr>
+                                        <p:cTn id="58" dur="500"/>
+                                        <p:tgtEl>
+                                          <p:spTgt spid="1028"/>
+                                        </p:tgtEl>
+                                        <p:attrNameLst>
+                                          <p:attrName>ppt_w</p:attrName>
+                                        </p:attrNameLst>
+                                      </p:cBhvr>
+                                      <p:tavLst>
+                                        <p:tav tm="0">
+                                          <p:val>
+                                            <p:strVal val="ppt_w"/>
+                                          </p:val>
+                                        </p:tav>
+                                        <p:tav tm="5000">
+                                          <p:val>
+                                            <p:strVal val="0.92*ppt_w"/>
+                                          </p:val>
+                                        </p:tav>
+                                        <p:tav tm="10000">
+                                          <p:val>
+                                            <p:strVal val="0.71*ppt_w"/>
+                                          </p:val>
+                                        </p:tav>
+                                        <p:tav tm="15000">
+                                          <p:val>
+                                            <p:strVal val="0.38*ppt_w"/>
+                                          </p:val>
+                                        </p:tav>
+                                        <p:tav tm="20000">
+                                          <p:val>
+                                            <p:fltVal val="0"/>
+                                          </p:val>
+                                        </p:tav>
+                                        <p:tav tm="25000">
+                                          <p:val>
+                                            <p:strVal val="-0.38*ppt_w"/>
+                                          </p:val>
+                                        </p:tav>
+                                        <p:tav tm="30000">
+                                          <p:val>
+                                            <p:strVal val="-0.71*ppt_w"/>
+                                          </p:val>
+                                        </p:tav>
+                                        <p:tav tm="35000">
+                                          <p:val>
+                                            <p:strVal val="-0.92*ppt_w"/>
+                                          </p:val>
+                                        </p:tav>
+                                        <p:tav tm="40000">
+                                          <p:val>
+                                            <p:strVal val="-ppt_w"/>
+                                          </p:val>
+                                        </p:tav>
+                                        <p:tav tm="45000">
+                                          <p:val>
+                                            <p:strVal val="-0.92*ppt_w"/>
+                                          </p:val>
+                                        </p:tav>
+                                        <p:tav tm="50000">
+                                          <p:val>
+                                            <p:strVal val="-0.71*ppt_w"/>
+                                          </p:val>
+                                        </p:tav>
+                                        <p:tav tm="55000">
+                                          <p:val>
+                                            <p:strVal val="-0.38*ppt_w"/>
+                                          </p:val>
+                                        </p:tav>
+                                        <p:tav tm="60000">
+                                          <p:val>
+                                            <p:fltVal val="0"/>
+                                          </p:val>
+                                        </p:tav>
+                                        <p:tav tm="65000">
+                                          <p:val>
+                                            <p:strVal val="0.38*ppt_w"/>
+                                          </p:val>
+                                        </p:tav>
+                                        <p:tav tm="70000">
+                                          <p:val>
+                                            <p:strVal val="0.71*ppt_w"/>
+                                          </p:val>
+                                        </p:tav>
+                                        <p:tav tm="75000">
+                                          <p:val>
+                                            <p:strVal val="0.92*ppt_w"/>
+                                          </p:val>
+                                        </p:tav>
+                                        <p:tav tm="80000">
+                                          <p:val>
+                                            <p:strVal val="ppt_w"/>
+                                          </p:val>
+                                        </p:tav>
+                                        <p:tav tm="85000">
+                                          <p:val>
+                                            <p:strVal val="0.92*ppt_w"/>
+                                          </p:val>
+                                        </p:tav>
+                                        <p:tav tm="90000">
+                                          <p:val>
+                                            <p:strVal val="0.71*ppt_w"/>
+                                          </p:val>
+                                        </p:tav>
+                                        <p:tav tm="95000">
+                                          <p:val>
+                                            <p:strVal val="0.38*ppt_w"/>
+                                          </p:val>
+                                        </p:tav>
+                                        <p:tav tm="100000">
+                                          <p:val>
+                                            <p:fltVal val="0"/>
+                                          </p:val>
+                                        </p:tav>
+                                      </p:tavLst>
+                                    </p:anim>
+                                    <p:anim calcmode="lin" valueType="num">
+                                      <p:cBhvr>
+                                        <p:cTn id="59" dur="500"/>
+                                        <p:tgtEl>
+                                          <p:spTgt spid="1028"/>
+                                        </p:tgtEl>
+                                        <p:attrNameLst>
+                                          <p:attrName>ppt_h</p:attrName>
+                                        </p:attrNameLst>
+                                      </p:cBhvr>
+                                      <p:tavLst>
+                                        <p:tav tm="0">
+                                          <p:val>
+                                            <p:strVal val="ppt_h"/>
+                                          </p:val>
+                                        </p:tav>
+                                        <p:tav tm="100000">
+                                          <p:val>
+                                            <p:strVal val="ppt_h"/>
+                                          </p:val>
+                                        </p:tav>
+                                      </p:tavLst>
+                                    </p:anim>
+                                    <p:set>
+                                      <p:cBhvr>
+                                        <p:cTn id="60" dur="1" fill="hold">
+                                          <p:stCondLst>
+                                            <p:cond delay="499"/>
+                                          </p:stCondLst>
+                                        </p:cTn>
+                                        <p:tgtEl>
+                                          <p:spTgt spid="1028"/>
+                                        </p:tgtEl>
+                                        <p:attrNameLst>
+                                          <p:attrName>style.visibility</p:attrName>
+                                        </p:attrNameLst>
+                                      </p:cBhvr>
+                                      <p:to>
+                                        <p:strVal val="hidden"/>
+                                      </p:to>
+                                    </p:set>
+                                  </p:childTnLst>
+                                </p:cTn>
+                              </p:par>
+                              <p:par>
+                                <p:cTn id="61" presetID="53" presetClass="entr" presetSubtype="16" fill="hold" nodeType="withEffect">
+                                  <p:stCondLst>
+                                    <p:cond delay="0"/>
+                                  </p:stCondLst>
+                                  <p:childTnLst>
+                                    <p:set>
+                                      <p:cBhvr>
+                                        <p:cTn id="62" dur="1" fill="hold">
+                                          <p:stCondLst>
+                                            <p:cond delay="0"/>
+                                          </p:stCondLst>
+                                        </p:cTn>
+                                        <p:tgtEl>
+                                          <p:spTgt spid="1030"/>
+                                        </p:tgtEl>
+                                        <p:attrNameLst>
+                                          <p:attrName>style.visibility</p:attrName>
+                                        </p:attrNameLst>
+                                      </p:cBhvr>
+                                      <p:to>
+                                        <p:strVal val="visible"/>
+                                      </p:to>
+                                    </p:set>
+                                    <p:anim calcmode="lin" valueType="num">
+                                      <p:cBhvr>
+                                        <p:cTn id="63" dur="500" fill="hold"/>
+                                        <p:tgtEl>
+                                          <p:spTgt spid="1030"/>
+                                        </p:tgtEl>
+                                        <p:attrNameLst>
+                                          <p:attrName>ppt_w</p:attrName>
+                                        </p:attrNameLst>
+                                      </p:cBhvr>
+                                      <p:tavLst>
+                                        <p:tav tm="0">
+                                          <p:val>
+                                            <p:fltVal val="0"/>
+                                          </p:val>
+                                        </p:tav>
+                                        <p:tav tm="100000">
+                                          <p:val>
+                                            <p:strVal val="#ppt_w"/>
+                                          </p:val>
+                                        </p:tav>
+                                      </p:tavLst>
+                                    </p:anim>
+                                    <p:anim calcmode="lin" valueType="num">
+                                      <p:cBhvr>
+                                        <p:cTn id="64" dur="500" fill="hold"/>
+                                        <p:tgtEl>
+                                          <p:spTgt spid="1030"/>
+                                        </p:tgtEl>
+                                        <p:attrNameLst>
+                                          <p:attrName>ppt_h</p:attrName>
+                                        </p:attrNameLst>
+                                      </p:cBhvr>
+                                      <p:tavLst>
+                                        <p:tav tm="0">
+                                          <p:val>
+                                            <p:fltVal val="0"/>
+                                          </p:val>
+                                        </p:tav>
+                                        <p:tav tm="100000">
+                                          <p:val>
+                                            <p:strVal val="#ppt_h"/>
+                                          </p:val>
+                                        </p:tav>
+                                      </p:tavLst>
+                                    </p:anim>
+                                    <p:animEffect transition="in" filter="fade">
+                                      <p:cBhvr>
+                                        <p:cTn id="65" dur="500"/>
+                                        <p:tgtEl>
+                                          <p:spTgt spid="1030"/>
+                                        </p:tgtEl>
+                                      </p:cBhvr>
+                                    </p:animEffect>
+                                  </p:childTnLst>
+                                </p:cTn>
+                              </p:par>
+                              <p:par>
+                                <p:cTn id="66" presetID="31" presetClass="entr" presetSubtype="0" fill="hold" nodeType="withEffect">
+                                  <p:stCondLst>
+                                    <p:cond delay="0"/>
+                                  </p:stCondLst>
+                                  <p:childTnLst>
+                                    <p:set>
+                                      <p:cBhvr>
+                                        <p:cTn id="67" dur="1" fill="hold">
+                                          <p:stCondLst>
+                                            <p:cond delay="0"/>
+                                          </p:stCondLst>
+                                        </p:cTn>
+                                        <p:tgtEl>
+                                          <p:spTgt spid="1032"/>
+                                        </p:tgtEl>
+                                        <p:attrNameLst>
+                                          <p:attrName>style.visibility</p:attrName>
+                                        </p:attrNameLst>
+                                      </p:cBhvr>
+                                      <p:to>
+                                        <p:strVal val="visible"/>
+                                      </p:to>
+                                    </p:set>
+                                    <p:anim calcmode="lin" valueType="num">
+                                      <p:cBhvr>
+                                        <p:cTn id="68" dur="500" fill="hold"/>
+                                        <p:tgtEl>
+                                          <p:spTgt spid="1032"/>
+                                        </p:tgtEl>
+                                        <p:attrNameLst>
+                                          <p:attrName>ppt_w</p:attrName>
+                                        </p:attrNameLst>
+                                      </p:cBhvr>
+                                      <p:tavLst>
+                                        <p:tav tm="0">
+                                          <p:val>
+                                            <p:fltVal val="0"/>
+                                          </p:val>
+                                        </p:tav>
+                                        <p:tav tm="100000">
+                                          <p:val>
+                                            <p:strVal val="#ppt_w"/>
+                                          </p:val>
+                                        </p:tav>
+                                      </p:tavLst>
+                                    </p:anim>
+                                    <p:anim calcmode="lin" valueType="num">
+                                      <p:cBhvr>
+                                        <p:cTn id="69" dur="500" fill="hold"/>
+                                        <p:tgtEl>
+                                          <p:spTgt spid="1032"/>
+                                        </p:tgtEl>
+                                        <p:attrNameLst>
+                                          <p:attrName>ppt_h</p:attrName>
+                                        </p:attrNameLst>
+                                      </p:cBhvr>
+                                      <p:tavLst>
+                                        <p:tav tm="0">
+                                          <p:val>
+                                            <p:fltVal val="0"/>
+                                          </p:val>
+                                        </p:tav>
+                                        <p:tav tm="100000">
+                                          <p:val>
+                                            <p:strVal val="#ppt_h"/>
+                                          </p:val>
+                                        </p:tav>
+                                      </p:tavLst>
+                                    </p:anim>
+                                    <p:anim calcmode="lin" valueType="num">
+                                      <p:cBhvr>
+                                        <p:cTn id="70" dur="500" fill="hold"/>
+                                        <p:tgtEl>
+                                          <p:spTgt spid="1032"/>
+                                        </p:tgtEl>
+                                        <p:attrNameLst>
+                                          <p:attrName>style.rotation</p:attrName>
+                                        </p:attrNameLst>
+                                      </p:cBhvr>
+                                      <p:tavLst>
+                                        <p:tav tm="0">
+                                          <p:val>
+                                            <p:fltVal val="90"/>
+                                          </p:val>
+                                        </p:tav>
+                                        <p:tav tm="100000">
+                                          <p:val>
+                                            <p:fltVal val="0"/>
+                                          </p:val>
+                                        </p:tav>
+                                      </p:tavLst>
+                                    </p:anim>
+                                    <p:animEffect transition="in" filter="fade">
+                                      <p:cBhvr>
+                                        <p:cTn id="71" dur="500"/>
+                                        <p:tgtEl>
+                                          <p:spTgt spid="1032"/>
+                                        </p:tgtEl>
+                                      </p:cBhvr>
+                                    </p:animEffect>
+                                  </p:childTnLst>
+                                </p:cTn>
+                              </p:par>
+                              <p:par>
+                                <p:cTn id="72" presetID="4" presetClass="entr" presetSubtype="16" fill="hold" nodeType="withEffect">
+                                  <p:stCondLst>
+                                    <p:cond delay="0"/>
+                                  </p:stCondLst>
+                                  <p:childTnLst>
+                                    <p:set>
+                                      <p:cBhvr>
+                                        <p:cTn id="73" dur="1" fill="hold">
+                                          <p:stCondLst>
+                                            <p:cond delay="0"/>
+                                          </p:stCondLst>
+                                        </p:cTn>
+                                        <p:tgtEl>
+                                          <p:spTgt spid="1034"/>
+                                        </p:tgtEl>
+                                        <p:attrNameLst>
+                                          <p:attrName>style.visibility</p:attrName>
+                                        </p:attrNameLst>
+                                      </p:cBhvr>
+                                      <p:to>
+                                        <p:strVal val="visible"/>
+                                      </p:to>
+                                    </p:set>
+                                    <p:animEffect transition="in" filter="box(in)">
+                                      <p:cBhvr>
+                                        <p:cTn id="74" dur="500"/>
+                                        <p:tgtEl>
+                                          <p:spTgt spid="1034"/>
+                                        </p:tgtEl>
+                                      </p:cBhvr>
+                                    </p:animEffect>
+                                  </p:childTnLst>
+                                </p:cTn>
+                              </p:par>
+                            </p:childTnLst>
+                          </p:cTn>
+                        </p:par>
+                      </p:childTnLst>
+                    </p:cTn>
+                  </p:par>
+                  <p:par>
+                    <p:cTn id="75" fill="hold">
+                      <p:stCondLst>
+                        <p:cond delay="indefinite"/>
+                      </p:stCondLst>
+                      <p:childTnLst>
+                        <p:par>
+                          <p:cTn id="76" fill="hold">
+                            <p:stCondLst>
+                              <p:cond delay="0"/>
+                            </p:stCondLst>
+                            <p:childTnLst>
+                              <p:par>
+                                <p:cTn id="77" presetID="2" presetClass="entr" presetSubtype="8" fill="hold" nodeType="clickEffect">
+                                  <p:stCondLst>
+                                    <p:cond delay="0"/>
+                                  </p:stCondLst>
+                                  <p:childTnLst>
+                                    <p:set>
+                                      <p:cBhvr>
+                                        <p:cTn id="78" dur="1" fill="hold">
+                                          <p:stCondLst>
+                                            <p:cond delay="0"/>
+                                          </p:stCondLst>
+                                        </p:cTn>
+                                        <p:tgtEl>
+                                          <p:spTgt spid="4">
+                                            <p:txEl>
+                                              <p:pRg st="6" end="6"/>
+                                            </p:txEl>
+                                          </p:spTgt>
+                                        </p:tgtEl>
+                                        <p:attrNameLst>
+                                          <p:attrName>style.visibility</p:attrName>
+                                        </p:attrNameLst>
+                                      </p:cBhvr>
+                                      <p:to>
+                                        <p:strVal val="visible"/>
+                                      </p:to>
+                                    </p:set>
+                                    <p:anim calcmode="lin" valueType="num">
+                                      <p:cBhvr additive="base">
+                                        <p:cTn id="79" dur="500" fill="hold"/>
+                                        <p:tgtEl>
+                                          <p:spTgt spid="4">
+                                            <p:txEl>
+                                              <p:pRg st="6" end="6"/>
+                                            </p:txEl>
+                                          </p:spTgt>
+                                        </p:tgtEl>
+                                        <p:attrNameLst>
+                                          <p:attrName>ppt_x</p:attrName>
+                                        </p:attrNameLst>
+                                      </p:cBhvr>
+                                      <p:tavLst>
+                                        <p:tav tm="0">
+                                          <p:val>
+                                            <p:strVal val="0-#ppt_w/2"/>
+                                          </p:val>
+                                        </p:tav>
+                                        <p:tav tm="100000">
+                                          <p:val>
+                                            <p:strVal val="#ppt_x"/>
+                                          </p:val>
+                                        </p:tav>
+                                      </p:tavLst>
+                                    </p:anim>
+                                    <p:anim calcmode="lin" valueType="num">
+                                      <p:cBhvr additive="base">
+                                        <p:cTn id="80" dur="500" fill="hold"/>
+                                        <p:tgtEl>
+                                          <p:spTgt spid="4">
+                                            <p:txEl>
+                                              <p:pRg st="6" end="6"/>
+                                            </p:txEl>
+                                          </p:spTgt>
+                                        </p:tgtEl>
+                                        <p:attrNameLst>
+                                          <p:attrName>ppt_y</p:attrName>
+                                        </p:attrNameLst>
+                                      </p:cBhvr>
+                                      <p:tavLst>
+                                        <p:tav tm="0">
+                                          <p:val>
+                                            <p:strVal val="#ppt_y"/>
+                                          </p:val>
+                                        </p:tav>
+                                        <p:tav tm="100000">
+                                          <p:val>
+                                            <p:strVal val="#ppt_y"/>
+                                          </p:val>
+                                        </p:tav>
+                                      </p:tavLst>
+                                    </p:anim>
+                                  </p:childTnLst>
+                                </p:cTn>
+                              </p:par>
+                              <p:par>
+                                <p:cTn id="81" presetID="2" presetClass="entr" presetSubtype="8" fill="hold" nodeType="withEffect">
+                                  <p:stCondLst>
+                                    <p:cond delay="0"/>
+                                  </p:stCondLst>
+                                  <p:childTnLst>
+                                    <p:set>
+                                      <p:cBhvr>
+                                        <p:cTn id="82" dur="1" fill="hold">
+                                          <p:stCondLst>
+                                            <p:cond delay="0"/>
+                                          </p:stCondLst>
+                                        </p:cTn>
+                                        <p:tgtEl>
+                                          <p:spTgt spid="4">
+                                            <p:txEl>
+                                              <p:pRg st="7" end="7"/>
+                                            </p:txEl>
+                                          </p:spTgt>
+                                        </p:tgtEl>
+                                        <p:attrNameLst>
+                                          <p:attrName>style.visibility</p:attrName>
+                                        </p:attrNameLst>
+                                      </p:cBhvr>
+                                      <p:to>
+                                        <p:strVal val="visible"/>
+                                      </p:to>
+                                    </p:set>
+                                    <p:anim calcmode="lin" valueType="num">
+                                      <p:cBhvr additive="base">
+                                        <p:cTn id="83" dur="500" fill="hold"/>
+                                        <p:tgtEl>
+                                          <p:spTgt spid="4">
+                                            <p:txEl>
+                                              <p:pRg st="7" end="7"/>
+                                            </p:txEl>
+                                          </p:spTgt>
+                                        </p:tgtEl>
+                                        <p:attrNameLst>
+                                          <p:attrName>ppt_x</p:attrName>
+                                        </p:attrNameLst>
+                                      </p:cBhvr>
+                                      <p:tavLst>
+                                        <p:tav tm="0">
+                                          <p:val>
+                                            <p:strVal val="0-#ppt_w/2"/>
+                                          </p:val>
+                                        </p:tav>
+                                        <p:tav tm="100000">
+                                          <p:val>
+                                            <p:strVal val="#ppt_x"/>
+                                          </p:val>
+                                        </p:tav>
+                                      </p:tavLst>
+                                    </p:anim>
+                                    <p:anim calcmode="lin" valueType="num">
+                                      <p:cBhvr additive="base">
+                                        <p:cTn id="84" dur="500" fill="hold"/>
+                                        <p:tgtEl>
+                                          <p:spTgt spid="4">
+                                            <p:txEl>
+                                              <p:pRg st="7" end="7"/>
+                                            </p:txEl>
+                                          </p:spTgt>
+                                        </p:tgtEl>
+                                        <p:attrNameLst>
+                                          <p:attrName>ppt_y</p:attrName>
+                                        </p:attrNameLst>
+                                      </p:cBhvr>
+                                      <p:tavLst>
+                                        <p:tav tm="0">
+                                          <p:val>
+                                            <p:strVal val="#ppt_y"/>
+                                          </p:val>
+                                        </p:tav>
+                                        <p:tav tm="100000">
+                                          <p:val>
+                                            <p:strVal val="#ppt_y"/>
+                                          </p:val>
+                                        </p:tav>
+                                      </p:tavLst>
+                                    </p:anim>
+                                  </p:childTnLst>
+                                </p:cTn>
+                              </p:par>
+                              <p:par>
+                                <p:cTn id="85" presetID="2" presetClass="entr" presetSubtype="8" fill="hold" nodeType="withEffect">
+                                  <p:stCondLst>
+                                    <p:cond delay="0"/>
+                                  </p:stCondLst>
+                                  <p:childTnLst>
+                                    <p:set>
+                                      <p:cBhvr>
+                                        <p:cTn id="86" dur="1" fill="hold">
+                                          <p:stCondLst>
+                                            <p:cond delay="0"/>
+                                          </p:stCondLst>
+                                        </p:cTn>
+                                        <p:tgtEl>
+                                          <p:spTgt spid="4">
+                                            <p:txEl>
+                                              <p:pRg st="8" end="8"/>
+                                            </p:txEl>
+                                          </p:spTgt>
+                                        </p:tgtEl>
+                                        <p:attrNameLst>
+                                          <p:attrName>style.visibility</p:attrName>
+                                        </p:attrNameLst>
+                                      </p:cBhvr>
+                                      <p:to>
+                                        <p:strVal val="visible"/>
+                                      </p:to>
+                                    </p:set>
+                                    <p:anim calcmode="lin" valueType="num">
+                                      <p:cBhvr additive="base">
+                                        <p:cTn id="87" dur="500" fill="hold"/>
+                                        <p:tgtEl>
+                                          <p:spTgt spid="4">
+                                            <p:txEl>
+                                              <p:pRg st="8" end="8"/>
+                                            </p:txEl>
+                                          </p:spTgt>
+                                        </p:tgtEl>
+                                        <p:attrNameLst>
+                                          <p:attrName>ppt_x</p:attrName>
+                                        </p:attrNameLst>
+                                      </p:cBhvr>
+                                      <p:tavLst>
+                                        <p:tav tm="0">
+                                          <p:val>
+                                            <p:strVal val="0-#ppt_w/2"/>
+                                          </p:val>
+                                        </p:tav>
+                                        <p:tav tm="100000">
+                                          <p:val>
+                                            <p:strVal val="#ppt_x"/>
+                                          </p:val>
+                                        </p:tav>
+                                      </p:tavLst>
+                                    </p:anim>
+                                    <p:anim calcmode="lin" valueType="num">
+                                      <p:cBhvr additive="base">
+                                        <p:cTn id="88" dur="500" fill="hold"/>
+                                        <p:tgtEl>
+                                          <p:spTgt spid="4">
+                                            <p:txEl>
+                                              <p:pRg st="8" end="8"/>
+                                            </p:txEl>
+                                          </p:spTgt>
+                                        </p:tgtEl>
+                                        <p:attrNameLst>
+                                          <p:attrName>ppt_y</p:attrName>
+                                        </p:attrNameLst>
+                                      </p:cBhvr>
+                                      <p:tavLst>
+                                        <p:tav tm="0">
+                                          <p:val>
+                                            <p:strVal val="#ppt_y"/>
+                                          </p:val>
+                                        </p:tav>
+                                        <p:tav tm="100000">
+                                          <p:val>
+                                            <p:strVal val="#ppt_y"/>
+                                          </p:val>
+                                        </p:tav>
+                                      </p:tavLst>
+                                    </p:anim>
+                                  </p:childTnLst>
+                                </p:cTn>
+                              </p:par>
+                            </p:childTnLst>
+                          </p:cTn>
+                        </p:par>
+                        <p:par>
+                          <p:cTn id="89" fill="hold">
+                            <p:stCondLst>
+                              <p:cond delay="500"/>
+                            </p:stCondLst>
+                            <p:childTnLst>
+                              <p:par>
+                                <p:cTn id="90" presetID="42" presetClass="exit" presetSubtype="0" fill="hold" nodeType="afterEffect">
+                                  <p:stCondLst>
+                                    <p:cond delay="0"/>
+                                  </p:stCondLst>
+                                  <p:childTnLst>
+                                    <p:animEffect transition="out" filter="fade">
+                                      <p:cBhvr>
+                                        <p:cTn id="91" dur="500"/>
+                                        <p:tgtEl>
+                                          <p:spTgt spid="1030"/>
+                                        </p:tgtEl>
+                                      </p:cBhvr>
+                                    </p:animEffect>
+                                    <p:anim calcmode="lin" valueType="num">
+                                      <p:cBhvr>
+                                        <p:cTn id="92" dur="500"/>
+                                        <p:tgtEl>
+                                          <p:spTgt spid="1030"/>
+                                        </p:tgtEl>
+                                        <p:attrNameLst>
+                                          <p:attrName>ppt_x</p:attrName>
+                                        </p:attrNameLst>
+                                      </p:cBhvr>
+                                      <p:tavLst>
+                                        <p:tav tm="0">
+                                          <p:val>
+                                            <p:strVal val="ppt_x"/>
+                                          </p:val>
+                                        </p:tav>
+                                        <p:tav tm="100000">
+                                          <p:val>
+                                            <p:strVal val="ppt_x"/>
+                                          </p:val>
+                                        </p:tav>
+                                      </p:tavLst>
+                                    </p:anim>
+                                    <p:anim calcmode="lin" valueType="num">
+                                      <p:cBhvr>
+                                        <p:cTn id="93" dur="500"/>
+                                        <p:tgtEl>
+                                          <p:spTgt spid="1030"/>
+                                        </p:tgtEl>
+                                        <p:attrNameLst>
+                                          <p:attrName>ppt_y</p:attrName>
+                                        </p:attrNameLst>
+                                      </p:cBhvr>
+                                      <p:tavLst>
+                                        <p:tav tm="0">
+                                          <p:val>
+                                            <p:strVal val="ppt_y"/>
+                                          </p:val>
+                                        </p:tav>
+                                        <p:tav tm="100000">
+                                          <p:val>
+                                            <p:strVal val="ppt_y+.1"/>
+                                          </p:val>
+                                        </p:tav>
+                                      </p:tavLst>
+                                    </p:anim>
+                                    <p:set>
+                                      <p:cBhvr>
+                                        <p:cTn id="94" dur="1" fill="hold">
+                                          <p:stCondLst>
+                                            <p:cond delay="499"/>
+                                          </p:stCondLst>
+                                        </p:cTn>
+                                        <p:tgtEl>
+                                          <p:spTgt spid="1030"/>
+                                        </p:tgtEl>
+                                        <p:attrNameLst>
+                                          <p:attrName>style.visibility</p:attrName>
+                                        </p:attrNameLst>
+                                      </p:cBhvr>
+                                      <p:to>
+                                        <p:strVal val="hidden"/>
+                                      </p:to>
+                                    </p:set>
+                                  </p:childTnLst>
+                                </p:cTn>
+                              </p:par>
+                              <p:par>
+                                <p:cTn id="95" presetID="31" presetClass="exit" presetSubtype="0" fill="hold" nodeType="withEffect">
+                                  <p:stCondLst>
+                                    <p:cond delay="0"/>
+                                  </p:stCondLst>
+                                  <p:childTnLst>
+                                    <p:anim calcmode="lin" valueType="num">
+                                      <p:cBhvr>
+                                        <p:cTn id="96" dur="500"/>
+                                        <p:tgtEl>
+                                          <p:spTgt spid="1032"/>
+                                        </p:tgtEl>
+                                        <p:attrNameLst>
+                                          <p:attrName>ppt_w</p:attrName>
+                                        </p:attrNameLst>
+                                      </p:cBhvr>
+                                      <p:tavLst>
+                                        <p:tav tm="0">
+                                          <p:val>
+                                            <p:strVal val="ppt_w"/>
+                                          </p:val>
+                                        </p:tav>
+                                        <p:tav tm="100000">
+                                          <p:val>
+                                            <p:fltVal val="0"/>
+                                          </p:val>
+                                        </p:tav>
+                                      </p:tavLst>
+                                    </p:anim>
+                                    <p:anim calcmode="lin" valueType="num">
+                                      <p:cBhvr>
+                                        <p:cTn id="97" dur="500"/>
+                                        <p:tgtEl>
+                                          <p:spTgt spid="1032"/>
+                                        </p:tgtEl>
+                                        <p:attrNameLst>
+                                          <p:attrName>ppt_h</p:attrName>
+                                        </p:attrNameLst>
+                                      </p:cBhvr>
+                                      <p:tavLst>
+                                        <p:tav tm="0">
+                                          <p:val>
+                                            <p:strVal val="ppt_h"/>
+                                          </p:val>
+                                        </p:tav>
+                                        <p:tav tm="100000">
+                                          <p:val>
+                                            <p:fltVal val="0"/>
+                                          </p:val>
+                                        </p:tav>
+                                      </p:tavLst>
+                                    </p:anim>
+                                    <p:anim calcmode="lin" valueType="num">
+                                      <p:cBhvr>
+                                        <p:cTn id="98" dur="500"/>
+                                        <p:tgtEl>
+                                          <p:spTgt spid="1032"/>
+                                        </p:tgtEl>
+                                        <p:attrNameLst>
+                                          <p:attrName>style.rotation</p:attrName>
+                                        </p:attrNameLst>
+                                      </p:cBhvr>
+                                      <p:tavLst>
+                                        <p:tav tm="0">
+                                          <p:val>
+                                            <p:fltVal val="0"/>
+                                          </p:val>
+                                        </p:tav>
+                                        <p:tav tm="100000">
+                                          <p:val>
+                                            <p:fltVal val="90"/>
+                                          </p:val>
+                                        </p:tav>
+                                      </p:tavLst>
+                                    </p:anim>
+                                    <p:animEffect transition="out" filter="fade">
+                                      <p:cBhvr>
+                                        <p:cTn id="99" dur="500"/>
+                                        <p:tgtEl>
+                                          <p:spTgt spid="1032"/>
+                                        </p:tgtEl>
+                                      </p:cBhvr>
+                                    </p:animEffect>
+                                    <p:set>
+                                      <p:cBhvr>
+                                        <p:cTn id="100" dur="1" fill="hold">
+                                          <p:stCondLst>
+                                            <p:cond delay="499"/>
+                                          </p:stCondLst>
+                                        </p:cTn>
+                                        <p:tgtEl>
+                                          <p:spTgt spid="1032"/>
+                                        </p:tgtEl>
+                                        <p:attrNameLst>
+                                          <p:attrName>style.visibility</p:attrName>
+                                        </p:attrNameLst>
+                                      </p:cBhvr>
+                                      <p:to>
+                                        <p:strVal val="hidden"/>
+                                      </p:to>
+                                    </p:set>
+                                  </p:childTnLst>
+                                </p:cTn>
+                              </p:par>
+                              <p:par>
+                                <p:cTn id="101" presetID="13" presetClass="exit" presetSubtype="32" fill="hold" nodeType="withEffect">
+                                  <p:stCondLst>
+                                    <p:cond delay="0"/>
+                                  </p:stCondLst>
+                                  <p:childTnLst>
+                                    <p:animEffect transition="out" filter="plus(out)">
+                                      <p:cBhvr>
+                                        <p:cTn id="102" dur="500"/>
+                                        <p:tgtEl>
+                                          <p:spTgt spid="1034"/>
+                                        </p:tgtEl>
+                                      </p:cBhvr>
+                                    </p:animEffect>
+                                    <p:set>
+                                      <p:cBhvr>
+                                        <p:cTn id="103" dur="1" fill="hold">
+                                          <p:stCondLst>
+                                            <p:cond delay="499"/>
+                                          </p:stCondLst>
+                                        </p:cTn>
+                                        <p:tgtEl>
+                                          <p:spTgt spid="1034"/>
+                                        </p:tgtEl>
+                                        <p:attrNameLst>
+                                          <p:attrName>style.visibility</p:attrName>
+                                        </p:attrNameLst>
+                                      </p:cBhvr>
+                                      <p:to>
+                                        <p:strVal val="hidden"/>
+                                      </p:to>
+                                    </p:set>
+                                  </p:childTnLst>
+                                </p:cTn>
+                              </p:par>
+                              <p:par>
+                                <p:cTn id="104" presetID="45" presetClass="entr" presetSubtype="0" fill="hold" nodeType="withEffect">
+                                  <p:stCondLst>
+                                    <p:cond delay="0"/>
+                                  </p:stCondLst>
+                                  <p:childTnLst>
+                                    <p:set>
+                                      <p:cBhvr>
+                                        <p:cTn id="105" dur="1" fill="hold">
+                                          <p:stCondLst>
+                                            <p:cond delay="0"/>
+                                          </p:stCondLst>
+                                        </p:cTn>
+                                        <p:tgtEl>
+                                          <p:spTgt spid="1036"/>
+                                        </p:tgtEl>
+                                        <p:attrNameLst>
+                                          <p:attrName>style.visibility</p:attrName>
+                                        </p:attrNameLst>
+                                      </p:cBhvr>
+                                      <p:to>
+                                        <p:strVal val="visible"/>
+                                      </p:to>
+                                    </p:set>
+                                    <p:animEffect transition="in" filter="fade">
+                                      <p:cBhvr>
+                                        <p:cTn id="106" dur="500"/>
+                                        <p:tgtEl>
+                                          <p:spTgt spid="1036"/>
+                                        </p:tgtEl>
+                                      </p:cBhvr>
+                                    </p:animEffect>
+                                    <p:anim calcmode="lin" valueType="num">
+                                      <p:cBhvr>
+                                        <p:cTn id="107" dur="500" fill="hold"/>
+                                        <p:tgtEl>
+                                          <p:spTgt spid="1036"/>
+                                        </p:tgtEl>
+                                        <p:attrNameLst>
+                                          <p:attrName>ppt_w</p:attrName>
+                                        </p:attrNameLst>
+                                      </p:cBhvr>
+                                      <p:tavLst>
+                                        <p:tav tm="0" fmla="#ppt_w*sin(2.5*pi*$)">
+                                          <p:val>
+                                            <p:fltVal val="0"/>
+                                          </p:val>
+                                        </p:tav>
+                                        <p:tav tm="100000">
+                                          <p:val>
+                                            <p:fltVal val="1"/>
+                                          </p:val>
+                                        </p:tav>
+                                      </p:tavLst>
+                                    </p:anim>
+                                    <p:anim calcmode="lin" valueType="num">
+                                      <p:cBhvr>
+                                        <p:cTn id="108" dur="500" fill="hold"/>
+                                        <p:tgtEl>
+                                          <p:spTgt spid="1036"/>
+                                        </p:tgtEl>
+                                        <p:attrNameLst>
+                                          <p:attrName>ppt_h</p:attrName>
+                                        </p:attrNameLst>
+                                      </p:cBhvr>
+                                      <p:tavLst>
+                                        <p:tav tm="0">
+                                          <p:val>
+                                            <p:strVal val="#ppt_h"/>
+                                          </p:val>
+                                        </p:tav>
+                                        <p:tav tm="100000">
+                                          <p:val>
+                                            <p:strVal val="#ppt_h"/>
+                                          </p:val>
+                                        </p:tav>
+                                      </p:tavLst>
+                                    </p:anim>
+                                  </p:childTnLst>
+                                </p:cTn>
+                              </p:par>
+                              <p:par>
+                                <p:cTn id="109" presetID="16" presetClass="entr" presetSubtype="21" fill="hold" nodeType="withEffect">
+                                  <p:stCondLst>
+                                    <p:cond delay="0"/>
+                                  </p:stCondLst>
+                                  <p:childTnLst>
+                                    <p:set>
+                                      <p:cBhvr>
+                                        <p:cTn id="110" dur="1" fill="hold">
+                                          <p:stCondLst>
+                                            <p:cond delay="0"/>
+                                          </p:stCondLst>
+                                        </p:cTn>
+                                        <p:tgtEl>
+                                          <p:spTgt spid="1038"/>
+                                        </p:tgtEl>
+                                        <p:attrNameLst>
+                                          <p:attrName>style.visibility</p:attrName>
+                                        </p:attrNameLst>
+                                      </p:cBhvr>
+                                      <p:to>
+                                        <p:strVal val="visible"/>
+                                      </p:to>
+                                    </p:set>
+                                    <p:animEffect transition="in" filter="barn(inVertical)">
+                                      <p:cBhvr>
+                                        <p:cTn id="111" dur="500"/>
+                                        <p:tgtEl>
+                                          <p:spTgt spid="1038"/>
+                                        </p:tgtEl>
+                                      </p:cBhvr>
+                                    </p:animEffect>
+                                  </p:childTnLst>
+                                </p:cTn>
+                              </p:par>
+                              <p:par>
+                                <p:cTn id="112" presetID="13" presetClass="entr" presetSubtype="32" fill="hold" nodeType="withEffect">
+                                  <p:stCondLst>
+                                    <p:cond delay="0"/>
+                                  </p:stCondLst>
+                                  <p:childTnLst>
+                                    <p:set>
+                                      <p:cBhvr>
+                                        <p:cTn id="113" dur="1" fill="hold">
+                                          <p:stCondLst>
+                                            <p:cond delay="0"/>
+                                          </p:stCondLst>
+                                        </p:cTn>
+                                        <p:tgtEl>
+                                          <p:spTgt spid="1040"/>
+                                        </p:tgtEl>
+                                        <p:attrNameLst>
+                                          <p:attrName>style.visibility</p:attrName>
+                                        </p:attrNameLst>
+                                      </p:cBhvr>
+                                      <p:to>
+                                        <p:strVal val="visible"/>
+                                      </p:to>
+                                    </p:set>
+                                    <p:animEffect transition="in" filter="plus(out)">
+                                      <p:cBhvr>
+                                        <p:cTn id="114" dur="500"/>
+                                        <p:tgtEl>
+                                          <p:spTgt spid="1040"/>
+                                        </p:tgtEl>
+                                      </p:cBhvr>
+                                    </p:animEffect>
                                   </p:childTnLst>
                                 </p:cTn>
                               </p:par>
@@ -10795,9 +14485,103 @@
   <p:timing>
     <p:tnLst>
       <p:par>
-        <p:cTn id="1" dur="indefinite" restart="never" nodeType="tmRoot"/>
+        <p:cTn id="1" dur="indefinite" restart="never" nodeType="tmRoot">
+          <p:childTnLst>
+            <p:seq concurrent="1" nextAc="seek">
+              <p:cTn id="2" dur="indefinite" nodeType="mainSeq">
+                <p:childTnLst>
+                  <p:par>
+                    <p:cTn id="3" fill="hold">
+                      <p:stCondLst>
+                        <p:cond delay="indefinite"/>
+                        <p:cond evt="onBegin" delay="0">
+                          <p:tn val="2"/>
+                        </p:cond>
+                      </p:stCondLst>
+                      <p:childTnLst>
+                        <p:par>
+                          <p:cTn id="4" fill="hold">
+                            <p:stCondLst>
+                              <p:cond delay="0"/>
+                            </p:stCondLst>
+                            <p:childTnLst>
+                              <p:par>
+                                <p:cTn id="5" presetID="4" presetClass="path" presetSubtype="0" accel="50000" decel="50000" fill="hold" grpId="0" nodeType="afterEffect">
+                                  <p:stCondLst>
+                                    <p:cond delay="0"/>
+                                  </p:stCondLst>
+                                  <p:childTnLst>
+                                    <p:animMotion origin="layout" path="M 0 0 L 0.125 0 L 0.188 0.109 L 0.125 0.217 L 0 0.217 L -0.063 0.109 L 0 0 Z" pathEditMode="relative" ptsTypes="">
+                                      <p:cBhvr>
+                                        <p:cTn id="6" dur="2000" fill="hold"/>
+                                        <p:tgtEl>
+                                          <p:spTgt spid="2"/>
+                                        </p:tgtEl>
+                                        <p:attrNameLst>
+                                          <p:attrName>ppt_x</p:attrName>
+                                          <p:attrName>ppt_y</p:attrName>
+                                        </p:attrNameLst>
+                                      </p:cBhvr>
+                                    </p:animMotion>
+                                  </p:childTnLst>
+                                </p:cTn>
+                              </p:par>
+                              <p:par>
+                                <p:cTn id="7" presetID="0" presetClass="path" presetSubtype="0" accel="50000" decel="50000" fill="hold" grpId="0" nodeType="withEffect">
+                                  <p:stCondLst>
+                                    <p:cond delay="0"/>
+                                  </p:stCondLst>
+                                  <p:childTnLst>
+                                    <p:animMotion origin="layout" path="M 0 0 L 0 0 C 0.00039 -0.1581 0.00039 -0.3162 0.00117 -0.47407 C 0.00117 -0.48657 0.00261 -0.49676 0.00469 -0.50787 C 0.00508 -0.51273 0.00638 -0.53032 0.00703 -0.53542 C 0.00729 -0.53773 0.00781 -0.53982 0.0082 -0.5419 C 0.00873 -0.54745 0.00899 -0.55324 0.00951 -0.5588 C 0.00977 -0.56227 0.01055 -0.56574 0.01068 -0.56944 C 0.01094 -0.57569 0.01068 -0.58194 0.01068 -0.58843 L 0.56784 -0.59676 L 0.53802 0.03819 L 0 0 Z " pathEditMode="relative" ptsTypes="AAAAAAAAAAAA">
+                                      <p:cBhvr>
+                                        <p:cTn id="8" dur="2000" fill="hold"/>
+                                        <p:tgtEl>
+                                          <p:spTgt spid="3">
+                                            <p:txEl>
+                                              <p:pRg st="0" end="0"/>
+                                            </p:txEl>
+                                          </p:spTgt>
+                                        </p:tgtEl>
+                                        <p:attrNameLst>
+                                          <p:attrName>ppt_x</p:attrName>
+                                          <p:attrName>ppt_y</p:attrName>
+                                        </p:attrNameLst>
+                                      </p:cBhvr>
+                                    </p:animMotion>
+                                  </p:childTnLst>
+                                </p:cTn>
+                              </p:par>
+                            </p:childTnLst>
+                          </p:cTn>
+                        </p:par>
+                      </p:childTnLst>
+                    </p:cTn>
+                  </p:par>
+                </p:childTnLst>
+              </p:cTn>
+              <p:prevCondLst>
+                <p:cond evt="onPrev" delay="0">
+                  <p:tgtEl>
+                    <p:sldTgt/>
+                  </p:tgtEl>
+                </p:cond>
+              </p:prevCondLst>
+              <p:nextCondLst>
+                <p:cond evt="onNext" delay="0">
+                  <p:tgtEl>
+                    <p:sldTgt/>
+                  </p:tgtEl>
+                </p:cond>
+              </p:nextCondLst>
+            </p:seq>
+          </p:childTnLst>
+        </p:cTn>
       </p:par>
     </p:tnLst>
+    <p:bldLst>
+      <p:bldP spid="2" grpId="0"/>
+      <p:bldP spid="3" grpId="0" build="p"/>
+    </p:bldLst>
   </p:timing>
 </p:sld>
 </file>

--- a/ÁcsBenjámin.pptx
+++ b/ÁcsBenjámin.pptx
@@ -306,7 +306,7 @@
           <a:p>
             <a:fld id="{1FBE6F4E-83DD-4E98-AD18-B1A817740B5F}" type="datetimeFigureOut">
               <a:rPr lang="hu-HU" smtClean="0"/>
-              <a:t>2022.09.21.</a:t>
+              <a:t>2022.09.22.</a:t>
             </a:fld>
             <a:endParaRPr lang="hu-HU"/>
           </a:p>
@@ -644,7 +644,7 @@
           <a:p>
             <a:fld id="{1FBE6F4E-83DD-4E98-AD18-B1A817740B5F}" type="datetimeFigureOut">
               <a:rPr lang="hu-HU" smtClean="0"/>
-              <a:t>2022.09.21.</a:t>
+              <a:t>2022.09.22.</a:t>
             </a:fld>
             <a:endParaRPr lang="hu-HU"/>
           </a:p>
@@ -1045,7 +1045,7 @@
           <a:p>
             <a:fld id="{1FBE6F4E-83DD-4E98-AD18-B1A817740B5F}" type="datetimeFigureOut">
               <a:rPr lang="hu-HU" smtClean="0"/>
-              <a:t>2022.09.21.</a:t>
+              <a:t>2022.09.22.</a:t>
             </a:fld>
             <a:endParaRPr lang="hu-HU"/>
           </a:p>
@@ -1381,7 +1381,7 @@
           <a:p>
             <a:fld id="{1FBE6F4E-83DD-4E98-AD18-B1A817740B5F}" type="datetimeFigureOut">
               <a:rPr lang="hu-HU" smtClean="0"/>
-              <a:t>2022.09.21.</a:t>
+              <a:t>2022.09.22.</a:t>
             </a:fld>
             <a:endParaRPr lang="hu-HU"/>
           </a:p>
@@ -1701,7 +1701,7 @@
           <a:p>
             <a:fld id="{1FBE6F4E-83DD-4E98-AD18-B1A817740B5F}" type="datetimeFigureOut">
               <a:rPr lang="hu-HU" smtClean="0"/>
-              <a:t>2022.09.21.</a:t>
+              <a:t>2022.09.22.</a:t>
             </a:fld>
             <a:endParaRPr lang="hu-HU"/>
           </a:p>
@@ -2097,7 +2097,7 @@
           <a:p>
             <a:fld id="{1FBE6F4E-83DD-4E98-AD18-B1A817740B5F}" type="datetimeFigureOut">
               <a:rPr lang="hu-HU" smtClean="0"/>
-              <a:t>2022.09.21.</a:t>
+              <a:t>2022.09.22.</a:t>
             </a:fld>
             <a:endParaRPr lang="hu-HU"/>
           </a:p>
@@ -2354,7 +2354,7 @@
           <a:p>
             <a:fld id="{1FBE6F4E-83DD-4E98-AD18-B1A817740B5F}" type="datetimeFigureOut">
               <a:rPr lang="hu-HU" smtClean="0"/>
-              <a:t>2022.09.21.</a:t>
+              <a:t>2022.09.22.</a:t>
             </a:fld>
             <a:endParaRPr lang="hu-HU"/>
           </a:p>
@@ -2616,7 +2616,7 @@
           <a:p>
             <a:fld id="{1FBE6F4E-83DD-4E98-AD18-B1A817740B5F}" type="datetimeFigureOut">
               <a:rPr lang="hu-HU" smtClean="0"/>
-              <a:t>2022.09.21.</a:t>
+              <a:t>2022.09.22.</a:t>
             </a:fld>
             <a:endParaRPr lang="hu-HU"/>
           </a:p>
@@ -2878,7 +2878,7 @@
           <a:p>
             <a:fld id="{1FBE6F4E-83DD-4E98-AD18-B1A817740B5F}" type="datetimeFigureOut">
               <a:rPr lang="hu-HU" smtClean="0"/>
-              <a:t>2022.09.21.</a:t>
+              <a:t>2022.09.22.</a:t>
             </a:fld>
             <a:endParaRPr lang="hu-HU"/>
           </a:p>
@@ -3207,7 +3207,7 @@
           <a:p>
             <a:fld id="{1FBE6F4E-83DD-4E98-AD18-B1A817740B5F}" type="datetimeFigureOut">
               <a:rPr lang="hu-HU" smtClean="0"/>
-              <a:t>2022.09.21.</a:t>
+              <a:t>2022.09.22.</a:t>
             </a:fld>
             <a:endParaRPr lang="hu-HU"/>
           </a:p>
@@ -3530,7 +3530,7 @@
           <a:p>
             <a:fld id="{1FBE6F4E-83DD-4E98-AD18-B1A817740B5F}" type="datetimeFigureOut">
               <a:rPr lang="hu-HU" smtClean="0"/>
-              <a:t>2022.09.21.</a:t>
+              <a:t>2022.09.22.</a:t>
             </a:fld>
             <a:endParaRPr lang="hu-HU"/>
           </a:p>
@@ -3987,7 +3987,7 @@
           <a:p>
             <a:fld id="{1FBE6F4E-83DD-4E98-AD18-B1A817740B5F}" type="datetimeFigureOut">
               <a:rPr lang="hu-HU" smtClean="0"/>
-              <a:t>2022.09.21.</a:t>
+              <a:t>2022.09.22.</a:t>
             </a:fld>
             <a:endParaRPr lang="hu-HU"/>
           </a:p>
@@ -4192,7 +4192,7 @@
           <a:p>
             <a:fld id="{1FBE6F4E-83DD-4E98-AD18-B1A817740B5F}" type="datetimeFigureOut">
               <a:rPr lang="hu-HU" smtClean="0"/>
-              <a:t>2022.09.21.</a:t>
+              <a:t>2022.09.22.</a:t>
             </a:fld>
             <a:endParaRPr lang="hu-HU"/>
           </a:p>
@@ -4369,7 +4369,7 @@
           <a:p>
             <a:fld id="{1FBE6F4E-83DD-4E98-AD18-B1A817740B5F}" type="datetimeFigureOut">
               <a:rPr lang="hu-HU" smtClean="0"/>
-              <a:t>2022.09.21.</a:t>
+              <a:t>2022.09.22.</a:t>
             </a:fld>
             <a:endParaRPr lang="hu-HU"/>
           </a:p>
@@ -4702,7 +4702,7 @@
           <a:p>
             <a:fld id="{1FBE6F4E-83DD-4E98-AD18-B1A817740B5F}" type="datetimeFigureOut">
               <a:rPr lang="hu-HU" smtClean="0"/>
-              <a:t>2022.09.21.</a:t>
+              <a:t>2022.09.22.</a:t>
             </a:fld>
             <a:endParaRPr lang="hu-HU"/>
           </a:p>
@@ -5047,7 +5047,7 @@
           <a:p>
             <a:fld id="{1FBE6F4E-83DD-4E98-AD18-B1A817740B5F}" type="datetimeFigureOut">
               <a:rPr lang="hu-HU" smtClean="0"/>
-              <a:t>2022.09.21.</a:t>
+              <a:t>2022.09.22.</a:t>
             </a:fld>
             <a:endParaRPr lang="hu-HU"/>
           </a:p>
@@ -7101,7 +7101,7 @@
           <a:p>
             <a:fld id="{1FBE6F4E-83DD-4E98-AD18-B1A817740B5F}" type="datetimeFigureOut">
               <a:rPr lang="hu-HU" smtClean="0"/>
-              <a:t>2022.09.21.</a:t>
+              <a:t>2022.09.22.</a:t>
             </a:fld>
             <a:endParaRPr lang="hu-HU"/>
           </a:p>
@@ -9836,6 +9836,88 @@
           </a:extLst>
         </p:spPr>
       </p:pic>
+      <p:pic>
+        <p:nvPicPr>
+          <p:cNvPr id="1026" name="Picture 2" descr="Huion Foldable Stand ST300 for 15.6-inch Display | Huion Official Store: Drawing  Tablets, Pen Tablets, Pen Display, Led Light Pad"/>
+          <p:cNvPicPr>
+            <a:picLocks noChangeAspect="1" noChangeArrowheads="1"/>
+          </p:cNvPicPr>
+          <p:nvPr/>
+        </p:nvPicPr>
+        <p:blipFill>
+          <a:blip r:embed="rId5">
+            <a:extLst>
+              <a:ext uri="{28A0092B-C50C-407E-A947-70E740481C1C}">
+                <a14:useLocalDpi xmlns:a14="http://schemas.microsoft.com/office/drawing/2010/main" val="0"/>
+              </a:ext>
+            </a:extLst>
+          </a:blip>
+          <a:srcRect/>
+          <a:stretch>
+            <a:fillRect/>
+          </a:stretch>
+        </p:blipFill>
+        <p:spPr bwMode="auto">
+          <a:xfrm>
+            <a:off x="5464615" y="1991128"/>
+            <a:ext cx="6311401" cy="4189832"/>
+          </a:xfrm>
+          <a:prstGeom prst="rect">
+            <a:avLst/>
+          </a:prstGeom>
+          <a:noFill/>
+          <a:extLst>
+            <a:ext uri="{909E8E84-426E-40DD-AFC4-6F175D3DCCD1}">
+              <a14:hiddenFill xmlns:a14="http://schemas.microsoft.com/office/drawing/2010/main">
+                <a:solidFill>
+                  <a:srgbClr val="FFFFFF"/>
+                </a:solidFill>
+              </a14:hiddenFill>
+            </a:ext>
+          </a:extLst>
+        </p:spPr>
+      </p:pic>
+      <p:pic>
+        <p:nvPicPr>
+          <p:cNvPr id="1028" name="Picture 4" descr="Szemüveg törlőkendő | VisionExpress"/>
+          <p:cNvPicPr>
+            <a:picLocks noChangeAspect="1" noChangeArrowheads="1"/>
+          </p:cNvPicPr>
+          <p:nvPr/>
+        </p:nvPicPr>
+        <p:blipFill>
+          <a:blip r:embed="rId6">
+            <a:extLst>
+              <a:ext uri="{28A0092B-C50C-407E-A947-70E740481C1C}">
+                <a14:useLocalDpi xmlns:a14="http://schemas.microsoft.com/office/drawing/2010/main" val="0"/>
+              </a:ext>
+            </a:extLst>
+          </a:blip>
+          <a:srcRect/>
+          <a:stretch>
+            <a:fillRect/>
+          </a:stretch>
+        </p:blipFill>
+        <p:spPr bwMode="auto">
+          <a:xfrm>
+            <a:off x="4494403" y="1929384"/>
+            <a:ext cx="8480425" cy="4240213"/>
+          </a:xfrm>
+          <a:prstGeom prst="rect">
+            <a:avLst/>
+          </a:prstGeom>
+          <a:noFill/>
+          <a:extLst>
+            <a:ext uri="{909E8E84-426E-40DD-AFC4-6F175D3DCCD1}">
+              <a14:hiddenFill xmlns:a14="http://schemas.microsoft.com/office/drawing/2010/main">
+                <a:solidFill>
+                  <a:srgbClr val="FFFFFF"/>
+                </a:solidFill>
+              </a14:hiddenFill>
+            </a:ext>
+          </a:extLst>
+        </p:spPr>
+      </p:pic>
     </p:spTree>
     <p:extLst>
       <p:ext uri="{BB962C8B-B14F-4D97-AF65-F5344CB8AC3E}">
@@ -10530,6 +10612,975 @@
                                         <p:cTn id="47" dur="500"/>
                                         <p:tgtEl>
                                           <p:spTgt spid="3078"/>
+                                        </p:tgtEl>
+                                      </p:cBhvr>
+                                    </p:animEffect>
+                                  </p:childTnLst>
+                                </p:cTn>
+                              </p:par>
+                            </p:childTnLst>
+                          </p:cTn>
+                        </p:par>
+                      </p:childTnLst>
+                    </p:cTn>
+                  </p:par>
+                  <p:par>
+                    <p:cTn id="48" fill="hold">
+                      <p:stCondLst>
+                        <p:cond delay="indefinite"/>
+                      </p:stCondLst>
+                      <p:childTnLst>
+                        <p:par>
+                          <p:cTn id="49" fill="hold">
+                            <p:stCondLst>
+                              <p:cond delay="0"/>
+                            </p:stCondLst>
+                            <p:childTnLst>
+                              <p:par>
+                                <p:cTn id="50" presetID="2" presetClass="entr" presetSubtype="8" fill="hold" nodeType="clickEffect">
+                                  <p:stCondLst>
+                                    <p:cond delay="0"/>
+                                  </p:stCondLst>
+                                  <p:childTnLst>
+                                    <p:set>
+                                      <p:cBhvr>
+                                        <p:cTn id="51" dur="1" fill="hold">
+                                          <p:stCondLst>
+                                            <p:cond delay="0"/>
+                                          </p:stCondLst>
+                                        </p:cTn>
+                                        <p:tgtEl>
+                                          <p:spTgt spid="3">
+                                            <p:txEl>
+                                              <p:pRg st="6" end="6"/>
+                                            </p:txEl>
+                                          </p:spTgt>
+                                        </p:tgtEl>
+                                        <p:attrNameLst>
+                                          <p:attrName>style.visibility</p:attrName>
+                                        </p:attrNameLst>
+                                      </p:cBhvr>
+                                      <p:to>
+                                        <p:strVal val="visible"/>
+                                      </p:to>
+                                    </p:set>
+                                    <p:anim calcmode="lin" valueType="num">
+                                      <p:cBhvr additive="base">
+                                        <p:cTn id="52" dur="500" fill="hold"/>
+                                        <p:tgtEl>
+                                          <p:spTgt spid="3">
+                                            <p:txEl>
+                                              <p:pRg st="6" end="6"/>
+                                            </p:txEl>
+                                          </p:spTgt>
+                                        </p:tgtEl>
+                                        <p:attrNameLst>
+                                          <p:attrName>ppt_x</p:attrName>
+                                        </p:attrNameLst>
+                                      </p:cBhvr>
+                                      <p:tavLst>
+                                        <p:tav tm="0">
+                                          <p:val>
+                                            <p:strVal val="0-#ppt_w/2"/>
+                                          </p:val>
+                                        </p:tav>
+                                        <p:tav tm="100000">
+                                          <p:val>
+                                            <p:strVal val="#ppt_x"/>
+                                          </p:val>
+                                        </p:tav>
+                                      </p:tavLst>
+                                    </p:anim>
+                                    <p:anim calcmode="lin" valueType="num">
+                                      <p:cBhvr additive="base">
+                                        <p:cTn id="53" dur="500" fill="hold"/>
+                                        <p:tgtEl>
+                                          <p:spTgt spid="3">
+                                            <p:txEl>
+                                              <p:pRg st="6" end="6"/>
+                                            </p:txEl>
+                                          </p:spTgt>
+                                        </p:tgtEl>
+                                        <p:attrNameLst>
+                                          <p:attrName>ppt_y</p:attrName>
+                                        </p:attrNameLst>
+                                      </p:cBhvr>
+                                      <p:tavLst>
+                                        <p:tav tm="0">
+                                          <p:val>
+                                            <p:strVal val="#ppt_y"/>
+                                          </p:val>
+                                        </p:tav>
+                                        <p:tav tm="100000">
+                                          <p:val>
+                                            <p:strVal val="#ppt_y"/>
+                                          </p:val>
+                                        </p:tav>
+                                      </p:tavLst>
+                                    </p:anim>
+                                  </p:childTnLst>
+                                </p:cTn>
+                              </p:par>
+                            </p:childTnLst>
+                          </p:cTn>
+                        </p:par>
+                        <p:par>
+                          <p:cTn id="54" fill="hold">
+                            <p:stCondLst>
+                              <p:cond delay="500"/>
+                            </p:stCondLst>
+                            <p:childTnLst>
+                              <p:par>
+                                <p:cTn id="55" presetID="25" presetClass="exit" presetSubtype="0" fill="hold" nodeType="afterEffect">
+                                  <p:stCondLst>
+                                    <p:cond delay="0"/>
+                                  </p:stCondLst>
+                                  <p:childTnLst>
+                                    <p:animEffect transition="out" filter="fade">
+                                      <p:cBhvr>
+                                        <p:cTn id="56" dur="500" accel="50000">
+                                          <p:stCondLst>
+                                            <p:cond delay="0"/>
+                                          </p:stCondLst>
+                                        </p:cTn>
+                                        <p:tgtEl>
+                                          <p:spTgt spid="3078"/>
+                                        </p:tgtEl>
+                                      </p:cBhvr>
+                                    </p:animEffect>
+                                    <p:anim calcmode="lin" valueType="num">
+                                      <p:cBhvr>
+                                        <p:cTn id="57" dur="250" accel="50000">
+                                          <p:stCondLst>
+                                            <p:cond delay="0"/>
+                                          </p:stCondLst>
+                                        </p:cTn>
+                                        <p:tgtEl>
+                                          <p:spTgt spid="3078"/>
+                                        </p:tgtEl>
+                                        <p:attrNameLst>
+                                          <p:attrName>ppt_y</p:attrName>
+                                        </p:attrNameLst>
+                                      </p:cBhvr>
+                                      <p:tavLst>
+                                        <p:tav tm="0">
+                                          <p:val>
+                                            <p:strVal val="ppt_y"/>
+                                          </p:val>
+                                        </p:tav>
+                                        <p:tav tm="100000">
+                                          <p:val>
+                                            <p:strVal val="ppt_y+.1"/>
+                                          </p:val>
+                                        </p:tav>
+                                      </p:tavLst>
+                                    </p:anim>
+                                    <p:anim calcmode="lin" valueType="num">
+                                      <p:cBhvr>
+                                        <p:cTn id="58" dur="250" decel="50000">
+                                          <p:stCondLst>
+                                            <p:cond delay="250"/>
+                                          </p:stCondLst>
+                                        </p:cTn>
+                                        <p:tgtEl>
+                                          <p:spTgt spid="3078"/>
+                                        </p:tgtEl>
+                                        <p:attrNameLst>
+                                          <p:attrName>ppt_y</p:attrName>
+                                        </p:attrNameLst>
+                                      </p:cBhvr>
+                                      <p:tavLst>
+                                        <p:tav tm="0">
+                                          <p:val>
+                                            <p:strVal val="ppt_y"/>
+                                          </p:val>
+                                        </p:tav>
+                                        <p:tav tm="100000">
+                                          <p:val>
+                                            <p:strVal val="ppt_y-.1"/>
+                                          </p:val>
+                                        </p:tav>
+                                      </p:tavLst>
+                                    </p:anim>
+                                    <p:anim calcmode="lin" valueType="num">
+                                      <p:cBhvr>
+                                        <p:cTn id="59" dur="250" accel="50000">
+                                          <p:stCondLst>
+                                            <p:cond delay="250"/>
+                                          </p:stCondLst>
+                                        </p:cTn>
+                                        <p:tgtEl>
+                                          <p:spTgt spid="3078"/>
+                                        </p:tgtEl>
+                                        <p:attrNameLst>
+                                          <p:attrName>ppt_x</p:attrName>
+                                        </p:attrNameLst>
+                                      </p:cBhvr>
+                                      <p:tavLst>
+                                        <p:tav tm="0">
+                                          <p:val>
+                                            <p:strVal val="ppt_x"/>
+                                          </p:val>
+                                        </p:tav>
+                                        <p:tav tm="100000">
+                                          <p:val>
+                                            <p:strVal val="ppt_x+.4"/>
+                                          </p:val>
+                                        </p:tav>
+                                      </p:tavLst>
+                                    </p:anim>
+                                    <p:anim calcmode="lin" valueType="num">
+                                      <p:cBhvr>
+                                        <p:cTn id="60" dur="500"/>
+                                        <p:tgtEl>
+                                          <p:spTgt spid="3078"/>
+                                        </p:tgtEl>
+                                        <p:attrNameLst>
+                                          <p:attrName>ppt_h</p:attrName>
+                                        </p:attrNameLst>
+                                      </p:cBhvr>
+                                      <p:tavLst>
+                                        <p:tav tm="0">
+                                          <p:val>
+                                            <p:strVal val="ppt_h"/>
+                                          </p:val>
+                                        </p:tav>
+                                        <p:tav tm="100000">
+                                          <p:val>
+                                            <p:strVal val="ppt_h"/>
+                                          </p:val>
+                                        </p:tav>
+                                      </p:tavLst>
+                                    </p:anim>
+                                    <p:anim calcmode="lin" valueType="num">
+                                      <p:cBhvr>
+                                        <p:cTn id="61" dur="250" accel="50000">
+                                          <p:stCondLst>
+                                            <p:cond delay="0"/>
+                                          </p:stCondLst>
+                                        </p:cTn>
+                                        <p:tgtEl>
+                                          <p:spTgt spid="3078"/>
+                                        </p:tgtEl>
+                                        <p:attrNameLst>
+                                          <p:attrName>ppt_w</p:attrName>
+                                        </p:attrNameLst>
+                                      </p:cBhvr>
+                                      <p:tavLst>
+                                        <p:tav tm="0">
+                                          <p:val>
+                                            <p:strVal val="ppt_w"/>
+                                          </p:val>
+                                        </p:tav>
+                                        <p:tav tm="100000">
+                                          <p:val>
+                                            <p:strVal val="ppt_w*.05"/>
+                                          </p:val>
+                                        </p:tav>
+                                      </p:tavLst>
+                                    </p:anim>
+                                    <p:anim calcmode="lin" valueType="num">
+                                      <p:cBhvr>
+                                        <p:cTn id="62" dur="250" decel="50000">
+                                          <p:stCondLst>
+                                            <p:cond delay="250"/>
+                                          </p:stCondLst>
+                                        </p:cTn>
+                                        <p:tgtEl>
+                                          <p:spTgt spid="3078"/>
+                                        </p:tgtEl>
+                                        <p:attrNameLst>
+                                          <p:attrName>ppt_w</p:attrName>
+                                        </p:attrNameLst>
+                                      </p:cBhvr>
+                                      <p:tavLst>
+                                        <p:tav tm="0">
+                                          <p:val>
+                                            <p:strVal val="ppt_w"/>
+                                          </p:val>
+                                        </p:tav>
+                                        <p:tav tm="100000">
+                                          <p:val>
+                                            <p:strVal val="ppt_w/.05"/>
+                                          </p:val>
+                                        </p:tav>
+                                      </p:tavLst>
+                                    </p:anim>
+                                    <p:anim calcmode="lin" valueType="num">
+                                      <p:cBhvr>
+                                        <p:cTn id="63" dur="250" accel="50000">
+                                          <p:stCondLst>
+                                            <p:cond delay="250"/>
+                                          </p:stCondLst>
+                                        </p:cTn>
+                                        <p:tgtEl>
+                                          <p:spTgt spid="3078"/>
+                                        </p:tgtEl>
+                                        <p:attrNameLst>
+                                          <p:attrName>style.rotation</p:attrName>
+                                        </p:attrNameLst>
+                                      </p:cBhvr>
+                                      <p:tavLst>
+                                        <p:tav tm="0">
+                                          <p:val>
+                                            <p:fltVal val="0"/>
+                                          </p:val>
+                                        </p:tav>
+                                        <p:tav tm="100000">
+                                          <p:val>
+                                            <p:fltVal val="-90"/>
+                                          </p:val>
+                                        </p:tav>
+                                      </p:tavLst>
+                                    </p:anim>
+                                    <p:set>
+                                      <p:cBhvr>
+                                        <p:cTn id="64" dur="1" fill="hold">
+                                          <p:stCondLst>
+                                            <p:cond delay="499"/>
+                                          </p:stCondLst>
+                                        </p:cTn>
+                                        <p:tgtEl>
+                                          <p:spTgt spid="3078"/>
+                                        </p:tgtEl>
+                                        <p:attrNameLst>
+                                          <p:attrName>style.visibility</p:attrName>
+                                        </p:attrNameLst>
+                                      </p:cBhvr>
+                                      <p:to>
+                                        <p:strVal val="hidden"/>
+                                      </p:to>
+                                    </p:set>
+                                  </p:childTnLst>
+                                </p:cTn>
+                              </p:par>
+                              <p:par>
+                                <p:cTn id="65" presetID="25" presetClass="entr" presetSubtype="0" fill="hold" nodeType="withEffect">
+                                  <p:stCondLst>
+                                    <p:cond delay="0"/>
+                                  </p:stCondLst>
+                                  <p:childTnLst>
+                                    <p:set>
+                                      <p:cBhvr>
+                                        <p:cTn id="66" dur="1" fill="hold">
+                                          <p:stCondLst>
+                                            <p:cond delay="0"/>
+                                          </p:stCondLst>
+                                        </p:cTn>
+                                        <p:tgtEl>
+                                          <p:spTgt spid="1026"/>
+                                        </p:tgtEl>
+                                        <p:attrNameLst>
+                                          <p:attrName>style.visibility</p:attrName>
+                                        </p:attrNameLst>
+                                      </p:cBhvr>
+                                      <p:to>
+                                        <p:strVal val="visible"/>
+                                      </p:to>
+                                    </p:set>
+                                    <p:anim calcmode="lin" valueType="num">
+                                      <p:cBhvr>
+                                        <p:cTn id="67" dur="250" decel="50000" fill="hold">
+                                          <p:stCondLst>
+                                            <p:cond delay="0"/>
+                                          </p:stCondLst>
+                                        </p:cTn>
+                                        <p:tgtEl>
+                                          <p:spTgt spid="1026"/>
+                                        </p:tgtEl>
+                                        <p:attrNameLst>
+                                          <p:attrName>style.rotation</p:attrName>
+                                        </p:attrNameLst>
+                                      </p:cBhvr>
+                                      <p:tavLst>
+                                        <p:tav tm="0">
+                                          <p:val>
+                                            <p:fltVal val="-90"/>
+                                          </p:val>
+                                        </p:tav>
+                                        <p:tav tm="100000">
+                                          <p:val>
+                                            <p:fltVal val="0"/>
+                                          </p:val>
+                                        </p:tav>
+                                      </p:tavLst>
+                                    </p:anim>
+                                    <p:anim calcmode="lin" valueType="num">
+                                      <p:cBhvr>
+                                        <p:cTn id="68" dur="250" decel="50000" fill="hold">
+                                          <p:stCondLst>
+                                            <p:cond delay="0"/>
+                                          </p:stCondLst>
+                                        </p:cTn>
+                                        <p:tgtEl>
+                                          <p:spTgt spid="1026"/>
+                                        </p:tgtEl>
+                                        <p:attrNameLst>
+                                          <p:attrName>ppt_w</p:attrName>
+                                        </p:attrNameLst>
+                                      </p:cBhvr>
+                                      <p:tavLst>
+                                        <p:tav tm="0">
+                                          <p:val>
+                                            <p:strVal val="#ppt_w"/>
+                                          </p:val>
+                                        </p:tav>
+                                        <p:tav tm="100000">
+                                          <p:val>
+                                            <p:strVal val="#ppt_w*.05"/>
+                                          </p:val>
+                                        </p:tav>
+                                      </p:tavLst>
+                                    </p:anim>
+                                    <p:anim calcmode="lin" valueType="num">
+                                      <p:cBhvr>
+                                        <p:cTn id="69" dur="250" accel="50000" fill="hold">
+                                          <p:stCondLst>
+                                            <p:cond delay="250"/>
+                                          </p:stCondLst>
+                                        </p:cTn>
+                                        <p:tgtEl>
+                                          <p:spTgt spid="1026"/>
+                                        </p:tgtEl>
+                                        <p:attrNameLst>
+                                          <p:attrName>ppt_w</p:attrName>
+                                        </p:attrNameLst>
+                                      </p:cBhvr>
+                                      <p:tavLst>
+                                        <p:tav tm="0">
+                                          <p:val>
+                                            <p:strVal val="#ppt_w*.05"/>
+                                          </p:val>
+                                        </p:tav>
+                                        <p:tav tm="100000">
+                                          <p:val>
+                                            <p:strVal val="#ppt_w"/>
+                                          </p:val>
+                                        </p:tav>
+                                      </p:tavLst>
+                                    </p:anim>
+                                    <p:anim calcmode="lin" valueType="num">
+                                      <p:cBhvr>
+                                        <p:cTn id="70" dur="500" fill="hold"/>
+                                        <p:tgtEl>
+                                          <p:spTgt spid="1026"/>
+                                        </p:tgtEl>
+                                        <p:attrNameLst>
+                                          <p:attrName>ppt_h</p:attrName>
+                                        </p:attrNameLst>
+                                      </p:cBhvr>
+                                      <p:tavLst>
+                                        <p:tav tm="0">
+                                          <p:val>
+                                            <p:strVal val="#ppt_h"/>
+                                          </p:val>
+                                        </p:tav>
+                                        <p:tav tm="100000">
+                                          <p:val>
+                                            <p:strVal val="#ppt_h"/>
+                                          </p:val>
+                                        </p:tav>
+                                      </p:tavLst>
+                                    </p:anim>
+                                    <p:anim calcmode="lin" valueType="num">
+                                      <p:cBhvr>
+                                        <p:cTn id="71" dur="250" decel="50000" fill="hold">
+                                          <p:stCondLst>
+                                            <p:cond delay="0"/>
+                                          </p:stCondLst>
+                                        </p:cTn>
+                                        <p:tgtEl>
+                                          <p:spTgt spid="1026"/>
+                                        </p:tgtEl>
+                                        <p:attrNameLst>
+                                          <p:attrName>ppt_x</p:attrName>
+                                        </p:attrNameLst>
+                                      </p:cBhvr>
+                                      <p:tavLst>
+                                        <p:tav tm="0">
+                                          <p:val>
+                                            <p:strVal val="#ppt_x+.4"/>
+                                          </p:val>
+                                        </p:tav>
+                                        <p:tav tm="100000">
+                                          <p:val>
+                                            <p:strVal val="#ppt_x"/>
+                                          </p:val>
+                                        </p:tav>
+                                      </p:tavLst>
+                                    </p:anim>
+                                    <p:anim calcmode="lin" valueType="num">
+                                      <p:cBhvr>
+                                        <p:cTn id="72" dur="250" decel="50000" fill="hold">
+                                          <p:stCondLst>
+                                            <p:cond delay="0"/>
+                                          </p:stCondLst>
+                                        </p:cTn>
+                                        <p:tgtEl>
+                                          <p:spTgt spid="1026"/>
+                                        </p:tgtEl>
+                                        <p:attrNameLst>
+                                          <p:attrName>ppt_y</p:attrName>
+                                        </p:attrNameLst>
+                                      </p:cBhvr>
+                                      <p:tavLst>
+                                        <p:tav tm="0">
+                                          <p:val>
+                                            <p:strVal val="#ppt_y-.2"/>
+                                          </p:val>
+                                        </p:tav>
+                                        <p:tav tm="100000">
+                                          <p:val>
+                                            <p:strVal val="#ppt_y+.1"/>
+                                          </p:val>
+                                        </p:tav>
+                                      </p:tavLst>
+                                    </p:anim>
+                                    <p:anim calcmode="lin" valueType="num">
+                                      <p:cBhvr>
+                                        <p:cTn id="73" dur="250" accel="50000" fill="hold">
+                                          <p:stCondLst>
+                                            <p:cond delay="250"/>
+                                          </p:stCondLst>
+                                        </p:cTn>
+                                        <p:tgtEl>
+                                          <p:spTgt spid="1026"/>
+                                        </p:tgtEl>
+                                        <p:attrNameLst>
+                                          <p:attrName>ppt_y</p:attrName>
+                                        </p:attrNameLst>
+                                      </p:cBhvr>
+                                      <p:tavLst>
+                                        <p:tav tm="0">
+                                          <p:val>
+                                            <p:strVal val="#ppt_y+.1"/>
+                                          </p:val>
+                                        </p:tav>
+                                        <p:tav tm="100000">
+                                          <p:val>
+                                            <p:strVal val="#ppt_y"/>
+                                          </p:val>
+                                        </p:tav>
+                                      </p:tavLst>
+                                    </p:anim>
+                                    <p:animEffect transition="in" filter="fade">
+                                      <p:cBhvr>
+                                        <p:cTn id="74" dur="500" decel="50000">
+                                          <p:stCondLst>
+                                            <p:cond delay="0"/>
+                                          </p:stCondLst>
+                                        </p:cTn>
+                                        <p:tgtEl>
+                                          <p:spTgt spid="1026"/>
+                                        </p:tgtEl>
+                                      </p:cBhvr>
+                                    </p:animEffect>
+                                  </p:childTnLst>
+                                </p:cTn>
+                              </p:par>
+                            </p:childTnLst>
+                          </p:cTn>
+                        </p:par>
+                      </p:childTnLst>
+                    </p:cTn>
+                  </p:par>
+                  <p:par>
+                    <p:cTn id="75" fill="hold">
+                      <p:stCondLst>
+                        <p:cond delay="indefinite"/>
+                      </p:stCondLst>
+                      <p:childTnLst>
+                        <p:par>
+                          <p:cTn id="76" fill="hold">
+                            <p:stCondLst>
+                              <p:cond delay="0"/>
+                            </p:stCondLst>
+                            <p:childTnLst>
+                              <p:par>
+                                <p:cTn id="77" presetID="2" presetClass="entr" presetSubtype="8" fill="hold" nodeType="clickEffect">
+                                  <p:stCondLst>
+                                    <p:cond delay="0"/>
+                                  </p:stCondLst>
+                                  <p:childTnLst>
+                                    <p:set>
+                                      <p:cBhvr>
+                                        <p:cTn id="78" dur="1" fill="hold">
+                                          <p:stCondLst>
+                                            <p:cond delay="0"/>
+                                          </p:stCondLst>
+                                        </p:cTn>
+                                        <p:tgtEl>
+                                          <p:spTgt spid="3">
+                                            <p:txEl>
+                                              <p:pRg st="8" end="8"/>
+                                            </p:txEl>
+                                          </p:spTgt>
+                                        </p:tgtEl>
+                                        <p:attrNameLst>
+                                          <p:attrName>style.visibility</p:attrName>
+                                        </p:attrNameLst>
+                                      </p:cBhvr>
+                                      <p:to>
+                                        <p:strVal val="visible"/>
+                                      </p:to>
+                                    </p:set>
+                                    <p:anim calcmode="lin" valueType="num">
+                                      <p:cBhvr additive="base">
+                                        <p:cTn id="79" dur="500" fill="hold"/>
+                                        <p:tgtEl>
+                                          <p:spTgt spid="3">
+                                            <p:txEl>
+                                              <p:pRg st="8" end="8"/>
+                                            </p:txEl>
+                                          </p:spTgt>
+                                        </p:tgtEl>
+                                        <p:attrNameLst>
+                                          <p:attrName>ppt_x</p:attrName>
+                                        </p:attrNameLst>
+                                      </p:cBhvr>
+                                      <p:tavLst>
+                                        <p:tav tm="0">
+                                          <p:val>
+                                            <p:strVal val="0-#ppt_w/2"/>
+                                          </p:val>
+                                        </p:tav>
+                                        <p:tav tm="100000">
+                                          <p:val>
+                                            <p:strVal val="#ppt_x"/>
+                                          </p:val>
+                                        </p:tav>
+                                      </p:tavLst>
+                                    </p:anim>
+                                    <p:anim calcmode="lin" valueType="num">
+                                      <p:cBhvr additive="base">
+                                        <p:cTn id="80" dur="500" fill="hold"/>
+                                        <p:tgtEl>
+                                          <p:spTgt spid="3">
+                                            <p:txEl>
+                                              <p:pRg st="8" end="8"/>
+                                            </p:txEl>
+                                          </p:spTgt>
+                                        </p:tgtEl>
+                                        <p:attrNameLst>
+                                          <p:attrName>ppt_y</p:attrName>
+                                        </p:attrNameLst>
+                                      </p:cBhvr>
+                                      <p:tavLst>
+                                        <p:tav tm="0">
+                                          <p:val>
+                                            <p:strVal val="#ppt_y"/>
+                                          </p:val>
+                                        </p:tav>
+                                        <p:tav tm="100000">
+                                          <p:val>
+                                            <p:strVal val="#ppt_y"/>
+                                          </p:val>
+                                        </p:tav>
+                                      </p:tavLst>
+                                    </p:anim>
+                                  </p:childTnLst>
+                                </p:cTn>
+                              </p:par>
+                            </p:childTnLst>
+                          </p:cTn>
+                        </p:par>
+                        <p:par>
+                          <p:cTn id="81" fill="hold">
+                            <p:stCondLst>
+                              <p:cond delay="500"/>
+                            </p:stCondLst>
+                            <p:childTnLst>
+                              <p:par>
+                                <p:cTn id="82" presetID="28" presetClass="exit" presetSubtype="0" fill="hold" nodeType="afterEffect">
+                                  <p:stCondLst>
+                                    <p:cond delay="0"/>
+                                  </p:stCondLst>
+                                  <p:childTnLst>
+                                    <p:anim calcmode="lin" valueType="num">
+                                      <p:cBhvr>
+                                        <p:cTn id="83" dur="500"/>
+                                        <p:tgtEl>
+                                          <p:spTgt spid="1026"/>
+                                        </p:tgtEl>
+                                        <p:attrNameLst>
+                                          <p:attrName>ppt_x</p:attrName>
+                                        </p:attrNameLst>
+                                      </p:cBhvr>
+                                      <p:tavLst>
+                                        <p:tav tm="0">
+                                          <p:val>
+                                            <p:strVal val="ppt_x"/>
+                                          </p:val>
+                                        </p:tav>
+                                        <p:tav tm="100000">
+                                          <p:val>
+                                            <p:strVal val="ppt_x"/>
+                                          </p:val>
+                                        </p:tav>
+                                      </p:tavLst>
+                                    </p:anim>
+                                    <p:anim calcmode="lin" valueType="num">
+                                      <p:cBhvr>
+                                        <p:cTn id="84" dur="500"/>
+                                        <p:tgtEl>
+                                          <p:spTgt spid="1026"/>
+                                        </p:tgtEl>
+                                        <p:attrNameLst>
+                                          <p:attrName>ppt_y</p:attrName>
+                                        </p:attrNameLst>
+                                      </p:cBhvr>
+                                      <p:tavLst>
+                                        <p:tav tm="0">
+                                          <p:val>
+                                            <p:strVal val="ppt_y-1"/>
+                                          </p:val>
+                                        </p:tav>
+                                        <p:tav tm="100000">
+                                          <p:val>
+                                            <p:strVal val="ppt_y+1"/>
+                                          </p:val>
+                                        </p:tav>
+                                      </p:tavLst>
+                                    </p:anim>
+                                    <p:set>
+                                      <p:cBhvr>
+                                        <p:cTn id="85" dur="1" fill="hold">
+                                          <p:stCondLst>
+                                            <p:cond delay="499"/>
+                                          </p:stCondLst>
+                                        </p:cTn>
+                                        <p:tgtEl>
+                                          <p:spTgt spid="1026"/>
+                                        </p:tgtEl>
+                                        <p:attrNameLst>
+                                          <p:attrName>style.visibility</p:attrName>
+                                        </p:attrNameLst>
+                                      </p:cBhvr>
+                                      <p:to>
+                                        <p:strVal val="hidden"/>
+                                      </p:to>
+                                    </p:set>
+                                  </p:childTnLst>
+                                </p:cTn>
+                              </p:par>
+                              <p:par>
+                                <p:cTn id="86" presetID="25" presetClass="entr" presetSubtype="0" fill="hold" nodeType="withEffect">
+                                  <p:stCondLst>
+                                    <p:cond delay="0"/>
+                                  </p:stCondLst>
+                                  <p:childTnLst>
+                                    <p:set>
+                                      <p:cBhvr>
+                                        <p:cTn id="87" dur="1" fill="hold">
+                                          <p:stCondLst>
+                                            <p:cond delay="0"/>
+                                          </p:stCondLst>
+                                        </p:cTn>
+                                        <p:tgtEl>
+                                          <p:spTgt spid="1028"/>
+                                        </p:tgtEl>
+                                        <p:attrNameLst>
+                                          <p:attrName>style.visibility</p:attrName>
+                                        </p:attrNameLst>
+                                      </p:cBhvr>
+                                      <p:to>
+                                        <p:strVal val="visible"/>
+                                      </p:to>
+                                    </p:set>
+                                    <p:anim calcmode="lin" valueType="num">
+                                      <p:cBhvr>
+                                        <p:cTn id="88" dur="250" decel="50000" fill="hold">
+                                          <p:stCondLst>
+                                            <p:cond delay="0"/>
+                                          </p:stCondLst>
+                                        </p:cTn>
+                                        <p:tgtEl>
+                                          <p:spTgt spid="1028"/>
+                                        </p:tgtEl>
+                                        <p:attrNameLst>
+                                          <p:attrName>style.rotation</p:attrName>
+                                        </p:attrNameLst>
+                                      </p:cBhvr>
+                                      <p:tavLst>
+                                        <p:tav tm="0">
+                                          <p:val>
+                                            <p:fltVal val="-90"/>
+                                          </p:val>
+                                        </p:tav>
+                                        <p:tav tm="100000">
+                                          <p:val>
+                                            <p:fltVal val="0"/>
+                                          </p:val>
+                                        </p:tav>
+                                      </p:tavLst>
+                                    </p:anim>
+                                    <p:anim calcmode="lin" valueType="num">
+                                      <p:cBhvr>
+                                        <p:cTn id="89" dur="250" decel="50000" fill="hold">
+                                          <p:stCondLst>
+                                            <p:cond delay="0"/>
+                                          </p:stCondLst>
+                                        </p:cTn>
+                                        <p:tgtEl>
+                                          <p:spTgt spid="1028"/>
+                                        </p:tgtEl>
+                                        <p:attrNameLst>
+                                          <p:attrName>ppt_w</p:attrName>
+                                        </p:attrNameLst>
+                                      </p:cBhvr>
+                                      <p:tavLst>
+                                        <p:tav tm="0">
+                                          <p:val>
+                                            <p:strVal val="#ppt_w"/>
+                                          </p:val>
+                                        </p:tav>
+                                        <p:tav tm="100000">
+                                          <p:val>
+                                            <p:strVal val="#ppt_w*.05"/>
+                                          </p:val>
+                                        </p:tav>
+                                      </p:tavLst>
+                                    </p:anim>
+                                    <p:anim calcmode="lin" valueType="num">
+                                      <p:cBhvr>
+                                        <p:cTn id="90" dur="250" accel="50000" fill="hold">
+                                          <p:stCondLst>
+                                            <p:cond delay="250"/>
+                                          </p:stCondLst>
+                                        </p:cTn>
+                                        <p:tgtEl>
+                                          <p:spTgt spid="1028"/>
+                                        </p:tgtEl>
+                                        <p:attrNameLst>
+                                          <p:attrName>ppt_w</p:attrName>
+                                        </p:attrNameLst>
+                                      </p:cBhvr>
+                                      <p:tavLst>
+                                        <p:tav tm="0">
+                                          <p:val>
+                                            <p:strVal val="#ppt_w*.05"/>
+                                          </p:val>
+                                        </p:tav>
+                                        <p:tav tm="100000">
+                                          <p:val>
+                                            <p:strVal val="#ppt_w"/>
+                                          </p:val>
+                                        </p:tav>
+                                      </p:tavLst>
+                                    </p:anim>
+                                    <p:anim calcmode="lin" valueType="num">
+                                      <p:cBhvr>
+                                        <p:cTn id="91" dur="500" fill="hold"/>
+                                        <p:tgtEl>
+                                          <p:spTgt spid="1028"/>
+                                        </p:tgtEl>
+                                        <p:attrNameLst>
+                                          <p:attrName>ppt_h</p:attrName>
+                                        </p:attrNameLst>
+                                      </p:cBhvr>
+                                      <p:tavLst>
+                                        <p:tav tm="0">
+                                          <p:val>
+                                            <p:strVal val="#ppt_h"/>
+                                          </p:val>
+                                        </p:tav>
+                                        <p:tav tm="100000">
+                                          <p:val>
+                                            <p:strVal val="#ppt_h"/>
+                                          </p:val>
+                                        </p:tav>
+                                      </p:tavLst>
+                                    </p:anim>
+                                    <p:anim calcmode="lin" valueType="num">
+                                      <p:cBhvr>
+                                        <p:cTn id="92" dur="250" decel="50000" fill="hold">
+                                          <p:stCondLst>
+                                            <p:cond delay="0"/>
+                                          </p:stCondLst>
+                                        </p:cTn>
+                                        <p:tgtEl>
+                                          <p:spTgt spid="1028"/>
+                                        </p:tgtEl>
+                                        <p:attrNameLst>
+                                          <p:attrName>ppt_x</p:attrName>
+                                        </p:attrNameLst>
+                                      </p:cBhvr>
+                                      <p:tavLst>
+                                        <p:tav tm="0">
+                                          <p:val>
+                                            <p:strVal val="#ppt_x+.4"/>
+                                          </p:val>
+                                        </p:tav>
+                                        <p:tav tm="100000">
+                                          <p:val>
+                                            <p:strVal val="#ppt_x"/>
+                                          </p:val>
+                                        </p:tav>
+                                      </p:tavLst>
+                                    </p:anim>
+                                    <p:anim calcmode="lin" valueType="num">
+                                      <p:cBhvr>
+                                        <p:cTn id="93" dur="250" decel="50000" fill="hold">
+                                          <p:stCondLst>
+                                            <p:cond delay="0"/>
+                                          </p:stCondLst>
+                                        </p:cTn>
+                                        <p:tgtEl>
+                                          <p:spTgt spid="1028"/>
+                                        </p:tgtEl>
+                                        <p:attrNameLst>
+                                          <p:attrName>ppt_y</p:attrName>
+                                        </p:attrNameLst>
+                                      </p:cBhvr>
+                                      <p:tavLst>
+                                        <p:tav tm="0">
+                                          <p:val>
+                                            <p:strVal val="#ppt_y-.2"/>
+                                          </p:val>
+                                        </p:tav>
+                                        <p:tav tm="100000">
+                                          <p:val>
+                                            <p:strVal val="#ppt_y+.1"/>
+                                          </p:val>
+                                        </p:tav>
+                                      </p:tavLst>
+                                    </p:anim>
+                                    <p:anim calcmode="lin" valueType="num">
+                                      <p:cBhvr>
+                                        <p:cTn id="94" dur="250" accel="50000" fill="hold">
+                                          <p:stCondLst>
+                                            <p:cond delay="250"/>
+                                          </p:stCondLst>
+                                        </p:cTn>
+                                        <p:tgtEl>
+                                          <p:spTgt spid="1028"/>
+                                        </p:tgtEl>
+                                        <p:attrNameLst>
+                                          <p:attrName>ppt_y</p:attrName>
+                                        </p:attrNameLst>
+                                      </p:cBhvr>
+                                      <p:tavLst>
+                                        <p:tav tm="0">
+                                          <p:val>
+                                            <p:strVal val="#ppt_y+.1"/>
+                                          </p:val>
+                                        </p:tav>
+                                        <p:tav tm="100000">
+                                          <p:val>
+                                            <p:strVal val="#ppt_y"/>
+                                          </p:val>
+                                        </p:tav>
+                                      </p:tavLst>
+                                    </p:anim>
+                                    <p:animEffect transition="in" filter="fade">
+                                      <p:cBhvr>
+                                        <p:cTn id="95" dur="500" decel="50000">
+                                          <p:stCondLst>
+                                            <p:cond delay="0"/>
+                                          </p:stCondLst>
+                                        </p:cTn>
+                                        <p:tgtEl>
+                                          <p:spTgt spid="1028"/>
                                         </p:tgtEl>
                                       </p:cBhvr>
                                     </p:animEffect>
